--- a/03-why_use_custom_resources.pptx
+++ b/03-why_use_custom_resources.pptx
@@ -292,7 +292,7 @@
               <a:pPr>
                 <a:defRPr/>
               </a:pPr>
-              <a:t>2016-10-03</a:t>
+              <a:t>2016-10-05</a:t>
             </a:fld>
             <a:endParaRPr lang="en-US" dirty="0"/>
           </a:p>
@@ -475,7 +475,7 @@
               <a:pPr>
                 <a:defRPr/>
               </a:pPr>
-              <a:t>2016-10-03</a:t>
+              <a:t>2016-10-05</a:t>
             </a:fld>
             <a:endParaRPr lang="en-US" dirty="0"/>
           </a:p>
@@ -3471,14 +3471,14 @@
           </a:ln>
           <a:extLst>
             <a:ext uri="{909E8E84-426E-40dd-AFC4-6F175D3DCCD1}">
-              <a14:hiddenFill xmlns:a14="http://schemas.microsoft.com/office/drawing/2010/main" xmlns="">
+              <a14:hiddenFill xmlns="" xmlns:a14="http://schemas.microsoft.com/office/drawing/2010/main">
                 <a:solidFill>
                   <a:srgbClr val="FFFFFF"/>
                 </a:solidFill>
               </a14:hiddenFill>
             </a:ext>
             <a:ext uri="{91240B29-F687-4f45-9708-019B960494DF}">
-              <a14:hiddenLine xmlns:a14="http://schemas.microsoft.com/office/drawing/2010/main" xmlns="" w="9525">
+              <a14:hiddenLine xmlns="" xmlns:a14="http://schemas.microsoft.com/office/drawing/2010/main" w="9525">
                 <a:solidFill>
                   <a:srgbClr val="000000"/>
                 </a:solidFill>
@@ -3626,14 +3626,14 @@
           </a:ln>
           <a:extLst>
             <a:ext uri="{909E8E84-426E-40dd-AFC4-6F175D3DCCD1}">
-              <a14:hiddenFill xmlns:a14="http://schemas.microsoft.com/office/drawing/2010/main" xmlns="">
+              <a14:hiddenFill xmlns="" xmlns:a14="http://schemas.microsoft.com/office/drawing/2010/main">
                 <a:solidFill>
                   <a:srgbClr val="FFFFFF"/>
                 </a:solidFill>
               </a14:hiddenFill>
             </a:ext>
             <a:ext uri="{91240B29-F687-4f45-9708-019B960494DF}">
-              <a14:hiddenLine xmlns:a14="http://schemas.microsoft.com/office/drawing/2010/main" xmlns="" w="9525">
+              <a14:hiddenLine xmlns="" xmlns:a14="http://schemas.microsoft.com/office/drawing/2010/main" w="9525">
                 <a:solidFill>
                   <a:srgbClr val="000000"/>
                 </a:solidFill>
@@ -4124,14 +4124,14 @@
           </a:ln>
           <a:extLst>
             <a:ext uri="{909E8E84-426E-40dd-AFC4-6F175D3DCCD1}">
-              <a14:hiddenFill xmlns:a14="http://schemas.microsoft.com/office/drawing/2010/main" xmlns="">
+              <a14:hiddenFill xmlns="" xmlns:a14="http://schemas.microsoft.com/office/drawing/2010/main">
                 <a:solidFill>
                   <a:srgbClr val="FFFFFF"/>
                 </a:solidFill>
               </a14:hiddenFill>
             </a:ext>
             <a:ext uri="{91240B29-F687-4f45-9708-019B960494DF}">
-              <a14:hiddenLine xmlns:a14="http://schemas.microsoft.com/office/drawing/2010/main" xmlns="" w="9525">
+              <a14:hiddenLine xmlns="" xmlns:a14="http://schemas.microsoft.com/office/drawing/2010/main" w="9525">
                 <a:solidFill>
                   <a:srgbClr val="000000"/>
                 </a:solidFill>
@@ -4160,7 +4160,930 @@
 </file>
 
 <file path=ppt/slideLayouts/slideLayout13.xml><?xml version="1.0" encoding="utf-8"?>
-<p:sldLayout xmlns:a="http://schemas.openxmlformats.org/drawingml/2006/main" xmlns:r="http://schemas.openxmlformats.org/officeDocument/2006/relationships" xmlns:p="http://schemas.openxmlformats.org/presentationml/2006/main" userDrawn="1">
+<p:sldLayout xmlns:a="http://schemas.openxmlformats.org/drawingml/2006/main" xmlns:r="http://schemas.openxmlformats.org/officeDocument/2006/relationships" xmlns:p="http://schemas.openxmlformats.org/presentationml/2006/main" preserve="1" userDrawn="1">
+  <p:cSld name="Motivation">
+    <p:spTree>
+      <p:nvGrpSpPr>
+        <p:cNvPr id="1" name=""/>
+        <p:cNvGrpSpPr/>
+        <p:nvPr/>
+      </p:nvGrpSpPr>
+      <p:grpSpPr>
+        <a:xfrm>
+          <a:off x="0" y="0"/>
+          <a:ext cx="0" cy="0"/>
+          <a:chOff x="0" y="0"/>
+          <a:chExt cx="0" cy="0"/>
+        </a:xfrm>
+      </p:grpSpPr>
+      <p:sp>
+        <p:nvSpPr>
+          <p:cNvPr id="5" name="TextBox 4"/>
+          <p:cNvSpPr txBox="1"/>
+          <p:nvPr/>
+        </p:nvSpPr>
+        <p:spPr bwMode="white">
+          <a:xfrm>
+            <a:off x="136960" y="128323"/>
+            <a:ext cx="13979932" cy="2378219"/>
+          </a:xfrm>
+          <a:prstGeom prst="rect">
+            <a:avLst/>
+          </a:prstGeom>
+          <a:noFill/>
+          <a:ln>
+            <a:noFill/>
+          </a:ln>
+          <a:effectLst/>
+        </p:spPr>
+        <p:txBody>
+          <a:bodyPr lIns="121920" tIns="121920" rIns="121920" bIns="121920" anchor="ctr"/>
+          <a:lstStyle/>
+          <a:p>
+            <a:pPr defTabSz="1219120" fontAlgn="auto">
+              <a:spcBef>
+                <a:spcPts val="0"/>
+              </a:spcBef>
+              <a:spcAft>
+                <a:spcPts val="0"/>
+              </a:spcAft>
+              <a:defRPr/>
+            </a:pPr>
+            <a:r>
+              <a:rPr lang="en-US" sz="16933" dirty="0">
+                <a:ln w="18415" cmpd="sng">
+                  <a:solidFill>
+                    <a:srgbClr val="FFFFFF"/>
+                  </a:solidFill>
+                  <a:prstDash val="solid"/>
+                </a:ln>
+                <a:solidFill>
+                  <a:schemeClr val="bg2">
+                    <a:lumMod val="95000"/>
+                    <a:alpha val="50000"/>
+                  </a:schemeClr>
+                </a:solidFill>
+                <a:latin typeface="+mn-lt"/>
+                <a:ea typeface="+mn-ea"/>
+                <a:cs typeface="+mn-cs"/>
+              </a:rPr>
+              <a:t>MOTIVATION</a:t>
+            </a:r>
+          </a:p>
+        </p:txBody>
+      </p:sp>
+      <p:pic>
+        <p:nvPicPr>
+          <p:cNvPr id="2" name="Picture 1" descr="gift.gif"/>
+          <p:cNvPicPr>
+            <a:picLocks noChangeAspect="1"/>
+          </p:cNvPicPr>
+          <p:nvPr userDrawn="1"/>
+        </p:nvPicPr>
+        <p:blipFill>
+          <a:blip r:embed="rId2">
+            <a:extLst>
+              <a:ext uri="{28A0092B-C50C-407E-A947-70E740481C1C}">
+                <a14:useLocalDpi xmlns:a14="http://schemas.microsoft.com/office/drawing/2010/main" val="0"/>
+              </a:ext>
+            </a:extLst>
+          </a:blip>
+          <a:stretch>
+            <a:fillRect/>
+          </a:stretch>
+        </p:blipFill>
+        <p:spPr>
+          <a:xfrm>
+            <a:off x="13257264" y="215274"/>
+            <a:ext cx="2441471" cy="2407901"/>
+          </a:xfrm>
+          <a:prstGeom prst="rect">
+            <a:avLst/>
+          </a:prstGeom>
+        </p:spPr>
+      </p:pic>
+      <p:sp>
+        <p:nvSpPr>
+          <p:cNvPr id="6" name="Title 1"/>
+          <p:cNvSpPr>
+            <a:spLocks noGrp="1"/>
+          </p:cNvSpPr>
+          <p:nvPr>
+            <p:ph type="ctrTitle" hasCustomPrompt="1"/>
+          </p:nvPr>
+        </p:nvSpPr>
+        <p:spPr bwMode="white">
+          <a:xfrm>
+            <a:off x="1680252" y="2304144"/>
+            <a:ext cx="12310386" cy="852712"/>
+          </a:xfrm>
+        </p:spPr>
+        <p:txBody>
+          <a:bodyPr lIns="91440" tIns="91440" rIns="91440" bIns="91440" anchor="ctr"/>
+          <a:lstStyle>
+            <a:lvl1pPr>
+              <a:lnSpc>
+                <a:spcPct val="90000"/>
+              </a:lnSpc>
+              <a:defRPr sz="6400" b="1" spc="0" baseline="0">
+                <a:solidFill>
+                  <a:schemeClr val="accent1"/>
+                </a:solidFill>
+              </a:defRPr>
+            </a:lvl1pPr>
+          </a:lstStyle>
+          <a:p>
+            <a:r>
+              <a:rPr lang="en-US" dirty="0" smtClean="0"/>
+              <a:t>Motivation</a:t>
+            </a:r>
+            <a:endParaRPr lang="en-US" dirty="0"/>
+          </a:p>
+        </p:txBody>
+      </p:sp>
+      <p:sp>
+        <p:nvSpPr>
+          <p:cNvPr id="14" name="Subtitle 2"/>
+          <p:cNvSpPr>
+            <a:spLocks noGrp="1"/>
+          </p:cNvSpPr>
+          <p:nvPr>
+            <p:ph type="subTitle" idx="1"/>
+          </p:nvPr>
+        </p:nvSpPr>
+        <p:spPr bwMode="white">
+          <a:xfrm>
+            <a:off x="1672167" y="3283868"/>
+            <a:ext cx="12315718" cy="4770049"/>
+          </a:xfrm>
+          <a:prstGeom prst="rect">
+            <a:avLst/>
+          </a:prstGeom>
+        </p:spPr>
+        <p:txBody>
+          <a:bodyPr lIns="91440" tIns="91440" rIns="91440" bIns="91440">
+            <a:noAutofit/>
+          </a:bodyPr>
+          <a:lstStyle>
+            <a:lvl1pPr marL="0" indent="0" algn="l">
+              <a:lnSpc>
+                <a:spcPct val="100000"/>
+              </a:lnSpc>
+              <a:spcBef>
+                <a:spcPts val="0"/>
+              </a:spcBef>
+              <a:buNone/>
+              <a:defRPr sz="2800" baseline="0">
+                <a:solidFill>
+                  <a:schemeClr val="accent3">
+                    <a:lumMod val="50000"/>
+                  </a:schemeClr>
+                </a:solidFill>
+              </a:defRPr>
+            </a:lvl1pPr>
+            <a:lvl2pPr marL="609561" indent="0" algn="ctr">
+              <a:buNone/>
+              <a:defRPr>
+                <a:solidFill>
+                  <a:schemeClr val="tx1">
+                    <a:tint val="75000"/>
+                  </a:schemeClr>
+                </a:solidFill>
+              </a:defRPr>
+            </a:lvl2pPr>
+            <a:lvl3pPr marL="1219120" indent="0" algn="ctr">
+              <a:buNone/>
+              <a:defRPr>
+                <a:solidFill>
+                  <a:schemeClr val="tx1">
+                    <a:tint val="75000"/>
+                  </a:schemeClr>
+                </a:solidFill>
+              </a:defRPr>
+            </a:lvl3pPr>
+            <a:lvl4pPr marL="1828681" indent="0" algn="ctr">
+              <a:buNone/>
+              <a:defRPr>
+                <a:solidFill>
+                  <a:schemeClr val="tx1">
+                    <a:tint val="75000"/>
+                  </a:schemeClr>
+                </a:solidFill>
+              </a:defRPr>
+            </a:lvl4pPr>
+            <a:lvl5pPr marL="2438242" indent="0" algn="ctr">
+              <a:buNone/>
+              <a:defRPr>
+                <a:solidFill>
+                  <a:schemeClr val="tx1">
+                    <a:tint val="75000"/>
+                  </a:schemeClr>
+                </a:solidFill>
+              </a:defRPr>
+            </a:lvl5pPr>
+            <a:lvl6pPr marL="3047802" indent="0" algn="ctr">
+              <a:buNone/>
+              <a:defRPr>
+                <a:solidFill>
+                  <a:schemeClr val="tx1">
+                    <a:tint val="75000"/>
+                  </a:schemeClr>
+                </a:solidFill>
+              </a:defRPr>
+            </a:lvl6pPr>
+            <a:lvl7pPr marL="3657362" indent="0" algn="ctr">
+              <a:buNone/>
+              <a:defRPr>
+                <a:solidFill>
+                  <a:schemeClr val="tx1">
+                    <a:tint val="75000"/>
+                  </a:schemeClr>
+                </a:solidFill>
+              </a:defRPr>
+            </a:lvl7pPr>
+            <a:lvl8pPr marL="4266923" indent="0" algn="ctr">
+              <a:buNone/>
+              <a:defRPr>
+                <a:solidFill>
+                  <a:schemeClr val="tx1">
+                    <a:tint val="75000"/>
+                  </a:schemeClr>
+                </a:solidFill>
+              </a:defRPr>
+            </a:lvl8pPr>
+            <a:lvl9pPr marL="4876483" indent="0" algn="ctr">
+              <a:buNone/>
+              <a:defRPr>
+                <a:solidFill>
+                  <a:schemeClr val="tx1">
+                    <a:tint val="75000"/>
+                  </a:schemeClr>
+                </a:solidFill>
+              </a:defRPr>
+            </a:lvl9pPr>
+          </a:lstStyle>
+          <a:p>
+            <a:r>
+              <a:rPr lang="en-US" dirty="0" smtClean="0"/>
+              <a:t>Click to edit Master subtitle style</a:t>
+            </a:r>
+          </a:p>
+        </p:txBody>
+      </p:sp>
+    </p:spTree>
+    <p:extLst>
+      <p:ext uri="{BB962C8B-B14F-4D97-AF65-F5344CB8AC3E}">
+        <p14:creationId xmlns:p14="http://schemas.microsoft.com/office/powerpoint/2010/main" val="2947928335"/>
+      </p:ext>
+    </p:extLst>
+  </p:cSld>
+  <p:clrMapOvr>
+    <a:masterClrMapping/>
+  </p:clrMapOvr>
+  <p:transition spd="med">
+    <p:fade/>
+  </p:transition>
+</p:sldLayout>
+</file>
+
+<file path=ppt/slideLayouts/slideLayout14.xml><?xml version="1.0" encoding="utf-8"?>
+<p:sldLayout xmlns:a="http://schemas.openxmlformats.org/drawingml/2006/main" xmlns:r="http://schemas.openxmlformats.org/officeDocument/2006/relationships" xmlns:p="http://schemas.openxmlformats.org/presentationml/2006/main" preserve="1" userDrawn="1">
+  <p:cSld name="Problem">
+    <p:spTree>
+      <p:nvGrpSpPr>
+        <p:cNvPr id="1" name=""/>
+        <p:cNvGrpSpPr/>
+        <p:nvPr/>
+      </p:nvGrpSpPr>
+      <p:grpSpPr>
+        <a:xfrm>
+          <a:off x="0" y="0"/>
+          <a:ext cx="0" cy="0"/>
+          <a:chOff x="0" y="0"/>
+          <a:chExt cx="0" cy="0"/>
+        </a:xfrm>
+      </p:grpSpPr>
+      <p:sp>
+        <p:nvSpPr>
+          <p:cNvPr id="5" name="TextBox 4"/>
+          <p:cNvSpPr txBox="1"/>
+          <p:nvPr/>
+        </p:nvSpPr>
+        <p:spPr bwMode="white">
+          <a:xfrm>
+            <a:off x="136960" y="149489"/>
+            <a:ext cx="11781799" cy="2378219"/>
+          </a:xfrm>
+          <a:prstGeom prst="rect">
+            <a:avLst/>
+          </a:prstGeom>
+          <a:noFill/>
+          <a:ln>
+            <a:noFill/>
+          </a:ln>
+          <a:effectLst/>
+        </p:spPr>
+        <p:txBody>
+          <a:bodyPr lIns="121920" tIns="121920" rIns="121920" bIns="121920" anchor="ctr"/>
+          <a:lstStyle/>
+          <a:p>
+            <a:pPr defTabSz="1219120" fontAlgn="auto">
+              <a:spcBef>
+                <a:spcPts val="0"/>
+              </a:spcBef>
+              <a:spcAft>
+                <a:spcPts val="0"/>
+              </a:spcAft>
+              <a:defRPr/>
+            </a:pPr>
+            <a:r>
+              <a:rPr lang="en-US" sz="16933" dirty="0">
+                <a:ln w="18415" cmpd="sng">
+                  <a:solidFill>
+                    <a:srgbClr val="FFFFFF"/>
+                  </a:solidFill>
+                  <a:prstDash val="solid"/>
+                </a:ln>
+                <a:solidFill>
+                  <a:schemeClr val="bg2">
+                    <a:lumMod val="95000"/>
+                    <a:alpha val="50000"/>
+                  </a:schemeClr>
+                </a:solidFill>
+                <a:latin typeface="+mn-lt"/>
+                <a:ea typeface="+mn-ea"/>
+                <a:cs typeface="+mn-cs"/>
+              </a:rPr>
+              <a:t>PROBLEM</a:t>
+            </a:r>
+          </a:p>
+        </p:txBody>
+      </p:sp>
+      <p:pic>
+        <p:nvPicPr>
+          <p:cNvPr id="2" name="Picture 1" descr="splat.gif"/>
+          <p:cNvPicPr>
+            <a:picLocks noChangeAspect="1"/>
+          </p:cNvPicPr>
+          <p:nvPr userDrawn="1"/>
+        </p:nvPicPr>
+        <p:blipFill>
+          <a:blip r:embed="rId2">
+            <a:extLst>
+              <a:ext uri="{28A0092B-C50C-407E-A947-70E740481C1C}">
+                <a14:useLocalDpi xmlns:a14="http://schemas.microsoft.com/office/drawing/2010/main" val="0"/>
+              </a:ext>
+            </a:extLst>
+          </a:blip>
+          <a:stretch>
+            <a:fillRect/>
+          </a:stretch>
+        </p:blipFill>
+        <p:spPr>
+          <a:xfrm>
+            <a:off x="13153654" y="94879"/>
+            <a:ext cx="2648691" cy="2648691"/>
+          </a:xfrm>
+          <a:prstGeom prst="rect">
+            <a:avLst/>
+          </a:prstGeom>
+        </p:spPr>
+      </p:pic>
+      <p:sp>
+        <p:nvSpPr>
+          <p:cNvPr id="6" name="Title 1"/>
+          <p:cNvSpPr>
+            <a:spLocks noGrp="1"/>
+          </p:cNvSpPr>
+          <p:nvPr>
+            <p:ph type="ctrTitle" hasCustomPrompt="1"/>
+          </p:nvPr>
+        </p:nvSpPr>
+        <p:spPr bwMode="white">
+          <a:xfrm>
+            <a:off x="1671638" y="2294619"/>
+            <a:ext cx="12319000" cy="852712"/>
+          </a:xfrm>
+        </p:spPr>
+        <p:txBody>
+          <a:bodyPr lIns="91440" tIns="91440" rIns="91440" bIns="91440" anchor="ctr"/>
+          <a:lstStyle>
+            <a:lvl1pPr>
+              <a:lnSpc>
+                <a:spcPct val="90000"/>
+              </a:lnSpc>
+              <a:defRPr sz="6400" b="1" spc="0" baseline="0">
+                <a:solidFill>
+                  <a:schemeClr val="accent1"/>
+                </a:solidFill>
+              </a:defRPr>
+            </a:lvl1pPr>
+          </a:lstStyle>
+          <a:p>
+            <a:r>
+              <a:rPr lang="en-US" dirty="0" smtClean="0"/>
+              <a:t>Problem</a:t>
+            </a:r>
+            <a:endParaRPr lang="en-US" dirty="0"/>
+          </a:p>
+        </p:txBody>
+      </p:sp>
+      <p:sp>
+        <p:nvSpPr>
+          <p:cNvPr id="10" name="Subtitle 2"/>
+          <p:cNvSpPr>
+            <a:spLocks noGrp="1"/>
+          </p:cNvSpPr>
+          <p:nvPr>
+            <p:ph type="subTitle" idx="1"/>
+          </p:nvPr>
+        </p:nvSpPr>
+        <p:spPr bwMode="white">
+          <a:xfrm>
+            <a:off x="1671638" y="3271838"/>
+            <a:ext cx="12319000" cy="3346421"/>
+          </a:xfrm>
+          <a:prstGeom prst="rect">
+            <a:avLst/>
+          </a:prstGeom>
+        </p:spPr>
+        <p:txBody>
+          <a:bodyPr lIns="91440" tIns="91440" rIns="91440" bIns="91440">
+            <a:noAutofit/>
+          </a:bodyPr>
+          <a:lstStyle>
+            <a:lvl1pPr marL="0" indent="0" algn="l">
+              <a:lnSpc>
+                <a:spcPct val="100000"/>
+              </a:lnSpc>
+              <a:spcBef>
+                <a:spcPts val="0"/>
+              </a:spcBef>
+              <a:buNone/>
+              <a:defRPr sz="2800" baseline="0">
+                <a:solidFill>
+                  <a:schemeClr val="accent3">
+                    <a:lumMod val="50000"/>
+                  </a:schemeClr>
+                </a:solidFill>
+              </a:defRPr>
+            </a:lvl1pPr>
+            <a:lvl2pPr marL="609561" indent="0" algn="ctr">
+              <a:buNone/>
+              <a:defRPr>
+                <a:solidFill>
+                  <a:schemeClr val="tx1">
+                    <a:tint val="75000"/>
+                  </a:schemeClr>
+                </a:solidFill>
+              </a:defRPr>
+            </a:lvl2pPr>
+            <a:lvl3pPr marL="1219120" indent="0" algn="ctr">
+              <a:buNone/>
+              <a:defRPr>
+                <a:solidFill>
+                  <a:schemeClr val="tx1">
+                    <a:tint val="75000"/>
+                  </a:schemeClr>
+                </a:solidFill>
+              </a:defRPr>
+            </a:lvl3pPr>
+            <a:lvl4pPr marL="1828681" indent="0" algn="ctr">
+              <a:buNone/>
+              <a:defRPr>
+                <a:solidFill>
+                  <a:schemeClr val="tx1">
+                    <a:tint val="75000"/>
+                  </a:schemeClr>
+                </a:solidFill>
+              </a:defRPr>
+            </a:lvl4pPr>
+            <a:lvl5pPr marL="2438242" indent="0" algn="ctr">
+              <a:buNone/>
+              <a:defRPr>
+                <a:solidFill>
+                  <a:schemeClr val="tx1">
+                    <a:tint val="75000"/>
+                  </a:schemeClr>
+                </a:solidFill>
+              </a:defRPr>
+            </a:lvl5pPr>
+            <a:lvl6pPr marL="3047802" indent="0" algn="ctr">
+              <a:buNone/>
+              <a:defRPr>
+                <a:solidFill>
+                  <a:schemeClr val="tx1">
+                    <a:tint val="75000"/>
+                  </a:schemeClr>
+                </a:solidFill>
+              </a:defRPr>
+            </a:lvl6pPr>
+            <a:lvl7pPr marL="3657362" indent="0" algn="ctr">
+              <a:buNone/>
+              <a:defRPr>
+                <a:solidFill>
+                  <a:schemeClr val="tx1">
+                    <a:tint val="75000"/>
+                  </a:schemeClr>
+                </a:solidFill>
+              </a:defRPr>
+            </a:lvl7pPr>
+            <a:lvl8pPr marL="4266923" indent="0" algn="ctr">
+              <a:buNone/>
+              <a:defRPr>
+                <a:solidFill>
+                  <a:schemeClr val="tx1">
+                    <a:tint val="75000"/>
+                  </a:schemeClr>
+                </a:solidFill>
+              </a:defRPr>
+            </a:lvl8pPr>
+            <a:lvl9pPr marL="4876483" indent="0" algn="ctr">
+              <a:buNone/>
+              <a:defRPr>
+                <a:solidFill>
+                  <a:schemeClr val="tx1">
+                    <a:tint val="75000"/>
+                  </a:schemeClr>
+                </a:solidFill>
+              </a:defRPr>
+            </a:lvl9pPr>
+          </a:lstStyle>
+          <a:p>
+            <a:r>
+              <a:rPr lang="en-US" dirty="0" smtClean="0"/>
+              <a:t>Click to edit Master subtitle style</a:t>
+            </a:r>
+          </a:p>
+        </p:txBody>
+      </p:sp>
+    </p:spTree>
+    <p:extLst>
+      <p:ext uri="{BB962C8B-B14F-4D97-AF65-F5344CB8AC3E}">
+        <p14:creationId xmlns:p14="http://schemas.microsoft.com/office/powerpoint/2010/main" val="247207333"/>
+      </p:ext>
+    </p:extLst>
+  </p:cSld>
+  <p:clrMapOvr>
+    <a:masterClrMapping/>
+  </p:clrMapOvr>
+  <p:transition spd="med">
+    <p:fade/>
+  </p:transition>
+</p:sldLayout>
+</file>
+
+<file path=ppt/slideLayouts/slideLayout15.xml><?xml version="1.0" encoding="utf-8"?>
+<p:sldLayout xmlns:a="http://schemas.openxmlformats.org/drawingml/2006/main" xmlns:r="http://schemas.openxmlformats.org/officeDocument/2006/relationships" xmlns:p="http://schemas.openxmlformats.org/presentationml/2006/main" preserve="1" userDrawn="1">
+  <p:cSld name="Docs">
+    <p:spTree>
+      <p:nvGrpSpPr>
+        <p:cNvPr id="1" name=""/>
+        <p:cNvGrpSpPr/>
+        <p:nvPr/>
+      </p:nvGrpSpPr>
+      <p:grpSpPr>
+        <a:xfrm>
+          <a:off x="0" y="0"/>
+          <a:ext cx="0" cy="0"/>
+          <a:chOff x="0" y="0"/>
+          <a:chExt cx="0" cy="0"/>
+        </a:xfrm>
+      </p:grpSpPr>
+      <p:sp>
+        <p:nvSpPr>
+          <p:cNvPr id="7" name="TextBox 6"/>
+          <p:cNvSpPr txBox="1"/>
+          <p:nvPr/>
+        </p:nvSpPr>
+        <p:spPr bwMode="white">
+          <a:xfrm>
+            <a:off x="136960" y="160072"/>
+            <a:ext cx="13917707" cy="2378219"/>
+          </a:xfrm>
+          <a:prstGeom prst="rect">
+            <a:avLst/>
+          </a:prstGeom>
+          <a:noFill/>
+          <a:ln>
+            <a:noFill/>
+          </a:ln>
+          <a:effectLst/>
+        </p:spPr>
+        <p:txBody>
+          <a:bodyPr lIns="121920" tIns="121920" rIns="121920" bIns="121920" anchor="ctr"/>
+          <a:lstStyle/>
+          <a:p>
+            <a:pPr defTabSz="1219120" fontAlgn="auto">
+              <a:spcBef>
+                <a:spcPts val="0"/>
+              </a:spcBef>
+              <a:spcAft>
+                <a:spcPts val="0"/>
+              </a:spcAft>
+              <a:defRPr/>
+            </a:pPr>
+            <a:r>
+              <a:rPr lang="en-US" sz="16933" dirty="0" smtClean="0">
+                <a:ln w="18415" cmpd="sng">
+                  <a:solidFill>
+                    <a:srgbClr val="FFFFFF"/>
+                  </a:solidFill>
+                  <a:prstDash val="solid"/>
+                </a:ln>
+                <a:solidFill>
+                  <a:schemeClr val="bg2">
+                    <a:lumMod val="95000"/>
+                    <a:alpha val="50000"/>
+                  </a:schemeClr>
+                </a:solidFill>
+                <a:latin typeface="+mn-lt"/>
+                <a:ea typeface="+mn-ea"/>
+                <a:cs typeface="+mn-cs"/>
+              </a:rPr>
+              <a:t>REFERENCE</a:t>
+            </a:r>
+            <a:endParaRPr lang="en-US" sz="16933" dirty="0">
+              <a:ln w="18415" cmpd="sng">
+                <a:solidFill>
+                  <a:srgbClr val="FFFFFF"/>
+                </a:solidFill>
+                <a:prstDash val="solid"/>
+              </a:ln>
+              <a:solidFill>
+                <a:schemeClr val="bg2">
+                  <a:lumMod val="95000"/>
+                  <a:alpha val="50000"/>
+                </a:schemeClr>
+              </a:solidFill>
+              <a:latin typeface="+mn-lt"/>
+              <a:ea typeface="+mn-ea"/>
+              <a:cs typeface="+mn-cs"/>
+            </a:endParaRPr>
+          </a:p>
+        </p:txBody>
+      </p:sp>
+      <p:pic>
+        <p:nvPicPr>
+          <p:cNvPr id="2" name="Picture 1" descr="reference.gif"/>
+          <p:cNvPicPr>
+            <a:picLocks noChangeAspect="1"/>
+          </p:cNvPicPr>
+          <p:nvPr userDrawn="1"/>
+        </p:nvPicPr>
+        <p:blipFill>
+          <a:blip r:embed="rId2">
+            <a:extLst>
+              <a:ext uri="{28A0092B-C50C-407E-A947-70E740481C1C}">
+                <a14:useLocalDpi xmlns:a14="http://schemas.microsoft.com/office/drawing/2010/main" val="0"/>
+              </a:ext>
+            </a:extLst>
+          </a:blip>
+          <a:stretch>
+            <a:fillRect/>
+          </a:stretch>
+        </p:blipFill>
+        <p:spPr>
+          <a:xfrm>
+            <a:off x="13383499" y="324724"/>
+            <a:ext cx="2189001" cy="2189001"/>
+          </a:xfrm>
+          <a:prstGeom prst="rect">
+            <a:avLst/>
+          </a:prstGeom>
+        </p:spPr>
+      </p:pic>
+      <p:sp>
+        <p:nvSpPr>
+          <p:cNvPr id="6" name="Title 1"/>
+          <p:cNvSpPr>
+            <a:spLocks noGrp="1"/>
+          </p:cNvSpPr>
+          <p:nvPr>
+            <p:ph type="ctrTitle" hasCustomPrompt="1"/>
+          </p:nvPr>
+        </p:nvSpPr>
+        <p:spPr bwMode="white">
+          <a:xfrm>
+            <a:off x="1671638" y="2294619"/>
+            <a:ext cx="12319000" cy="852712"/>
+          </a:xfrm>
+        </p:spPr>
+        <p:txBody>
+          <a:bodyPr lIns="91440" tIns="91440" rIns="91440" bIns="91440" anchor="ctr"/>
+          <a:lstStyle>
+            <a:lvl1pPr>
+              <a:lnSpc>
+                <a:spcPct val="90000"/>
+              </a:lnSpc>
+              <a:defRPr sz="6400" b="1" spc="0" baseline="0">
+                <a:solidFill>
+                  <a:schemeClr val="accent1"/>
+                </a:solidFill>
+              </a:defRPr>
+            </a:lvl1pPr>
+          </a:lstStyle>
+          <a:p>
+            <a:r>
+              <a:rPr lang="en-US" dirty="0" smtClean="0"/>
+              <a:t>Documentation</a:t>
+            </a:r>
+            <a:endParaRPr lang="en-US" dirty="0"/>
+          </a:p>
+        </p:txBody>
+      </p:sp>
+      <p:sp>
+        <p:nvSpPr>
+          <p:cNvPr id="12" name="Subtitle 2"/>
+          <p:cNvSpPr>
+            <a:spLocks noGrp="1"/>
+          </p:cNvSpPr>
+          <p:nvPr>
+            <p:ph type="subTitle" idx="1"/>
+          </p:nvPr>
+        </p:nvSpPr>
+        <p:spPr bwMode="white">
+          <a:xfrm>
+            <a:off x="1671638" y="3271838"/>
+            <a:ext cx="12319000" cy="3346421"/>
+          </a:xfrm>
+          <a:prstGeom prst="rect">
+            <a:avLst/>
+          </a:prstGeom>
+        </p:spPr>
+        <p:txBody>
+          <a:bodyPr lIns="91440" tIns="91440" rIns="91440" bIns="91440">
+            <a:noAutofit/>
+          </a:bodyPr>
+          <a:lstStyle>
+            <a:lvl1pPr marL="0" indent="0" algn="l">
+              <a:lnSpc>
+                <a:spcPct val="100000"/>
+              </a:lnSpc>
+              <a:spcBef>
+                <a:spcPts val="0"/>
+              </a:spcBef>
+              <a:buNone/>
+              <a:defRPr sz="2800" baseline="0">
+                <a:solidFill>
+                  <a:schemeClr val="accent3">
+                    <a:lumMod val="50000"/>
+                  </a:schemeClr>
+                </a:solidFill>
+              </a:defRPr>
+            </a:lvl1pPr>
+            <a:lvl2pPr marL="609561" indent="0" algn="ctr">
+              <a:buNone/>
+              <a:defRPr>
+                <a:solidFill>
+                  <a:schemeClr val="tx1">
+                    <a:tint val="75000"/>
+                  </a:schemeClr>
+                </a:solidFill>
+              </a:defRPr>
+            </a:lvl2pPr>
+            <a:lvl3pPr marL="1219120" indent="0" algn="ctr">
+              <a:buNone/>
+              <a:defRPr>
+                <a:solidFill>
+                  <a:schemeClr val="tx1">
+                    <a:tint val="75000"/>
+                  </a:schemeClr>
+                </a:solidFill>
+              </a:defRPr>
+            </a:lvl3pPr>
+            <a:lvl4pPr marL="1828681" indent="0" algn="ctr">
+              <a:buNone/>
+              <a:defRPr>
+                <a:solidFill>
+                  <a:schemeClr val="tx1">
+                    <a:tint val="75000"/>
+                  </a:schemeClr>
+                </a:solidFill>
+              </a:defRPr>
+            </a:lvl4pPr>
+            <a:lvl5pPr marL="2438242" indent="0" algn="ctr">
+              <a:buNone/>
+              <a:defRPr>
+                <a:solidFill>
+                  <a:schemeClr val="tx1">
+                    <a:tint val="75000"/>
+                  </a:schemeClr>
+                </a:solidFill>
+              </a:defRPr>
+            </a:lvl5pPr>
+            <a:lvl6pPr marL="3047802" indent="0" algn="ctr">
+              <a:buNone/>
+              <a:defRPr>
+                <a:solidFill>
+                  <a:schemeClr val="tx1">
+                    <a:tint val="75000"/>
+                  </a:schemeClr>
+                </a:solidFill>
+              </a:defRPr>
+            </a:lvl6pPr>
+            <a:lvl7pPr marL="3657362" indent="0" algn="ctr">
+              <a:buNone/>
+              <a:defRPr>
+                <a:solidFill>
+                  <a:schemeClr val="tx1">
+                    <a:tint val="75000"/>
+                  </a:schemeClr>
+                </a:solidFill>
+              </a:defRPr>
+            </a:lvl7pPr>
+            <a:lvl8pPr marL="4266923" indent="0" algn="ctr">
+              <a:buNone/>
+              <a:defRPr>
+                <a:solidFill>
+                  <a:schemeClr val="tx1">
+                    <a:tint val="75000"/>
+                  </a:schemeClr>
+                </a:solidFill>
+              </a:defRPr>
+            </a:lvl8pPr>
+            <a:lvl9pPr marL="4876483" indent="0" algn="ctr">
+              <a:buNone/>
+              <a:defRPr>
+                <a:solidFill>
+                  <a:schemeClr val="tx1">
+                    <a:tint val="75000"/>
+                  </a:schemeClr>
+                </a:solidFill>
+              </a:defRPr>
+            </a:lvl9pPr>
+          </a:lstStyle>
+          <a:p>
+            <a:r>
+              <a:rPr lang="en-US" dirty="0" smtClean="0"/>
+              <a:t>Click to edit Master subtitle style</a:t>
+            </a:r>
+          </a:p>
+        </p:txBody>
+      </p:sp>
+      <p:sp>
+        <p:nvSpPr>
+          <p:cNvPr id="10" name="Content Placeholder 3"/>
+          <p:cNvSpPr>
+            <a:spLocks noGrp="1"/>
+          </p:cNvSpPr>
+          <p:nvPr>
+            <p:ph sz="quarter" idx="13" hasCustomPrompt="1"/>
+          </p:nvPr>
+        </p:nvSpPr>
+        <p:spPr>
+          <a:xfrm>
+            <a:off x="3921498" y="7164200"/>
+            <a:ext cx="8917577" cy="524133"/>
+          </a:xfrm>
+          <a:prstGeom prst="rect">
+            <a:avLst/>
+          </a:prstGeom>
+        </p:spPr>
+        <p:txBody>
+          <a:bodyPr anchor="ctr"/>
+          <a:lstStyle>
+            <a:lvl1pPr marL="0" indent="0" algn="ctr">
+              <a:buNone/>
+              <a:defRPr sz="2400">
+                <a:solidFill>
+                  <a:schemeClr val="tx1"/>
+                </a:solidFill>
+              </a:defRPr>
+            </a:lvl1pPr>
+          </a:lstStyle>
+          <a:p>
+            <a:pPr lvl="0"/>
+            <a:r>
+              <a:rPr lang="en-US" dirty="0" smtClean="0"/>
+              <a:t>http://</a:t>
+            </a:r>
+            <a:r>
+              <a:rPr lang="en-US" dirty="0" err="1" smtClean="0"/>
+              <a:t>docs.chef.io</a:t>
+            </a:r>
+            <a:endParaRPr lang="en-US" dirty="0" smtClean="0"/>
+          </a:p>
+        </p:txBody>
+      </p:sp>
+    </p:spTree>
+    <p:extLst>
+      <p:ext uri="{BB962C8B-B14F-4D97-AF65-F5344CB8AC3E}">
+        <p14:creationId xmlns:p14="http://schemas.microsoft.com/office/powerpoint/2010/main" val="1970238568"/>
+      </p:ext>
+    </p:extLst>
+  </p:cSld>
+  <p:clrMapOvr>
+    <a:masterClrMapping/>
+  </p:clrMapOvr>
+  <p:transition spd="med">
+    <p:fade/>
+  </p:transition>
+</p:sldLayout>
+</file>
+
+<file path=ppt/slideLayouts/slideLayout16.xml><?xml version="1.0" encoding="utf-8"?>
+<p:sldLayout xmlns:a="http://schemas.openxmlformats.org/drawingml/2006/main" xmlns:r="http://schemas.openxmlformats.org/officeDocument/2006/relationships" xmlns:p="http://schemas.openxmlformats.org/presentationml/2006/main" preserve="1" userDrawn="1">
   <p:cSld name="Concept">
     <p:spTree>
       <p:nvGrpSpPr>
@@ -4433,930 +5356,7 @@
     </p:spTree>
     <p:extLst>
       <p:ext uri="{BB962C8B-B14F-4D97-AF65-F5344CB8AC3E}">
-        <p14:creationId xmlns:p14="http://schemas.microsoft.com/office/powerpoint/2010/main" val="395215155"/>
-      </p:ext>
-    </p:extLst>
-  </p:cSld>
-  <p:clrMapOvr>
-    <a:masterClrMapping/>
-  </p:clrMapOvr>
-  <p:transition spd="med">
-    <p:fade/>
-  </p:transition>
-</p:sldLayout>
-</file>
-
-<file path=ppt/slideLayouts/slideLayout14.xml><?xml version="1.0" encoding="utf-8"?>
-<p:sldLayout xmlns:a="http://schemas.openxmlformats.org/drawingml/2006/main" xmlns:r="http://schemas.openxmlformats.org/officeDocument/2006/relationships" xmlns:p="http://schemas.openxmlformats.org/presentationml/2006/main" preserve="1" userDrawn="1">
-  <p:cSld name="Motivation">
-    <p:spTree>
-      <p:nvGrpSpPr>
-        <p:cNvPr id="1" name=""/>
-        <p:cNvGrpSpPr/>
-        <p:nvPr/>
-      </p:nvGrpSpPr>
-      <p:grpSpPr>
-        <a:xfrm>
-          <a:off x="0" y="0"/>
-          <a:ext cx="0" cy="0"/>
-          <a:chOff x="0" y="0"/>
-          <a:chExt cx="0" cy="0"/>
-        </a:xfrm>
-      </p:grpSpPr>
-      <p:sp>
-        <p:nvSpPr>
-          <p:cNvPr id="5" name="TextBox 4"/>
-          <p:cNvSpPr txBox="1"/>
-          <p:nvPr/>
-        </p:nvSpPr>
-        <p:spPr bwMode="white">
-          <a:xfrm>
-            <a:off x="136960" y="128323"/>
-            <a:ext cx="13979932" cy="2378219"/>
-          </a:xfrm>
-          <a:prstGeom prst="rect">
-            <a:avLst/>
-          </a:prstGeom>
-          <a:noFill/>
-          <a:ln>
-            <a:noFill/>
-          </a:ln>
-          <a:effectLst/>
-        </p:spPr>
-        <p:txBody>
-          <a:bodyPr lIns="121920" tIns="121920" rIns="121920" bIns="121920" anchor="ctr"/>
-          <a:lstStyle/>
-          <a:p>
-            <a:pPr defTabSz="1219120" fontAlgn="auto">
-              <a:spcBef>
-                <a:spcPts val="0"/>
-              </a:spcBef>
-              <a:spcAft>
-                <a:spcPts val="0"/>
-              </a:spcAft>
-              <a:defRPr/>
-            </a:pPr>
-            <a:r>
-              <a:rPr lang="en-US" sz="16933" dirty="0">
-                <a:ln w="18415" cmpd="sng">
-                  <a:solidFill>
-                    <a:srgbClr val="FFFFFF"/>
-                  </a:solidFill>
-                  <a:prstDash val="solid"/>
-                </a:ln>
-                <a:solidFill>
-                  <a:schemeClr val="bg2">
-                    <a:lumMod val="95000"/>
-                    <a:alpha val="50000"/>
-                  </a:schemeClr>
-                </a:solidFill>
-                <a:latin typeface="+mn-lt"/>
-                <a:ea typeface="+mn-ea"/>
-                <a:cs typeface="+mn-cs"/>
-              </a:rPr>
-              <a:t>MOTIVATION</a:t>
-            </a:r>
-          </a:p>
-        </p:txBody>
-      </p:sp>
-      <p:pic>
-        <p:nvPicPr>
-          <p:cNvPr id="2" name="Picture 1" descr="gift.gif"/>
-          <p:cNvPicPr>
-            <a:picLocks noChangeAspect="1"/>
-          </p:cNvPicPr>
-          <p:nvPr userDrawn="1"/>
-        </p:nvPicPr>
-        <p:blipFill>
-          <a:blip r:embed="rId2">
-            <a:extLst>
-              <a:ext uri="{28A0092B-C50C-407E-A947-70E740481C1C}">
-                <a14:useLocalDpi xmlns:a14="http://schemas.microsoft.com/office/drawing/2010/main" val="0"/>
-              </a:ext>
-            </a:extLst>
-          </a:blip>
-          <a:stretch>
-            <a:fillRect/>
-          </a:stretch>
-        </p:blipFill>
-        <p:spPr>
-          <a:xfrm>
-            <a:off x="13257264" y="215274"/>
-            <a:ext cx="2441471" cy="2407901"/>
-          </a:xfrm>
-          <a:prstGeom prst="rect">
-            <a:avLst/>
-          </a:prstGeom>
-        </p:spPr>
-      </p:pic>
-      <p:sp>
-        <p:nvSpPr>
-          <p:cNvPr id="6" name="Title 1"/>
-          <p:cNvSpPr>
-            <a:spLocks noGrp="1"/>
-          </p:cNvSpPr>
-          <p:nvPr>
-            <p:ph type="ctrTitle" hasCustomPrompt="1"/>
-          </p:nvPr>
-        </p:nvSpPr>
-        <p:spPr bwMode="white">
-          <a:xfrm>
-            <a:off x="1680252" y="2304144"/>
-            <a:ext cx="12310386" cy="852712"/>
-          </a:xfrm>
-        </p:spPr>
-        <p:txBody>
-          <a:bodyPr lIns="91440" tIns="91440" rIns="91440" bIns="91440" anchor="ctr"/>
-          <a:lstStyle>
-            <a:lvl1pPr>
-              <a:lnSpc>
-                <a:spcPct val="90000"/>
-              </a:lnSpc>
-              <a:defRPr sz="6400" b="1" spc="0" baseline="0">
-                <a:solidFill>
-                  <a:schemeClr val="accent1"/>
-                </a:solidFill>
-              </a:defRPr>
-            </a:lvl1pPr>
-          </a:lstStyle>
-          <a:p>
-            <a:r>
-              <a:rPr lang="en-US" dirty="0" smtClean="0"/>
-              <a:t>Motivation</a:t>
-            </a:r>
-            <a:endParaRPr lang="en-US" dirty="0"/>
-          </a:p>
-        </p:txBody>
-      </p:sp>
-      <p:sp>
-        <p:nvSpPr>
-          <p:cNvPr id="14" name="Subtitle 2"/>
-          <p:cNvSpPr>
-            <a:spLocks noGrp="1"/>
-          </p:cNvSpPr>
-          <p:nvPr>
-            <p:ph type="subTitle" idx="1"/>
-          </p:nvPr>
-        </p:nvSpPr>
-        <p:spPr bwMode="white">
-          <a:xfrm>
-            <a:off x="1672167" y="3283868"/>
-            <a:ext cx="12315718" cy="4770049"/>
-          </a:xfrm>
-          <a:prstGeom prst="rect">
-            <a:avLst/>
-          </a:prstGeom>
-        </p:spPr>
-        <p:txBody>
-          <a:bodyPr lIns="91440" tIns="91440" rIns="91440" bIns="91440">
-            <a:noAutofit/>
-          </a:bodyPr>
-          <a:lstStyle>
-            <a:lvl1pPr marL="0" indent="0" algn="l">
-              <a:lnSpc>
-                <a:spcPct val="100000"/>
-              </a:lnSpc>
-              <a:spcBef>
-                <a:spcPts val="0"/>
-              </a:spcBef>
-              <a:buNone/>
-              <a:defRPr sz="2800" baseline="0">
-                <a:solidFill>
-                  <a:schemeClr val="accent3">
-                    <a:lumMod val="50000"/>
-                  </a:schemeClr>
-                </a:solidFill>
-              </a:defRPr>
-            </a:lvl1pPr>
-            <a:lvl2pPr marL="609561" indent="0" algn="ctr">
-              <a:buNone/>
-              <a:defRPr>
-                <a:solidFill>
-                  <a:schemeClr val="tx1">
-                    <a:tint val="75000"/>
-                  </a:schemeClr>
-                </a:solidFill>
-              </a:defRPr>
-            </a:lvl2pPr>
-            <a:lvl3pPr marL="1219120" indent="0" algn="ctr">
-              <a:buNone/>
-              <a:defRPr>
-                <a:solidFill>
-                  <a:schemeClr val="tx1">
-                    <a:tint val="75000"/>
-                  </a:schemeClr>
-                </a:solidFill>
-              </a:defRPr>
-            </a:lvl3pPr>
-            <a:lvl4pPr marL="1828681" indent="0" algn="ctr">
-              <a:buNone/>
-              <a:defRPr>
-                <a:solidFill>
-                  <a:schemeClr val="tx1">
-                    <a:tint val="75000"/>
-                  </a:schemeClr>
-                </a:solidFill>
-              </a:defRPr>
-            </a:lvl4pPr>
-            <a:lvl5pPr marL="2438242" indent="0" algn="ctr">
-              <a:buNone/>
-              <a:defRPr>
-                <a:solidFill>
-                  <a:schemeClr val="tx1">
-                    <a:tint val="75000"/>
-                  </a:schemeClr>
-                </a:solidFill>
-              </a:defRPr>
-            </a:lvl5pPr>
-            <a:lvl6pPr marL="3047802" indent="0" algn="ctr">
-              <a:buNone/>
-              <a:defRPr>
-                <a:solidFill>
-                  <a:schemeClr val="tx1">
-                    <a:tint val="75000"/>
-                  </a:schemeClr>
-                </a:solidFill>
-              </a:defRPr>
-            </a:lvl6pPr>
-            <a:lvl7pPr marL="3657362" indent="0" algn="ctr">
-              <a:buNone/>
-              <a:defRPr>
-                <a:solidFill>
-                  <a:schemeClr val="tx1">
-                    <a:tint val="75000"/>
-                  </a:schemeClr>
-                </a:solidFill>
-              </a:defRPr>
-            </a:lvl7pPr>
-            <a:lvl8pPr marL="4266923" indent="0" algn="ctr">
-              <a:buNone/>
-              <a:defRPr>
-                <a:solidFill>
-                  <a:schemeClr val="tx1">
-                    <a:tint val="75000"/>
-                  </a:schemeClr>
-                </a:solidFill>
-              </a:defRPr>
-            </a:lvl8pPr>
-            <a:lvl9pPr marL="4876483" indent="0" algn="ctr">
-              <a:buNone/>
-              <a:defRPr>
-                <a:solidFill>
-                  <a:schemeClr val="tx1">
-                    <a:tint val="75000"/>
-                  </a:schemeClr>
-                </a:solidFill>
-              </a:defRPr>
-            </a:lvl9pPr>
-          </a:lstStyle>
-          <a:p>
-            <a:r>
-              <a:rPr lang="en-US" dirty="0" smtClean="0"/>
-              <a:t>Click to edit Master subtitle style</a:t>
-            </a:r>
-          </a:p>
-        </p:txBody>
-      </p:sp>
-    </p:spTree>
-    <p:extLst>
-      <p:ext uri="{BB962C8B-B14F-4D97-AF65-F5344CB8AC3E}">
-        <p14:creationId xmlns:p14="http://schemas.microsoft.com/office/powerpoint/2010/main" val="2947928335"/>
-      </p:ext>
-    </p:extLst>
-  </p:cSld>
-  <p:clrMapOvr>
-    <a:masterClrMapping/>
-  </p:clrMapOvr>
-  <p:transition spd="med">
-    <p:fade/>
-  </p:transition>
-</p:sldLayout>
-</file>
-
-<file path=ppt/slideLayouts/slideLayout15.xml><?xml version="1.0" encoding="utf-8"?>
-<p:sldLayout xmlns:a="http://schemas.openxmlformats.org/drawingml/2006/main" xmlns:r="http://schemas.openxmlformats.org/officeDocument/2006/relationships" xmlns:p="http://schemas.openxmlformats.org/presentationml/2006/main" preserve="1" userDrawn="1">
-  <p:cSld name="Problem">
-    <p:spTree>
-      <p:nvGrpSpPr>
-        <p:cNvPr id="1" name=""/>
-        <p:cNvGrpSpPr/>
-        <p:nvPr/>
-      </p:nvGrpSpPr>
-      <p:grpSpPr>
-        <a:xfrm>
-          <a:off x="0" y="0"/>
-          <a:ext cx="0" cy="0"/>
-          <a:chOff x="0" y="0"/>
-          <a:chExt cx="0" cy="0"/>
-        </a:xfrm>
-      </p:grpSpPr>
-      <p:sp>
-        <p:nvSpPr>
-          <p:cNvPr id="5" name="TextBox 4"/>
-          <p:cNvSpPr txBox="1"/>
-          <p:nvPr/>
-        </p:nvSpPr>
-        <p:spPr bwMode="white">
-          <a:xfrm>
-            <a:off x="136960" y="149489"/>
-            <a:ext cx="11781799" cy="2378219"/>
-          </a:xfrm>
-          <a:prstGeom prst="rect">
-            <a:avLst/>
-          </a:prstGeom>
-          <a:noFill/>
-          <a:ln>
-            <a:noFill/>
-          </a:ln>
-          <a:effectLst/>
-        </p:spPr>
-        <p:txBody>
-          <a:bodyPr lIns="121920" tIns="121920" rIns="121920" bIns="121920" anchor="ctr"/>
-          <a:lstStyle/>
-          <a:p>
-            <a:pPr defTabSz="1219120" fontAlgn="auto">
-              <a:spcBef>
-                <a:spcPts val="0"/>
-              </a:spcBef>
-              <a:spcAft>
-                <a:spcPts val="0"/>
-              </a:spcAft>
-              <a:defRPr/>
-            </a:pPr>
-            <a:r>
-              <a:rPr lang="en-US" sz="16933" dirty="0">
-                <a:ln w="18415" cmpd="sng">
-                  <a:solidFill>
-                    <a:srgbClr val="FFFFFF"/>
-                  </a:solidFill>
-                  <a:prstDash val="solid"/>
-                </a:ln>
-                <a:solidFill>
-                  <a:schemeClr val="bg2">
-                    <a:lumMod val="95000"/>
-                    <a:alpha val="50000"/>
-                  </a:schemeClr>
-                </a:solidFill>
-                <a:latin typeface="+mn-lt"/>
-                <a:ea typeface="+mn-ea"/>
-                <a:cs typeface="+mn-cs"/>
-              </a:rPr>
-              <a:t>PROBLEM</a:t>
-            </a:r>
-          </a:p>
-        </p:txBody>
-      </p:sp>
-      <p:pic>
-        <p:nvPicPr>
-          <p:cNvPr id="2" name="Picture 1" descr="splat.gif"/>
-          <p:cNvPicPr>
-            <a:picLocks noChangeAspect="1"/>
-          </p:cNvPicPr>
-          <p:nvPr userDrawn="1"/>
-        </p:nvPicPr>
-        <p:blipFill>
-          <a:blip r:embed="rId2">
-            <a:extLst>
-              <a:ext uri="{28A0092B-C50C-407E-A947-70E740481C1C}">
-                <a14:useLocalDpi xmlns:a14="http://schemas.microsoft.com/office/drawing/2010/main" val="0"/>
-              </a:ext>
-            </a:extLst>
-          </a:blip>
-          <a:stretch>
-            <a:fillRect/>
-          </a:stretch>
-        </p:blipFill>
-        <p:spPr>
-          <a:xfrm>
-            <a:off x="13153654" y="94879"/>
-            <a:ext cx="2648691" cy="2648691"/>
-          </a:xfrm>
-          <a:prstGeom prst="rect">
-            <a:avLst/>
-          </a:prstGeom>
-        </p:spPr>
-      </p:pic>
-      <p:sp>
-        <p:nvSpPr>
-          <p:cNvPr id="6" name="Title 1"/>
-          <p:cNvSpPr>
-            <a:spLocks noGrp="1"/>
-          </p:cNvSpPr>
-          <p:nvPr>
-            <p:ph type="ctrTitle" hasCustomPrompt="1"/>
-          </p:nvPr>
-        </p:nvSpPr>
-        <p:spPr bwMode="white">
-          <a:xfrm>
-            <a:off x="1671638" y="2294619"/>
-            <a:ext cx="12319000" cy="852712"/>
-          </a:xfrm>
-        </p:spPr>
-        <p:txBody>
-          <a:bodyPr lIns="91440" tIns="91440" rIns="91440" bIns="91440" anchor="ctr"/>
-          <a:lstStyle>
-            <a:lvl1pPr>
-              <a:lnSpc>
-                <a:spcPct val="90000"/>
-              </a:lnSpc>
-              <a:defRPr sz="6400" b="1" spc="0" baseline="0">
-                <a:solidFill>
-                  <a:schemeClr val="accent1"/>
-                </a:solidFill>
-              </a:defRPr>
-            </a:lvl1pPr>
-          </a:lstStyle>
-          <a:p>
-            <a:r>
-              <a:rPr lang="en-US" dirty="0" smtClean="0"/>
-              <a:t>Problem</a:t>
-            </a:r>
-            <a:endParaRPr lang="en-US" dirty="0"/>
-          </a:p>
-        </p:txBody>
-      </p:sp>
-      <p:sp>
-        <p:nvSpPr>
-          <p:cNvPr id="10" name="Subtitle 2"/>
-          <p:cNvSpPr>
-            <a:spLocks noGrp="1"/>
-          </p:cNvSpPr>
-          <p:nvPr>
-            <p:ph type="subTitle" idx="1"/>
-          </p:nvPr>
-        </p:nvSpPr>
-        <p:spPr bwMode="white">
-          <a:xfrm>
-            <a:off x="1671638" y="3271838"/>
-            <a:ext cx="12319000" cy="3346421"/>
-          </a:xfrm>
-          <a:prstGeom prst="rect">
-            <a:avLst/>
-          </a:prstGeom>
-        </p:spPr>
-        <p:txBody>
-          <a:bodyPr lIns="91440" tIns="91440" rIns="91440" bIns="91440">
-            <a:noAutofit/>
-          </a:bodyPr>
-          <a:lstStyle>
-            <a:lvl1pPr marL="0" indent="0" algn="l">
-              <a:lnSpc>
-                <a:spcPct val="100000"/>
-              </a:lnSpc>
-              <a:spcBef>
-                <a:spcPts val="0"/>
-              </a:spcBef>
-              <a:buNone/>
-              <a:defRPr sz="2800" baseline="0">
-                <a:solidFill>
-                  <a:schemeClr val="accent3">
-                    <a:lumMod val="50000"/>
-                  </a:schemeClr>
-                </a:solidFill>
-              </a:defRPr>
-            </a:lvl1pPr>
-            <a:lvl2pPr marL="609561" indent="0" algn="ctr">
-              <a:buNone/>
-              <a:defRPr>
-                <a:solidFill>
-                  <a:schemeClr val="tx1">
-                    <a:tint val="75000"/>
-                  </a:schemeClr>
-                </a:solidFill>
-              </a:defRPr>
-            </a:lvl2pPr>
-            <a:lvl3pPr marL="1219120" indent="0" algn="ctr">
-              <a:buNone/>
-              <a:defRPr>
-                <a:solidFill>
-                  <a:schemeClr val="tx1">
-                    <a:tint val="75000"/>
-                  </a:schemeClr>
-                </a:solidFill>
-              </a:defRPr>
-            </a:lvl3pPr>
-            <a:lvl4pPr marL="1828681" indent="0" algn="ctr">
-              <a:buNone/>
-              <a:defRPr>
-                <a:solidFill>
-                  <a:schemeClr val="tx1">
-                    <a:tint val="75000"/>
-                  </a:schemeClr>
-                </a:solidFill>
-              </a:defRPr>
-            </a:lvl4pPr>
-            <a:lvl5pPr marL="2438242" indent="0" algn="ctr">
-              <a:buNone/>
-              <a:defRPr>
-                <a:solidFill>
-                  <a:schemeClr val="tx1">
-                    <a:tint val="75000"/>
-                  </a:schemeClr>
-                </a:solidFill>
-              </a:defRPr>
-            </a:lvl5pPr>
-            <a:lvl6pPr marL="3047802" indent="0" algn="ctr">
-              <a:buNone/>
-              <a:defRPr>
-                <a:solidFill>
-                  <a:schemeClr val="tx1">
-                    <a:tint val="75000"/>
-                  </a:schemeClr>
-                </a:solidFill>
-              </a:defRPr>
-            </a:lvl6pPr>
-            <a:lvl7pPr marL="3657362" indent="0" algn="ctr">
-              <a:buNone/>
-              <a:defRPr>
-                <a:solidFill>
-                  <a:schemeClr val="tx1">
-                    <a:tint val="75000"/>
-                  </a:schemeClr>
-                </a:solidFill>
-              </a:defRPr>
-            </a:lvl7pPr>
-            <a:lvl8pPr marL="4266923" indent="0" algn="ctr">
-              <a:buNone/>
-              <a:defRPr>
-                <a:solidFill>
-                  <a:schemeClr val="tx1">
-                    <a:tint val="75000"/>
-                  </a:schemeClr>
-                </a:solidFill>
-              </a:defRPr>
-            </a:lvl8pPr>
-            <a:lvl9pPr marL="4876483" indent="0" algn="ctr">
-              <a:buNone/>
-              <a:defRPr>
-                <a:solidFill>
-                  <a:schemeClr val="tx1">
-                    <a:tint val="75000"/>
-                  </a:schemeClr>
-                </a:solidFill>
-              </a:defRPr>
-            </a:lvl9pPr>
-          </a:lstStyle>
-          <a:p>
-            <a:r>
-              <a:rPr lang="en-US" dirty="0" smtClean="0"/>
-              <a:t>Click to edit Master subtitle style</a:t>
-            </a:r>
-          </a:p>
-        </p:txBody>
-      </p:sp>
-    </p:spTree>
-    <p:extLst>
-      <p:ext uri="{BB962C8B-B14F-4D97-AF65-F5344CB8AC3E}">
-        <p14:creationId xmlns:p14="http://schemas.microsoft.com/office/powerpoint/2010/main" val="247207333"/>
-      </p:ext>
-    </p:extLst>
-  </p:cSld>
-  <p:clrMapOvr>
-    <a:masterClrMapping/>
-  </p:clrMapOvr>
-  <p:transition spd="med">
-    <p:fade/>
-  </p:transition>
-</p:sldLayout>
-</file>
-
-<file path=ppt/slideLayouts/slideLayout16.xml><?xml version="1.0" encoding="utf-8"?>
-<p:sldLayout xmlns:a="http://schemas.openxmlformats.org/drawingml/2006/main" xmlns:r="http://schemas.openxmlformats.org/officeDocument/2006/relationships" xmlns:p="http://schemas.openxmlformats.org/presentationml/2006/main" preserve="1" userDrawn="1">
-  <p:cSld name="Docs">
-    <p:spTree>
-      <p:nvGrpSpPr>
-        <p:cNvPr id="1" name=""/>
-        <p:cNvGrpSpPr/>
-        <p:nvPr/>
-      </p:nvGrpSpPr>
-      <p:grpSpPr>
-        <a:xfrm>
-          <a:off x="0" y="0"/>
-          <a:ext cx="0" cy="0"/>
-          <a:chOff x="0" y="0"/>
-          <a:chExt cx="0" cy="0"/>
-        </a:xfrm>
-      </p:grpSpPr>
-      <p:sp>
-        <p:nvSpPr>
-          <p:cNvPr id="7" name="TextBox 6"/>
-          <p:cNvSpPr txBox="1"/>
-          <p:nvPr/>
-        </p:nvSpPr>
-        <p:spPr bwMode="white">
-          <a:xfrm>
-            <a:off x="136960" y="160072"/>
-            <a:ext cx="13917707" cy="2378219"/>
-          </a:xfrm>
-          <a:prstGeom prst="rect">
-            <a:avLst/>
-          </a:prstGeom>
-          <a:noFill/>
-          <a:ln>
-            <a:noFill/>
-          </a:ln>
-          <a:effectLst/>
-        </p:spPr>
-        <p:txBody>
-          <a:bodyPr lIns="121920" tIns="121920" rIns="121920" bIns="121920" anchor="ctr"/>
-          <a:lstStyle/>
-          <a:p>
-            <a:pPr defTabSz="1219120" fontAlgn="auto">
-              <a:spcBef>
-                <a:spcPts val="0"/>
-              </a:spcBef>
-              <a:spcAft>
-                <a:spcPts val="0"/>
-              </a:spcAft>
-              <a:defRPr/>
-            </a:pPr>
-            <a:r>
-              <a:rPr lang="en-US" sz="16933" dirty="0" smtClean="0">
-                <a:ln w="18415" cmpd="sng">
-                  <a:solidFill>
-                    <a:srgbClr val="FFFFFF"/>
-                  </a:solidFill>
-                  <a:prstDash val="solid"/>
-                </a:ln>
-                <a:solidFill>
-                  <a:schemeClr val="bg2">
-                    <a:lumMod val="95000"/>
-                    <a:alpha val="50000"/>
-                  </a:schemeClr>
-                </a:solidFill>
-                <a:latin typeface="+mn-lt"/>
-                <a:ea typeface="+mn-ea"/>
-                <a:cs typeface="+mn-cs"/>
-              </a:rPr>
-              <a:t>REFERENCE</a:t>
-            </a:r>
-            <a:endParaRPr lang="en-US" sz="16933" dirty="0">
-              <a:ln w="18415" cmpd="sng">
-                <a:solidFill>
-                  <a:srgbClr val="FFFFFF"/>
-                </a:solidFill>
-                <a:prstDash val="solid"/>
-              </a:ln>
-              <a:solidFill>
-                <a:schemeClr val="bg2">
-                  <a:lumMod val="95000"/>
-                  <a:alpha val="50000"/>
-                </a:schemeClr>
-              </a:solidFill>
-              <a:latin typeface="+mn-lt"/>
-              <a:ea typeface="+mn-ea"/>
-              <a:cs typeface="+mn-cs"/>
-            </a:endParaRPr>
-          </a:p>
-        </p:txBody>
-      </p:sp>
-      <p:pic>
-        <p:nvPicPr>
-          <p:cNvPr id="2" name="Picture 1" descr="reference.gif"/>
-          <p:cNvPicPr>
-            <a:picLocks noChangeAspect="1"/>
-          </p:cNvPicPr>
-          <p:nvPr userDrawn="1"/>
-        </p:nvPicPr>
-        <p:blipFill>
-          <a:blip r:embed="rId2">
-            <a:extLst>
-              <a:ext uri="{28A0092B-C50C-407E-A947-70E740481C1C}">
-                <a14:useLocalDpi xmlns:a14="http://schemas.microsoft.com/office/drawing/2010/main" val="0"/>
-              </a:ext>
-            </a:extLst>
-          </a:blip>
-          <a:stretch>
-            <a:fillRect/>
-          </a:stretch>
-        </p:blipFill>
-        <p:spPr>
-          <a:xfrm>
-            <a:off x="13383499" y="324724"/>
-            <a:ext cx="2189001" cy="2189001"/>
-          </a:xfrm>
-          <a:prstGeom prst="rect">
-            <a:avLst/>
-          </a:prstGeom>
-        </p:spPr>
-      </p:pic>
-      <p:sp>
-        <p:nvSpPr>
-          <p:cNvPr id="6" name="Title 1"/>
-          <p:cNvSpPr>
-            <a:spLocks noGrp="1"/>
-          </p:cNvSpPr>
-          <p:nvPr>
-            <p:ph type="ctrTitle" hasCustomPrompt="1"/>
-          </p:nvPr>
-        </p:nvSpPr>
-        <p:spPr bwMode="white">
-          <a:xfrm>
-            <a:off x="1671638" y="2294619"/>
-            <a:ext cx="12319000" cy="852712"/>
-          </a:xfrm>
-        </p:spPr>
-        <p:txBody>
-          <a:bodyPr lIns="91440" tIns="91440" rIns="91440" bIns="91440" anchor="ctr"/>
-          <a:lstStyle>
-            <a:lvl1pPr>
-              <a:lnSpc>
-                <a:spcPct val="90000"/>
-              </a:lnSpc>
-              <a:defRPr sz="6400" b="1" spc="0" baseline="0">
-                <a:solidFill>
-                  <a:schemeClr val="accent1"/>
-                </a:solidFill>
-              </a:defRPr>
-            </a:lvl1pPr>
-          </a:lstStyle>
-          <a:p>
-            <a:r>
-              <a:rPr lang="en-US" dirty="0" smtClean="0"/>
-              <a:t>Documentation</a:t>
-            </a:r>
-            <a:endParaRPr lang="en-US" dirty="0"/>
-          </a:p>
-        </p:txBody>
-      </p:sp>
-      <p:sp>
-        <p:nvSpPr>
-          <p:cNvPr id="12" name="Subtitle 2"/>
-          <p:cNvSpPr>
-            <a:spLocks noGrp="1"/>
-          </p:cNvSpPr>
-          <p:nvPr>
-            <p:ph type="subTitle" idx="1"/>
-          </p:nvPr>
-        </p:nvSpPr>
-        <p:spPr bwMode="white">
-          <a:xfrm>
-            <a:off x="1671638" y="3271838"/>
-            <a:ext cx="12319000" cy="3346421"/>
-          </a:xfrm>
-          <a:prstGeom prst="rect">
-            <a:avLst/>
-          </a:prstGeom>
-        </p:spPr>
-        <p:txBody>
-          <a:bodyPr lIns="91440" tIns="91440" rIns="91440" bIns="91440">
-            <a:noAutofit/>
-          </a:bodyPr>
-          <a:lstStyle>
-            <a:lvl1pPr marL="0" indent="0" algn="l">
-              <a:lnSpc>
-                <a:spcPct val="100000"/>
-              </a:lnSpc>
-              <a:spcBef>
-                <a:spcPts val="0"/>
-              </a:spcBef>
-              <a:buNone/>
-              <a:defRPr sz="2800" baseline="0">
-                <a:solidFill>
-                  <a:schemeClr val="accent3">
-                    <a:lumMod val="50000"/>
-                  </a:schemeClr>
-                </a:solidFill>
-              </a:defRPr>
-            </a:lvl1pPr>
-            <a:lvl2pPr marL="609561" indent="0" algn="ctr">
-              <a:buNone/>
-              <a:defRPr>
-                <a:solidFill>
-                  <a:schemeClr val="tx1">
-                    <a:tint val="75000"/>
-                  </a:schemeClr>
-                </a:solidFill>
-              </a:defRPr>
-            </a:lvl2pPr>
-            <a:lvl3pPr marL="1219120" indent="0" algn="ctr">
-              <a:buNone/>
-              <a:defRPr>
-                <a:solidFill>
-                  <a:schemeClr val="tx1">
-                    <a:tint val="75000"/>
-                  </a:schemeClr>
-                </a:solidFill>
-              </a:defRPr>
-            </a:lvl3pPr>
-            <a:lvl4pPr marL="1828681" indent="0" algn="ctr">
-              <a:buNone/>
-              <a:defRPr>
-                <a:solidFill>
-                  <a:schemeClr val="tx1">
-                    <a:tint val="75000"/>
-                  </a:schemeClr>
-                </a:solidFill>
-              </a:defRPr>
-            </a:lvl4pPr>
-            <a:lvl5pPr marL="2438242" indent="0" algn="ctr">
-              <a:buNone/>
-              <a:defRPr>
-                <a:solidFill>
-                  <a:schemeClr val="tx1">
-                    <a:tint val="75000"/>
-                  </a:schemeClr>
-                </a:solidFill>
-              </a:defRPr>
-            </a:lvl5pPr>
-            <a:lvl6pPr marL="3047802" indent="0" algn="ctr">
-              <a:buNone/>
-              <a:defRPr>
-                <a:solidFill>
-                  <a:schemeClr val="tx1">
-                    <a:tint val="75000"/>
-                  </a:schemeClr>
-                </a:solidFill>
-              </a:defRPr>
-            </a:lvl6pPr>
-            <a:lvl7pPr marL="3657362" indent="0" algn="ctr">
-              <a:buNone/>
-              <a:defRPr>
-                <a:solidFill>
-                  <a:schemeClr val="tx1">
-                    <a:tint val="75000"/>
-                  </a:schemeClr>
-                </a:solidFill>
-              </a:defRPr>
-            </a:lvl7pPr>
-            <a:lvl8pPr marL="4266923" indent="0" algn="ctr">
-              <a:buNone/>
-              <a:defRPr>
-                <a:solidFill>
-                  <a:schemeClr val="tx1">
-                    <a:tint val="75000"/>
-                  </a:schemeClr>
-                </a:solidFill>
-              </a:defRPr>
-            </a:lvl8pPr>
-            <a:lvl9pPr marL="4876483" indent="0" algn="ctr">
-              <a:buNone/>
-              <a:defRPr>
-                <a:solidFill>
-                  <a:schemeClr val="tx1">
-                    <a:tint val="75000"/>
-                  </a:schemeClr>
-                </a:solidFill>
-              </a:defRPr>
-            </a:lvl9pPr>
-          </a:lstStyle>
-          <a:p>
-            <a:r>
-              <a:rPr lang="en-US" dirty="0" smtClean="0"/>
-              <a:t>Click to edit Master subtitle style</a:t>
-            </a:r>
-          </a:p>
-        </p:txBody>
-      </p:sp>
-      <p:sp>
-        <p:nvSpPr>
-          <p:cNvPr id="10" name="Content Placeholder 3"/>
-          <p:cNvSpPr>
-            <a:spLocks noGrp="1"/>
-          </p:cNvSpPr>
-          <p:nvPr>
-            <p:ph sz="quarter" idx="13" hasCustomPrompt="1"/>
-          </p:nvPr>
-        </p:nvSpPr>
-        <p:spPr>
-          <a:xfrm>
-            <a:off x="3921498" y="7164200"/>
-            <a:ext cx="8917577" cy="524133"/>
-          </a:xfrm>
-          <a:prstGeom prst="rect">
-            <a:avLst/>
-          </a:prstGeom>
-        </p:spPr>
-        <p:txBody>
-          <a:bodyPr anchor="ctr"/>
-          <a:lstStyle>
-            <a:lvl1pPr marL="0" indent="0" algn="ctr">
-              <a:buNone/>
-              <a:defRPr sz="2400">
-                <a:solidFill>
-                  <a:schemeClr val="tx1"/>
-                </a:solidFill>
-              </a:defRPr>
-            </a:lvl1pPr>
-          </a:lstStyle>
-          <a:p>
-            <a:pPr lvl="0"/>
-            <a:r>
-              <a:rPr lang="en-US" dirty="0" smtClean="0"/>
-              <a:t>http://</a:t>
-            </a:r>
-            <a:r>
-              <a:rPr lang="en-US" dirty="0" err="1" smtClean="0"/>
-              <a:t>docs.chef.io</a:t>
-            </a:r>
-            <a:endParaRPr lang="en-US" dirty="0" smtClean="0"/>
-          </a:p>
-        </p:txBody>
-      </p:sp>
-    </p:spTree>
-    <p:extLst>
-      <p:ext uri="{BB962C8B-B14F-4D97-AF65-F5344CB8AC3E}">
-        <p14:creationId xmlns:p14="http://schemas.microsoft.com/office/powerpoint/2010/main" val="1970238568"/>
+        <p14:creationId xmlns:p14="http://schemas.microsoft.com/office/powerpoint/2010/main" val="1995748560"/>
       </p:ext>
     </p:extLst>
   </p:cSld>
@@ -5370,293 +5370,6 @@
 </file>
 
 <file path=ppt/slideLayouts/slideLayout17.xml><?xml version="1.0" encoding="utf-8"?>
-<p:sldLayout xmlns:a="http://schemas.openxmlformats.org/drawingml/2006/main" xmlns:r="http://schemas.openxmlformats.org/officeDocument/2006/relationships" xmlns:p="http://schemas.openxmlformats.org/presentationml/2006/main" preserve="1" userDrawn="1">
-  <p:cSld name="Concept">
-    <p:spTree>
-      <p:nvGrpSpPr>
-        <p:cNvPr id="1" name=""/>
-        <p:cNvGrpSpPr/>
-        <p:nvPr/>
-      </p:nvGrpSpPr>
-      <p:grpSpPr>
-        <a:xfrm>
-          <a:off x="0" y="0"/>
-          <a:ext cx="0" cy="0"/>
-          <a:chOff x="0" y="0"/>
-          <a:chExt cx="0" cy="0"/>
-        </a:xfrm>
-      </p:grpSpPr>
-      <p:sp>
-        <p:nvSpPr>
-          <p:cNvPr id="5" name="TextBox 4"/>
-          <p:cNvSpPr txBox="1"/>
-          <p:nvPr/>
-        </p:nvSpPr>
-        <p:spPr bwMode="white">
-          <a:xfrm>
-            <a:off x="136961" y="144390"/>
-            <a:ext cx="11554287" cy="2378219"/>
-          </a:xfrm>
-          <a:prstGeom prst="rect">
-            <a:avLst/>
-          </a:prstGeom>
-          <a:noFill/>
-          <a:ln>
-            <a:noFill/>
-          </a:ln>
-          <a:effectLst/>
-        </p:spPr>
-        <p:txBody>
-          <a:bodyPr lIns="121920" tIns="121920" rIns="121920" bIns="121920" anchor="ctr"/>
-          <a:lstStyle/>
-          <a:p>
-            <a:pPr defTabSz="1219120" fontAlgn="auto">
-              <a:spcBef>
-                <a:spcPts val="0"/>
-              </a:spcBef>
-              <a:spcAft>
-                <a:spcPts val="0"/>
-              </a:spcAft>
-              <a:defRPr/>
-            </a:pPr>
-            <a:r>
-              <a:rPr lang="en-US" sz="16933" dirty="0">
-                <a:ln w="18415" cmpd="sng">
-                  <a:solidFill>
-                    <a:srgbClr val="FFFFFF"/>
-                  </a:solidFill>
-                  <a:prstDash val="solid"/>
-                </a:ln>
-                <a:solidFill>
-                  <a:schemeClr val="bg2">
-                    <a:lumMod val="95000"/>
-                    <a:alpha val="50000"/>
-                  </a:schemeClr>
-                </a:solidFill>
-                <a:latin typeface="+mn-lt"/>
-                <a:ea typeface="+mn-ea"/>
-                <a:cs typeface="+mn-cs"/>
-              </a:rPr>
-              <a:t>CONCEPT</a:t>
-            </a:r>
-          </a:p>
-        </p:txBody>
-      </p:sp>
-      <p:pic>
-        <p:nvPicPr>
-          <p:cNvPr id="2" name="Picture 1" descr="concept.gif"/>
-          <p:cNvPicPr>
-            <a:picLocks noChangeAspect="1"/>
-          </p:cNvPicPr>
-          <p:nvPr userDrawn="1"/>
-        </p:nvPicPr>
-        <p:blipFill>
-          <a:blip r:embed="rId2">
-            <a:extLst>
-              <a:ext uri="{28A0092B-C50C-407E-A947-70E740481C1C}">
-                <a14:useLocalDpi xmlns:a14="http://schemas.microsoft.com/office/drawing/2010/main" val="0"/>
-              </a:ext>
-            </a:extLst>
-          </a:blip>
-          <a:stretch>
-            <a:fillRect/>
-          </a:stretch>
-        </p:blipFill>
-        <p:spPr>
-          <a:xfrm>
-            <a:off x="13119426" y="324724"/>
-            <a:ext cx="2717146" cy="2189001"/>
-          </a:xfrm>
-          <a:prstGeom prst="rect">
-            <a:avLst/>
-          </a:prstGeom>
-        </p:spPr>
-      </p:pic>
-      <p:sp>
-        <p:nvSpPr>
-          <p:cNvPr id="6" name="Title 1"/>
-          <p:cNvSpPr>
-            <a:spLocks noGrp="1"/>
-          </p:cNvSpPr>
-          <p:nvPr>
-            <p:ph type="ctrTitle" hasCustomPrompt="1"/>
-          </p:nvPr>
-        </p:nvSpPr>
-        <p:spPr bwMode="white">
-          <a:xfrm>
-            <a:off x="1671638" y="2294619"/>
-            <a:ext cx="12319000" cy="852712"/>
-          </a:xfrm>
-        </p:spPr>
-        <p:txBody>
-          <a:bodyPr lIns="91440" tIns="91440" rIns="91440" bIns="91440" anchor="ctr"/>
-          <a:lstStyle>
-            <a:lvl1pPr>
-              <a:lnSpc>
-                <a:spcPct val="90000"/>
-              </a:lnSpc>
-              <a:defRPr sz="6400" b="1" spc="0" baseline="0">
-                <a:solidFill>
-                  <a:schemeClr val="accent1"/>
-                </a:solidFill>
-              </a:defRPr>
-            </a:lvl1pPr>
-          </a:lstStyle>
-          <a:p>
-            <a:r>
-              <a:rPr lang="en-US" dirty="0" smtClean="0"/>
-              <a:t>Concept</a:t>
-            </a:r>
-            <a:endParaRPr lang="en-US" dirty="0"/>
-          </a:p>
-        </p:txBody>
-      </p:sp>
-      <p:sp>
-        <p:nvSpPr>
-          <p:cNvPr id="10" name="Subtitle 2"/>
-          <p:cNvSpPr>
-            <a:spLocks noGrp="1"/>
-          </p:cNvSpPr>
-          <p:nvPr>
-            <p:ph type="subTitle" idx="1"/>
-          </p:nvPr>
-        </p:nvSpPr>
-        <p:spPr bwMode="white">
-          <a:xfrm>
-            <a:off x="1671638" y="3271838"/>
-            <a:ext cx="12319000" cy="3346421"/>
-          </a:xfrm>
-          <a:prstGeom prst="rect">
-            <a:avLst/>
-          </a:prstGeom>
-        </p:spPr>
-        <p:txBody>
-          <a:bodyPr lIns="91440" tIns="91440" rIns="91440" bIns="91440">
-            <a:noAutofit/>
-          </a:bodyPr>
-          <a:lstStyle>
-            <a:lvl1pPr marL="0" indent="0" algn="l">
-              <a:lnSpc>
-                <a:spcPct val="100000"/>
-              </a:lnSpc>
-              <a:spcBef>
-                <a:spcPts val="0"/>
-              </a:spcBef>
-              <a:buNone/>
-              <a:defRPr sz="2800" baseline="0">
-                <a:solidFill>
-                  <a:schemeClr val="accent3">
-                    <a:lumMod val="50000"/>
-                  </a:schemeClr>
-                </a:solidFill>
-              </a:defRPr>
-            </a:lvl1pPr>
-            <a:lvl2pPr marL="609561" indent="0" algn="ctr">
-              <a:buNone/>
-              <a:defRPr>
-                <a:solidFill>
-                  <a:schemeClr val="tx1">
-                    <a:tint val="75000"/>
-                  </a:schemeClr>
-                </a:solidFill>
-              </a:defRPr>
-            </a:lvl2pPr>
-            <a:lvl3pPr marL="1219120" indent="0" algn="ctr">
-              <a:buNone/>
-              <a:defRPr>
-                <a:solidFill>
-                  <a:schemeClr val="tx1">
-                    <a:tint val="75000"/>
-                  </a:schemeClr>
-                </a:solidFill>
-              </a:defRPr>
-            </a:lvl3pPr>
-            <a:lvl4pPr marL="1828681" indent="0" algn="ctr">
-              <a:buNone/>
-              <a:defRPr>
-                <a:solidFill>
-                  <a:schemeClr val="tx1">
-                    <a:tint val="75000"/>
-                  </a:schemeClr>
-                </a:solidFill>
-              </a:defRPr>
-            </a:lvl4pPr>
-            <a:lvl5pPr marL="2438242" indent="0" algn="ctr">
-              <a:buNone/>
-              <a:defRPr>
-                <a:solidFill>
-                  <a:schemeClr val="tx1">
-                    <a:tint val="75000"/>
-                  </a:schemeClr>
-                </a:solidFill>
-              </a:defRPr>
-            </a:lvl5pPr>
-            <a:lvl6pPr marL="3047802" indent="0" algn="ctr">
-              <a:buNone/>
-              <a:defRPr>
-                <a:solidFill>
-                  <a:schemeClr val="tx1">
-                    <a:tint val="75000"/>
-                  </a:schemeClr>
-                </a:solidFill>
-              </a:defRPr>
-            </a:lvl6pPr>
-            <a:lvl7pPr marL="3657362" indent="0" algn="ctr">
-              <a:buNone/>
-              <a:defRPr>
-                <a:solidFill>
-                  <a:schemeClr val="tx1">
-                    <a:tint val="75000"/>
-                  </a:schemeClr>
-                </a:solidFill>
-              </a:defRPr>
-            </a:lvl7pPr>
-            <a:lvl8pPr marL="4266923" indent="0" algn="ctr">
-              <a:buNone/>
-              <a:defRPr>
-                <a:solidFill>
-                  <a:schemeClr val="tx1">
-                    <a:tint val="75000"/>
-                  </a:schemeClr>
-                </a:solidFill>
-              </a:defRPr>
-            </a:lvl8pPr>
-            <a:lvl9pPr marL="4876483" indent="0" algn="ctr">
-              <a:buNone/>
-              <a:defRPr>
-                <a:solidFill>
-                  <a:schemeClr val="tx1">
-                    <a:tint val="75000"/>
-                  </a:schemeClr>
-                </a:solidFill>
-              </a:defRPr>
-            </a:lvl9pPr>
-          </a:lstStyle>
-          <a:p>
-            <a:r>
-              <a:rPr lang="en-US" dirty="0" smtClean="0"/>
-              <a:t>Click to edit Master subtitle style</a:t>
-            </a:r>
-          </a:p>
-        </p:txBody>
-      </p:sp>
-    </p:spTree>
-    <p:extLst>
-      <p:ext uri="{BB962C8B-B14F-4D97-AF65-F5344CB8AC3E}">
-        <p14:creationId xmlns:p14="http://schemas.microsoft.com/office/powerpoint/2010/main" val="1995748560"/>
-      </p:ext>
-    </p:extLst>
-  </p:cSld>
-  <p:clrMapOvr>
-    <a:masterClrMapping/>
-  </p:clrMapOvr>
-  <p:transition spd="med">
-    <p:fade/>
-  </p:transition>
-</p:sldLayout>
-</file>
-
-<file path=ppt/slideLayouts/slideLayout18.xml><?xml version="1.0" encoding="utf-8"?>
 <p:sldLayout xmlns:a="http://schemas.openxmlformats.org/drawingml/2006/main" xmlns:r="http://schemas.openxmlformats.org/officeDocument/2006/relationships" xmlns:p="http://schemas.openxmlformats.org/presentationml/2006/main" preserve="1" userDrawn="1">
   <p:cSld name="Group Exercise">
     <p:spTree>
@@ -5867,14 +5580,14 @@
           </a:ln>
           <a:extLst>
             <a:ext uri="{909E8E84-426E-40dd-AFC4-6F175D3DCCD1}">
-              <a14:hiddenFill xmlns:a14="http://schemas.microsoft.com/office/drawing/2010/main" xmlns="">
+              <a14:hiddenFill xmlns="" xmlns:a14="http://schemas.microsoft.com/office/drawing/2010/main">
                 <a:solidFill>
                   <a:srgbClr val="FFFFFF"/>
                 </a:solidFill>
               </a14:hiddenFill>
             </a:ext>
             <a:ext uri="{91240B29-F687-4f45-9708-019B960494DF}">
-              <a14:hiddenLine xmlns:a14="http://schemas.microsoft.com/office/drawing/2010/main" xmlns="" w="9525">
+              <a14:hiddenLine xmlns="" xmlns:a14="http://schemas.microsoft.com/office/drawing/2010/main" w="9525">
                 <a:solidFill>
                   <a:srgbClr val="000000"/>
                 </a:solidFill>
@@ -6077,7 +5790,7 @@
 </p:sldLayout>
 </file>
 
-<file path=ppt/slideLayouts/slideLayout19.xml><?xml version="1.0" encoding="utf-8"?>
+<file path=ppt/slideLayouts/slideLayout18.xml><?xml version="1.0" encoding="utf-8"?>
 <p:sldLayout xmlns:a="http://schemas.openxmlformats.org/drawingml/2006/main" xmlns:r="http://schemas.openxmlformats.org/officeDocument/2006/relationships" xmlns:p="http://schemas.openxmlformats.org/presentationml/2006/main" preserve="1" userDrawn="1">
   <p:cSld name="Lab">
     <p:spTree>
@@ -6353,6 +6066,318 @@
     <p:extLst>
       <p:ext uri="{BB962C8B-B14F-4D97-AF65-F5344CB8AC3E}">
         <p14:creationId xmlns:p14="http://schemas.microsoft.com/office/powerpoint/2010/main" val="952892369"/>
+      </p:ext>
+    </p:extLst>
+  </p:cSld>
+  <p:clrMapOvr>
+    <a:masterClrMapping/>
+  </p:clrMapOvr>
+  <p:transition spd="med">
+    <p:fade/>
+  </p:transition>
+</p:sldLayout>
+</file>
+
+<file path=ppt/slideLayouts/slideLayout19.xml><?xml version="1.0" encoding="utf-8"?>
+<p:sldLayout xmlns:a="http://schemas.openxmlformats.org/drawingml/2006/main" xmlns:r="http://schemas.openxmlformats.org/officeDocument/2006/relationships" xmlns:p="http://schemas.openxmlformats.org/presentationml/2006/main" preserve="1" userDrawn="1">
+  <p:cSld name="Version Control">
+    <p:spTree>
+      <p:nvGrpSpPr>
+        <p:cNvPr id="1" name=""/>
+        <p:cNvGrpSpPr/>
+        <p:nvPr/>
+      </p:nvGrpSpPr>
+      <p:grpSpPr>
+        <a:xfrm>
+          <a:off x="0" y="0"/>
+          <a:ext cx="0" cy="0"/>
+          <a:chOff x="0" y="0"/>
+          <a:chExt cx="0" cy="0"/>
+        </a:xfrm>
+      </p:grpSpPr>
+      <p:sp>
+        <p:nvSpPr>
+          <p:cNvPr id="5" name="TextBox 4"/>
+          <p:cNvSpPr txBox="1"/>
+          <p:nvPr/>
+        </p:nvSpPr>
+        <p:spPr bwMode="white">
+          <a:xfrm>
+            <a:off x="136961" y="144390"/>
+            <a:ext cx="12824551" cy="2378219"/>
+          </a:xfrm>
+          <a:prstGeom prst="rect">
+            <a:avLst/>
+          </a:prstGeom>
+          <a:noFill/>
+          <a:ln>
+            <a:noFill/>
+          </a:ln>
+          <a:effectLst/>
+        </p:spPr>
+        <p:txBody>
+          <a:bodyPr lIns="121920" tIns="121920" rIns="121920" bIns="121920" anchor="ctr"/>
+          <a:lstStyle/>
+          <a:p>
+            <a:pPr defTabSz="1219120" fontAlgn="auto">
+              <a:spcBef>
+                <a:spcPts val="0"/>
+              </a:spcBef>
+              <a:spcAft>
+                <a:spcPts val="0"/>
+              </a:spcAft>
+              <a:defRPr/>
+            </a:pPr>
+            <a:r>
+              <a:rPr lang="en-US" sz="16933" dirty="0">
+                <a:ln w="18415" cmpd="sng">
+                  <a:solidFill>
+                    <a:srgbClr val="FFFFFF"/>
+                  </a:solidFill>
+                  <a:prstDash val="solid"/>
+                </a:ln>
+                <a:solidFill>
+                  <a:schemeClr val="bg2">
+                    <a:lumMod val="95000"/>
+                    <a:alpha val="50000"/>
+                  </a:schemeClr>
+                </a:solidFill>
+                <a:latin typeface="+mn-lt"/>
+                <a:ea typeface="+mn-ea"/>
+                <a:cs typeface="+mn-cs"/>
+              </a:rPr>
+              <a:t>COMMIT</a:t>
+            </a:r>
+          </a:p>
+        </p:txBody>
+      </p:sp>
+      <p:pic>
+        <p:nvPicPr>
+          <p:cNvPr id="2" name="Picture 1" descr="commit.gif"/>
+          <p:cNvPicPr>
+            <a:picLocks noChangeAspect="1"/>
+          </p:cNvPicPr>
+          <p:nvPr userDrawn="1"/>
+        </p:nvPicPr>
+        <p:blipFill>
+          <a:blip r:embed="rId2">
+            <a:extLst>
+              <a:ext uri="{28A0092B-C50C-407E-A947-70E740481C1C}">
+                <a14:useLocalDpi xmlns:a14="http://schemas.microsoft.com/office/drawing/2010/main" val="0"/>
+              </a:ext>
+            </a:extLst>
+          </a:blip>
+          <a:stretch>
+            <a:fillRect/>
+          </a:stretch>
+        </p:blipFill>
+        <p:spPr>
+          <a:xfrm>
+            <a:off x="13275968" y="-183233"/>
+            <a:ext cx="2404063" cy="3204916"/>
+          </a:xfrm>
+          <a:prstGeom prst="rect">
+            <a:avLst/>
+          </a:prstGeom>
+        </p:spPr>
+      </p:pic>
+      <p:sp>
+        <p:nvSpPr>
+          <p:cNvPr id="6" name="Title 1"/>
+          <p:cNvSpPr>
+            <a:spLocks noGrp="1"/>
+          </p:cNvSpPr>
+          <p:nvPr>
+            <p:ph type="ctrTitle" hasCustomPrompt="1"/>
+          </p:nvPr>
+        </p:nvSpPr>
+        <p:spPr bwMode="white">
+          <a:xfrm>
+            <a:off x="1660524" y="2294619"/>
+            <a:ext cx="12330113" cy="852712"/>
+          </a:xfrm>
+        </p:spPr>
+        <p:txBody>
+          <a:bodyPr lIns="91440" tIns="91440" rIns="91440" bIns="91440" anchor="ctr"/>
+          <a:lstStyle>
+            <a:lvl1pPr>
+              <a:lnSpc>
+                <a:spcPct val="90000"/>
+              </a:lnSpc>
+              <a:defRPr sz="6400" b="1" spc="0" baseline="0">
+                <a:solidFill>
+                  <a:schemeClr val="accent1"/>
+                </a:solidFill>
+              </a:defRPr>
+            </a:lvl1pPr>
+          </a:lstStyle>
+          <a:p>
+            <a:r>
+              <a:rPr lang="en-US" dirty="0" smtClean="0"/>
+              <a:t>Commit</a:t>
+            </a:r>
+            <a:endParaRPr lang="en-US" dirty="0"/>
+          </a:p>
+        </p:txBody>
+      </p:sp>
+      <p:sp>
+        <p:nvSpPr>
+          <p:cNvPr id="10" name="Subtitle 2"/>
+          <p:cNvSpPr>
+            <a:spLocks noGrp="1"/>
+          </p:cNvSpPr>
+          <p:nvPr>
+            <p:ph type="subTitle" idx="1" hasCustomPrompt="1"/>
+          </p:nvPr>
+        </p:nvSpPr>
+        <p:spPr bwMode="white">
+          <a:xfrm>
+            <a:off x="1660524" y="3273285"/>
+            <a:ext cx="12330113" cy="3346421"/>
+          </a:xfrm>
+          <a:prstGeom prst="rect">
+            <a:avLst/>
+          </a:prstGeom>
+        </p:spPr>
+        <p:txBody>
+          <a:bodyPr lIns="91440" tIns="91440" rIns="91440" bIns="91440">
+            <a:noAutofit/>
+          </a:bodyPr>
+          <a:lstStyle>
+            <a:lvl1pPr marL="0" indent="0" algn="l">
+              <a:lnSpc>
+                <a:spcPct val="100000"/>
+              </a:lnSpc>
+              <a:spcBef>
+                <a:spcPts val="0"/>
+              </a:spcBef>
+              <a:buNone/>
+              <a:defRPr sz="2800" baseline="0">
+                <a:solidFill>
+                  <a:schemeClr val="accent3">
+                    <a:lumMod val="50000"/>
+                  </a:schemeClr>
+                </a:solidFill>
+                <a:latin typeface="Courier New" panose="02070309020205020404" pitchFamily="49" charset="0"/>
+                <a:cs typeface="Courier New" panose="02070309020205020404" pitchFamily="49" charset="0"/>
+              </a:defRPr>
+            </a:lvl1pPr>
+            <a:lvl2pPr marL="609561" indent="0" algn="ctr">
+              <a:buNone/>
+              <a:defRPr>
+                <a:solidFill>
+                  <a:schemeClr val="tx1">
+                    <a:tint val="75000"/>
+                  </a:schemeClr>
+                </a:solidFill>
+              </a:defRPr>
+            </a:lvl2pPr>
+            <a:lvl3pPr marL="1219120" indent="0" algn="ctr">
+              <a:buNone/>
+              <a:defRPr>
+                <a:solidFill>
+                  <a:schemeClr val="tx1">
+                    <a:tint val="75000"/>
+                  </a:schemeClr>
+                </a:solidFill>
+              </a:defRPr>
+            </a:lvl3pPr>
+            <a:lvl4pPr marL="1828681" indent="0" algn="ctr">
+              <a:buNone/>
+              <a:defRPr>
+                <a:solidFill>
+                  <a:schemeClr val="tx1">
+                    <a:tint val="75000"/>
+                  </a:schemeClr>
+                </a:solidFill>
+              </a:defRPr>
+            </a:lvl4pPr>
+            <a:lvl5pPr marL="2438242" indent="0" algn="ctr">
+              <a:buNone/>
+              <a:defRPr>
+                <a:solidFill>
+                  <a:schemeClr val="tx1">
+                    <a:tint val="75000"/>
+                  </a:schemeClr>
+                </a:solidFill>
+              </a:defRPr>
+            </a:lvl5pPr>
+            <a:lvl6pPr marL="3047802" indent="0" algn="ctr">
+              <a:buNone/>
+              <a:defRPr>
+                <a:solidFill>
+                  <a:schemeClr val="tx1">
+                    <a:tint val="75000"/>
+                  </a:schemeClr>
+                </a:solidFill>
+              </a:defRPr>
+            </a:lvl6pPr>
+            <a:lvl7pPr marL="3657362" indent="0" algn="ctr">
+              <a:buNone/>
+              <a:defRPr>
+                <a:solidFill>
+                  <a:schemeClr val="tx1">
+                    <a:tint val="75000"/>
+                  </a:schemeClr>
+                </a:solidFill>
+              </a:defRPr>
+            </a:lvl7pPr>
+            <a:lvl8pPr marL="4266923" indent="0" algn="ctr">
+              <a:buNone/>
+              <a:defRPr>
+                <a:solidFill>
+                  <a:schemeClr val="tx1">
+                    <a:tint val="75000"/>
+                  </a:schemeClr>
+                </a:solidFill>
+              </a:defRPr>
+            </a:lvl8pPr>
+            <a:lvl9pPr marL="4876483" indent="0" algn="ctr">
+              <a:buNone/>
+              <a:defRPr>
+                <a:solidFill>
+                  <a:schemeClr val="tx1">
+                    <a:tint val="75000"/>
+                  </a:schemeClr>
+                </a:solidFill>
+              </a:defRPr>
+            </a:lvl9pPr>
+          </a:lstStyle>
+          <a:p>
+            <a:r>
+              <a:rPr lang="en-US" dirty="0" smtClean="0"/>
+              <a:t>$ cd repo</a:t>
+            </a:r>
+          </a:p>
+          <a:p>
+            <a:r>
+              <a:rPr lang="en-US" dirty="0" smtClean="0"/>
+              <a:t>$ git </a:t>
+            </a:r>
+            <a:r>
+              <a:rPr lang="en-US" dirty="0" err="1" smtClean="0"/>
+              <a:t>init</a:t>
+            </a:r>
+            <a:endParaRPr lang="en-US" dirty="0" smtClean="0"/>
+          </a:p>
+          <a:p>
+            <a:r>
+              <a:rPr lang="en-US" dirty="0" smtClean="0"/>
+              <a:t>$ git add .</a:t>
+            </a:r>
+          </a:p>
+          <a:p>
+            <a:r>
+              <a:rPr lang="en-US" dirty="0" smtClean="0"/>
+              <a:t>$ git commit -m "Work Complete"</a:t>
+            </a:r>
+          </a:p>
+        </p:txBody>
+      </p:sp>
+    </p:spTree>
+    <p:extLst>
+      <p:ext uri="{BB962C8B-B14F-4D97-AF65-F5344CB8AC3E}">
+        <p14:creationId xmlns:p14="http://schemas.microsoft.com/office/powerpoint/2010/main" val="1105998384"/>
       </p:ext>
     </p:extLst>
   </p:cSld>
@@ -6544,318 +6569,6 @@
 
 <file path=ppt/slideLayouts/slideLayout20.xml><?xml version="1.0" encoding="utf-8"?>
 <p:sldLayout xmlns:a="http://schemas.openxmlformats.org/drawingml/2006/main" xmlns:r="http://schemas.openxmlformats.org/officeDocument/2006/relationships" xmlns:p="http://schemas.openxmlformats.org/presentationml/2006/main" preserve="1" userDrawn="1">
-  <p:cSld name="Version Control">
-    <p:spTree>
-      <p:nvGrpSpPr>
-        <p:cNvPr id="1" name=""/>
-        <p:cNvGrpSpPr/>
-        <p:nvPr/>
-      </p:nvGrpSpPr>
-      <p:grpSpPr>
-        <a:xfrm>
-          <a:off x="0" y="0"/>
-          <a:ext cx="0" cy="0"/>
-          <a:chOff x="0" y="0"/>
-          <a:chExt cx="0" cy="0"/>
-        </a:xfrm>
-      </p:grpSpPr>
-      <p:sp>
-        <p:nvSpPr>
-          <p:cNvPr id="5" name="TextBox 4"/>
-          <p:cNvSpPr txBox="1"/>
-          <p:nvPr/>
-        </p:nvSpPr>
-        <p:spPr bwMode="white">
-          <a:xfrm>
-            <a:off x="136961" y="144390"/>
-            <a:ext cx="12824551" cy="2378219"/>
-          </a:xfrm>
-          <a:prstGeom prst="rect">
-            <a:avLst/>
-          </a:prstGeom>
-          <a:noFill/>
-          <a:ln>
-            <a:noFill/>
-          </a:ln>
-          <a:effectLst/>
-        </p:spPr>
-        <p:txBody>
-          <a:bodyPr lIns="121920" tIns="121920" rIns="121920" bIns="121920" anchor="ctr"/>
-          <a:lstStyle/>
-          <a:p>
-            <a:pPr defTabSz="1219120" fontAlgn="auto">
-              <a:spcBef>
-                <a:spcPts val="0"/>
-              </a:spcBef>
-              <a:spcAft>
-                <a:spcPts val="0"/>
-              </a:spcAft>
-              <a:defRPr/>
-            </a:pPr>
-            <a:r>
-              <a:rPr lang="en-US" sz="16933" dirty="0">
-                <a:ln w="18415" cmpd="sng">
-                  <a:solidFill>
-                    <a:srgbClr val="FFFFFF"/>
-                  </a:solidFill>
-                  <a:prstDash val="solid"/>
-                </a:ln>
-                <a:solidFill>
-                  <a:schemeClr val="bg2">
-                    <a:lumMod val="95000"/>
-                    <a:alpha val="50000"/>
-                  </a:schemeClr>
-                </a:solidFill>
-                <a:latin typeface="+mn-lt"/>
-                <a:ea typeface="+mn-ea"/>
-                <a:cs typeface="+mn-cs"/>
-              </a:rPr>
-              <a:t>COMMIT</a:t>
-            </a:r>
-          </a:p>
-        </p:txBody>
-      </p:sp>
-      <p:pic>
-        <p:nvPicPr>
-          <p:cNvPr id="2" name="Picture 1" descr="commit.gif"/>
-          <p:cNvPicPr>
-            <a:picLocks noChangeAspect="1"/>
-          </p:cNvPicPr>
-          <p:nvPr userDrawn="1"/>
-        </p:nvPicPr>
-        <p:blipFill>
-          <a:blip r:embed="rId2">
-            <a:extLst>
-              <a:ext uri="{28A0092B-C50C-407E-A947-70E740481C1C}">
-                <a14:useLocalDpi xmlns:a14="http://schemas.microsoft.com/office/drawing/2010/main" val="0"/>
-              </a:ext>
-            </a:extLst>
-          </a:blip>
-          <a:stretch>
-            <a:fillRect/>
-          </a:stretch>
-        </p:blipFill>
-        <p:spPr>
-          <a:xfrm>
-            <a:off x="13275968" y="-183233"/>
-            <a:ext cx="2404063" cy="3204916"/>
-          </a:xfrm>
-          <a:prstGeom prst="rect">
-            <a:avLst/>
-          </a:prstGeom>
-        </p:spPr>
-      </p:pic>
-      <p:sp>
-        <p:nvSpPr>
-          <p:cNvPr id="6" name="Title 1"/>
-          <p:cNvSpPr>
-            <a:spLocks noGrp="1"/>
-          </p:cNvSpPr>
-          <p:nvPr>
-            <p:ph type="ctrTitle" hasCustomPrompt="1"/>
-          </p:nvPr>
-        </p:nvSpPr>
-        <p:spPr bwMode="white">
-          <a:xfrm>
-            <a:off x="1660524" y="2294619"/>
-            <a:ext cx="12330113" cy="852712"/>
-          </a:xfrm>
-        </p:spPr>
-        <p:txBody>
-          <a:bodyPr lIns="91440" tIns="91440" rIns="91440" bIns="91440" anchor="ctr"/>
-          <a:lstStyle>
-            <a:lvl1pPr>
-              <a:lnSpc>
-                <a:spcPct val="90000"/>
-              </a:lnSpc>
-              <a:defRPr sz="6400" b="1" spc="0" baseline="0">
-                <a:solidFill>
-                  <a:schemeClr val="accent1"/>
-                </a:solidFill>
-              </a:defRPr>
-            </a:lvl1pPr>
-          </a:lstStyle>
-          <a:p>
-            <a:r>
-              <a:rPr lang="en-US" dirty="0" smtClean="0"/>
-              <a:t>Commit</a:t>
-            </a:r>
-            <a:endParaRPr lang="en-US" dirty="0"/>
-          </a:p>
-        </p:txBody>
-      </p:sp>
-      <p:sp>
-        <p:nvSpPr>
-          <p:cNvPr id="10" name="Subtitle 2"/>
-          <p:cNvSpPr>
-            <a:spLocks noGrp="1"/>
-          </p:cNvSpPr>
-          <p:nvPr>
-            <p:ph type="subTitle" idx="1" hasCustomPrompt="1"/>
-          </p:nvPr>
-        </p:nvSpPr>
-        <p:spPr bwMode="white">
-          <a:xfrm>
-            <a:off x="1660524" y="3273285"/>
-            <a:ext cx="12330113" cy="3346421"/>
-          </a:xfrm>
-          <a:prstGeom prst="rect">
-            <a:avLst/>
-          </a:prstGeom>
-        </p:spPr>
-        <p:txBody>
-          <a:bodyPr lIns="91440" tIns="91440" rIns="91440" bIns="91440">
-            <a:noAutofit/>
-          </a:bodyPr>
-          <a:lstStyle>
-            <a:lvl1pPr marL="0" indent="0" algn="l">
-              <a:lnSpc>
-                <a:spcPct val="100000"/>
-              </a:lnSpc>
-              <a:spcBef>
-                <a:spcPts val="0"/>
-              </a:spcBef>
-              <a:buNone/>
-              <a:defRPr sz="2800" baseline="0">
-                <a:solidFill>
-                  <a:schemeClr val="accent3">
-                    <a:lumMod val="50000"/>
-                  </a:schemeClr>
-                </a:solidFill>
-                <a:latin typeface="Courier New" panose="02070309020205020404" pitchFamily="49" charset="0"/>
-                <a:cs typeface="Courier New" panose="02070309020205020404" pitchFamily="49" charset="0"/>
-              </a:defRPr>
-            </a:lvl1pPr>
-            <a:lvl2pPr marL="609561" indent="0" algn="ctr">
-              <a:buNone/>
-              <a:defRPr>
-                <a:solidFill>
-                  <a:schemeClr val="tx1">
-                    <a:tint val="75000"/>
-                  </a:schemeClr>
-                </a:solidFill>
-              </a:defRPr>
-            </a:lvl2pPr>
-            <a:lvl3pPr marL="1219120" indent="0" algn="ctr">
-              <a:buNone/>
-              <a:defRPr>
-                <a:solidFill>
-                  <a:schemeClr val="tx1">
-                    <a:tint val="75000"/>
-                  </a:schemeClr>
-                </a:solidFill>
-              </a:defRPr>
-            </a:lvl3pPr>
-            <a:lvl4pPr marL="1828681" indent="0" algn="ctr">
-              <a:buNone/>
-              <a:defRPr>
-                <a:solidFill>
-                  <a:schemeClr val="tx1">
-                    <a:tint val="75000"/>
-                  </a:schemeClr>
-                </a:solidFill>
-              </a:defRPr>
-            </a:lvl4pPr>
-            <a:lvl5pPr marL="2438242" indent="0" algn="ctr">
-              <a:buNone/>
-              <a:defRPr>
-                <a:solidFill>
-                  <a:schemeClr val="tx1">
-                    <a:tint val="75000"/>
-                  </a:schemeClr>
-                </a:solidFill>
-              </a:defRPr>
-            </a:lvl5pPr>
-            <a:lvl6pPr marL="3047802" indent="0" algn="ctr">
-              <a:buNone/>
-              <a:defRPr>
-                <a:solidFill>
-                  <a:schemeClr val="tx1">
-                    <a:tint val="75000"/>
-                  </a:schemeClr>
-                </a:solidFill>
-              </a:defRPr>
-            </a:lvl6pPr>
-            <a:lvl7pPr marL="3657362" indent="0" algn="ctr">
-              <a:buNone/>
-              <a:defRPr>
-                <a:solidFill>
-                  <a:schemeClr val="tx1">
-                    <a:tint val="75000"/>
-                  </a:schemeClr>
-                </a:solidFill>
-              </a:defRPr>
-            </a:lvl7pPr>
-            <a:lvl8pPr marL="4266923" indent="0" algn="ctr">
-              <a:buNone/>
-              <a:defRPr>
-                <a:solidFill>
-                  <a:schemeClr val="tx1">
-                    <a:tint val="75000"/>
-                  </a:schemeClr>
-                </a:solidFill>
-              </a:defRPr>
-            </a:lvl8pPr>
-            <a:lvl9pPr marL="4876483" indent="0" algn="ctr">
-              <a:buNone/>
-              <a:defRPr>
-                <a:solidFill>
-                  <a:schemeClr val="tx1">
-                    <a:tint val="75000"/>
-                  </a:schemeClr>
-                </a:solidFill>
-              </a:defRPr>
-            </a:lvl9pPr>
-          </a:lstStyle>
-          <a:p>
-            <a:r>
-              <a:rPr lang="en-US" dirty="0" smtClean="0"/>
-              <a:t>$ cd repo</a:t>
-            </a:r>
-          </a:p>
-          <a:p>
-            <a:r>
-              <a:rPr lang="en-US" dirty="0" smtClean="0"/>
-              <a:t>$ git </a:t>
-            </a:r>
-            <a:r>
-              <a:rPr lang="en-US" dirty="0" err="1" smtClean="0"/>
-              <a:t>init</a:t>
-            </a:r>
-            <a:endParaRPr lang="en-US" dirty="0" smtClean="0"/>
-          </a:p>
-          <a:p>
-            <a:r>
-              <a:rPr lang="en-US" dirty="0" smtClean="0"/>
-              <a:t>$ git add .</a:t>
-            </a:r>
-          </a:p>
-          <a:p>
-            <a:r>
-              <a:rPr lang="en-US" dirty="0" smtClean="0"/>
-              <a:t>$ git commit -m "Work Complete"</a:t>
-            </a:r>
-          </a:p>
-        </p:txBody>
-      </p:sp>
-    </p:spTree>
-    <p:extLst>
-      <p:ext uri="{BB962C8B-B14F-4D97-AF65-F5344CB8AC3E}">
-        <p14:creationId xmlns:p14="http://schemas.microsoft.com/office/powerpoint/2010/main" val="1105998384"/>
-      </p:ext>
-    </p:extLst>
-  </p:cSld>
-  <p:clrMapOvr>
-    <a:masterClrMapping/>
-  </p:clrMapOvr>
-  <p:transition spd="med">
-    <p:fade/>
-  </p:transition>
-</p:sldLayout>
-</file>
-
-<file path=ppt/slideLayouts/slideLayout21.xml><?xml version="1.0" encoding="utf-8"?>
-<p:sldLayout xmlns:a="http://schemas.openxmlformats.org/drawingml/2006/main" xmlns:r="http://schemas.openxmlformats.org/officeDocument/2006/relationships" xmlns:p="http://schemas.openxmlformats.org/presentationml/2006/main" preserve="1" userDrawn="1">
   <p:cSld name="Discussion">
     <p:spTree>
       <p:nvGrpSpPr>
@@ -7151,306 +6864,6 @@
   </p:cSld>
   <p:clrMapOvr>
     <a:masterClrMapping/>
-  </p:clrMapOvr>
-  <p:transition spd="med">
-    <p:fade/>
-  </p:transition>
-</p:sldLayout>
-</file>
-
-<file path=ppt/slideLayouts/slideLayout22.xml><?xml version="1.0" encoding="utf-8"?>
-<p:sldLayout xmlns:a="http://schemas.openxmlformats.org/drawingml/2006/main" xmlns:r="http://schemas.openxmlformats.org/officeDocument/2006/relationships" xmlns:p="http://schemas.openxmlformats.org/presentationml/2006/main" userDrawn="1">
-  <p:cSld name="Code - Content Right">
-    <p:bg>
-      <p:bgPr>
-        <a:gradFill>
-          <a:gsLst>
-            <a:gs pos="0">
-              <a:schemeClr val="bg2">
-                <a:lumMod val="95000"/>
-              </a:schemeClr>
-            </a:gs>
-            <a:gs pos="100000">
-              <a:schemeClr val="bg2"/>
-            </a:gs>
-          </a:gsLst>
-          <a:lin ang="5400000" scaled="1"/>
-        </a:gradFill>
-        <a:effectLst/>
-      </p:bgPr>
-    </p:bg>
-    <p:spTree>
-      <p:nvGrpSpPr>
-        <p:cNvPr id="1" name=""/>
-        <p:cNvGrpSpPr/>
-        <p:nvPr/>
-      </p:nvGrpSpPr>
-      <p:grpSpPr>
-        <a:xfrm>
-          <a:off x="0" y="0"/>
-          <a:ext cx="0" cy="0"/>
-          <a:chOff x="0" y="0"/>
-          <a:chExt cx="0" cy="0"/>
-        </a:xfrm>
-      </p:grpSpPr>
-      <p:sp>
-        <p:nvSpPr>
-          <p:cNvPr id="2" name="Title 1"/>
-          <p:cNvSpPr>
-            <a:spLocks noGrp="1"/>
-          </p:cNvSpPr>
-          <p:nvPr>
-            <p:ph type="title"/>
-          </p:nvPr>
-        </p:nvSpPr>
-        <p:spPr>
-          <a:xfrm>
-            <a:off x="609600" y="304800"/>
-            <a:ext cx="14935200" cy="827577"/>
-          </a:xfrm>
-        </p:spPr>
-        <p:txBody>
-          <a:bodyPr/>
-          <a:lstStyle>
-            <a:lvl1pPr>
-              <a:defRPr sz="5867" baseline="0"/>
-            </a:lvl1pPr>
-          </a:lstStyle>
-          <a:p>
-            <a:r>
-              <a:rPr lang="en-US" smtClean="0"/>
-              <a:t>Click to edit Master title style</a:t>
-            </a:r>
-            <a:endParaRPr lang="en-US" dirty="0"/>
-          </a:p>
-        </p:txBody>
-      </p:sp>
-      <p:sp>
-        <p:nvSpPr>
-          <p:cNvPr id="16" name="Content Placeholder 3"/>
-          <p:cNvSpPr>
-            <a:spLocks noGrp="1"/>
-          </p:cNvSpPr>
-          <p:nvPr>
-            <p:ph sz="quarter" idx="10" hasCustomPrompt="1"/>
-          </p:nvPr>
-        </p:nvSpPr>
-        <p:spPr>
-          <a:xfrm>
-            <a:off x="609914" y="1348277"/>
-            <a:ext cx="7310937" cy="6678417"/>
-          </a:xfrm>
-          <a:prstGeom prst="rect">
-            <a:avLst/>
-          </a:prstGeom>
-          <a:ln w="12700">
-            <a:solidFill>
-              <a:schemeClr val="tx2"/>
-            </a:solidFill>
-            <a:prstDash val="dash"/>
-          </a:ln>
-        </p:spPr>
-        <p:txBody>
-          <a:bodyPr lIns="91440" tIns="45720" rIns="91440" bIns="45720">
-            <a:normAutofit/>
-          </a:bodyPr>
-          <a:lstStyle>
-            <a:lvl1pPr marL="0" marR="0" indent="0" algn="l" defTabSz="1219120" rtl="0" eaLnBrk="1" fontAlgn="auto" latinLnBrk="0" hangingPunct="1">
-              <a:lnSpc>
-                <a:spcPct val="100000"/>
-              </a:lnSpc>
-              <a:spcBef>
-                <a:spcPts val="800"/>
-              </a:spcBef>
-              <a:spcAft>
-                <a:spcPts val="0"/>
-              </a:spcAft>
-              <a:buClrTx/>
-              <a:buSzPct val="90000"/>
-              <a:buFont typeface="Arial" pitchFamily="34" charset="0"/>
-              <a:buNone/>
-              <a:tabLst/>
-              <a:defRPr sz="2800">
-                <a:latin typeface="Courier New" panose="02070309020205020404" pitchFamily="49" charset="0"/>
-                <a:cs typeface="Courier New" panose="02070309020205020404" pitchFamily="49" charset="0"/>
-              </a:defRPr>
-            </a:lvl1pPr>
-          </a:lstStyle>
-          <a:p>
-            <a:pPr lvl="0"/>
-            <a:r>
-              <a:rPr lang="en-US" dirty="0" smtClean="0"/>
-              <a:t>source code</a:t>
-            </a:r>
-          </a:p>
-        </p:txBody>
-      </p:sp>
-      <p:sp>
-        <p:nvSpPr>
-          <p:cNvPr id="9" name="Content Placeholder 5"/>
-          <p:cNvSpPr>
-            <a:spLocks noGrp="1"/>
-          </p:cNvSpPr>
-          <p:nvPr>
-            <p:ph sz="quarter" idx="12"/>
-          </p:nvPr>
-        </p:nvSpPr>
-        <p:spPr>
-          <a:xfrm>
-            <a:off x="8233833" y="1348277"/>
-            <a:ext cx="7310968" cy="6678417"/>
-          </a:xfrm>
-          <a:prstGeom prst="rect">
-            <a:avLst/>
-          </a:prstGeom>
-        </p:spPr>
-        <p:txBody>
-          <a:bodyPr>
-            <a:noAutofit/>
-          </a:bodyPr>
-          <a:lstStyle>
-            <a:lvl1pPr>
-              <a:defRPr sz="3200"/>
-            </a:lvl1pPr>
-            <a:lvl2pPr>
-              <a:defRPr sz="2800"/>
-            </a:lvl2pPr>
-            <a:lvl3pPr>
-              <a:defRPr sz="2400"/>
-            </a:lvl3pPr>
-            <a:lvl4pPr>
-              <a:defRPr sz="1867"/>
-            </a:lvl4pPr>
-            <a:lvl5pPr>
-              <a:defRPr sz="3200"/>
-            </a:lvl5pPr>
-          </a:lstStyle>
-          <a:p>
-            <a:pPr lvl="0"/>
-            <a:r>
-              <a:rPr lang="en-US" smtClean="0"/>
-              <a:t>Click to edit Master text styles</a:t>
-            </a:r>
-          </a:p>
-          <a:p>
-            <a:pPr lvl="1"/>
-            <a:r>
-              <a:rPr lang="en-US" smtClean="0"/>
-              <a:t>Second level</a:t>
-            </a:r>
-          </a:p>
-          <a:p>
-            <a:pPr lvl="2"/>
-            <a:r>
-              <a:rPr lang="en-US" smtClean="0"/>
-              <a:t>Third level</a:t>
-            </a:r>
-          </a:p>
-        </p:txBody>
-      </p:sp>
-      <p:sp>
-        <p:nvSpPr>
-          <p:cNvPr id="10" name="Text Placeholder 13"/>
-          <p:cNvSpPr>
-            <a:spLocks noGrp="1"/>
-          </p:cNvSpPr>
-          <p:nvPr>
-            <p:ph type="body" sz="quarter" idx="11" hasCustomPrompt="1"/>
-          </p:nvPr>
-        </p:nvSpPr>
-        <p:spPr>
-          <a:xfrm>
-            <a:off x="624417" y="2775887"/>
-            <a:ext cx="7281333" cy="659007"/>
-          </a:xfrm>
-          <a:prstGeom prst="rect">
-            <a:avLst/>
-          </a:prstGeom>
-          <a:solidFill>
-            <a:srgbClr val="FF0000">
-              <a:alpha val="25000"/>
-            </a:srgbClr>
-          </a:solidFill>
-        </p:spPr>
-        <p:txBody>
-          <a:bodyPr rIns="91440" bIns="594360">
-            <a:noAutofit/>
-          </a:bodyPr>
-          <a:lstStyle>
-            <a:lvl1pPr marL="0" indent="0" algn="r">
-              <a:buFontTx/>
-              <a:buNone/>
-              <a:defRPr sz="4267">
-                <a:latin typeface="Courier New"/>
-                <a:cs typeface="Courier New"/>
-              </a:defRPr>
-            </a:lvl1pPr>
-          </a:lstStyle>
-          <a:p>
-            <a:pPr lvl="0"/>
-            <a:r>
-              <a:rPr lang="en-US" dirty="0" smtClean="0"/>
-              <a:t>-</a:t>
-            </a:r>
-          </a:p>
-        </p:txBody>
-      </p:sp>
-      <p:sp>
-        <p:nvSpPr>
-          <p:cNvPr id="11" name="Text Placeholder 13"/>
-          <p:cNvSpPr>
-            <a:spLocks noGrp="1"/>
-          </p:cNvSpPr>
-          <p:nvPr>
-            <p:ph type="body" sz="quarter" idx="13" hasCustomPrompt="1"/>
-          </p:nvPr>
-        </p:nvSpPr>
-        <p:spPr>
-          <a:xfrm>
-            <a:off x="621431" y="3444563"/>
-            <a:ext cx="7284320" cy="626533"/>
-          </a:xfrm>
-          <a:prstGeom prst="rect">
-            <a:avLst/>
-          </a:prstGeom>
-          <a:solidFill>
-            <a:srgbClr val="008000">
-              <a:alpha val="25000"/>
-            </a:srgbClr>
-          </a:solidFill>
-        </p:spPr>
-        <p:txBody>
-          <a:bodyPr rIns="91440" bIns="594360">
-            <a:noAutofit/>
-          </a:bodyPr>
-          <a:lstStyle>
-            <a:lvl1pPr marL="0" indent="0" algn="r">
-              <a:buFontTx/>
-              <a:buNone/>
-              <a:defRPr sz="4267">
-                <a:latin typeface="Courier New"/>
-                <a:cs typeface="Courier New"/>
-              </a:defRPr>
-            </a:lvl1pPr>
-          </a:lstStyle>
-          <a:p>
-            <a:pPr lvl="0"/>
-            <a:r>
-              <a:rPr lang="en-US" dirty="0" smtClean="0"/>
-              <a:t>+</a:t>
-            </a:r>
-          </a:p>
-        </p:txBody>
-      </p:sp>
-    </p:spTree>
-    <p:extLst>
-      <p:ext uri="{BB962C8B-B14F-4D97-AF65-F5344CB8AC3E}">
-        <p14:creationId xmlns:p14="http://schemas.microsoft.com/office/powerpoint/2010/main" val="1279747467"/>
-      </p:ext>
-    </p:extLst>
-  </p:cSld>
-  <p:clrMapOvr>
-    <a:overrideClrMapping bg1="lt1" tx1="dk1" bg2="lt2" tx2="dk2" accent1="accent1" accent2="accent2" accent3="accent3" accent4="accent4" accent5="accent5" accent6="accent6" hlink="hlink" folHlink="folHlink"/>
   </p:clrMapOvr>
   <p:transition spd="med">
     <p:fade/>
@@ -7528,14 +6941,14 @@
           </a:ln>
           <a:extLst>
             <a:ext uri="{909E8E84-426E-40dd-AFC4-6F175D3DCCD1}">
-              <a14:hiddenFill xmlns:a14="http://schemas.microsoft.com/office/drawing/2010/main" xmlns="">
+              <a14:hiddenFill xmlns="" xmlns:a14="http://schemas.microsoft.com/office/drawing/2010/main">
                 <a:solidFill>
                   <a:srgbClr val="FFFFFF"/>
                 </a:solidFill>
               </a14:hiddenFill>
             </a:ext>
             <a:ext uri="{91240B29-F687-4f45-9708-019B960494DF}">
-              <a14:hiddenLine xmlns:a14="http://schemas.microsoft.com/office/drawing/2010/main" xmlns="" w="9525">
+              <a14:hiddenLine xmlns="" xmlns:a14="http://schemas.microsoft.com/office/drawing/2010/main" w="9525">
                 <a:solidFill>
                   <a:srgbClr val="000000"/>
                 </a:solidFill>
@@ -8093,14 +7506,14 @@
           </a:ln>
           <a:extLst>
             <a:ext uri="{909E8E84-426E-40dd-AFC4-6F175D3DCCD1}">
-              <a14:hiddenFill xmlns:a14="http://schemas.microsoft.com/office/drawing/2010/main" xmlns="">
+              <a14:hiddenFill xmlns="" xmlns:a14="http://schemas.microsoft.com/office/drawing/2010/main">
                 <a:solidFill>
                   <a:srgbClr val="FFFFFF"/>
                 </a:solidFill>
               </a14:hiddenFill>
             </a:ext>
             <a:ext uri="{91240B29-F687-4f45-9708-019B960494DF}">
-              <a14:hiddenLine xmlns:a14="http://schemas.microsoft.com/office/drawing/2010/main" xmlns="" w="9525">
+              <a14:hiddenLine xmlns="" xmlns:a14="http://schemas.microsoft.com/office/drawing/2010/main" w="9525">
                 <a:solidFill>
                   <a:srgbClr val="000000"/>
                 </a:solidFill>
@@ -8667,14 +8080,14 @@
           </a:ln>
           <a:extLst>
             <a:ext uri="{909E8E84-426E-40dd-AFC4-6F175D3DCCD1}">
-              <a14:hiddenFill xmlns:a14="http://schemas.microsoft.com/office/drawing/2010/main" xmlns="">
+              <a14:hiddenFill xmlns="" xmlns:a14="http://schemas.microsoft.com/office/drawing/2010/main">
                 <a:solidFill>
                   <a:srgbClr val="FFFFFF"/>
                 </a:solidFill>
               </a14:hiddenFill>
             </a:ext>
             <a:ext uri="{91240B29-F687-4f45-9708-019B960494DF}">
-              <a14:hiddenLine xmlns:a14="http://schemas.microsoft.com/office/drawing/2010/main" xmlns="" w="9525">
+              <a14:hiddenLine xmlns="" xmlns:a14="http://schemas.microsoft.com/office/drawing/2010/main" w="9525">
                 <a:solidFill>
                   <a:srgbClr val="000000"/>
                 </a:solidFill>
@@ -9588,7 +9001,7 @@
           <p:nvPr/>
         </p:nvPicPr>
         <p:blipFill>
-          <a:blip r:embed="rId15">
+          <a:blip r:embed="rId14">
             <a:extLst>
               <a:ext uri="{28A0092B-C50C-407E-A947-70E740481C1C}">
                 <a14:useLocalDpi xmlns:a14="http://schemas.microsoft.com/office/drawing/2010/main" val="0"/>
@@ -9614,14 +9027,14 @@
           </a:ln>
           <a:extLst>
             <a:ext uri="{909E8E84-426E-40dd-AFC4-6F175D3DCCD1}">
-              <a14:hiddenFill xmlns:a14="http://schemas.microsoft.com/office/drawing/2010/main" xmlns="">
+              <a14:hiddenFill xmlns="" xmlns:a14="http://schemas.microsoft.com/office/drawing/2010/main">
                 <a:solidFill>
                   <a:srgbClr val="FFFFFF"/>
                 </a:solidFill>
               </a14:hiddenFill>
             </a:ext>
             <a:ext uri="{91240B29-F687-4f45-9708-019B960494DF}">
-              <a14:hiddenLine xmlns:a14="http://schemas.microsoft.com/office/drawing/2010/main" xmlns="" w="9525">
+              <a14:hiddenLine xmlns="" xmlns:a14="http://schemas.microsoft.com/office/drawing/2010/main" w="9525">
                 <a:solidFill>
                   <a:srgbClr val="000000"/>
                 </a:solidFill>
@@ -9777,7 +9190,7 @@
                 <a:ea typeface="+mn-ea"/>
                 <a:cs typeface="+mn-cs"/>
               </a:rPr>
-              <a:t>2</a:t>
+              <a:t>3</a:t>
             </a:r>
             <a:r>
               <a:rPr lang="en-US" dirty="0" smtClean="0">
@@ -9837,7 +9250,6 @@
     <p:sldLayoutId id="2147483840" r:id="rId10"/>
     <p:sldLayoutId id="2147483841" r:id="rId11"/>
     <p:sldLayoutId id="2147483843" r:id="rId12"/>
-    <p:sldLayoutId id="2147483867" r:id="rId13"/>
   </p:sldLayoutIdLst>
   <p:transition spd="med">
     <p:fade/>
@@ -10347,7 +9759,7 @@
           <p:nvPr/>
         </p:nvPicPr>
         <p:blipFill>
-          <a:blip r:embed="rId11">
+          <a:blip r:embed="rId10">
             <a:extLst>
               <a:ext uri="{28A0092B-C50C-407E-A947-70E740481C1C}">
                 <a14:useLocalDpi xmlns:a14="http://schemas.microsoft.com/office/drawing/2010/main" val="0"/>
@@ -10373,14 +9785,14 @@
           </a:ln>
           <a:extLst>
             <a:ext uri="{909E8E84-426E-40dd-AFC4-6F175D3DCCD1}">
-              <a14:hiddenFill xmlns:a14="http://schemas.microsoft.com/office/drawing/2010/main" xmlns="">
+              <a14:hiddenFill xmlns="" xmlns:a14="http://schemas.microsoft.com/office/drawing/2010/main">
                 <a:solidFill>
                   <a:srgbClr val="FFFFFF"/>
                 </a:solidFill>
               </a14:hiddenFill>
             </a:ext>
             <a:ext uri="{91240B29-F687-4f45-9708-019B960494DF}">
-              <a14:hiddenLine xmlns:a14="http://schemas.microsoft.com/office/drawing/2010/main" xmlns="" w="9525">
+              <a14:hiddenLine xmlns="" xmlns:a14="http://schemas.microsoft.com/office/drawing/2010/main" w="9525">
                 <a:solidFill>
                   <a:srgbClr val="000000"/>
                 </a:solidFill>
@@ -10536,7 +9948,7 @@
                 <a:ea typeface="+mn-ea"/>
                 <a:cs typeface="+mn-cs"/>
               </a:rPr>
-              <a:t>2</a:t>
+              <a:t>3</a:t>
             </a:r>
             <a:r>
               <a:rPr lang="en-US" dirty="0" smtClean="0">
@@ -10667,7 +10079,6 @@
     <p:sldLayoutId id="2147483855" r:id="rId6"/>
     <p:sldLayoutId id="2147483856" r:id="rId7"/>
     <p:sldLayoutId id="2147483866" r:id="rId8"/>
-    <p:sldLayoutId id="2147483868" r:id="rId9"/>
   </p:sldLayoutIdLst>
   <p:transition spd="med">
     <p:fade/>

--- a/03-why_use_custom_resources.pptx
+++ b/03-why_use_custom_resources.pptx
@@ -6,10 +6,10 @@
     <p:sldMasterId id="2147483847" r:id="rId6"/>
   </p:sldMasterIdLst>
   <p:notesMasterIdLst>
-    <p:notesMasterId r:id="rId26"/>
+    <p:notesMasterId r:id="rId29"/>
   </p:notesMasterIdLst>
   <p:handoutMasterIdLst>
-    <p:handoutMasterId r:id="rId27"/>
+    <p:handoutMasterId r:id="rId30"/>
   </p:handoutMasterIdLst>
   <p:sldIdLst>
     <p:sldId id="256" r:id="rId7"/>
@@ -25,12 +25,15 @@
     <p:sldId id="275" r:id="rId17"/>
     <p:sldId id="276" r:id="rId18"/>
     <p:sldId id="279" r:id="rId19"/>
-    <p:sldId id="277" r:id="rId20"/>
-    <p:sldId id="280" r:id="rId21"/>
-    <p:sldId id="278" r:id="rId22"/>
-    <p:sldId id="281" r:id="rId23"/>
-    <p:sldId id="266" r:id="rId24"/>
-    <p:sldId id="265" r:id="rId25"/>
+    <p:sldId id="282" r:id="rId20"/>
+    <p:sldId id="283" r:id="rId21"/>
+    <p:sldId id="284" r:id="rId22"/>
+    <p:sldId id="285" r:id="rId23"/>
+    <p:sldId id="286" r:id="rId24"/>
+    <p:sldId id="277" r:id="rId25"/>
+    <p:sldId id="281" r:id="rId26"/>
+    <p:sldId id="266" r:id="rId27"/>
+    <p:sldId id="265" r:id="rId28"/>
   </p:sldIdLst>
   <p:sldSz cx="16256000" cy="9144000"/>
   <p:notesSz cx="6858000" cy="9144000"/>
@@ -161,7 +164,7 @@
   </p:defaultTextStyle>
   <p:extLst>
     <p:ext uri="{EFAFB233-063F-42B5-8137-9DF3F51BA10A}">
-      <p15:sldGuideLst xmlns:p15="http://schemas.microsoft.com/office/powerpoint/2012/main">
+      <p15:sldGuideLst xmlns:p15="http://schemas.microsoft.com/office/powerpoint/2012/main" xmlns="">
         <p15:guide id="1" orient="horz" pos="1392" userDrawn="1">
           <p15:clr>
             <a:srgbClr val="A4A3A4"/>
@@ -175,7 +178,7 @@
       </p15:sldGuideLst>
     </p:ext>
     <p:ext uri="{2D200454-40CA-4A62-9FC3-DE9A4176ACB9}">
-      <p15:notesGuideLst xmlns:p15="http://schemas.microsoft.com/office/powerpoint/2012/main"/>
+      <p15:notesGuideLst xmlns:p15="http://schemas.microsoft.com/office/powerpoint/2012/main" xmlns=""/>
     </p:ext>
   </p:extLst>
 </p:presentation>
@@ -292,7 +295,7 @@
               <a:pPr>
                 <a:defRPr/>
               </a:pPr>
-              <a:t>2016-10-05</a:t>
+              <a:t>10/11/16</a:t>
             </a:fld>
             <a:endParaRPr lang="en-US" dirty="0"/>
           </a:p>
@@ -475,7 +478,7 @@
               <a:pPr>
                 <a:defRPr/>
               </a:pPr>
-              <a:t>2016-10-05</a:t>
+              <a:t>10/11/16</a:t>
             </a:fld>
             <a:endParaRPr lang="en-US" dirty="0"/>
           </a:p>
@@ -1488,32 +1491,7 @@
           <a:bodyPr/>
           <a:lstStyle/>
           <a:p>
-            <a:pPr marL="0" marR="0" indent="0" algn="l" defTabSz="1217613" rtl="0" eaLnBrk="1" fontAlgn="base" latinLnBrk="0" hangingPunct="1">
-              <a:lnSpc>
-                <a:spcPct val="90000"/>
-              </a:lnSpc>
-              <a:spcBef>
-                <a:spcPct val="30000"/>
-              </a:spcBef>
-              <a:spcAft>
-                <a:spcPts val="450"/>
-              </a:spcAft>
-              <a:buClrTx/>
-              <a:buSzTx/>
-              <a:buFontTx/>
-              <a:buNone/>
-              <a:tabLst/>
-              <a:defRPr/>
-            </a:pPr>
-            <a:r>
-              <a:rPr lang="en-US" dirty="0" smtClean="0"/>
-              <a:t>We've</a:t>
-            </a:r>
-            <a:r>
-              <a:rPr lang="en-US" baseline="0" dirty="0" smtClean="0"/>
-              <a:t> evaluated one code sample, let's look at a second one.</a:t>
-            </a:r>
-            <a:endParaRPr lang="en-US" dirty="0" smtClean="0"/>
+            <a:endParaRPr lang="en-US" dirty="0"/>
           </a:p>
         </p:txBody>
       </p:sp>
@@ -1540,7 +1518,7 @@
               <a:pPr>
                 <a:defRPr/>
               </a:pPr>
-              <a:t>14</a:t>
+              <a:t>13</a:t>
             </a:fld>
             <a:endParaRPr lang="en-US" dirty="0"/>
           </a:p>
@@ -1593,7 +1571,7 @@
     </p:spTree>
     <p:extLst>
       <p:ext uri="{BB962C8B-B14F-4D97-AF65-F5344CB8AC3E}">
-        <p14:creationId xmlns:p14="http://schemas.microsoft.com/office/powerpoint/2010/main" val="2055398338"/>
+        <p14:creationId xmlns:p14="http://schemas.microsoft.com/office/powerpoint/2010/main" val="3858766493"/>
       </p:ext>
     </p:extLst>
   </p:cSld>
@@ -1647,6 +1625,676 @@
           <a:bodyPr/>
           <a:lstStyle/>
           <a:p>
+            <a:endParaRPr lang="en-US" dirty="0"/>
+          </a:p>
+        </p:txBody>
+      </p:sp>
+      <p:sp>
+        <p:nvSpPr>
+          <p:cNvPr id="4" name="Slide Number Placeholder 3"/>
+          <p:cNvSpPr>
+            <a:spLocks noGrp="1"/>
+          </p:cNvSpPr>
+          <p:nvPr>
+            <p:ph type="sldNum" sz="quarter" idx="10"/>
+          </p:nvPr>
+        </p:nvSpPr>
+        <p:spPr/>
+        <p:txBody>
+          <a:bodyPr/>
+          <a:lstStyle/>
+          <a:p>
+            <a:pPr>
+              <a:defRPr/>
+            </a:pPr>
+            <a:fld id="{DC3734AA-3150-D947-AC52-2F5DF48BFCD5}" type="slidenum">
+              <a:rPr lang="en-US" smtClean="0"/>
+              <a:pPr>
+                <a:defRPr/>
+              </a:pPr>
+              <a:t>14</a:t>
+            </a:fld>
+            <a:endParaRPr lang="en-US" dirty="0"/>
+          </a:p>
+        </p:txBody>
+      </p:sp>
+      <p:sp>
+        <p:nvSpPr>
+          <p:cNvPr id="5" name="Header Placeholder 4"/>
+          <p:cNvSpPr>
+            <a:spLocks noGrp="1"/>
+          </p:cNvSpPr>
+          <p:nvPr>
+            <p:ph type="hdr" sz="quarter" idx="11"/>
+          </p:nvPr>
+        </p:nvSpPr>
+        <p:spPr/>
+        <p:txBody>
+          <a:bodyPr/>
+          <a:lstStyle/>
+          <a:p>
+            <a:pPr>
+              <a:defRPr/>
+            </a:pPr>
+            <a:endParaRPr lang="en-US"/>
+          </a:p>
+        </p:txBody>
+      </p:sp>
+      <p:sp>
+        <p:nvSpPr>
+          <p:cNvPr id="6" name="Footer Placeholder 5"/>
+          <p:cNvSpPr>
+            <a:spLocks noGrp="1"/>
+          </p:cNvSpPr>
+          <p:nvPr>
+            <p:ph type="ftr" sz="quarter" idx="12"/>
+          </p:nvPr>
+        </p:nvSpPr>
+        <p:spPr/>
+        <p:txBody>
+          <a:bodyPr/>
+          <a:lstStyle/>
+          <a:p>
+            <a:pPr>
+              <a:defRPr/>
+            </a:pPr>
+            <a:endParaRPr lang="en-US"/>
+          </a:p>
+        </p:txBody>
+      </p:sp>
+    </p:spTree>
+    <p:extLst>
+      <p:ext uri="{BB962C8B-B14F-4D97-AF65-F5344CB8AC3E}">
+        <p14:creationId xmlns:p14="http://schemas.microsoft.com/office/powerpoint/2010/main" val="3858766493"/>
+      </p:ext>
+    </p:extLst>
+  </p:cSld>
+  <p:clrMapOvr>
+    <a:masterClrMapping/>
+  </p:clrMapOvr>
+</p:notes>
+</file>
+
+<file path=ppt/notesSlides/notesSlide15.xml><?xml version="1.0" encoding="utf-8"?>
+<p:notes xmlns:a="http://schemas.openxmlformats.org/drawingml/2006/main" xmlns:r="http://schemas.openxmlformats.org/officeDocument/2006/relationships" xmlns:p="http://schemas.openxmlformats.org/presentationml/2006/main">
+  <p:cSld>
+    <p:spTree>
+      <p:nvGrpSpPr>
+        <p:cNvPr id="1" name=""/>
+        <p:cNvGrpSpPr/>
+        <p:nvPr/>
+      </p:nvGrpSpPr>
+      <p:grpSpPr>
+        <a:xfrm>
+          <a:off x="0" y="0"/>
+          <a:ext cx="0" cy="0"/>
+          <a:chOff x="0" y="0"/>
+          <a:chExt cx="0" cy="0"/>
+        </a:xfrm>
+      </p:grpSpPr>
+      <p:sp>
+        <p:nvSpPr>
+          <p:cNvPr id="2" name="Slide Image Placeholder 1"/>
+          <p:cNvSpPr>
+            <a:spLocks noGrp="1" noRot="1" noChangeAspect="1"/>
+          </p:cNvSpPr>
+          <p:nvPr>
+            <p:ph type="sldImg"/>
+          </p:nvPr>
+        </p:nvSpPr>
+        <p:spPr/>
+      </p:sp>
+      <p:sp>
+        <p:nvSpPr>
+          <p:cNvPr id="3" name="Notes Placeholder 2"/>
+          <p:cNvSpPr>
+            <a:spLocks noGrp="1"/>
+          </p:cNvSpPr>
+          <p:nvPr>
+            <p:ph type="body" idx="1"/>
+          </p:nvPr>
+        </p:nvSpPr>
+        <p:spPr/>
+        <p:txBody>
+          <a:bodyPr/>
+          <a:lstStyle/>
+          <a:p>
+            <a:endParaRPr lang="en-US" dirty="0"/>
+          </a:p>
+        </p:txBody>
+      </p:sp>
+      <p:sp>
+        <p:nvSpPr>
+          <p:cNvPr id="4" name="Slide Number Placeholder 3"/>
+          <p:cNvSpPr>
+            <a:spLocks noGrp="1"/>
+          </p:cNvSpPr>
+          <p:nvPr>
+            <p:ph type="sldNum" sz="quarter" idx="10"/>
+          </p:nvPr>
+        </p:nvSpPr>
+        <p:spPr/>
+        <p:txBody>
+          <a:bodyPr/>
+          <a:lstStyle/>
+          <a:p>
+            <a:pPr>
+              <a:defRPr/>
+            </a:pPr>
+            <a:fld id="{DC3734AA-3150-D947-AC52-2F5DF48BFCD5}" type="slidenum">
+              <a:rPr lang="en-US" smtClean="0"/>
+              <a:pPr>
+                <a:defRPr/>
+              </a:pPr>
+              <a:t>15</a:t>
+            </a:fld>
+            <a:endParaRPr lang="en-US" dirty="0"/>
+          </a:p>
+        </p:txBody>
+      </p:sp>
+      <p:sp>
+        <p:nvSpPr>
+          <p:cNvPr id="5" name="Header Placeholder 4"/>
+          <p:cNvSpPr>
+            <a:spLocks noGrp="1"/>
+          </p:cNvSpPr>
+          <p:nvPr>
+            <p:ph type="hdr" sz="quarter" idx="11"/>
+          </p:nvPr>
+        </p:nvSpPr>
+        <p:spPr/>
+        <p:txBody>
+          <a:bodyPr/>
+          <a:lstStyle/>
+          <a:p>
+            <a:pPr>
+              <a:defRPr/>
+            </a:pPr>
+            <a:endParaRPr lang="en-US"/>
+          </a:p>
+        </p:txBody>
+      </p:sp>
+      <p:sp>
+        <p:nvSpPr>
+          <p:cNvPr id="6" name="Footer Placeholder 5"/>
+          <p:cNvSpPr>
+            <a:spLocks noGrp="1"/>
+          </p:cNvSpPr>
+          <p:nvPr>
+            <p:ph type="ftr" sz="quarter" idx="12"/>
+          </p:nvPr>
+        </p:nvSpPr>
+        <p:spPr/>
+        <p:txBody>
+          <a:bodyPr/>
+          <a:lstStyle/>
+          <a:p>
+            <a:pPr>
+              <a:defRPr/>
+            </a:pPr>
+            <a:endParaRPr lang="en-US"/>
+          </a:p>
+        </p:txBody>
+      </p:sp>
+    </p:spTree>
+    <p:extLst>
+      <p:ext uri="{BB962C8B-B14F-4D97-AF65-F5344CB8AC3E}">
+        <p14:creationId xmlns:p14="http://schemas.microsoft.com/office/powerpoint/2010/main" val="3858766493"/>
+      </p:ext>
+    </p:extLst>
+  </p:cSld>
+  <p:clrMapOvr>
+    <a:masterClrMapping/>
+  </p:clrMapOvr>
+</p:notes>
+</file>
+
+<file path=ppt/notesSlides/notesSlide16.xml><?xml version="1.0" encoding="utf-8"?>
+<p:notes xmlns:a="http://schemas.openxmlformats.org/drawingml/2006/main" xmlns:r="http://schemas.openxmlformats.org/officeDocument/2006/relationships" xmlns:p="http://schemas.openxmlformats.org/presentationml/2006/main">
+  <p:cSld>
+    <p:spTree>
+      <p:nvGrpSpPr>
+        <p:cNvPr id="1" name=""/>
+        <p:cNvGrpSpPr/>
+        <p:nvPr/>
+      </p:nvGrpSpPr>
+      <p:grpSpPr>
+        <a:xfrm>
+          <a:off x="0" y="0"/>
+          <a:ext cx="0" cy="0"/>
+          <a:chOff x="0" y="0"/>
+          <a:chExt cx="0" cy="0"/>
+        </a:xfrm>
+      </p:grpSpPr>
+      <p:sp>
+        <p:nvSpPr>
+          <p:cNvPr id="2" name="Slide Image Placeholder 1"/>
+          <p:cNvSpPr>
+            <a:spLocks noGrp="1" noRot="1" noChangeAspect="1"/>
+          </p:cNvSpPr>
+          <p:nvPr>
+            <p:ph type="sldImg"/>
+          </p:nvPr>
+        </p:nvSpPr>
+        <p:spPr/>
+      </p:sp>
+      <p:sp>
+        <p:nvSpPr>
+          <p:cNvPr id="3" name="Notes Placeholder 2"/>
+          <p:cNvSpPr>
+            <a:spLocks noGrp="1"/>
+          </p:cNvSpPr>
+          <p:nvPr>
+            <p:ph type="body" idx="1"/>
+          </p:nvPr>
+        </p:nvSpPr>
+        <p:spPr/>
+        <p:txBody>
+          <a:bodyPr/>
+          <a:lstStyle/>
+          <a:p>
+            <a:endParaRPr lang="en-US" dirty="0"/>
+          </a:p>
+        </p:txBody>
+      </p:sp>
+      <p:sp>
+        <p:nvSpPr>
+          <p:cNvPr id="4" name="Slide Number Placeholder 3"/>
+          <p:cNvSpPr>
+            <a:spLocks noGrp="1"/>
+          </p:cNvSpPr>
+          <p:nvPr>
+            <p:ph type="sldNum" sz="quarter" idx="10"/>
+          </p:nvPr>
+        </p:nvSpPr>
+        <p:spPr/>
+        <p:txBody>
+          <a:bodyPr/>
+          <a:lstStyle/>
+          <a:p>
+            <a:pPr>
+              <a:defRPr/>
+            </a:pPr>
+            <a:fld id="{DC3734AA-3150-D947-AC52-2F5DF48BFCD5}" type="slidenum">
+              <a:rPr lang="en-US" smtClean="0"/>
+              <a:pPr>
+                <a:defRPr/>
+              </a:pPr>
+              <a:t>16</a:t>
+            </a:fld>
+            <a:endParaRPr lang="en-US" dirty="0"/>
+          </a:p>
+        </p:txBody>
+      </p:sp>
+      <p:sp>
+        <p:nvSpPr>
+          <p:cNvPr id="5" name="Header Placeholder 4"/>
+          <p:cNvSpPr>
+            <a:spLocks noGrp="1"/>
+          </p:cNvSpPr>
+          <p:nvPr>
+            <p:ph type="hdr" sz="quarter" idx="11"/>
+          </p:nvPr>
+        </p:nvSpPr>
+        <p:spPr/>
+        <p:txBody>
+          <a:bodyPr/>
+          <a:lstStyle/>
+          <a:p>
+            <a:pPr>
+              <a:defRPr/>
+            </a:pPr>
+            <a:endParaRPr lang="en-US"/>
+          </a:p>
+        </p:txBody>
+      </p:sp>
+      <p:sp>
+        <p:nvSpPr>
+          <p:cNvPr id="6" name="Footer Placeholder 5"/>
+          <p:cNvSpPr>
+            <a:spLocks noGrp="1"/>
+          </p:cNvSpPr>
+          <p:nvPr>
+            <p:ph type="ftr" sz="quarter" idx="12"/>
+          </p:nvPr>
+        </p:nvSpPr>
+        <p:spPr/>
+        <p:txBody>
+          <a:bodyPr/>
+          <a:lstStyle/>
+          <a:p>
+            <a:pPr>
+              <a:defRPr/>
+            </a:pPr>
+            <a:endParaRPr lang="en-US"/>
+          </a:p>
+        </p:txBody>
+      </p:sp>
+    </p:spTree>
+    <p:extLst>
+      <p:ext uri="{BB962C8B-B14F-4D97-AF65-F5344CB8AC3E}">
+        <p14:creationId xmlns:p14="http://schemas.microsoft.com/office/powerpoint/2010/main" val="3858766493"/>
+      </p:ext>
+    </p:extLst>
+  </p:cSld>
+  <p:clrMapOvr>
+    <a:masterClrMapping/>
+  </p:clrMapOvr>
+</p:notes>
+</file>
+
+<file path=ppt/notesSlides/notesSlide17.xml><?xml version="1.0" encoding="utf-8"?>
+<p:notes xmlns:a="http://schemas.openxmlformats.org/drawingml/2006/main" xmlns:r="http://schemas.openxmlformats.org/officeDocument/2006/relationships" xmlns:p="http://schemas.openxmlformats.org/presentationml/2006/main">
+  <p:cSld>
+    <p:spTree>
+      <p:nvGrpSpPr>
+        <p:cNvPr id="1" name=""/>
+        <p:cNvGrpSpPr/>
+        <p:nvPr/>
+      </p:nvGrpSpPr>
+      <p:grpSpPr>
+        <a:xfrm>
+          <a:off x="0" y="0"/>
+          <a:ext cx="0" cy="0"/>
+          <a:chOff x="0" y="0"/>
+          <a:chExt cx="0" cy="0"/>
+        </a:xfrm>
+      </p:grpSpPr>
+      <p:sp>
+        <p:nvSpPr>
+          <p:cNvPr id="2" name="Slide Image Placeholder 1"/>
+          <p:cNvSpPr>
+            <a:spLocks noGrp="1" noRot="1" noChangeAspect="1"/>
+          </p:cNvSpPr>
+          <p:nvPr>
+            <p:ph type="sldImg"/>
+          </p:nvPr>
+        </p:nvSpPr>
+        <p:spPr/>
+      </p:sp>
+      <p:sp>
+        <p:nvSpPr>
+          <p:cNvPr id="3" name="Notes Placeholder 2"/>
+          <p:cNvSpPr>
+            <a:spLocks noGrp="1"/>
+          </p:cNvSpPr>
+          <p:nvPr>
+            <p:ph type="body" idx="1"/>
+          </p:nvPr>
+        </p:nvSpPr>
+        <p:spPr/>
+        <p:txBody>
+          <a:bodyPr/>
+          <a:lstStyle/>
+          <a:p>
+            <a:endParaRPr lang="en-US" dirty="0"/>
+          </a:p>
+        </p:txBody>
+      </p:sp>
+      <p:sp>
+        <p:nvSpPr>
+          <p:cNvPr id="4" name="Slide Number Placeholder 3"/>
+          <p:cNvSpPr>
+            <a:spLocks noGrp="1"/>
+          </p:cNvSpPr>
+          <p:nvPr>
+            <p:ph type="sldNum" sz="quarter" idx="10"/>
+          </p:nvPr>
+        </p:nvSpPr>
+        <p:spPr/>
+        <p:txBody>
+          <a:bodyPr/>
+          <a:lstStyle/>
+          <a:p>
+            <a:pPr>
+              <a:defRPr/>
+            </a:pPr>
+            <a:fld id="{DC3734AA-3150-D947-AC52-2F5DF48BFCD5}" type="slidenum">
+              <a:rPr lang="en-US" smtClean="0"/>
+              <a:pPr>
+                <a:defRPr/>
+              </a:pPr>
+              <a:t>17</a:t>
+            </a:fld>
+            <a:endParaRPr lang="en-US" dirty="0"/>
+          </a:p>
+        </p:txBody>
+      </p:sp>
+      <p:sp>
+        <p:nvSpPr>
+          <p:cNvPr id="5" name="Header Placeholder 4"/>
+          <p:cNvSpPr>
+            <a:spLocks noGrp="1"/>
+          </p:cNvSpPr>
+          <p:nvPr>
+            <p:ph type="hdr" sz="quarter" idx="11"/>
+          </p:nvPr>
+        </p:nvSpPr>
+        <p:spPr/>
+        <p:txBody>
+          <a:bodyPr/>
+          <a:lstStyle/>
+          <a:p>
+            <a:pPr>
+              <a:defRPr/>
+            </a:pPr>
+            <a:endParaRPr lang="en-US"/>
+          </a:p>
+        </p:txBody>
+      </p:sp>
+      <p:sp>
+        <p:nvSpPr>
+          <p:cNvPr id="6" name="Footer Placeholder 5"/>
+          <p:cNvSpPr>
+            <a:spLocks noGrp="1"/>
+          </p:cNvSpPr>
+          <p:nvPr>
+            <p:ph type="ftr" sz="quarter" idx="12"/>
+          </p:nvPr>
+        </p:nvSpPr>
+        <p:spPr/>
+        <p:txBody>
+          <a:bodyPr/>
+          <a:lstStyle/>
+          <a:p>
+            <a:pPr>
+              <a:defRPr/>
+            </a:pPr>
+            <a:endParaRPr lang="en-US"/>
+          </a:p>
+        </p:txBody>
+      </p:sp>
+    </p:spTree>
+    <p:extLst>
+      <p:ext uri="{BB962C8B-B14F-4D97-AF65-F5344CB8AC3E}">
+        <p14:creationId xmlns:p14="http://schemas.microsoft.com/office/powerpoint/2010/main" val="3858766493"/>
+      </p:ext>
+    </p:extLst>
+  </p:cSld>
+  <p:clrMapOvr>
+    <a:masterClrMapping/>
+  </p:clrMapOvr>
+</p:notes>
+</file>
+
+<file path=ppt/notesSlides/notesSlide18.xml><?xml version="1.0" encoding="utf-8"?>
+<p:notes xmlns:a="http://schemas.openxmlformats.org/drawingml/2006/main" xmlns:r="http://schemas.openxmlformats.org/officeDocument/2006/relationships" xmlns:p="http://schemas.openxmlformats.org/presentationml/2006/main">
+  <p:cSld>
+    <p:spTree>
+      <p:nvGrpSpPr>
+        <p:cNvPr id="1" name=""/>
+        <p:cNvGrpSpPr/>
+        <p:nvPr/>
+      </p:nvGrpSpPr>
+      <p:grpSpPr>
+        <a:xfrm>
+          <a:off x="0" y="0"/>
+          <a:ext cx="0" cy="0"/>
+          <a:chOff x="0" y="0"/>
+          <a:chExt cx="0" cy="0"/>
+        </a:xfrm>
+      </p:grpSpPr>
+      <p:sp>
+        <p:nvSpPr>
+          <p:cNvPr id="2" name="Slide Image Placeholder 1"/>
+          <p:cNvSpPr>
+            <a:spLocks noGrp="1" noRot="1" noChangeAspect="1"/>
+          </p:cNvSpPr>
+          <p:nvPr>
+            <p:ph type="sldImg"/>
+          </p:nvPr>
+        </p:nvSpPr>
+        <p:spPr/>
+      </p:sp>
+      <p:sp>
+        <p:nvSpPr>
+          <p:cNvPr id="3" name="Notes Placeholder 2"/>
+          <p:cNvSpPr>
+            <a:spLocks noGrp="1"/>
+          </p:cNvSpPr>
+          <p:nvPr>
+            <p:ph type="body" idx="1"/>
+          </p:nvPr>
+        </p:nvSpPr>
+        <p:spPr/>
+        <p:txBody>
+          <a:bodyPr/>
+          <a:lstStyle/>
+          <a:p>
+            <a:endParaRPr lang="en-US" dirty="0"/>
+          </a:p>
+        </p:txBody>
+      </p:sp>
+      <p:sp>
+        <p:nvSpPr>
+          <p:cNvPr id="4" name="Slide Number Placeholder 3"/>
+          <p:cNvSpPr>
+            <a:spLocks noGrp="1"/>
+          </p:cNvSpPr>
+          <p:nvPr>
+            <p:ph type="sldNum" sz="quarter" idx="10"/>
+          </p:nvPr>
+        </p:nvSpPr>
+        <p:spPr/>
+        <p:txBody>
+          <a:bodyPr/>
+          <a:lstStyle/>
+          <a:p>
+            <a:pPr>
+              <a:defRPr/>
+            </a:pPr>
+            <a:fld id="{DC3734AA-3150-D947-AC52-2F5DF48BFCD5}" type="slidenum">
+              <a:rPr lang="en-US" smtClean="0"/>
+              <a:pPr>
+                <a:defRPr/>
+              </a:pPr>
+              <a:t>18</a:t>
+            </a:fld>
+            <a:endParaRPr lang="en-US" dirty="0"/>
+          </a:p>
+        </p:txBody>
+      </p:sp>
+      <p:sp>
+        <p:nvSpPr>
+          <p:cNvPr id="5" name="Header Placeholder 4"/>
+          <p:cNvSpPr>
+            <a:spLocks noGrp="1"/>
+          </p:cNvSpPr>
+          <p:nvPr>
+            <p:ph type="hdr" sz="quarter" idx="11"/>
+          </p:nvPr>
+        </p:nvSpPr>
+        <p:spPr/>
+        <p:txBody>
+          <a:bodyPr/>
+          <a:lstStyle/>
+          <a:p>
+            <a:pPr>
+              <a:defRPr/>
+            </a:pPr>
+            <a:endParaRPr lang="en-US"/>
+          </a:p>
+        </p:txBody>
+      </p:sp>
+      <p:sp>
+        <p:nvSpPr>
+          <p:cNvPr id="6" name="Footer Placeholder 5"/>
+          <p:cNvSpPr>
+            <a:spLocks noGrp="1"/>
+          </p:cNvSpPr>
+          <p:nvPr>
+            <p:ph type="ftr" sz="quarter" idx="12"/>
+          </p:nvPr>
+        </p:nvSpPr>
+        <p:spPr/>
+        <p:txBody>
+          <a:bodyPr/>
+          <a:lstStyle/>
+          <a:p>
+            <a:pPr>
+              <a:defRPr/>
+            </a:pPr>
+            <a:endParaRPr lang="en-US"/>
+          </a:p>
+        </p:txBody>
+      </p:sp>
+    </p:spTree>
+    <p:extLst>
+      <p:ext uri="{BB962C8B-B14F-4D97-AF65-F5344CB8AC3E}">
+        <p14:creationId xmlns:p14="http://schemas.microsoft.com/office/powerpoint/2010/main" val="3858766493"/>
+      </p:ext>
+    </p:extLst>
+  </p:cSld>
+  <p:clrMapOvr>
+    <a:masterClrMapping/>
+  </p:clrMapOvr>
+</p:notes>
+</file>
+
+<file path=ppt/notesSlides/notesSlide19.xml><?xml version="1.0" encoding="utf-8"?>
+<p:notes xmlns:a="http://schemas.openxmlformats.org/drawingml/2006/main" xmlns:r="http://schemas.openxmlformats.org/officeDocument/2006/relationships" xmlns:p="http://schemas.openxmlformats.org/presentationml/2006/main">
+  <p:cSld>
+    <p:spTree>
+      <p:nvGrpSpPr>
+        <p:cNvPr id="1" name=""/>
+        <p:cNvGrpSpPr/>
+        <p:nvPr/>
+      </p:nvGrpSpPr>
+      <p:grpSpPr>
+        <a:xfrm>
+          <a:off x="0" y="0"/>
+          <a:ext cx="0" cy="0"/>
+          <a:chOff x="0" y="0"/>
+          <a:chExt cx="0" cy="0"/>
+        </a:xfrm>
+      </p:grpSpPr>
+      <p:sp>
+        <p:nvSpPr>
+          <p:cNvPr id="2" name="Slide Image Placeholder 1"/>
+          <p:cNvSpPr>
+            <a:spLocks noGrp="1" noRot="1" noChangeAspect="1"/>
+          </p:cNvSpPr>
+          <p:nvPr>
+            <p:ph type="sldImg"/>
+          </p:nvPr>
+        </p:nvSpPr>
+        <p:spPr/>
+      </p:sp>
+      <p:sp>
+        <p:nvSpPr>
+          <p:cNvPr id="3" name="Notes Placeholder 2"/>
+          <p:cNvSpPr>
+            <a:spLocks noGrp="1"/>
+          </p:cNvSpPr>
+          <p:nvPr>
+            <p:ph type="body" idx="1"/>
+          </p:nvPr>
+        </p:nvSpPr>
+        <p:spPr/>
+        <p:txBody>
+          <a:bodyPr/>
+          <a:lstStyle/>
+          <a:p>
             <a:pPr marL="0" marR="0" indent="0" algn="l" defTabSz="1217613" rtl="0" eaLnBrk="1" fontAlgn="base" latinLnBrk="0" hangingPunct="1">
               <a:lnSpc>
                 <a:spcPct val="90000"/>
@@ -1666,11 +2314,11 @@
             </a:pPr>
             <a:r>
               <a:rPr lang="en-US" dirty="0" smtClean="0"/>
-              <a:t>These</a:t>
+              <a:t>We've</a:t>
             </a:r>
             <a:r>
               <a:rPr lang="en-US" baseline="0" dirty="0" smtClean="0"/>
-              <a:t> two code samples do not speak for all the implementations within the wild but hopefully give you an understanding and some practical skills you can use when evaluating whether implementing a custom resource is the appropriate choice.</a:t>
+              <a:t> evaluated one code sample, let's look at a second one.</a:t>
             </a:r>
             <a:endParaRPr lang="en-US" dirty="0" smtClean="0"/>
           </a:p>
@@ -1699,7 +2347,7 @@
               <a:pPr>
                 <a:defRPr/>
               </a:pPr>
-              <a:t>16</a:t>
+              <a:t>19</a:t>
             </a:fld>
             <a:endParaRPr lang="en-US" dirty="0"/>
           </a:p>
@@ -1752,7 +2400,7 @@
     </p:spTree>
     <p:extLst>
       <p:ext uri="{BB962C8B-B14F-4D97-AF65-F5344CB8AC3E}">
-        <p14:creationId xmlns:p14="http://schemas.microsoft.com/office/powerpoint/2010/main" val="909729493"/>
+        <p14:creationId xmlns:p14="http://schemas.microsoft.com/office/powerpoint/2010/main" val="2055398338"/>
       </p:ext>
     </p:extLst>
   </p:cSld>
@@ -3043,7 +3691,7 @@
   <p:clrMapOvr>
     <a:masterClrMapping/>
   </p:clrMapOvr>
-  <p:transition spd="med">
+  <p:transition xmlns:p14="http://schemas.microsoft.com/office/powerpoint/2010/main" spd="med">
     <p:fade/>
   </p:transition>
 </p:sldLayout>
@@ -3338,7 +3986,7 @@
   <p:clrMapOvr>
     <a:overrideClrMapping bg1="lt1" tx1="dk1" bg2="lt2" tx2="dk2" accent1="accent1" accent2="accent2" accent3="accent3" accent4="accent4" accent5="accent5" accent6="accent6" hlink="hlink" folHlink="folHlink"/>
   </p:clrMapOvr>
-  <p:transition spd="med">
+  <p:transition xmlns:p14="http://schemas.microsoft.com/office/powerpoint/2010/main" spd="med">
     <p:fade/>
   </p:transition>
 </p:sldLayout>
@@ -3471,14 +4119,14 @@
           </a:ln>
           <a:extLst>
             <a:ext uri="{909E8E84-426E-40dd-AFC4-6F175D3DCCD1}">
-              <a14:hiddenFill xmlns="" xmlns:a14="http://schemas.microsoft.com/office/drawing/2010/main">
+              <a14:hiddenFill xmlns:a14="http://schemas.microsoft.com/office/drawing/2010/main">
                 <a:solidFill>
                   <a:srgbClr val="FFFFFF"/>
                 </a:solidFill>
               </a14:hiddenFill>
             </a:ext>
             <a:ext uri="{91240B29-F687-4f45-9708-019B960494DF}">
-              <a14:hiddenLine xmlns="" xmlns:a14="http://schemas.microsoft.com/office/drawing/2010/main" w="9525">
+              <a14:hiddenLine xmlns:a14="http://schemas.microsoft.com/office/drawing/2010/main" w="9525">
                 <a:solidFill>
                   <a:srgbClr val="000000"/>
                 </a:solidFill>
@@ -3626,14 +4274,14 @@
           </a:ln>
           <a:extLst>
             <a:ext uri="{909E8E84-426E-40dd-AFC4-6F175D3DCCD1}">
-              <a14:hiddenFill xmlns="" xmlns:a14="http://schemas.microsoft.com/office/drawing/2010/main">
+              <a14:hiddenFill xmlns:a14="http://schemas.microsoft.com/office/drawing/2010/main">
                 <a:solidFill>
                   <a:srgbClr val="FFFFFF"/>
                 </a:solidFill>
               </a14:hiddenFill>
             </a:ext>
             <a:ext uri="{91240B29-F687-4f45-9708-019B960494DF}">
-              <a14:hiddenLine xmlns="" xmlns:a14="http://schemas.microsoft.com/office/drawing/2010/main" w="9525">
+              <a14:hiddenLine xmlns:a14="http://schemas.microsoft.com/office/drawing/2010/main" w="9525">
                 <a:solidFill>
                   <a:srgbClr val="000000"/>
                 </a:solidFill>
@@ -4031,7 +4679,7 @@
   <p:clrMapOvr>
     <a:overrideClrMapping bg1="lt1" tx1="dk1" bg2="lt2" tx2="dk2" accent1="accent1" accent2="accent2" accent3="accent3" accent4="accent4" accent5="accent5" accent6="accent6" hlink="hlink" folHlink="folHlink"/>
   </p:clrMapOvr>
-  <p:transition spd="med">
+  <p:transition xmlns:p14="http://schemas.microsoft.com/office/powerpoint/2010/main" spd="med">
     <p:fade/>
   </p:transition>
 </p:sldLayout>
@@ -4124,14 +4772,14 @@
           </a:ln>
           <a:extLst>
             <a:ext uri="{909E8E84-426E-40dd-AFC4-6F175D3DCCD1}">
-              <a14:hiddenFill xmlns="" xmlns:a14="http://schemas.microsoft.com/office/drawing/2010/main">
+              <a14:hiddenFill xmlns:a14="http://schemas.microsoft.com/office/drawing/2010/main">
                 <a:solidFill>
                   <a:srgbClr val="FFFFFF"/>
                 </a:solidFill>
               </a14:hiddenFill>
             </a:ext>
             <a:ext uri="{91240B29-F687-4f45-9708-019B960494DF}">
-              <a14:hiddenLine xmlns="" xmlns:a14="http://schemas.microsoft.com/office/drawing/2010/main" w="9525">
+              <a14:hiddenLine xmlns:a14="http://schemas.microsoft.com/office/drawing/2010/main" w="9525">
                 <a:solidFill>
                   <a:srgbClr val="000000"/>
                 </a:solidFill>
@@ -4153,7 +4801,7 @@
   <p:clrMapOvr>
     <a:masterClrMapping/>
   </p:clrMapOvr>
-  <p:transition spd="med">
+  <p:transition xmlns:p14="http://schemas.microsoft.com/office/powerpoint/2010/main" spd="med">
     <p:fade/>
   </p:transition>
 </p:sldLayout>
@@ -4440,7 +5088,7 @@
   <p:clrMapOvr>
     <a:masterClrMapping/>
   </p:clrMapOvr>
-  <p:transition spd="med">
+  <p:transition xmlns:p14="http://schemas.microsoft.com/office/powerpoint/2010/main" spd="med">
     <p:fade/>
   </p:transition>
 </p:sldLayout>
@@ -4727,7 +5375,7 @@
   <p:clrMapOvr>
     <a:masterClrMapping/>
   </p:clrMapOvr>
-  <p:transition spd="med">
+  <p:transition xmlns:p14="http://schemas.microsoft.com/office/powerpoint/2010/main" spd="med">
     <p:fade/>
   </p:transition>
 </p:sldLayout>
@@ -5076,7 +5724,7 @@
   <p:clrMapOvr>
     <a:masterClrMapping/>
   </p:clrMapOvr>
-  <p:transition spd="med">
+  <p:transition xmlns:p14="http://schemas.microsoft.com/office/powerpoint/2010/main" spd="med">
     <p:fade/>
   </p:transition>
 </p:sldLayout>
@@ -5363,7 +6011,7 @@
   <p:clrMapOvr>
     <a:masterClrMapping/>
   </p:clrMapOvr>
-  <p:transition spd="med">
+  <p:transition xmlns:p14="http://schemas.microsoft.com/office/powerpoint/2010/main" spd="med">
     <p:fade/>
   </p:transition>
 </p:sldLayout>
@@ -5580,14 +6228,14 @@
           </a:ln>
           <a:extLst>
             <a:ext uri="{909E8E84-426E-40dd-AFC4-6F175D3DCCD1}">
-              <a14:hiddenFill xmlns="" xmlns:a14="http://schemas.microsoft.com/office/drawing/2010/main">
+              <a14:hiddenFill xmlns:a14="http://schemas.microsoft.com/office/drawing/2010/main">
                 <a:solidFill>
                   <a:srgbClr val="FFFFFF"/>
                 </a:solidFill>
               </a14:hiddenFill>
             </a:ext>
             <a:ext uri="{91240B29-F687-4f45-9708-019B960494DF}">
-              <a14:hiddenLine xmlns="" xmlns:a14="http://schemas.microsoft.com/office/drawing/2010/main" w="9525">
+              <a14:hiddenLine xmlns:a14="http://schemas.microsoft.com/office/drawing/2010/main" w="9525">
                 <a:solidFill>
                   <a:srgbClr val="000000"/>
                 </a:solidFill>
@@ -5784,7 +6432,7 @@
   <p:clrMapOvr>
     <a:masterClrMapping/>
   </p:clrMapOvr>
-  <p:transition spd="med">
+  <p:transition xmlns:p14="http://schemas.microsoft.com/office/powerpoint/2010/main" spd="med">
     <p:fade/>
   </p:transition>
 </p:sldLayout>
@@ -6072,7 +6720,7 @@
   <p:clrMapOvr>
     <a:masterClrMapping/>
   </p:clrMapOvr>
-  <p:transition spd="med">
+  <p:transition xmlns:p14="http://schemas.microsoft.com/office/powerpoint/2010/main" spd="med">
     <p:fade/>
   </p:transition>
 </p:sldLayout>
@@ -6384,7 +7032,7 @@
   <p:clrMapOvr>
     <a:masterClrMapping/>
   </p:clrMapOvr>
-  <p:transition spd="med">
+  <p:transition xmlns:p14="http://schemas.microsoft.com/office/powerpoint/2010/main" spd="med">
     <p:fade/>
   </p:transition>
 </p:sldLayout>
@@ -6561,7 +7209,7 @@
   <p:clrMapOvr>
     <a:masterClrMapping/>
   </p:clrMapOvr>
-  <p:transition spd="med">
+  <p:transition xmlns:p14="http://schemas.microsoft.com/office/powerpoint/2010/main" spd="med">
     <p:fade/>
   </p:transition>
 </p:sldLayout>
@@ -6865,7 +7513,7 @@
   <p:clrMapOvr>
     <a:masterClrMapping/>
   </p:clrMapOvr>
-  <p:transition spd="med">
+  <p:transition xmlns:p14="http://schemas.microsoft.com/office/powerpoint/2010/main" spd="med">
     <p:fade/>
   </p:transition>
 </p:sldLayout>
@@ -6941,14 +7589,14 @@
           </a:ln>
           <a:extLst>
             <a:ext uri="{909E8E84-426E-40dd-AFC4-6F175D3DCCD1}">
-              <a14:hiddenFill xmlns="" xmlns:a14="http://schemas.microsoft.com/office/drawing/2010/main">
+              <a14:hiddenFill xmlns:a14="http://schemas.microsoft.com/office/drawing/2010/main">
                 <a:solidFill>
                   <a:srgbClr val="FFFFFF"/>
                 </a:solidFill>
               </a14:hiddenFill>
             </a:ext>
             <a:ext uri="{91240B29-F687-4f45-9708-019B960494DF}">
-              <a14:hiddenLine xmlns="" xmlns:a14="http://schemas.microsoft.com/office/drawing/2010/main" w="9525">
+              <a14:hiddenLine xmlns:a14="http://schemas.microsoft.com/office/drawing/2010/main" w="9525">
                 <a:solidFill>
                   <a:srgbClr val="000000"/>
                 </a:solidFill>
@@ -7224,7 +7872,7 @@
   <p:clrMapOvr>
     <a:overrideClrMapping bg1="lt1" tx1="dk1" bg2="lt2" tx2="dk2" accent1="accent1" accent2="accent2" accent3="accent3" accent4="accent4" accent5="accent5" accent6="accent6" hlink="hlink" folHlink="folHlink"/>
   </p:clrMapOvr>
-  <p:transition spd="med">
+  <p:transition xmlns:p14="http://schemas.microsoft.com/office/powerpoint/2010/main" spd="med">
     <p:fade/>
   </p:transition>
 </p:sldLayout>
@@ -7430,7 +8078,7 @@
   <p:clrMapOvr>
     <a:overrideClrMapping bg1="lt1" tx1="dk1" bg2="lt2" tx2="dk2" accent1="accent1" accent2="accent2" accent3="accent3" accent4="accent4" accent5="accent5" accent6="accent6" hlink="hlink" folHlink="folHlink"/>
   </p:clrMapOvr>
-  <p:transition spd="med">
+  <p:transition xmlns:p14="http://schemas.microsoft.com/office/powerpoint/2010/main" spd="med">
     <p:fade/>
   </p:transition>
 </p:sldLayout>
@@ -7506,14 +8154,14 @@
           </a:ln>
           <a:extLst>
             <a:ext uri="{909E8E84-426E-40dd-AFC4-6F175D3DCCD1}">
-              <a14:hiddenFill xmlns="" xmlns:a14="http://schemas.microsoft.com/office/drawing/2010/main">
+              <a14:hiddenFill xmlns:a14="http://schemas.microsoft.com/office/drawing/2010/main">
                 <a:solidFill>
                   <a:srgbClr val="FFFFFF"/>
                 </a:solidFill>
               </a14:hiddenFill>
             </a:ext>
             <a:ext uri="{91240B29-F687-4f45-9708-019B960494DF}">
-              <a14:hiddenLine xmlns="" xmlns:a14="http://schemas.microsoft.com/office/drawing/2010/main" w="9525">
+              <a14:hiddenLine xmlns:a14="http://schemas.microsoft.com/office/drawing/2010/main" w="9525">
                 <a:solidFill>
                   <a:srgbClr val="000000"/>
                 </a:solidFill>
@@ -7796,7 +8444,7 @@
   <p:clrMapOvr>
     <a:overrideClrMapping bg1="lt1" tx1="dk1" bg2="lt2" tx2="dk2" accent1="accent1" accent2="accent2" accent3="accent3" accent4="accent4" accent5="accent5" accent6="accent6" hlink="hlink" folHlink="folHlink"/>
   </p:clrMapOvr>
-  <p:transition spd="med">
+  <p:transition xmlns:p14="http://schemas.microsoft.com/office/powerpoint/2010/main" spd="med">
     <p:fade/>
   </p:transition>
 </p:sldLayout>
@@ -8004,7 +8652,7 @@
   <p:clrMapOvr>
     <a:overrideClrMapping bg1="lt1" tx1="dk1" bg2="lt2" tx2="dk2" accent1="accent1" accent2="accent2" accent3="accent3" accent4="accent4" accent5="accent5" accent6="accent6" hlink="hlink" folHlink="folHlink"/>
   </p:clrMapOvr>
-  <p:transition spd="med">
+  <p:transition xmlns:p14="http://schemas.microsoft.com/office/powerpoint/2010/main" spd="med">
     <p:fade/>
   </p:transition>
 </p:sldLayout>
@@ -8080,14 +8728,14 @@
           </a:ln>
           <a:extLst>
             <a:ext uri="{909E8E84-426E-40dd-AFC4-6F175D3DCCD1}">
-              <a14:hiddenFill xmlns="" xmlns:a14="http://schemas.microsoft.com/office/drawing/2010/main">
+              <a14:hiddenFill xmlns:a14="http://schemas.microsoft.com/office/drawing/2010/main">
                 <a:solidFill>
                   <a:srgbClr val="FFFFFF"/>
                 </a:solidFill>
               </a14:hiddenFill>
             </a:ext>
             <a:ext uri="{91240B29-F687-4f45-9708-019B960494DF}">
-              <a14:hiddenLine xmlns="" xmlns:a14="http://schemas.microsoft.com/office/drawing/2010/main" w="9525">
+              <a14:hiddenLine xmlns:a14="http://schemas.microsoft.com/office/drawing/2010/main" w="9525">
                 <a:solidFill>
                   <a:srgbClr val="000000"/>
                 </a:solidFill>
@@ -8355,7 +9003,7 @@
   <p:clrMapOvr>
     <a:overrideClrMapping bg1="lt1" tx1="dk1" bg2="lt2" tx2="dk2" accent1="accent1" accent2="accent2" accent3="accent3" accent4="accent4" accent5="accent5" accent6="accent6" hlink="hlink" folHlink="folHlink"/>
   </p:clrMapOvr>
-  <p:transition spd="med">
+  <p:transition xmlns:p14="http://schemas.microsoft.com/office/powerpoint/2010/main" spd="med">
     <p:fade/>
   </p:transition>
 </p:sldLayout>
@@ -8583,7 +9231,7 @@
   <p:clrMapOvr>
     <a:overrideClrMapping bg1="lt1" tx1="dk1" bg2="lt2" tx2="dk2" accent1="accent1" accent2="accent2" accent3="accent3" accent4="accent4" accent5="accent5" accent6="accent6" hlink="hlink" folHlink="folHlink"/>
   </p:clrMapOvr>
-  <p:transition spd="med">
+  <p:transition xmlns:p14="http://schemas.microsoft.com/office/powerpoint/2010/main" spd="med">
     <p:fade/>
   </p:transition>
 </p:sldLayout>
@@ -8871,7 +9519,7 @@
   <p:clrMapOvr>
     <a:overrideClrMapping bg1="lt1" tx1="dk1" bg2="lt2" tx2="dk2" accent1="accent1" accent2="accent2" accent3="accent3" accent4="accent4" accent5="accent5" accent6="accent6" hlink="hlink" folHlink="folHlink"/>
   </p:clrMapOvr>
-  <p:transition spd="med">
+  <p:transition xmlns:p14="http://schemas.microsoft.com/office/powerpoint/2010/main" spd="med">
     <p:fade/>
   </p:transition>
 </p:sldLayout>
@@ -9027,14 +9675,14 @@
           </a:ln>
           <a:extLst>
             <a:ext uri="{909E8E84-426E-40dd-AFC4-6F175D3DCCD1}">
-              <a14:hiddenFill xmlns="" xmlns:a14="http://schemas.microsoft.com/office/drawing/2010/main">
+              <a14:hiddenFill xmlns:a14="http://schemas.microsoft.com/office/drawing/2010/main">
                 <a:solidFill>
                   <a:srgbClr val="FFFFFF"/>
                 </a:solidFill>
               </a14:hiddenFill>
             </a:ext>
             <a:ext uri="{91240B29-F687-4f45-9708-019B960494DF}">
-              <a14:hiddenLine xmlns="" xmlns:a14="http://schemas.microsoft.com/office/drawing/2010/main" w="9525">
+              <a14:hiddenLine xmlns:a14="http://schemas.microsoft.com/office/drawing/2010/main" w="9525">
                 <a:solidFill>
                   <a:srgbClr val="000000"/>
                 </a:solidFill>
@@ -9122,7 +9770,29 @@
                 <a:ea typeface="+mn-ea"/>
                 <a:cs typeface="+mn-cs"/>
               </a:rPr>
-              <a:t>©2015 Chef Software Inc</a:t>
+              <a:t>©</a:t>
+            </a:r>
+            <a:r>
+              <a:rPr lang="en-US" dirty="0" smtClean="0">
+                <a:solidFill>
+                  <a:srgbClr val="7D868C"/>
+                </a:solidFill>
+                <a:latin typeface="+mn-lt"/>
+                <a:ea typeface="+mn-ea"/>
+                <a:cs typeface="+mn-cs"/>
+              </a:rPr>
+              <a:t>2016 </a:t>
+            </a:r>
+            <a:r>
+              <a:rPr lang="en-US" dirty="0">
+                <a:solidFill>
+                  <a:srgbClr val="7D868C"/>
+                </a:solidFill>
+                <a:latin typeface="+mn-lt"/>
+                <a:ea typeface="+mn-ea"/>
+                <a:cs typeface="+mn-cs"/>
+              </a:rPr>
+              <a:t>Chef Software Inc</a:t>
             </a:r>
             <a:r>
               <a:rPr lang="en-US" dirty="0">
@@ -9251,13 +9921,13 @@
     <p:sldLayoutId id="2147483841" r:id="rId11"/>
     <p:sldLayoutId id="2147483843" r:id="rId12"/>
   </p:sldLayoutIdLst>
-  <p:transition spd="med">
+  <p:transition xmlns:p14="http://schemas.microsoft.com/office/powerpoint/2010/main" spd="med">
     <p:fade/>
   </p:transition>
   <p:timing>
     <p:tnLst>
       <p:par>
-        <p:cTn id="1" dur="indefinite" restart="never" nodeType="tmRoot"/>
+        <p:cTn xmlns:p14="http://schemas.microsoft.com/office/powerpoint/2010/main" id="1" dur="indefinite" restart="never" nodeType="tmRoot"/>
       </p:par>
     </p:tnLst>
   </p:timing>
@@ -9785,14 +10455,14 @@
           </a:ln>
           <a:extLst>
             <a:ext uri="{909E8E84-426E-40dd-AFC4-6F175D3DCCD1}">
-              <a14:hiddenFill xmlns="" xmlns:a14="http://schemas.microsoft.com/office/drawing/2010/main">
+              <a14:hiddenFill xmlns:a14="http://schemas.microsoft.com/office/drawing/2010/main">
                 <a:solidFill>
                   <a:srgbClr val="FFFFFF"/>
                 </a:solidFill>
               </a14:hiddenFill>
             </a:ext>
             <a:ext uri="{91240B29-F687-4f45-9708-019B960494DF}">
-              <a14:hiddenLine xmlns="" xmlns:a14="http://schemas.microsoft.com/office/drawing/2010/main" w="9525">
+              <a14:hiddenLine xmlns:a14="http://schemas.microsoft.com/office/drawing/2010/main" w="9525">
                 <a:solidFill>
                   <a:srgbClr val="000000"/>
                 </a:solidFill>
@@ -9880,7 +10550,29 @@
                 <a:ea typeface="+mn-ea"/>
                 <a:cs typeface="+mn-cs"/>
               </a:rPr>
-              <a:t>©2015 Chef Software Inc</a:t>
+              <a:t>©</a:t>
+            </a:r>
+            <a:r>
+              <a:rPr lang="en-US" dirty="0" smtClean="0">
+                <a:solidFill>
+                  <a:srgbClr val="7D868C"/>
+                </a:solidFill>
+                <a:latin typeface="+mn-lt"/>
+                <a:ea typeface="+mn-ea"/>
+                <a:cs typeface="+mn-cs"/>
+              </a:rPr>
+              <a:t>2016 </a:t>
+            </a:r>
+            <a:r>
+              <a:rPr lang="en-US" dirty="0">
+                <a:solidFill>
+                  <a:srgbClr val="7D868C"/>
+                </a:solidFill>
+                <a:latin typeface="+mn-lt"/>
+                <a:ea typeface="+mn-ea"/>
+                <a:cs typeface="+mn-cs"/>
+              </a:rPr>
+              <a:t>Chef Software Inc</a:t>
             </a:r>
             <a:r>
               <a:rPr lang="en-US" dirty="0">
@@ -10080,13 +10772,13 @@
     <p:sldLayoutId id="2147483856" r:id="rId7"/>
     <p:sldLayoutId id="2147483866" r:id="rId8"/>
   </p:sldLayoutIdLst>
-  <p:transition spd="med">
+  <p:transition xmlns:p14="http://schemas.microsoft.com/office/powerpoint/2010/main" spd="med">
     <p:fade/>
   </p:transition>
   <p:timing>
     <p:tnLst>
       <p:par>
-        <p:cTn id="1" dur="indefinite" restart="never" nodeType="tmRoot"/>
+        <p:cTn xmlns:p14="http://schemas.microsoft.com/office/powerpoint/2010/main" id="1" dur="indefinite" restart="never" nodeType="tmRoot"/>
       </p:par>
     </p:tnLst>
   </p:timing>
@@ -10580,13 +11272,13 @@
   <p:clrMapOvr>
     <a:masterClrMapping/>
   </p:clrMapOvr>
-  <p:transition spd="med">
+  <p:transition xmlns:p14="http://schemas.microsoft.com/office/powerpoint/2010/main" spd="med">
     <p:fade/>
   </p:transition>
   <p:timing>
     <p:tnLst>
       <p:par>
-        <p:cTn id="1" dur="indefinite" restart="never" nodeType="tmRoot"/>
+        <p:cTn xmlns:p14="http://schemas.microsoft.com/office/powerpoint/2010/main" id="1" dur="indefinite" restart="never" nodeType="tmRoot"/>
       </p:par>
     </p:tnLst>
   </p:timing>
@@ -10628,35 +11320,545 @@
           <a:lstStyle/>
           <a:p>
             <a:r>
-              <a:rPr lang="en-US" dirty="0" smtClean="0"/>
+              <a:rPr lang="en-US" dirty="0"/>
+              <a:t>Software Quality Standards</a:t>
+            </a:r>
+            <a:endParaRPr lang="en-US" dirty="0"/>
+          </a:p>
+        </p:txBody>
+      </p:sp>
+      <p:sp>
+        <p:nvSpPr>
+          <p:cNvPr id="4" name="Subtitle 2"/>
+          <p:cNvSpPr txBox="1">
+            <a:spLocks/>
+          </p:cNvSpPr>
+          <p:nvPr/>
+        </p:nvSpPr>
+        <p:spPr bwMode="white">
+          <a:xfrm>
+            <a:off x="6778624" y="3270249"/>
+            <a:ext cx="6842125" cy="4651376"/>
+          </a:xfrm>
+          <a:prstGeom prst="rect">
+            <a:avLst/>
+          </a:prstGeom>
+        </p:spPr>
+        <p:txBody>
+          <a:bodyPr lIns="91440" tIns="91440" rIns="91440" bIns="91440" anchor="ctr">
+            <a:noAutofit/>
+          </a:bodyPr>
+          <a:lstStyle>
+            <a:lvl1pPr marL="0" indent="0" algn="l" defTabSz="1217613" rtl="0" eaLnBrk="1" fontAlgn="base" hangingPunct="1">
+              <a:lnSpc>
+                <a:spcPct val="100000"/>
+              </a:lnSpc>
+              <a:spcBef>
+                <a:spcPts val="0"/>
+              </a:spcBef>
+              <a:spcAft>
+                <a:spcPct val="0"/>
+              </a:spcAft>
+              <a:buSzPct val="90000"/>
+              <a:buFont typeface="Arial" charset="0"/>
+              <a:buNone/>
+              <a:defRPr sz="2800" kern="1200" baseline="0">
+                <a:solidFill>
+                  <a:schemeClr val="accent3">
+                    <a:lumMod val="50000"/>
+                  </a:schemeClr>
+                </a:solidFill>
+                <a:latin typeface="+mn-lt"/>
+                <a:ea typeface="ＭＳ Ｐゴシック" charset="0"/>
+                <a:cs typeface="ＭＳ Ｐゴシック" charset="0"/>
+              </a:defRPr>
+            </a:lvl1pPr>
+            <a:lvl2pPr marL="609561" indent="0" algn="ctr" defTabSz="1217613" rtl="0" eaLnBrk="1" fontAlgn="base" hangingPunct="1">
+              <a:spcBef>
+                <a:spcPts val="800"/>
+              </a:spcBef>
+              <a:spcAft>
+                <a:spcPct val="0"/>
+              </a:spcAft>
+              <a:buSzPct val="90000"/>
+              <a:buFont typeface="Arial" charset="0"/>
+              <a:buNone/>
+              <a:defRPr sz="2800" kern="1200">
+                <a:solidFill>
+                  <a:schemeClr val="tx1">
+                    <a:tint val="75000"/>
+                  </a:schemeClr>
+                </a:solidFill>
+                <a:latin typeface="+mn-lt"/>
+                <a:ea typeface="ＭＳ Ｐゴシック" charset="0"/>
+                <a:cs typeface="+mn-cs"/>
+              </a:defRPr>
+            </a:lvl2pPr>
+            <a:lvl3pPr marL="1219120" indent="0" algn="ctr" defTabSz="1217613" rtl="0" eaLnBrk="1" fontAlgn="base" hangingPunct="1">
+              <a:spcBef>
+                <a:spcPts val="800"/>
+              </a:spcBef>
+              <a:spcAft>
+                <a:spcPct val="0"/>
+              </a:spcAft>
+              <a:buSzPct val="90000"/>
+              <a:buFont typeface="Arial" charset="0"/>
+              <a:buNone/>
+              <a:defRPr sz="2400" kern="1200">
+                <a:solidFill>
+                  <a:schemeClr val="tx1">
+                    <a:tint val="75000"/>
+                  </a:schemeClr>
+                </a:solidFill>
+                <a:latin typeface="+mn-lt"/>
+                <a:ea typeface="ＭＳ Ｐゴシック" charset="0"/>
+                <a:cs typeface="+mn-cs"/>
+              </a:defRPr>
+            </a:lvl3pPr>
+            <a:lvl4pPr marL="1828681" indent="0" algn="ctr" defTabSz="1217613" rtl="0" eaLnBrk="1" fontAlgn="base" hangingPunct="1">
+              <a:spcBef>
+                <a:spcPts val="800"/>
+              </a:spcBef>
+              <a:spcAft>
+                <a:spcPct val="0"/>
+              </a:spcAft>
+              <a:buSzPct val="90000"/>
+              <a:buFont typeface="Arial" charset="0"/>
+              <a:buNone/>
+              <a:defRPr sz="2400" kern="1200">
+                <a:solidFill>
+                  <a:schemeClr val="tx1">
+                    <a:tint val="75000"/>
+                  </a:schemeClr>
+                </a:solidFill>
+                <a:latin typeface="+mn-lt"/>
+                <a:ea typeface="ＭＳ Ｐゴシック" charset="0"/>
+                <a:cs typeface="+mn-cs"/>
+              </a:defRPr>
+            </a:lvl4pPr>
+            <a:lvl5pPr marL="2438242" indent="0" algn="ctr" defTabSz="1217613" rtl="0" eaLnBrk="1" fontAlgn="base" hangingPunct="1">
+              <a:spcBef>
+                <a:spcPts val="800"/>
+              </a:spcBef>
+              <a:spcAft>
+                <a:spcPct val="0"/>
+              </a:spcAft>
+              <a:buSzPct val="90000"/>
+              <a:buFont typeface="Arial" charset="0"/>
+              <a:buNone/>
+              <a:defRPr sz="2000" kern="1200">
+                <a:solidFill>
+                  <a:schemeClr val="tx1">
+                    <a:tint val="75000"/>
+                  </a:schemeClr>
+                </a:solidFill>
+                <a:latin typeface="+mn-lt"/>
+                <a:ea typeface="ＭＳ Ｐゴシック" charset="0"/>
+                <a:cs typeface="+mn-cs"/>
+              </a:defRPr>
+            </a:lvl5pPr>
+            <a:lvl6pPr marL="3047802" indent="0" algn="ctr" defTabSz="1219120" rtl="0" eaLnBrk="1" latinLnBrk="0" hangingPunct="1">
+              <a:spcBef>
+                <a:spcPct val="20000"/>
+              </a:spcBef>
+              <a:buFont typeface="Arial" pitchFamily="34" charset="0"/>
+              <a:buNone/>
+              <a:defRPr sz="2667" kern="1200">
+                <a:solidFill>
+                  <a:schemeClr val="tx1">
+                    <a:tint val="75000"/>
+                  </a:schemeClr>
+                </a:solidFill>
+                <a:latin typeface="+mn-lt"/>
+                <a:ea typeface="+mn-ea"/>
+                <a:cs typeface="+mn-cs"/>
+              </a:defRPr>
+            </a:lvl6pPr>
+            <a:lvl7pPr marL="3657362" indent="0" algn="ctr" defTabSz="1219120" rtl="0" eaLnBrk="1" latinLnBrk="0" hangingPunct="1">
+              <a:spcBef>
+                <a:spcPct val="20000"/>
+              </a:spcBef>
+              <a:buFont typeface="Arial" pitchFamily="34" charset="0"/>
+              <a:buNone/>
+              <a:defRPr sz="2667" kern="1200">
+                <a:solidFill>
+                  <a:schemeClr val="tx1">
+                    <a:tint val="75000"/>
+                  </a:schemeClr>
+                </a:solidFill>
+                <a:latin typeface="+mn-lt"/>
+                <a:ea typeface="+mn-ea"/>
+                <a:cs typeface="+mn-cs"/>
+              </a:defRPr>
+            </a:lvl7pPr>
+            <a:lvl8pPr marL="4266923" indent="0" algn="ctr" defTabSz="1219120" rtl="0" eaLnBrk="1" latinLnBrk="0" hangingPunct="1">
+              <a:spcBef>
+                <a:spcPct val="20000"/>
+              </a:spcBef>
+              <a:buFont typeface="Arial" pitchFamily="34" charset="0"/>
+              <a:buNone/>
+              <a:defRPr sz="2667" kern="1200">
+                <a:solidFill>
+                  <a:schemeClr val="tx1">
+                    <a:tint val="75000"/>
+                  </a:schemeClr>
+                </a:solidFill>
+                <a:latin typeface="+mn-lt"/>
+                <a:ea typeface="+mn-ea"/>
+                <a:cs typeface="+mn-cs"/>
+              </a:defRPr>
+            </a:lvl8pPr>
+            <a:lvl9pPr marL="4876483" indent="0" algn="ctr" defTabSz="1219120" rtl="0" eaLnBrk="1" latinLnBrk="0" hangingPunct="1">
+              <a:spcBef>
+                <a:spcPct val="20000"/>
+              </a:spcBef>
+              <a:buFont typeface="Arial" pitchFamily="34" charset="0"/>
+              <a:buNone/>
+              <a:defRPr sz="2667" kern="1200">
+                <a:solidFill>
+                  <a:schemeClr val="tx1">
+                    <a:tint val="75000"/>
+                  </a:schemeClr>
+                </a:solidFill>
+                <a:latin typeface="+mn-lt"/>
+                <a:ea typeface="+mn-ea"/>
+                <a:cs typeface="+mn-cs"/>
+              </a:defRPr>
+            </a:lvl9pPr>
+          </a:lstStyle>
+          <a:p>
+            <a:r>
+              <a:rPr lang="en-US" sz="3200" dirty="0"/>
+              <a:t>Are you able to easily adapt the </a:t>
+            </a:r>
+            <a:r>
+              <a:rPr lang="en-US" sz="3200" dirty="0" smtClean="0"/>
+              <a:t>solution? Is </a:t>
+            </a:r>
+            <a:r>
+              <a:rPr lang="en-US" sz="3200" dirty="0"/>
+              <a:t>it testable?</a:t>
+            </a:r>
+            <a:endParaRPr lang="en-US" sz="3200" dirty="0"/>
+          </a:p>
+        </p:txBody>
+      </p:sp>
+      <p:sp>
+        <p:nvSpPr>
+          <p:cNvPr id="5" name="Subtitle 2"/>
+          <p:cNvSpPr txBox="1">
+            <a:spLocks/>
+          </p:cNvSpPr>
+          <p:nvPr/>
+        </p:nvSpPr>
+        <p:spPr bwMode="white">
+          <a:xfrm>
+            <a:off x="1671638" y="3271838"/>
+            <a:ext cx="4281488" cy="4681537"/>
+          </a:xfrm>
+          <a:prstGeom prst="rect">
+            <a:avLst/>
+          </a:prstGeom>
+          <a:noFill/>
+        </p:spPr>
+        <p:txBody>
+          <a:bodyPr lIns="91440" tIns="91440" rIns="91440" bIns="91440" anchor="t">
+            <a:noAutofit/>
+          </a:bodyPr>
+          <a:lstStyle>
+            <a:lvl1pPr marL="0" indent="0" algn="l" defTabSz="1217613" rtl="0" eaLnBrk="1" fontAlgn="base" hangingPunct="1">
+              <a:lnSpc>
+                <a:spcPct val="100000"/>
+              </a:lnSpc>
+              <a:spcBef>
+                <a:spcPts val="0"/>
+              </a:spcBef>
+              <a:spcAft>
+                <a:spcPct val="0"/>
+              </a:spcAft>
+              <a:buSzPct val="90000"/>
+              <a:buFont typeface="Arial" charset="0"/>
+              <a:buNone/>
+              <a:defRPr sz="2800" kern="1200" baseline="0">
+                <a:solidFill>
+                  <a:schemeClr val="accent3">
+                    <a:lumMod val="50000"/>
+                  </a:schemeClr>
+                </a:solidFill>
+                <a:latin typeface="+mn-lt"/>
+                <a:ea typeface="ＭＳ Ｐゴシック" charset="0"/>
+                <a:cs typeface="ＭＳ Ｐゴシック" charset="0"/>
+              </a:defRPr>
+            </a:lvl1pPr>
+            <a:lvl2pPr marL="609561" indent="0" algn="ctr" defTabSz="1217613" rtl="0" eaLnBrk="1" fontAlgn="base" hangingPunct="1">
+              <a:spcBef>
+                <a:spcPts val="800"/>
+              </a:spcBef>
+              <a:spcAft>
+                <a:spcPct val="0"/>
+              </a:spcAft>
+              <a:buSzPct val="90000"/>
+              <a:buFont typeface="Arial" charset="0"/>
+              <a:buNone/>
+              <a:defRPr sz="2800" kern="1200">
+                <a:solidFill>
+                  <a:schemeClr val="tx1">
+                    <a:tint val="75000"/>
+                  </a:schemeClr>
+                </a:solidFill>
+                <a:latin typeface="+mn-lt"/>
+                <a:ea typeface="ＭＳ Ｐゴシック" charset="0"/>
+                <a:cs typeface="+mn-cs"/>
+              </a:defRPr>
+            </a:lvl2pPr>
+            <a:lvl3pPr marL="1219120" indent="0" algn="ctr" defTabSz="1217613" rtl="0" eaLnBrk="1" fontAlgn="base" hangingPunct="1">
+              <a:spcBef>
+                <a:spcPts val="800"/>
+              </a:spcBef>
+              <a:spcAft>
+                <a:spcPct val="0"/>
+              </a:spcAft>
+              <a:buSzPct val="90000"/>
+              <a:buFont typeface="Arial" charset="0"/>
+              <a:buNone/>
+              <a:defRPr sz="2400" kern="1200">
+                <a:solidFill>
+                  <a:schemeClr val="tx1">
+                    <a:tint val="75000"/>
+                  </a:schemeClr>
+                </a:solidFill>
+                <a:latin typeface="+mn-lt"/>
+                <a:ea typeface="ＭＳ Ｐゴシック" charset="0"/>
+                <a:cs typeface="+mn-cs"/>
+              </a:defRPr>
+            </a:lvl3pPr>
+            <a:lvl4pPr marL="1828681" indent="0" algn="ctr" defTabSz="1217613" rtl="0" eaLnBrk="1" fontAlgn="base" hangingPunct="1">
+              <a:spcBef>
+                <a:spcPts val="800"/>
+              </a:spcBef>
+              <a:spcAft>
+                <a:spcPct val="0"/>
+              </a:spcAft>
+              <a:buSzPct val="90000"/>
+              <a:buFont typeface="Arial" charset="0"/>
+              <a:buNone/>
+              <a:defRPr sz="2400" kern="1200">
+                <a:solidFill>
+                  <a:schemeClr val="tx1">
+                    <a:tint val="75000"/>
+                  </a:schemeClr>
+                </a:solidFill>
+                <a:latin typeface="+mn-lt"/>
+                <a:ea typeface="ＭＳ Ｐゴシック" charset="0"/>
+                <a:cs typeface="+mn-cs"/>
+              </a:defRPr>
+            </a:lvl4pPr>
+            <a:lvl5pPr marL="2438242" indent="0" algn="ctr" defTabSz="1217613" rtl="0" eaLnBrk="1" fontAlgn="base" hangingPunct="1">
+              <a:spcBef>
+                <a:spcPts val="800"/>
+              </a:spcBef>
+              <a:spcAft>
+                <a:spcPct val="0"/>
+              </a:spcAft>
+              <a:buSzPct val="90000"/>
+              <a:buFont typeface="Arial" charset="0"/>
+              <a:buNone/>
+              <a:defRPr sz="2000" kern="1200">
+                <a:solidFill>
+                  <a:schemeClr val="tx1">
+                    <a:tint val="75000"/>
+                  </a:schemeClr>
+                </a:solidFill>
+                <a:latin typeface="+mn-lt"/>
+                <a:ea typeface="ＭＳ Ｐゴシック" charset="0"/>
+                <a:cs typeface="+mn-cs"/>
+              </a:defRPr>
+            </a:lvl5pPr>
+            <a:lvl6pPr marL="3047802" indent="0" algn="ctr" defTabSz="1219120" rtl="0" eaLnBrk="1" latinLnBrk="0" hangingPunct="1">
+              <a:spcBef>
+                <a:spcPct val="20000"/>
+              </a:spcBef>
+              <a:buFont typeface="Arial" pitchFamily="34" charset="0"/>
+              <a:buNone/>
+              <a:defRPr sz="2667" kern="1200">
+                <a:solidFill>
+                  <a:schemeClr val="tx1">
+                    <a:tint val="75000"/>
+                  </a:schemeClr>
+                </a:solidFill>
+                <a:latin typeface="+mn-lt"/>
+                <a:ea typeface="+mn-ea"/>
+                <a:cs typeface="+mn-cs"/>
+              </a:defRPr>
+            </a:lvl6pPr>
+            <a:lvl7pPr marL="3657362" indent="0" algn="ctr" defTabSz="1219120" rtl="0" eaLnBrk="1" latinLnBrk="0" hangingPunct="1">
+              <a:spcBef>
+                <a:spcPct val="20000"/>
+              </a:spcBef>
+              <a:buFont typeface="Arial" pitchFamily="34" charset="0"/>
+              <a:buNone/>
+              <a:defRPr sz="2667" kern="1200">
+                <a:solidFill>
+                  <a:schemeClr val="tx1">
+                    <a:tint val="75000"/>
+                  </a:schemeClr>
+                </a:solidFill>
+                <a:latin typeface="+mn-lt"/>
+                <a:ea typeface="+mn-ea"/>
+                <a:cs typeface="+mn-cs"/>
+              </a:defRPr>
+            </a:lvl7pPr>
+            <a:lvl8pPr marL="4266923" indent="0" algn="ctr" defTabSz="1219120" rtl="0" eaLnBrk="1" latinLnBrk="0" hangingPunct="1">
+              <a:spcBef>
+                <a:spcPct val="20000"/>
+              </a:spcBef>
+              <a:buFont typeface="Arial" pitchFamily="34" charset="0"/>
+              <a:buNone/>
+              <a:defRPr sz="2667" kern="1200">
+                <a:solidFill>
+                  <a:schemeClr val="tx1">
+                    <a:tint val="75000"/>
+                  </a:schemeClr>
+                </a:solidFill>
+                <a:latin typeface="+mn-lt"/>
+                <a:ea typeface="+mn-ea"/>
+                <a:cs typeface="+mn-cs"/>
+              </a:defRPr>
+            </a:lvl8pPr>
+            <a:lvl9pPr marL="4876483" indent="0" algn="ctr" defTabSz="1219120" rtl="0" eaLnBrk="1" latinLnBrk="0" hangingPunct="1">
+              <a:spcBef>
+                <a:spcPct val="20000"/>
+              </a:spcBef>
+              <a:buFont typeface="Arial" pitchFamily="34" charset="0"/>
+              <a:buNone/>
+              <a:defRPr sz="2667" kern="1200">
+                <a:solidFill>
+                  <a:schemeClr val="tx1">
+                    <a:tint val="75000"/>
+                  </a:schemeClr>
+                </a:solidFill>
+                <a:latin typeface="+mn-lt"/>
+                <a:ea typeface="+mn-ea"/>
+                <a:cs typeface="+mn-cs"/>
+              </a:defRPr>
+            </a:lvl9pPr>
+          </a:lstStyle>
+          <a:p>
+            <a:pPr marL="571500" indent="-571500">
+              <a:lnSpc>
+                <a:spcPct val="120000"/>
+              </a:lnSpc>
+              <a:buFont typeface="Wingdings" charset="2"/>
+              <a:buChar char="Ø"/>
+            </a:pPr>
+            <a:r>
+              <a:rPr lang="en-US" sz="4000" dirty="0" smtClean="0"/>
+              <a:t>Functionality</a:t>
+            </a:r>
+          </a:p>
+          <a:p>
+            <a:pPr marL="571500" indent="-571500">
+              <a:lnSpc>
+                <a:spcPct val="120000"/>
+              </a:lnSpc>
+              <a:buFont typeface="Wingdings" charset="2"/>
+              <a:buChar char="Ø"/>
+            </a:pPr>
+            <a:r>
+              <a:rPr lang="en-US" sz="4000" dirty="0" smtClean="0"/>
+              <a:t>Reliability</a:t>
+            </a:r>
+          </a:p>
+          <a:p>
+            <a:pPr marL="571500" indent="-571500">
+              <a:lnSpc>
+                <a:spcPct val="120000"/>
+              </a:lnSpc>
+              <a:buFont typeface="Wingdings" charset="2"/>
+              <a:buChar char="Ø"/>
+            </a:pPr>
+            <a:r>
+              <a:rPr lang="en-US" sz="4000" dirty="0" smtClean="0"/>
+              <a:t>Usability</a:t>
+            </a:r>
+          </a:p>
+          <a:p>
+            <a:pPr marL="571500" indent="-571500">
+              <a:lnSpc>
+                <a:spcPct val="120000"/>
+              </a:lnSpc>
+              <a:buFont typeface="Wingdings" charset="2"/>
+              <a:buChar char="Ø"/>
+            </a:pPr>
+            <a:r>
+              <a:rPr lang="en-US" sz="4000" dirty="0" smtClean="0"/>
+              <a:t>Efficiency</a:t>
+            </a:r>
+          </a:p>
+          <a:p>
+            <a:pPr marL="571500" indent="-571500">
+              <a:lnSpc>
+                <a:spcPct val="120000"/>
+              </a:lnSpc>
+              <a:buFont typeface="Wingdings" charset="2"/>
+              <a:buChar char="Ø"/>
+            </a:pPr>
+            <a:r>
+              <a:rPr lang="en-US" sz="4000" b="1" dirty="0" smtClean="0"/>
               <a:t>Maintainability</a:t>
             </a:r>
-            <a:endParaRPr lang="en-US" dirty="0"/>
-          </a:p>
-        </p:txBody>
-      </p:sp>
-      <p:sp>
-        <p:nvSpPr>
-          <p:cNvPr id="3" name="Subtitle 2"/>
-          <p:cNvSpPr>
-            <a:spLocks noGrp="1"/>
-          </p:cNvSpPr>
-          <p:nvPr>
-            <p:ph type="subTitle" idx="1"/>
-          </p:nvPr>
-        </p:nvSpPr>
-        <p:spPr/>
-        <p:txBody>
-          <a:bodyPr/>
-          <a:lstStyle/>
-          <a:p>
-            <a:r>
-              <a:rPr lang="en-US" dirty="0"/>
-              <a:t>Are you able to easily adapt the solution? Is it testable?</a:t>
-            </a:r>
-          </a:p>
-        </p:txBody>
-      </p:sp>
+          </a:p>
+          <a:p>
+            <a:pPr marL="571500" indent="-571500">
+              <a:lnSpc>
+                <a:spcPct val="120000"/>
+              </a:lnSpc>
+              <a:buFont typeface="Wingdings" charset="2"/>
+              <a:buChar char="Ø"/>
+            </a:pPr>
+            <a:r>
+              <a:rPr lang="en-US" sz="4000" dirty="0" smtClean="0"/>
+              <a:t>Portability</a:t>
+            </a:r>
+            <a:endParaRPr lang="en-US" sz="4000" dirty="0"/>
+          </a:p>
+        </p:txBody>
+      </p:sp>
+      <p:cxnSp>
+        <p:nvCxnSpPr>
+          <p:cNvPr id="6" name="Straight Connector 5"/>
+          <p:cNvCxnSpPr/>
+          <p:nvPr/>
+        </p:nvCxnSpPr>
+        <p:spPr>
+          <a:xfrm>
+            <a:off x="6016625" y="3365500"/>
+            <a:ext cx="0" cy="4524375"/>
+          </a:xfrm>
+          <a:prstGeom prst="line">
+            <a:avLst/>
+          </a:prstGeom>
+          <a:ln>
+            <a:solidFill>
+              <a:srgbClr val="F18B21"/>
+            </a:solidFill>
+          </a:ln>
+        </p:spPr>
+        <p:style>
+          <a:lnRef idx="3">
+            <a:schemeClr val="accent1"/>
+          </a:lnRef>
+          <a:fillRef idx="0">
+            <a:schemeClr val="accent1"/>
+          </a:fillRef>
+          <a:effectRef idx="2">
+            <a:schemeClr val="accent1"/>
+          </a:effectRef>
+          <a:fontRef idx="minor">
+            <a:schemeClr val="tx1"/>
+          </a:fontRef>
+        </p:style>
+      </p:cxnSp>
     </p:spTree>
     <p:extLst>
       <p:ext uri="{BB962C8B-B14F-4D97-AF65-F5344CB8AC3E}">
@@ -10667,9 +11869,16 @@
   <p:clrMapOvr>
     <a:masterClrMapping/>
   </p:clrMapOvr>
-  <p:transition spd="med">
+  <p:transition xmlns:p14="http://schemas.microsoft.com/office/powerpoint/2010/main" spd="med">
     <p:fade/>
   </p:transition>
+  <p:timing>
+    <p:tnLst>
+      <p:par>
+        <p:cTn xmlns:p14="http://schemas.microsoft.com/office/powerpoint/2010/main" id="1" dur="indefinite" restart="never" nodeType="tmRoot"/>
+      </p:par>
+    </p:tnLst>
+  </p:timing>
 </p:sld>
 </file>
 
@@ -10708,32 +11917,537 @@
           <a:lstStyle/>
           <a:p>
             <a:r>
-              <a:rPr lang="en-US" dirty="0" smtClean="0"/>
+              <a:rPr lang="en-US" dirty="0"/>
+              <a:t>Software Quality Standards</a:t>
+            </a:r>
+            <a:endParaRPr lang="en-US" dirty="0"/>
+          </a:p>
+        </p:txBody>
+      </p:sp>
+      <p:sp>
+        <p:nvSpPr>
+          <p:cNvPr id="7" name="Subtitle 2"/>
+          <p:cNvSpPr txBox="1">
+            <a:spLocks/>
+          </p:cNvSpPr>
+          <p:nvPr/>
+        </p:nvSpPr>
+        <p:spPr bwMode="white">
+          <a:xfrm>
+            <a:off x="6778624" y="3270249"/>
+            <a:ext cx="6842125" cy="4651376"/>
+          </a:xfrm>
+          <a:prstGeom prst="rect">
+            <a:avLst/>
+          </a:prstGeom>
+        </p:spPr>
+        <p:txBody>
+          <a:bodyPr lIns="91440" tIns="91440" rIns="91440" bIns="91440" anchor="ctr">
+            <a:noAutofit/>
+          </a:bodyPr>
+          <a:lstStyle>
+            <a:lvl1pPr marL="0" indent="0" algn="l" defTabSz="1217613" rtl="0" eaLnBrk="1" fontAlgn="base" hangingPunct="1">
+              <a:lnSpc>
+                <a:spcPct val="100000"/>
+              </a:lnSpc>
+              <a:spcBef>
+                <a:spcPts val="0"/>
+              </a:spcBef>
+              <a:spcAft>
+                <a:spcPct val="0"/>
+              </a:spcAft>
+              <a:buSzPct val="90000"/>
+              <a:buFont typeface="Arial" charset="0"/>
+              <a:buNone/>
+              <a:defRPr sz="2800" kern="1200" baseline="0">
+                <a:solidFill>
+                  <a:schemeClr val="accent3">
+                    <a:lumMod val="50000"/>
+                  </a:schemeClr>
+                </a:solidFill>
+                <a:latin typeface="+mn-lt"/>
+                <a:ea typeface="ＭＳ Ｐゴシック" charset="0"/>
+                <a:cs typeface="ＭＳ Ｐゴシック" charset="0"/>
+              </a:defRPr>
+            </a:lvl1pPr>
+            <a:lvl2pPr marL="609561" indent="0" algn="ctr" defTabSz="1217613" rtl="0" eaLnBrk="1" fontAlgn="base" hangingPunct="1">
+              <a:spcBef>
+                <a:spcPts val="800"/>
+              </a:spcBef>
+              <a:spcAft>
+                <a:spcPct val="0"/>
+              </a:spcAft>
+              <a:buSzPct val="90000"/>
+              <a:buFont typeface="Arial" charset="0"/>
+              <a:buNone/>
+              <a:defRPr sz="2800" kern="1200">
+                <a:solidFill>
+                  <a:schemeClr val="tx1">
+                    <a:tint val="75000"/>
+                  </a:schemeClr>
+                </a:solidFill>
+                <a:latin typeface="+mn-lt"/>
+                <a:ea typeface="ＭＳ Ｐゴシック" charset="0"/>
+                <a:cs typeface="+mn-cs"/>
+              </a:defRPr>
+            </a:lvl2pPr>
+            <a:lvl3pPr marL="1219120" indent="0" algn="ctr" defTabSz="1217613" rtl="0" eaLnBrk="1" fontAlgn="base" hangingPunct="1">
+              <a:spcBef>
+                <a:spcPts val="800"/>
+              </a:spcBef>
+              <a:spcAft>
+                <a:spcPct val="0"/>
+              </a:spcAft>
+              <a:buSzPct val="90000"/>
+              <a:buFont typeface="Arial" charset="0"/>
+              <a:buNone/>
+              <a:defRPr sz="2400" kern="1200">
+                <a:solidFill>
+                  <a:schemeClr val="tx1">
+                    <a:tint val="75000"/>
+                  </a:schemeClr>
+                </a:solidFill>
+                <a:latin typeface="+mn-lt"/>
+                <a:ea typeface="ＭＳ Ｐゴシック" charset="0"/>
+                <a:cs typeface="+mn-cs"/>
+              </a:defRPr>
+            </a:lvl3pPr>
+            <a:lvl4pPr marL="1828681" indent="0" algn="ctr" defTabSz="1217613" rtl="0" eaLnBrk="1" fontAlgn="base" hangingPunct="1">
+              <a:spcBef>
+                <a:spcPts val="800"/>
+              </a:spcBef>
+              <a:spcAft>
+                <a:spcPct val="0"/>
+              </a:spcAft>
+              <a:buSzPct val="90000"/>
+              <a:buFont typeface="Arial" charset="0"/>
+              <a:buNone/>
+              <a:defRPr sz="2400" kern="1200">
+                <a:solidFill>
+                  <a:schemeClr val="tx1">
+                    <a:tint val="75000"/>
+                  </a:schemeClr>
+                </a:solidFill>
+                <a:latin typeface="+mn-lt"/>
+                <a:ea typeface="ＭＳ Ｐゴシック" charset="0"/>
+                <a:cs typeface="+mn-cs"/>
+              </a:defRPr>
+            </a:lvl4pPr>
+            <a:lvl5pPr marL="2438242" indent="0" algn="ctr" defTabSz="1217613" rtl="0" eaLnBrk="1" fontAlgn="base" hangingPunct="1">
+              <a:spcBef>
+                <a:spcPts val="800"/>
+              </a:spcBef>
+              <a:spcAft>
+                <a:spcPct val="0"/>
+              </a:spcAft>
+              <a:buSzPct val="90000"/>
+              <a:buFont typeface="Arial" charset="0"/>
+              <a:buNone/>
+              <a:defRPr sz="2000" kern="1200">
+                <a:solidFill>
+                  <a:schemeClr val="tx1">
+                    <a:tint val="75000"/>
+                  </a:schemeClr>
+                </a:solidFill>
+                <a:latin typeface="+mn-lt"/>
+                <a:ea typeface="ＭＳ Ｐゴシック" charset="0"/>
+                <a:cs typeface="+mn-cs"/>
+              </a:defRPr>
+            </a:lvl5pPr>
+            <a:lvl6pPr marL="3047802" indent="0" algn="ctr" defTabSz="1219120" rtl="0" eaLnBrk="1" latinLnBrk="0" hangingPunct="1">
+              <a:spcBef>
+                <a:spcPct val="20000"/>
+              </a:spcBef>
+              <a:buFont typeface="Arial" pitchFamily="34" charset="0"/>
+              <a:buNone/>
+              <a:defRPr sz="2667" kern="1200">
+                <a:solidFill>
+                  <a:schemeClr val="tx1">
+                    <a:tint val="75000"/>
+                  </a:schemeClr>
+                </a:solidFill>
+                <a:latin typeface="+mn-lt"/>
+                <a:ea typeface="+mn-ea"/>
+                <a:cs typeface="+mn-cs"/>
+              </a:defRPr>
+            </a:lvl6pPr>
+            <a:lvl7pPr marL="3657362" indent="0" algn="ctr" defTabSz="1219120" rtl="0" eaLnBrk="1" latinLnBrk="0" hangingPunct="1">
+              <a:spcBef>
+                <a:spcPct val="20000"/>
+              </a:spcBef>
+              <a:buFont typeface="Arial" pitchFamily="34" charset="0"/>
+              <a:buNone/>
+              <a:defRPr sz="2667" kern="1200">
+                <a:solidFill>
+                  <a:schemeClr val="tx1">
+                    <a:tint val="75000"/>
+                  </a:schemeClr>
+                </a:solidFill>
+                <a:latin typeface="+mn-lt"/>
+                <a:ea typeface="+mn-ea"/>
+                <a:cs typeface="+mn-cs"/>
+              </a:defRPr>
+            </a:lvl7pPr>
+            <a:lvl8pPr marL="4266923" indent="0" algn="ctr" defTabSz="1219120" rtl="0" eaLnBrk="1" latinLnBrk="0" hangingPunct="1">
+              <a:spcBef>
+                <a:spcPct val="20000"/>
+              </a:spcBef>
+              <a:buFont typeface="Arial" pitchFamily="34" charset="0"/>
+              <a:buNone/>
+              <a:defRPr sz="2667" kern="1200">
+                <a:solidFill>
+                  <a:schemeClr val="tx1">
+                    <a:tint val="75000"/>
+                  </a:schemeClr>
+                </a:solidFill>
+                <a:latin typeface="+mn-lt"/>
+                <a:ea typeface="+mn-ea"/>
+                <a:cs typeface="+mn-cs"/>
+              </a:defRPr>
+            </a:lvl8pPr>
+            <a:lvl9pPr marL="4876483" indent="0" algn="ctr" defTabSz="1219120" rtl="0" eaLnBrk="1" latinLnBrk="0" hangingPunct="1">
+              <a:spcBef>
+                <a:spcPct val="20000"/>
+              </a:spcBef>
+              <a:buFont typeface="Arial" pitchFamily="34" charset="0"/>
+              <a:buNone/>
+              <a:defRPr sz="2667" kern="1200">
+                <a:solidFill>
+                  <a:schemeClr val="tx1">
+                    <a:tint val="75000"/>
+                  </a:schemeClr>
+                </a:solidFill>
+                <a:latin typeface="+mn-lt"/>
+                <a:ea typeface="+mn-ea"/>
+                <a:cs typeface="+mn-cs"/>
+              </a:defRPr>
+            </a:lvl9pPr>
+          </a:lstStyle>
+          <a:p>
+            <a:r>
+              <a:rPr lang="en-US" sz="3200" dirty="0" smtClean="0"/>
+              <a:t>Can the software adapt to changes in its environment? Or changes to its requirements?</a:t>
+            </a:r>
+            <a:endParaRPr lang="en-US" sz="3200" dirty="0"/>
+          </a:p>
+        </p:txBody>
+      </p:sp>
+      <p:sp>
+        <p:nvSpPr>
+          <p:cNvPr id="8" name="Subtitle 2"/>
+          <p:cNvSpPr txBox="1">
+            <a:spLocks/>
+          </p:cNvSpPr>
+          <p:nvPr/>
+        </p:nvSpPr>
+        <p:spPr bwMode="white">
+          <a:xfrm>
+            <a:off x="1671638" y="3271838"/>
+            <a:ext cx="4281488" cy="4681537"/>
+          </a:xfrm>
+          <a:prstGeom prst="rect">
+            <a:avLst/>
+          </a:prstGeom>
+          <a:noFill/>
+        </p:spPr>
+        <p:txBody>
+          <a:bodyPr lIns="91440" tIns="91440" rIns="91440" bIns="91440" anchor="t">
+            <a:noAutofit/>
+          </a:bodyPr>
+          <a:lstStyle>
+            <a:lvl1pPr marL="0" indent="0" algn="l" defTabSz="1217613" rtl="0" eaLnBrk="1" fontAlgn="base" hangingPunct="1">
+              <a:lnSpc>
+                <a:spcPct val="100000"/>
+              </a:lnSpc>
+              <a:spcBef>
+                <a:spcPts val="0"/>
+              </a:spcBef>
+              <a:spcAft>
+                <a:spcPct val="0"/>
+              </a:spcAft>
+              <a:buSzPct val="90000"/>
+              <a:buFont typeface="Arial" charset="0"/>
+              <a:buNone/>
+              <a:defRPr sz="2800" kern="1200" baseline="0">
+                <a:solidFill>
+                  <a:schemeClr val="accent3">
+                    <a:lumMod val="50000"/>
+                  </a:schemeClr>
+                </a:solidFill>
+                <a:latin typeface="+mn-lt"/>
+                <a:ea typeface="ＭＳ Ｐゴシック" charset="0"/>
+                <a:cs typeface="ＭＳ Ｐゴシック" charset="0"/>
+              </a:defRPr>
+            </a:lvl1pPr>
+            <a:lvl2pPr marL="609561" indent="0" algn="ctr" defTabSz="1217613" rtl="0" eaLnBrk="1" fontAlgn="base" hangingPunct="1">
+              <a:spcBef>
+                <a:spcPts val="800"/>
+              </a:spcBef>
+              <a:spcAft>
+                <a:spcPct val="0"/>
+              </a:spcAft>
+              <a:buSzPct val="90000"/>
+              <a:buFont typeface="Arial" charset="0"/>
+              <a:buNone/>
+              <a:defRPr sz="2800" kern="1200">
+                <a:solidFill>
+                  <a:schemeClr val="tx1">
+                    <a:tint val="75000"/>
+                  </a:schemeClr>
+                </a:solidFill>
+                <a:latin typeface="+mn-lt"/>
+                <a:ea typeface="ＭＳ Ｐゴシック" charset="0"/>
+                <a:cs typeface="+mn-cs"/>
+              </a:defRPr>
+            </a:lvl2pPr>
+            <a:lvl3pPr marL="1219120" indent="0" algn="ctr" defTabSz="1217613" rtl="0" eaLnBrk="1" fontAlgn="base" hangingPunct="1">
+              <a:spcBef>
+                <a:spcPts val="800"/>
+              </a:spcBef>
+              <a:spcAft>
+                <a:spcPct val="0"/>
+              </a:spcAft>
+              <a:buSzPct val="90000"/>
+              <a:buFont typeface="Arial" charset="0"/>
+              <a:buNone/>
+              <a:defRPr sz="2400" kern="1200">
+                <a:solidFill>
+                  <a:schemeClr val="tx1">
+                    <a:tint val="75000"/>
+                  </a:schemeClr>
+                </a:solidFill>
+                <a:latin typeface="+mn-lt"/>
+                <a:ea typeface="ＭＳ Ｐゴシック" charset="0"/>
+                <a:cs typeface="+mn-cs"/>
+              </a:defRPr>
+            </a:lvl3pPr>
+            <a:lvl4pPr marL="1828681" indent="0" algn="ctr" defTabSz="1217613" rtl="0" eaLnBrk="1" fontAlgn="base" hangingPunct="1">
+              <a:spcBef>
+                <a:spcPts val="800"/>
+              </a:spcBef>
+              <a:spcAft>
+                <a:spcPct val="0"/>
+              </a:spcAft>
+              <a:buSzPct val="90000"/>
+              <a:buFont typeface="Arial" charset="0"/>
+              <a:buNone/>
+              <a:defRPr sz="2400" kern="1200">
+                <a:solidFill>
+                  <a:schemeClr val="tx1">
+                    <a:tint val="75000"/>
+                  </a:schemeClr>
+                </a:solidFill>
+                <a:latin typeface="+mn-lt"/>
+                <a:ea typeface="ＭＳ Ｐゴシック" charset="0"/>
+                <a:cs typeface="+mn-cs"/>
+              </a:defRPr>
+            </a:lvl4pPr>
+            <a:lvl5pPr marL="2438242" indent="0" algn="ctr" defTabSz="1217613" rtl="0" eaLnBrk="1" fontAlgn="base" hangingPunct="1">
+              <a:spcBef>
+                <a:spcPts val="800"/>
+              </a:spcBef>
+              <a:spcAft>
+                <a:spcPct val="0"/>
+              </a:spcAft>
+              <a:buSzPct val="90000"/>
+              <a:buFont typeface="Arial" charset="0"/>
+              <a:buNone/>
+              <a:defRPr sz="2000" kern="1200">
+                <a:solidFill>
+                  <a:schemeClr val="tx1">
+                    <a:tint val="75000"/>
+                  </a:schemeClr>
+                </a:solidFill>
+                <a:latin typeface="+mn-lt"/>
+                <a:ea typeface="ＭＳ Ｐゴシック" charset="0"/>
+                <a:cs typeface="+mn-cs"/>
+              </a:defRPr>
+            </a:lvl5pPr>
+            <a:lvl6pPr marL="3047802" indent="0" algn="ctr" defTabSz="1219120" rtl="0" eaLnBrk="1" latinLnBrk="0" hangingPunct="1">
+              <a:spcBef>
+                <a:spcPct val="20000"/>
+              </a:spcBef>
+              <a:buFont typeface="Arial" pitchFamily="34" charset="0"/>
+              <a:buNone/>
+              <a:defRPr sz="2667" kern="1200">
+                <a:solidFill>
+                  <a:schemeClr val="tx1">
+                    <a:tint val="75000"/>
+                  </a:schemeClr>
+                </a:solidFill>
+                <a:latin typeface="+mn-lt"/>
+                <a:ea typeface="+mn-ea"/>
+                <a:cs typeface="+mn-cs"/>
+              </a:defRPr>
+            </a:lvl6pPr>
+            <a:lvl7pPr marL="3657362" indent="0" algn="ctr" defTabSz="1219120" rtl="0" eaLnBrk="1" latinLnBrk="0" hangingPunct="1">
+              <a:spcBef>
+                <a:spcPct val="20000"/>
+              </a:spcBef>
+              <a:buFont typeface="Arial" pitchFamily="34" charset="0"/>
+              <a:buNone/>
+              <a:defRPr sz="2667" kern="1200">
+                <a:solidFill>
+                  <a:schemeClr val="tx1">
+                    <a:tint val="75000"/>
+                  </a:schemeClr>
+                </a:solidFill>
+                <a:latin typeface="+mn-lt"/>
+                <a:ea typeface="+mn-ea"/>
+                <a:cs typeface="+mn-cs"/>
+              </a:defRPr>
+            </a:lvl7pPr>
+            <a:lvl8pPr marL="4266923" indent="0" algn="ctr" defTabSz="1219120" rtl="0" eaLnBrk="1" latinLnBrk="0" hangingPunct="1">
+              <a:spcBef>
+                <a:spcPct val="20000"/>
+              </a:spcBef>
+              <a:buFont typeface="Arial" pitchFamily="34" charset="0"/>
+              <a:buNone/>
+              <a:defRPr sz="2667" kern="1200">
+                <a:solidFill>
+                  <a:schemeClr val="tx1">
+                    <a:tint val="75000"/>
+                  </a:schemeClr>
+                </a:solidFill>
+                <a:latin typeface="+mn-lt"/>
+                <a:ea typeface="+mn-ea"/>
+                <a:cs typeface="+mn-cs"/>
+              </a:defRPr>
+            </a:lvl8pPr>
+            <a:lvl9pPr marL="4876483" indent="0" algn="ctr" defTabSz="1219120" rtl="0" eaLnBrk="1" latinLnBrk="0" hangingPunct="1">
+              <a:spcBef>
+                <a:spcPct val="20000"/>
+              </a:spcBef>
+              <a:buFont typeface="Arial" pitchFamily="34" charset="0"/>
+              <a:buNone/>
+              <a:defRPr sz="2667" kern="1200">
+                <a:solidFill>
+                  <a:schemeClr val="tx1">
+                    <a:tint val="75000"/>
+                  </a:schemeClr>
+                </a:solidFill>
+                <a:latin typeface="+mn-lt"/>
+                <a:ea typeface="+mn-ea"/>
+                <a:cs typeface="+mn-cs"/>
+              </a:defRPr>
+            </a:lvl9pPr>
+          </a:lstStyle>
+          <a:p>
+            <a:pPr marL="571500" indent="-571500">
+              <a:lnSpc>
+                <a:spcPct val="120000"/>
+              </a:lnSpc>
+              <a:buFont typeface="Wingdings" charset="2"/>
+              <a:buChar char="Ø"/>
+            </a:pPr>
+            <a:r>
+              <a:rPr lang="en-US" sz="4000" dirty="0" smtClean="0"/>
+              <a:t>Functionality</a:t>
+            </a:r>
+          </a:p>
+          <a:p>
+            <a:pPr marL="571500" indent="-571500">
+              <a:lnSpc>
+                <a:spcPct val="120000"/>
+              </a:lnSpc>
+              <a:buFont typeface="Wingdings" charset="2"/>
+              <a:buChar char="Ø"/>
+            </a:pPr>
+            <a:r>
+              <a:rPr lang="en-US" sz="4000" dirty="0" smtClean="0"/>
+              <a:t>Reliability</a:t>
+            </a:r>
+          </a:p>
+          <a:p>
+            <a:pPr marL="571500" indent="-571500">
+              <a:lnSpc>
+                <a:spcPct val="120000"/>
+              </a:lnSpc>
+              <a:buFont typeface="Wingdings" charset="2"/>
+              <a:buChar char="Ø"/>
+            </a:pPr>
+            <a:r>
+              <a:rPr lang="en-US" sz="4000" dirty="0" smtClean="0"/>
+              <a:t>Usability</a:t>
+            </a:r>
+          </a:p>
+          <a:p>
+            <a:pPr marL="571500" indent="-571500">
+              <a:lnSpc>
+                <a:spcPct val="120000"/>
+              </a:lnSpc>
+              <a:buFont typeface="Wingdings" charset="2"/>
+              <a:buChar char="Ø"/>
+            </a:pPr>
+            <a:r>
+              <a:rPr lang="en-US" sz="4000" dirty="0" smtClean="0"/>
+              <a:t>Efficiency</a:t>
+            </a:r>
+          </a:p>
+          <a:p>
+            <a:pPr marL="571500" indent="-571500">
+              <a:lnSpc>
+                <a:spcPct val="120000"/>
+              </a:lnSpc>
+              <a:buFont typeface="Wingdings" charset="2"/>
+              <a:buChar char="Ø"/>
+            </a:pPr>
+            <a:r>
+              <a:rPr lang="en-US" sz="4000" dirty="0" smtClean="0"/>
+              <a:t>Maintainability</a:t>
+            </a:r>
+          </a:p>
+          <a:p>
+            <a:pPr marL="571500" indent="-571500">
+              <a:lnSpc>
+                <a:spcPct val="120000"/>
+              </a:lnSpc>
+              <a:buFont typeface="Wingdings" charset="2"/>
+              <a:buChar char="Ø"/>
+            </a:pPr>
+            <a:r>
+              <a:rPr lang="en-US" sz="4000" b="1" dirty="0" smtClean="0"/>
               <a:t>Portability</a:t>
             </a:r>
-            <a:endParaRPr lang="en-US" dirty="0"/>
-          </a:p>
-        </p:txBody>
-      </p:sp>
-      <p:sp>
-        <p:nvSpPr>
-          <p:cNvPr id="3" name="Subtitle 2"/>
-          <p:cNvSpPr>
-            <a:spLocks noGrp="1"/>
-          </p:cNvSpPr>
-          <p:nvPr>
-            <p:ph type="subTitle" idx="1"/>
-          </p:nvPr>
-        </p:nvSpPr>
-        <p:spPr/>
-        <p:txBody>
-          <a:bodyPr/>
-          <a:lstStyle/>
-          <a:p>
-            <a:endParaRPr lang="en-US"/>
-          </a:p>
-        </p:txBody>
-      </p:sp>
+            <a:endParaRPr lang="en-US" sz="4000" b="1" dirty="0"/>
+          </a:p>
+        </p:txBody>
+      </p:sp>
+      <p:cxnSp>
+        <p:nvCxnSpPr>
+          <p:cNvPr id="9" name="Straight Connector 8"/>
+          <p:cNvCxnSpPr/>
+          <p:nvPr/>
+        </p:nvCxnSpPr>
+        <p:spPr>
+          <a:xfrm>
+            <a:off x="6016625" y="3365500"/>
+            <a:ext cx="0" cy="4524375"/>
+          </a:xfrm>
+          <a:prstGeom prst="line">
+            <a:avLst/>
+          </a:prstGeom>
+          <a:ln>
+            <a:solidFill>
+              <a:srgbClr val="F18B21"/>
+            </a:solidFill>
+          </a:ln>
+        </p:spPr>
+        <p:style>
+          <a:lnRef idx="3">
+            <a:schemeClr val="accent1"/>
+          </a:lnRef>
+          <a:fillRef idx="0">
+            <a:schemeClr val="accent1"/>
+          </a:fillRef>
+          <a:effectRef idx="2">
+            <a:schemeClr val="accent1"/>
+          </a:effectRef>
+          <a:fontRef idx="minor">
+            <a:schemeClr val="tx1"/>
+          </a:fontRef>
+        </p:style>
+      </p:cxnSp>
     </p:spTree>
     <p:extLst>
       <p:ext uri="{BB962C8B-B14F-4D97-AF65-F5344CB8AC3E}">
@@ -10744,9 +12458,16 @@
   <p:clrMapOvr>
     <a:masterClrMapping/>
   </p:clrMapOvr>
-  <p:transition spd="med">
+  <p:transition xmlns:p14="http://schemas.microsoft.com/office/powerpoint/2010/main" spd="med">
     <p:fade/>
   </p:transition>
+  <p:timing>
+    <p:tnLst>
+      <p:par>
+        <p:cTn xmlns:p14="http://schemas.microsoft.com/office/powerpoint/2010/main" id="1" dur="indefinite" restart="never" nodeType="tmRoot"/>
+      </p:par>
+    </p:tnLst>
+  </p:timing>
 </p:sld>
 </file>
 
@@ -10807,6 +12528,10 @@
           <a:bodyPr/>
           <a:lstStyle/>
           <a:p>
+            <a:r>
+              <a:rPr lang="en-US" dirty="0" smtClean="0"/>
+              <a:t>With the criteria defined we can now examine code samples...</a:t>
+            </a:r>
             <a:endParaRPr lang="en-US" dirty="0"/>
           </a:p>
         </p:txBody>
@@ -10842,19 +12567,13 @@
             </a:pPr>
             <a:r>
               <a:rPr lang="en-US" dirty="0" smtClean="0"/>
-              <a:t>Evaluate first code sample</a:t>
-            </a:r>
-          </a:p>
-          <a:p>
-            <a:pPr marL="342900" indent="-342900">
-              <a:buFont typeface="Wingdings" charset="2"/>
-              <a:buChar char="q"/>
-            </a:pPr>
+              <a:t>Evaluate </a:t>
+            </a:r>
             <a:r>
               <a:rPr lang="en-US" dirty="0" smtClean="0"/>
-              <a:t>Evaluate second code sample</a:t>
-            </a:r>
-            <a:endParaRPr lang="en-US" dirty="0"/>
+              <a:t>a code sample</a:t>
+            </a:r>
+            <a:endParaRPr lang="en-US" dirty="0" smtClean="0"/>
           </a:p>
         </p:txBody>
       </p:sp>
@@ -10868,9 +12587,16 @@
   <p:clrMapOvr>
     <a:masterClrMapping/>
   </p:clrMapOvr>
-  <p:transition spd="med">
+  <p:transition xmlns:p14="http://schemas.microsoft.com/office/powerpoint/2010/main" spd="med">
     <p:fade/>
   </p:transition>
+  <p:timing>
+    <p:tnLst>
+      <p:par>
+        <p:cTn xmlns:p14="http://schemas.microsoft.com/office/powerpoint/2010/main" id="1" dur="indefinite" restart="never" nodeType="tmRoot"/>
+      </p:par>
+    </p:tnLst>
+  </p:timing>
 </p:sld>
 </file>
 
@@ -10903,9 +12629,15 @@
         </p:nvSpPr>
         <p:spPr/>
         <p:txBody>
-          <a:bodyPr/>
+          <a:bodyPr>
+            <a:normAutofit fontScale="90000"/>
+          </a:bodyPr>
           <a:lstStyle/>
           <a:p>
+            <a:r>
+              <a:rPr lang="en-US" dirty="0" smtClean="0"/>
+              <a:t>Resource Implementation v Custom Resource</a:t>
+            </a:r>
             <a:endParaRPr lang="en-US" dirty="0"/>
           </a:p>
         </p:txBody>
@@ -10913,25 +12645,6 @@
       <p:sp>
         <p:nvSpPr>
           <p:cNvPr id="3" name="Content Placeholder 2"/>
-          <p:cNvSpPr>
-            <a:spLocks noGrp="1"/>
-          </p:cNvSpPr>
-          <p:nvPr>
-            <p:ph sz="quarter" idx="10"/>
-          </p:nvPr>
-        </p:nvSpPr>
-        <p:spPr/>
-        <p:txBody>
-          <a:bodyPr/>
-          <a:lstStyle/>
-          <a:p>
-            <a:endParaRPr lang="en-US" b="1" dirty="0"/>
-          </a:p>
-        </p:txBody>
-      </p:sp>
-      <p:sp>
-        <p:nvSpPr>
-          <p:cNvPr id="7" name="Content Placeholder 2"/>
           <p:cNvSpPr>
             <a:spLocks noGrp="1"/>
           </p:cNvSpPr>
@@ -10941,14 +12654,423 @@
         </p:nvSpPr>
         <p:spPr>
           <a:xfrm>
-            <a:off x="8233863" y="1348276"/>
-            <a:ext cx="7310937" cy="6678417"/>
+            <a:off x="609914" y="1348277"/>
+            <a:ext cx="7310937" cy="5509723"/>
           </a:xfrm>
         </p:spPr>
         <p:txBody>
-          <a:bodyPr/>
+          <a:bodyPr>
+            <a:normAutofit lnSpcReduction="10000"/>
+          </a:bodyPr>
           <a:lstStyle/>
           <a:p>
+            <a:pPr>
+              <a:lnSpc>
+                <a:spcPct val="80000"/>
+              </a:lnSpc>
+            </a:pPr>
+            <a:r>
+              <a:rPr lang="en-US" sz="2000" b="1" dirty="0"/>
+              <a:t>directory '/</a:t>
+            </a:r>
+            <a:r>
+              <a:rPr lang="en-US" sz="2000" b="1" dirty="0" err="1"/>
+              <a:t>srv</a:t>
+            </a:r>
+            <a:r>
+              <a:rPr lang="en-US" sz="2000" b="1" dirty="0"/>
+              <a:t>/apache/admins/html' do</a:t>
+            </a:r>
+          </a:p>
+          <a:p>
+            <a:pPr>
+              <a:lnSpc>
+                <a:spcPct val="80000"/>
+              </a:lnSpc>
+            </a:pPr>
+            <a:r>
+              <a:rPr lang="en-US" sz="2000" b="1" dirty="0"/>
+              <a:t>  recursive true</a:t>
+            </a:r>
+          </a:p>
+          <a:p>
+            <a:pPr>
+              <a:lnSpc>
+                <a:spcPct val="80000"/>
+              </a:lnSpc>
+            </a:pPr>
+            <a:r>
+              <a:rPr lang="en-US" sz="2000" b="1" dirty="0"/>
+              <a:t>  mode '0755'</a:t>
+            </a:r>
+          </a:p>
+          <a:p>
+            <a:pPr>
+              <a:lnSpc>
+                <a:spcPct val="80000"/>
+              </a:lnSpc>
+            </a:pPr>
+            <a:r>
+              <a:rPr lang="en-US" sz="2000" b="1" dirty="0"/>
+              <a:t>end</a:t>
+            </a:r>
+          </a:p>
+          <a:p>
+            <a:pPr>
+              <a:lnSpc>
+                <a:spcPct val="80000"/>
+              </a:lnSpc>
+            </a:pPr>
+            <a:endParaRPr lang="en-US" sz="2000" b="1" dirty="0"/>
+          </a:p>
+          <a:p>
+            <a:pPr>
+              <a:lnSpc>
+                <a:spcPct val="80000"/>
+              </a:lnSpc>
+            </a:pPr>
+            <a:r>
+              <a:rPr lang="en-US" sz="2000" b="1" dirty="0"/>
+              <a:t>template '/</a:t>
+            </a:r>
+            <a:r>
+              <a:rPr lang="en-US" sz="2000" b="1" dirty="0" err="1"/>
+              <a:t>etc</a:t>
+            </a:r>
+            <a:r>
+              <a:rPr lang="en-US" sz="2000" b="1" dirty="0"/>
+              <a:t>/</a:t>
+            </a:r>
+            <a:r>
+              <a:rPr lang="en-US" sz="2000" b="1" dirty="0" err="1"/>
+              <a:t>httpd</a:t>
+            </a:r>
+            <a:r>
+              <a:rPr lang="en-US" sz="2000" b="1" dirty="0"/>
+              <a:t>/</a:t>
+            </a:r>
+            <a:r>
+              <a:rPr lang="en-US" sz="2000" b="1" dirty="0" err="1"/>
+              <a:t>conf.d</a:t>
+            </a:r>
+            <a:r>
+              <a:rPr lang="en-US" sz="2000" b="1" dirty="0"/>
+              <a:t>/</a:t>
+            </a:r>
+            <a:r>
+              <a:rPr lang="en-US" sz="2000" b="1" dirty="0" err="1"/>
+              <a:t>admins.conf</a:t>
+            </a:r>
+            <a:r>
+              <a:rPr lang="en-US" sz="2000" b="1" dirty="0"/>
+              <a:t>' do</a:t>
+            </a:r>
+          </a:p>
+          <a:p>
+            <a:pPr>
+              <a:lnSpc>
+                <a:spcPct val="80000"/>
+              </a:lnSpc>
+            </a:pPr>
+            <a:r>
+              <a:rPr lang="en-US" sz="2000" b="1" dirty="0"/>
+              <a:t>  source '</a:t>
+            </a:r>
+            <a:r>
+              <a:rPr lang="en-US" sz="2000" b="1" dirty="0" err="1"/>
+              <a:t>conf.erb</a:t>
+            </a:r>
+            <a:r>
+              <a:rPr lang="en-US" sz="2000" b="1" dirty="0"/>
+              <a:t>'</a:t>
+            </a:r>
+          </a:p>
+          <a:p>
+            <a:pPr>
+              <a:lnSpc>
+                <a:spcPct val="80000"/>
+              </a:lnSpc>
+            </a:pPr>
+            <a:r>
+              <a:rPr lang="en-US" sz="2000" b="1" dirty="0"/>
+              <a:t>  mode '0644'</a:t>
+            </a:r>
+          </a:p>
+          <a:p>
+            <a:pPr>
+              <a:lnSpc>
+                <a:spcPct val="80000"/>
+              </a:lnSpc>
+            </a:pPr>
+            <a:r>
+              <a:rPr lang="en-US" sz="2000" b="1" dirty="0"/>
+              <a:t>  variables(</a:t>
+            </a:r>
+            <a:r>
+              <a:rPr lang="en-US" sz="2000" b="1" dirty="0" err="1"/>
+              <a:t>document_root</a:t>
+            </a:r>
+            <a:r>
+              <a:rPr lang="en-US" sz="2000" b="1" dirty="0"/>
+              <a:t>:'/</a:t>
+            </a:r>
+            <a:r>
+              <a:rPr lang="en-US" sz="2000" b="1" dirty="0" err="1"/>
+              <a:t>srv</a:t>
+            </a:r>
+            <a:r>
+              <a:rPr lang="en-US" sz="2000" b="1" dirty="0"/>
+              <a:t>/apache/admins/html', </a:t>
+            </a:r>
+            <a:endParaRPr lang="en-US" sz="2000" b="1" dirty="0" smtClean="0"/>
+          </a:p>
+          <a:p>
+            <a:pPr>
+              <a:lnSpc>
+                <a:spcPct val="80000"/>
+              </a:lnSpc>
+            </a:pPr>
+            <a:r>
+              <a:rPr lang="en-US" sz="2000" b="1" dirty="0" smtClean="0"/>
+              <a:t>port</a:t>
+            </a:r>
+            <a:r>
+              <a:rPr lang="en-US" sz="2000" b="1" dirty="0"/>
+              <a:t>: 8080)</a:t>
+            </a:r>
+          </a:p>
+          <a:p>
+            <a:pPr>
+              <a:lnSpc>
+                <a:spcPct val="80000"/>
+              </a:lnSpc>
+            </a:pPr>
+            <a:r>
+              <a:rPr lang="en-US" sz="2000" b="1" dirty="0"/>
+              <a:t>  notifies :restart, 'service[</a:t>
+            </a:r>
+            <a:r>
+              <a:rPr lang="en-US" sz="2000" b="1" dirty="0" err="1"/>
+              <a:t>httpd</a:t>
+            </a:r>
+            <a:r>
+              <a:rPr lang="en-US" sz="2000" b="1" dirty="0"/>
+              <a:t>]'</a:t>
+            </a:r>
+          </a:p>
+          <a:p>
+            <a:pPr>
+              <a:lnSpc>
+                <a:spcPct val="80000"/>
+              </a:lnSpc>
+            </a:pPr>
+            <a:r>
+              <a:rPr lang="en-US" sz="2000" b="1" dirty="0"/>
+              <a:t>end</a:t>
+            </a:r>
+          </a:p>
+          <a:p>
+            <a:pPr>
+              <a:lnSpc>
+                <a:spcPct val="80000"/>
+              </a:lnSpc>
+            </a:pPr>
+            <a:endParaRPr lang="en-US" sz="2000" b="1" dirty="0"/>
+          </a:p>
+          <a:p>
+            <a:pPr>
+              <a:lnSpc>
+                <a:spcPct val="80000"/>
+              </a:lnSpc>
+            </a:pPr>
+            <a:r>
+              <a:rPr lang="en-US" sz="2000" b="1" dirty="0"/>
+              <a:t>file '/</a:t>
+            </a:r>
+            <a:r>
+              <a:rPr lang="en-US" sz="2000" b="1" dirty="0" err="1"/>
+              <a:t>srv</a:t>
+            </a:r>
+            <a:r>
+              <a:rPr lang="en-US" sz="2000" b="1" dirty="0"/>
+              <a:t>/apache/admins/html/</a:t>
+            </a:r>
+            <a:r>
+              <a:rPr lang="en-US" sz="2000" b="1" dirty="0" err="1"/>
+              <a:t>index.html</a:t>
+            </a:r>
+            <a:r>
+              <a:rPr lang="en-US" sz="2000" b="1" dirty="0"/>
+              <a:t>' do</a:t>
+            </a:r>
+          </a:p>
+          <a:p>
+            <a:pPr>
+              <a:lnSpc>
+                <a:spcPct val="80000"/>
+              </a:lnSpc>
+            </a:pPr>
+            <a:r>
+              <a:rPr lang="en-US" sz="2000" b="1" dirty="0"/>
+              <a:t>  content '&lt;h1&gt;Welcome admins!&lt;/h1&gt;'</a:t>
+            </a:r>
+          </a:p>
+          <a:p>
+            <a:pPr>
+              <a:lnSpc>
+                <a:spcPct val="80000"/>
+              </a:lnSpc>
+            </a:pPr>
+            <a:r>
+              <a:rPr lang="en-US" sz="2000" b="1" dirty="0"/>
+              <a:t>end</a:t>
+            </a:r>
+          </a:p>
+          <a:p>
+            <a:endParaRPr lang="en-US" sz="2000" b="1" dirty="0"/>
+          </a:p>
+        </p:txBody>
+      </p:sp>
+      <p:sp>
+        <p:nvSpPr>
+          <p:cNvPr id="7" name="Content Placeholder 2"/>
+          <p:cNvSpPr>
+            <a:spLocks noGrp="1"/>
+          </p:cNvSpPr>
+          <p:nvPr>
+            <p:ph sz="quarter" idx="10"/>
+          </p:nvPr>
+        </p:nvSpPr>
+        <p:spPr>
+          <a:xfrm>
+            <a:off x="8233863" y="1348277"/>
+            <a:ext cx="7310937" cy="5509724"/>
+          </a:xfrm>
+        </p:spPr>
+        <p:txBody>
+          <a:bodyPr>
+            <a:normAutofit/>
+          </a:bodyPr>
+          <a:lstStyle/>
+          <a:p>
+            <a:r>
+              <a:rPr lang="en-US" sz="2000" b="1" dirty="0" err="1">
+                <a:latin typeface="Courier New" charset="0"/>
+                <a:ea typeface="Courier New" charset="0"/>
+                <a:cs typeface="Courier New" charset="0"/>
+              </a:rPr>
+              <a:t>apache_vhost</a:t>
+            </a:r>
+            <a:r>
+              <a:rPr lang="en-US" sz="2000" b="1" dirty="0">
+                <a:latin typeface="Courier New" charset="0"/>
+                <a:ea typeface="Courier New" charset="0"/>
+                <a:cs typeface="Courier New" charset="0"/>
+              </a:rPr>
+              <a:t> 'admins' do</a:t>
+            </a:r>
+          </a:p>
+          <a:p>
+            <a:r>
+              <a:rPr lang="en-US" sz="2000" b="1" dirty="0">
+                <a:latin typeface="Courier New" charset="0"/>
+                <a:ea typeface="Courier New" charset="0"/>
+                <a:cs typeface="Courier New" charset="0"/>
+              </a:rPr>
+              <a:t>  </a:t>
+            </a:r>
+            <a:r>
+              <a:rPr lang="en-US" sz="2000" b="1" dirty="0" err="1">
+                <a:latin typeface="Courier New" charset="0"/>
+                <a:ea typeface="Courier New" charset="0"/>
+                <a:cs typeface="Courier New" charset="0"/>
+              </a:rPr>
+              <a:t>site_port</a:t>
+            </a:r>
+            <a:r>
+              <a:rPr lang="en-US" sz="2000" b="1" dirty="0">
+                <a:latin typeface="Courier New" charset="0"/>
+                <a:ea typeface="Courier New" charset="0"/>
+                <a:cs typeface="Courier New" charset="0"/>
+              </a:rPr>
+              <a:t> 8080</a:t>
+            </a:r>
+          </a:p>
+          <a:p>
+            <a:r>
+              <a:rPr lang="en-US" sz="2000" b="1" dirty="0" smtClean="0">
+                <a:latin typeface="Courier New" charset="0"/>
+                <a:ea typeface="Courier New" charset="0"/>
+                <a:cs typeface="Courier New" charset="0"/>
+              </a:rPr>
+              <a:t>end</a:t>
+            </a:r>
+            <a:endParaRPr lang="en-US" sz="2000" b="1" dirty="0">
+              <a:latin typeface="Courier New" charset="0"/>
+              <a:ea typeface="Courier New" charset="0"/>
+              <a:cs typeface="Courier New" charset="0"/>
+            </a:endParaRPr>
+          </a:p>
+        </p:txBody>
+      </p:sp>
+      <p:sp>
+        <p:nvSpPr>
+          <p:cNvPr id="4" name="TextBox 3"/>
+          <p:cNvSpPr txBox="1"/>
+          <p:nvPr/>
+        </p:nvSpPr>
+        <p:spPr bwMode="white">
+          <a:xfrm>
+            <a:off x="603250" y="6969126"/>
+            <a:ext cx="14970125" cy="603250"/>
+          </a:xfrm>
+          <a:prstGeom prst="rect">
+            <a:avLst/>
+          </a:prstGeom>
+        </p:spPr>
+        <p:txBody>
+          <a:bodyPr vert="horz" wrap="square" lIns="91440" tIns="91440" rIns="91440" bIns="91440" rtlCol="0" anchor="ctr">
+            <a:normAutofit/>
+          </a:bodyPr>
+          <a:lstStyle/>
+          <a:p>
+            <a:r>
+              <a:rPr lang="en-US" b="1" dirty="0" smtClean="0"/>
+              <a:t>Functionality</a:t>
+            </a:r>
+            <a:r>
+              <a:rPr lang="en-US" dirty="0" smtClean="0"/>
+              <a:t> | Reliability | Usability | Efficiency | Maintainability | Portability </a:t>
+            </a:r>
+            <a:endParaRPr lang="en-US" dirty="0" smtClean="0"/>
+          </a:p>
+        </p:txBody>
+      </p:sp>
+      <p:sp>
+        <p:nvSpPr>
+          <p:cNvPr id="6" name="TextBox 5"/>
+          <p:cNvSpPr txBox="1"/>
+          <p:nvPr/>
+        </p:nvSpPr>
+        <p:spPr bwMode="white">
+          <a:xfrm>
+            <a:off x="603250" y="7581901"/>
+            <a:ext cx="14963775" cy="603250"/>
+          </a:xfrm>
+          <a:prstGeom prst="rect">
+            <a:avLst/>
+          </a:prstGeom>
+        </p:spPr>
+        <p:txBody>
+          <a:bodyPr vert="horz" wrap="square" lIns="91440" tIns="91440" rIns="91440" bIns="91440" rtlCol="0" anchor="ctr">
+            <a:normAutofit/>
+          </a:bodyPr>
+          <a:lstStyle/>
+          <a:p>
+            <a:r>
+              <a:rPr lang="en-US" b="1" dirty="0"/>
+              <a:t>Does the code accomplish what it is designed to accomplish?</a:t>
+            </a:r>
             <a:endParaRPr lang="en-US" b="1" dirty="0"/>
           </a:p>
         </p:txBody>
@@ -10963,9 +13085,16 @@
   <p:clrMapOvr>
     <a:masterClrMapping/>
   </p:clrMapOvr>
-  <p:transition spd="med">
+  <p:transition xmlns:p14="http://schemas.microsoft.com/office/powerpoint/2010/main" spd="med">
     <p:fade/>
   </p:transition>
+  <p:timing>
+    <p:tnLst>
+      <p:par>
+        <p:cTn xmlns:p14="http://schemas.microsoft.com/office/powerpoint/2010/main" id="1" dur="indefinite" restart="never" nodeType="tmRoot"/>
+      </p:par>
+    </p:tnLst>
+  </p:timing>
 </p:sld>
 </file>
 
@@ -10993,7 +13122,7 @@
             <a:spLocks noGrp="1"/>
           </p:cNvSpPr>
           <p:nvPr>
-            <p:ph type="ctrTitle"/>
+            <p:ph type="title"/>
           </p:nvPr>
         </p:nvSpPr>
         <p:spPr/>
@@ -11005,7 +13134,7 @@
           <a:p>
             <a:r>
               <a:rPr lang="en-US" dirty="0" smtClean="0"/>
-              <a:t>Examine the Code Sample</a:t>
+              <a:t>Resource Implementation v Custom Resource</a:t>
             </a:r>
             <a:endParaRPr lang="en-US" dirty="0"/>
           </a:p>
@@ -11018,78 +13147,456 @@
             <a:spLocks noGrp="1"/>
           </p:cNvSpPr>
           <p:nvPr>
-            <p:ph sz="quarter" idx="11"/>
-          </p:nvPr>
-        </p:nvSpPr>
-        <p:spPr/>
-        <p:txBody>
-          <a:bodyPr/>
+            <p:ph sz="quarter" idx="10"/>
+          </p:nvPr>
+        </p:nvSpPr>
+        <p:spPr>
+          <a:xfrm>
+            <a:off x="609914" y="1348277"/>
+            <a:ext cx="7310937" cy="5509723"/>
+          </a:xfrm>
+        </p:spPr>
+        <p:txBody>
+          <a:bodyPr>
+            <a:normAutofit lnSpcReduction="10000"/>
+          </a:bodyPr>
           <a:lstStyle/>
           <a:p>
-            <a:endParaRPr lang="en-US" dirty="0"/>
-          </a:p>
-        </p:txBody>
-      </p:sp>
-      <p:sp>
-        <p:nvSpPr>
-          <p:cNvPr id="4" name="Text Placeholder 3"/>
+            <a:pPr>
+              <a:lnSpc>
+                <a:spcPct val="80000"/>
+              </a:lnSpc>
+            </a:pPr>
+            <a:r>
+              <a:rPr lang="en-US" sz="2000" b="1" dirty="0"/>
+              <a:t>directory '/</a:t>
+            </a:r>
+            <a:r>
+              <a:rPr lang="en-US" sz="2000" b="1" dirty="0" err="1"/>
+              <a:t>srv</a:t>
+            </a:r>
+            <a:r>
+              <a:rPr lang="en-US" sz="2000" b="1" dirty="0"/>
+              <a:t>/apache/admins/html' do</a:t>
+            </a:r>
+          </a:p>
+          <a:p>
+            <a:pPr>
+              <a:lnSpc>
+                <a:spcPct val="80000"/>
+              </a:lnSpc>
+            </a:pPr>
+            <a:r>
+              <a:rPr lang="en-US" sz="2000" b="1" dirty="0"/>
+              <a:t>  recursive true</a:t>
+            </a:r>
+          </a:p>
+          <a:p>
+            <a:pPr>
+              <a:lnSpc>
+                <a:spcPct val="80000"/>
+              </a:lnSpc>
+            </a:pPr>
+            <a:r>
+              <a:rPr lang="en-US" sz="2000" b="1" dirty="0"/>
+              <a:t>  mode '0755'</a:t>
+            </a:r>
+          </a:p>
+          <a:p>
+            <a:pPr>
+              <a:lnSpc>
+                <a:spcPct val="80000"/>
+              </a:lnSpc>
+            </a:pPr>
+            <a:r>
+              <a:rPr lang="en-US" sz="2000" b="1" dirty="0"/>
+              <a:t>end</a:t>
+            </a:r>
+          </a:p>
+          <a:p>
+            <a:pPr>
+              <a:lnSpc>
+                <a:spcPct val="80000"/>
+              </a:lnSpc>
+            </a:pPr>
+            <a:endParaRPr lang="en-US" sz="2000" b="1" dirty="0"/>
+          </a:p>
+          <a:p>
+            <a:pPr>
+              <a:lnSpc>
+                <a:spcPct val="80000"/>
+              </a:lnSpc>
+            </a:pPr>
+            <a:r>
+              <a:rPr lang="en-US" sz="2000" b="1" dirty="0"/>
+              <a:t>template '/</a:t>
+            </a:r>
+            <a:r>
+              <a:rPr lang="en-US" sz="2000" b="1" dirty="0" err="1"/>
+              <a:t>etc</a:t>
+            </a:r>
+            <a:r>
+              <a:rPr lang="en-US" sz="2000" b="1" dirty="0"/>
+              <a:t>/</a:t>
+            </a:r>
+            <a:r>
+              <a:rPr lang="en-US" sz="2000" b="1" dirty="0" err="1"/>
+              <a:t>httpd</a:t>
+            </a:r>
+            <a:r>
+              <a:rPr lang="en-US" sz="2000" b="1" dirty="0"/>
+              <a:t>/</a:t>
+            </a:r>
+            <a:r>
+              <a:rPr lang="en-US" sz="2000" b="1" dirty="0" err="1"/>
+              <a:t>conf.d</a:t>
+            </a:r>
+            <a:r>
+              <a:rPr lang="en-US" sz="2000" b="1" dirty="0"/>
+              <a:t>/</a:t>
+            </a:r>
+            <a:r>
+              <a:rPr lang="en-US" sz="2000" b="1" dirty="0" err="1"/>
+              <a:t>admins.conf</a:t>
+            </a:r>
+            <a:r>
+              <a:rPr lang="en-US" sz="2000" b="1" dirty="0"/>
+              <a:t>' do</a:t>
+            </a:r>
+          </a:p>
+          <a:p>
+            <a:pPr>
+              <a:lnSpc>
+                <a:spcPct val="80000"/>
+              </a:lnSpc>
+            </a:pPr>
+            <a:r>
+              <a:rPr lang="en-US" sz="2000" b="1" dirty="0"/>
+              <a:t>  source '</a:t>
+            </a:r>
+            <a:r>
+              <a:rPr lang="en-US" sz="2000" b="1" dirty="0" err="1"/>
+              <a:t>conf.erb</a:t>
+            </a:r>
+            <a:r>
+              <a:rPr lang="en-US" sz="2000" b="1" dirty="0"/>
+              <a:t>'</a:t>
+            </a:r>
+          </a:p>
+          <a:p>
+            <a:pPr>
+              <a:lnSpc>
+                <a:spcPct val="80000"/>
+              </a:lnSpc>
+            </a:pPr>
+            <a:r>
+              <a:rPr lang="en-US" sz="2000" b="1" dirty="0"/>
+              <a:t>  mode '0644'</a:t>
+            </a:r>
+          </a:p>
+          <a:p>
+            <a:pPr>
+              <a:lnSpc>
+                <a:spcPct val="80000"/>
+              </a:lnSpc>
+            </a:pPr>
+            <a:r>
+              <a:rPr lang="en-US" sz="2000" b="1" dirty="0"/>
+              <a:t>  variables(</a:t>
+            </a:r>
+            <a:r>
+              <a:rPr lang="en-US" sz="2000" b="1" dirty="0" err="1"/>
+              <a:t>document_root</a:t>
+            </a:r>
+            <a:r>
+              <a:rPr lang="en-US" sz="2000" b="1" dirty="0"/>
+              <a:t>:'/</a:t>
+            </a:r>
+            <a:r>
+              <a:rPr lang="en-US" sz="2000" b="1" dirty="0" err="1"/>
+              <a:t>srv</a:t>
+            </a:r>
+            <a:r>
+              <a:rPr lang="en-US" sz="2000" b="1" dirty="0"/>
+              <a:t>/apache/admins/html', </a:t>
+            </a:r>
+            <a:endParaRPr lang="en-US" sz="2000" b="1" dirty="0" smtClean="0"/>
+          </a:p>
+          <a:p>
+            <a:pPr>
+              <a:lnSpc>
+                <a:spcPct val="80000"/>
+              </a:lnSpc>
+            </a:pPr>
+            <a:r>
+              <a:rPr lang="en-US" sz="2000" b="1" dirty="0" smtClean="0"/>
+              <a:t>port</a:t>
+            </a:r>
+            <a:r>
+              <a:rPr lang="en-US" sz="2000" b="1" dirty="0"/>
+              <a:t>: 8080)</a:t>
+            </a:r>
+          </a:p>
+          <a:p>
+            <a:pPr>
+              <a:lnSpc>
+                <a:spcPct val="80000"/>
+              </a:lnSpc>
+            </a:pPr>
+            <a:r>
+              <a:rPr lang="en-US" sz="2000" b="1" dirty="0"/>
+              <a:t>  notifies :restart, 'service[</a:t>
+            </a:r>
+            <a:r>
+              <a:rPr lang="en-US" sz="2000" b="1" dirty="0" err="1"/>
+              <a:t>httpd</a:t>
+            </a:r>
+            <a:r>
+              <a:rPr lang="en-US" sz="2000" b="1" dirty="0"/>
+              <a:t>]'</a:t>
+            </a:r>
+          </a:p>
+          <a:p>
+            <a:pPr>
+              <a:lnSpc>
+                <a:spcPct val="80000"/>
+              </a:lnSpc>
+            </a:pPr>
+            <a:r>
+              <a:rPr lang="en-US" sz="2000" b="1" dirty="0"/>
+              <a:t>end</a:t>
+            </a:r>
+          </a:p>
+          <a:p>
+            <a:pPr>
+              <a:lnSpc>
+                <a:spcPct val="80000"/>
+              </a:lnSpc>
+            </a:pPr>
+            <a:endParaRPr lang="en-US" sz="2000" b="1" dirty="0"/>
+          </a:p>
+          <a:p>
+            <a:pPr>
+              <a:lnSpc>
+                <a:spcPct val="80000"/>
+              </a:lnSpc>
+            </a:pPr>
+            <a:r>
+              <a:rPr lang="en-US" sz="2000" b="1" dirty="0"/>
+              <a:t>file '/</a:t>
+            </a:r>
+            <a:r>
+              <a:rPr lang="en-US" sz="2000" b="1" dirty="0" err="1"/>
+              <a:t>srv</a:t>
+            </a:r>
+            <a:r>
+              <a:rPr lang="en-US" sz="2000" b="1" dirty="0"/>
+              <a:t>/apache/admins/html/</a:t>
+            </a:r>
+            <a:r>
+              <a:rPr lang="en-US" sz="2000" b="1" dirty="0" err="1"/>
+              <a:t>index.html</a:t>
+            </a:r>
+            <a:r>
+              <a:rPr lang="en-US" sz="2000" b="1" dirty="0"/>
+              <a:t>' do</a:t>
+            </a:r>
+          </a:p>
+          <a:p>
+            <a:pPr>
+              <a:lnSpc>
+                <a:spcPct val="80000"/>
+              </a:lnSpc>
+            </a:pPr>
+            <a:r>
+              <a:rPr lang="en-US" sz="2000" b="1" dirty="0"/>
+              <a:t>  content '&lt;h1&gt;Welcome admins!&lt;/h1&gt;'</a:t>
+            </a:r>
+          </a:p>
+          <a:p>
+            <a:pPr>
+              <a:lnSpc>
+                <a:spcPct val="80000"/>
+              </a:lnSpc>
+            </a:pPr>
+            <a:r>
+              <a:rPr lang="en-US" sz="2000" b="1" dirty="0"/>
+              <a:t>end</a:t>
+            </a:r>
+          </a:p>
+          <a:p>
+            <a:endParaRPr lang="en-US" sz="2000" b="1" dirty="0"/>
+          </a:p>
+        </p:txBody>
+      </p:sp>
+      <p:sp>
+        <p:nvSpPr>
+          <p:cNvPr id="7" name="Content Placeholder 2"/>
           <p:cNvSpPr>
             <a:spLocks noGrp="1"/>
           </p:cNvSpPr>
           <p:nvPr>
-            <p:ph type="body" sz="quarter" idx="10"/>
-          </p:nvPr>
-        </p:nvSpPr>
-        <p:spPr/>
-        <p:txBody>
-          <a:bodyPr/>
+            <p:ph sz="quarter" idx="10"/>
+          </p:nvPr>
+        </p:nvSpPr>
+        <p:spPr>
+          <a:xfrm>
+            <a:off x="8233863" y="1348277"/>
+            <a:ext cx="7310937" cy="5509724"/>
+          </a:xfrm>
+        </p:spPr>
+        <p:txBody>
+          <a:bodyPr>
+            <a:normAutofit/>
+          </a:bodyPr>
           <a:lstStyle/>
           <a:p>
-            <a:pPr marL="342900" indent="-342900">
-              <a:buFont typeface="Wingdings" charset="2"/>
-              <a:buChar char="ü"/>
-            </a:pPr>
+            <a:r>
+              <a:rPr lang="en-US" sz="2000" b="1" dirty="0" err="1">
+                <a:latin typeface="Courier New" charset="0"/>
+                <a:ea typeface="Courier New" charset="0"/>
+                <a:cs typeface="Courier New" charset="0"/>
+              </a:rPr>
+              <a:t>apache_vhost</a:t>
+            </a:r>
+            <a:r>
+              <a:rPr lang="en-US" sz="2000" b="1" dirty="0">
+                <a:latin typeface="Courier New" charset="0"/>
+                <a:ea typeface="Courier New" charset="0"/>
+                <a:cs typeface="Courier New" charset="0"/>
+              </a:rPr>
+              <a:t> 'admins' do</a:t>
+            </a:r>
+          </a:p>
+          <a:p>
+            <a:r>
+              <a:rPr lang="en-US" sz="2000" b="1" dirty="0">
+                <a:latin typeface="Courier New" charset="0"/>
+                <a:ea typeface="Courier New" charset="0"/>
+                <a:cs typeface="Courier New" charset="0"/>
+              </a:rPr>
+              <a:t>  </a:t>
+            </a:r>
+            <a:r>
+              <a:rPr lang="en-US" sz="2000" b="1" dirty="0" err="1">
+                <a:latin typeface="Courier New" charset="0"/>
+                <a:ea typeface="Courier New" charset="0"/>
+                <a:cs typeface="Courier New" charset="0"/>
+              </a:rPr>
+              <a:t>site_port</a:t>
+            </a:r>
+            <a:r>
+              <a:rPr lang="en-US" sz="2000" b="1" dirty="0">
+                <a:latin typeface="Courier New" charset="0"/>
+                <a:ea typeface="Courier New" charset="0"/>
+                <a:cs typeface="Courier New" charset="0"/>
+              </a:rPr>
+              <a:t> 8080</a:t>
+            </a:r>
+          </a:p>
+          <a:p>
+            <a:r>
+              <a:rPr lang="en-US" sz="2000" b="1" dirty="0" smtClean="0">
+                <a:latin typeface="Courier New" charset="0"/>
+                <a:ea typeface="Courier New" charset="0"/>
+                <a:cs typeface="Courier New" charset="0"/>
+              </a:rPr>
+              <a:t>end</a:t>
+            </a:r>
+            <a:endParaRPr lang="en-US" sz="2000" b="1" dirty="0">
+              <a:latin typeface="Courier New" charset="0"/>
+              <a:ea typeface="Courier New" charset="0"/>
+              <a:cs typeface="Courier New" charset="0"/>
+            </a:endParaRPr>
+          </a:p>
+        </p:txBody>
+      </p:sp>
+      <p:sp>
+        <p:nvSpPr>
+          <p:cNvPr id="4" name="TextBox 3"/>
+          <p:cNvSpPr txBox="1"/>
+          <p:nvPr/>
+        </p:nvSpPr>
+        <p:spPr bwMode="white">
+          <a:xfrm>
+            <a:off x="603250" y="6969126"/>
+            <a:ext cx="14970125" cy="603250"/>
+          </a:xfrm>
+          <a:prstGeom prst="rect">
+            <a:avLst/>
+          </a:prstGeom>
+        </p:spPr>
+        <p:txBody>
+          <a:bodyPr vert="horz" wrap="square" lIns="91440" tIns="91440" rIns="91440" bIns="91440" rtlCol="0" anchor="ctr">
+            <a:normAutofit/>
+          </a:bodyPr>
+          <a:lstStyle/>
+          <a:p>
             <a:r>
               <a:rPr lang="en-US" dirty="0" smtClean="0"/>
-              <a:t>Define the judgment criteria</a:t>
-            </a:r>
-          </a:p>
-          <a:p>
-            <a:pPr marL="342900" indent="-342900">
-              <a:buFont typeface="Wingdings" charset="2"/>
-              <a:buChar char="ü"/>
-            </a:pPr>
+              <a:t>Functionality | </a:t>
+            </a:r>
+            <a:r>
+              <a:rPr lang="en-US" b="1" dirty="0" smtClean="0"/>
+              <a:t>Reliability</a:t>
+            </a:r>
             <a:r>
               <a:rPr lang="en-US" dirty="0" smtClean="0"/>
-              <a:t>Evaluate first code sample</a:t>
-            </a:r>
-          </a:p>
-          <a:p>
-            <a:pPr marL="342900" indent="-342900">
-              <a:buFont typeface="Wingdings" charset="2"/>
-              <a:buChar char="q"/>
-            </a:pPr>
-            <a:r>
-              <a:rPr lang="en-US" dirty="0" smtClean="0"/>
-              <a:t>Evaluate second code sample</a:t>
-            </a:r>
-            <a:endParaRPr lang="en-US" dirty="0"/>
+              <a:t> | Usability | Efficiency | Maintainability | Portability </a:t>
+            </a:r>
+            <a:endParaRPr lang="en-US" dirty="0" smtClean="0"/>
+          </a:p>
+        </p:txBody>
+      </p:sp>
+      <p:sp>
+        <p:nvSpPr>
+          <p:cNvPr id="6" name="TextBox 5"/>
+          <p:cNvSpPr txBox="1"/>
+          <p:nvPr/>
+        </p:nvSpPr>
+        <p:spPr bwMode="white">
+          <a:xfrm>
+            <a:off x="603250" y="7581901"/>
+            <a:ext cx="14963775" cy="603250"/>
+          </a:xfrm>
+          <a:prstGeom prst="rect">
+            <a:avLst/>
+          </a:prstGeom>
+        </p:spPr>
+        <p:txBody>
+          <a:bodyPr vert="horz" wrap="square" lIns="91440" tIns="91440" rIns="91440" bIns="91440" rtlCol="0" anchor="ctr">
+            <a:normAutofit/>
+          </a:bodyPr>
+          <a:lstStyle/>
+          <a:p>
+            <a:r>
+              <a:rPr lang="en-US" b="1" dirty="0"/>
+              <a:t>Is the solution able to withstand fault and recover from a failure?</a:t>
+            </a:r>
+            <a:endParaRPr lang="en-US" b="1" dirty="0"/>
           </a:p>
         </p:txBody>
       </p:sp>
     </p:spTree>
     <p:extLst>
       <p:ext uri="{BB962C8B-B14F-4D97-AF65-F5344CB8AC3E}">
-        <p14:creationId xmlns:p14="http://schemas.microsoft.com/office/powerpoint/2010/main" val="2023282648"/>
+        <p14:creationId xmlns:p14="http://schemas.microsoft.com/office/powerpoint/2010/main" val="4290003799"/>
       </p:ext>
     </p:extLst>
   </p:cSld>
   <p:clrMapOvr>
     <a:masterClrMapping/>
   </p:clrMapOvr>
-  <p:transition spd="med">
+  <p:transition xmlns:p14="http://schemas.microsoft.com/office/powerpoint/2010/main" spd="med">
     <p:fade/>
   </p:transition>
+  <p:timing>
+    <p:tnLst>
+      <p:par>
+        <p:cTn xmlns:p14="http://schemas.microsoft.com/office/powerpoint/2010/main" id="1" dur="indefinite" restart="never" nodeType="tmRoot"/>
+      </p:par>
+    </p:tnLst>
+  </p:timing>
 </p:sld>
 </file>
 
@@ -11112,45 +13619,321 @@
       </p:grpSpPr>
       <p:sp>
         <p:nvSpPr>
-          <p:cNvPr id="11" name="Content Placeholder 4"/>
+          <p:cNvPr id="2" name="Title 1"/>
           <p:cNvSpPr>
             <a:spLocks noGrp="1"/>
           </p:cNvSpPr>
           <p:nvPr>
+            <p:ph type="title"/>
+          </p:nvPr>
+        </p:nvSpPr>
+        <p:spPr/>
+        <p:txBody>
+          <a:bodyPr>
+            <a:normAutofit fontScale="90000"/>
+          </a:bodyPr>
+          <a:lstStyle/>
+          <a:p>
+            <a:r>
+              <a:rPr lang="en-US" dirty="0" smtClean="0"/>
+              <a:t>Resource Implementation v Custom Resource</a:t>
+            </a:r>
+            <a:endParaRPr lang="en-US" dirty="0"/>
+          </a:p>
+        </p:txBody>
+      </p:sp>
+      <p:sp>
+        <p:nvSpPr>
+          <p:cNvPr id="3" name="Content Placeholder 2"/>
+          <p:cNvSpPr>
+            <a:spLocks noGrp="1"/>
+          </p:cNvSpPr>
+          <p:nvPr>
             <p:ph sz="quarter" idx="10"/>
           </p:nvPr>
         </p:nvSpPr>
-        <p:spPr/>
-        <p:txBody>
-          <a:bodyPr/>
+        <p:spPr>
+          <a:xfrm>
+            <a:off x="609914" y="1348277"/>
+            <a:ext cx="7310937" cy="5509723"/>
+          </a:xfrm>
+        </p:spPr>
+        <p:txBody>
+          <a:bodyPr>
+            <a:normAutofit lnSpcReduction="10000"/>
+          </a:bodyPr>
           <a:lstStyle/>
           <a:p>
-            <a:endParaRPr lang="en-US" dirty="0"/>
-          </a:p>
-        </p:txBody>
-      </p:sp>
-      <p:sp>
-        <p:nvSpPr>
-          <p:cNvPr id="4" name="Title 3"/>
-          <p:cNvSpPr>
-            <a:spLocks noGrp="1"/>
-          </p:cNvSpPr>
-          <p:nvPr>
-            <p:ph type="title"/>
-          </p:nvPr>
-        </p:nvSpPr>
-        <p:spPr/>
-        <p:txBody>
-          <a:bodyPr/>
-          <a:lstStyle/>
-          <a:p>
-            <a:endParaRPr lang="en-US"/>
-          </a:p>
-        </p:txBody>
-      </p:sp>
-      <p:sp>
-        <p:nvSpPr>
-          <p:cNvPr id="12" name="Content Placeholder 4"/>
+            <a:pPr>
+              <a:lnSpc>
+                <a:spcPct val="80000"/>
+              </a:lnSpc>
+            </a:pPr>
+            <a:r>
+              <a:rPr lang="en-US" sz="2000" b="1" dirty="0"/>
+              <a:t>directory '/</a:t>
+            </a:r>
+            <a:r>
+              <a:rPr lang="en-US" sz="2000" b="1" dirty="0" err="1"/>
+              <a:t>srv</a:t>
+            </a:r>
+            <a:r>
+              <a:rPr lang="en-US" sz="2000" b="1" dirty="0"/>
+              <a:t>/apache/admins/html' do</a:t>
+            </a:r>
+          </a:p>
+          <a:p>
+            <a:pPr>
+              <a:lnSpc>
+                <a:spcPct val="80000"/>
+              </a:lnSpc>
+            </a:pPr>
+            <a:r>
+              <a:rPr lang="en-US" sz="2000" b="1" dirty="0"/>
+              <a:t>  recursive true</a:t>
+            </a:r>
+          </a:p>
+          <a:p>
+            <a:pPr>
+              <a:lnSpc>
+                <a:spcPct val="80000"/>
+              </a:lnSpc>
+            </a:pPr>
+            <a:r>
+              <a:rPr lang="en-US" sz="2000" b="1" dirty="0"/>
+              <a:t>  mode '0755'</a:t>
+            </a:r>
+          </a:p>
+          <a:p>
+            <a:pPr>
+              <a:lnSpc>
+                <a:spcPct val="80000"/>
+              </a:lnSpc>
+            </a:pPr>
+            <a:r>
+              <a:rPr lang="en-US" sz="2000" b="1" dirty="0"/>
+              <a:t>end</a:t>
+            </a:r>
+          </a:p>
+          <a:p>
+            <a:pPr>
+              <a:lnSpc>
+                <a:spcPct val="80000"/>
+              </a:lnSpc>
+            </a:pPr>
+            <a:endParaRPr lang="en-US" sz="2000" b="1" dirty="0"/>
+          </a:p>
+          <a:p>
+            <a:pPr>
+              <a:lnSpc>
+                <a:spcPct val="80000"/>
+              </a:lnSpc>
+            </a:pPr>
+            <a:r>
+              <a:rPr lang="en-US" sz="2000" b="1" dirty="0"/>
+              <a:t>template '/</a:t>
+            </a:r>
+            <a:r>
+              <a:rPr lang="en-US" sz="2000" b="1" dirty="0" err="1"/>
+              <a:t>etc</a:t>
+            </a:r>
+            <a:r>
+              <a:rPr lang="en-US" sz="2000" b="1" dirty="0"/>
+              <a:t>/</a:t>
+            </a:r>
+            <a:r>
+              <a:rPr lang="en-US" sz="2000" b="1" dirty="0" err="1"/>
+              <a:t>httpd</a:t>
+            </a:r>
+            <a:r>
+              <a:rPr lang="en-US" sz="2000" b="1" dirty="0"/>
+              <a:t>/</a:t>
+            </a:r>
+            <a:r>
+              <a:rPr lang="en-US" sz="2000" b="1" dirty="0" err="1"/>
+              <a:t>conf.d</a:t>
+            </a:r>
+            <a:r>
+              <a:rPr lang="en-US" sz="2000" b="1" dirty="0"/>
+              <a:t>/</a:t>
+            </a:r>
+            <a:r>
+              <a:rPr lang="en-US" sz="2000" b="1" dirty="0" err="1"/>
+              <a:t>admins.conf</a:t>
+            </a:r>
+            <a:r>
+              <a:rPr lang="en-US" sz="2000" b="1" dirty="0"/>
+              <a:t>' do</a:t>
+            </a:r>
+          </a:p>
+          <a:p>
+            <a:pPr>
+              <a:lnSpc>
+                <a:spcPct val="80000"/>
+              </a:lnSpc>
+            </a:pPr>
+            <a:r>
+              <a:rPr lang="en-US" sz="2000" b="1" dirty="0"/>
+              <a:t>  source '</a:t>
+            </a:r>
+            <a:r>
+              <a:rPr lang="en-US" sz="2000" b="1" dirty="0" err="1"/>
+              <a:t>conf.erb</a:t>
+            </a:r>
+            <a:r>
+              <a:rPr lang="en-US" sz="2000" b="1" dirty="0"/>
+              <a:t>'</a:t>
+            </a:r>
+          </a:p>
+          <a:p>
+            <a:pPr>
+              <a:lnSpc>
+                <a:spcPct val="80000"/>
+              </a:lnSpc>
+            </a:pPr>
+            <a:r>
+              <a:rPr lang="en-US" sz="2000" b="1" dirty="0"/>
+              <a:t>  mode '0644'</a:t>
+            </a:r>
+          </a:p>
+          <a:p>
+            <a:pPr>
+              <a:lnSpc>
+                <a:spcPct val="80000"/>
+              </a:lnSpc>
+            </a:pPr>
+            <a:r>
+              <a:rPr lang="en-US" sz="2000" b="1" dirty="0"/>
+              <a:t>  variables(</a:t>
+            </a:r>
+            <a:r>
+              <a:rPr lang="en-US" sz="2000" b="1" dirty="0" err="1"/>
+              <a:t>document_root</a:t>
+            </a:r>
+            <a:r>
+              <a:rPr lang="en-US" sz="2000" b="1" dirty="0"/>
+              <a:t>:'/</a:t>
+            </a:r>
+            <a:r>
+              <a:rPr lang="en-US" sz="2000" b="1" dirty="0" err="1"/>
+              <a:t>srv</a:t>
+            </a:r>
+            <a:r>
+              <a:rPr lang="en-US" sz="2000" b="1" dirty="0"/>
+              <a:t>/apache/admins/html', </a:t>
+            </a:r>
+            <a:endParaRPr lang="en-US" sz="2000" b="1" dirty="0" smtClean="0"/>
+          </a:p>
+          <a:p>
+            <a:pPr>
+              <a:lnSpc>
+                <a:spcPct val="80000"/>
+              </a:lnSpc>
+            </a:pPr>
+            <a:r>
+              <a:rPr lang="en-US" sz="2000" b="1" dirty="0" smtClean="0"/>
+              <a:t>port</a:t>
+            </a:r>
+            <a:r>
+              <a:rPr lang="en-US" sz="2000" b="1" dirty="0"/>
+              <a:t>: 8080)</a:t>
+            </a:r>
+          </a:p>
+          <a:p>
+            <a:pPr>
+              <a:lnSpc>
+                <a:spcPct val="80000"/>
+              </a:lnSpc>
+            </a:pPr>
+            <a:r>
+              <a:rPr lang="en-US" sz="2000" b="1" dirty="0"/>
+              <a:t>  notifies :restart, 'service[</a:t>
+            </a:r>
+            <a:r>
+              <a:rPr lang="en-US" sz="2000" b="1" dirty="0" err="1"/>
+              <a:t>httpd</a:t>
+            </a:r>
+            <a:r>
+              <a:rPr lang="en-US" sz="2000" b="1" dirty="0"/>
+              <a:t>]'</a:t>
+            </a:r>
+          </a:p>
+          <a:p>
+            <a:pPr>
+              <a:lnSpc>
+                <a:spcPct val="80000"/>
+              </a:lnSpc>
+            </a:pPr>
+            <a:r>
+              <a:rPr lang="en-US" sz="2000" b="1" dirty="0"/>
+              <a:t>end</a:t>
+            </a:r>
+          </a:p>
+          <a:p>
+            <a:pPr>
+              <a:lnSpc>
+                <a:spcPct val="80000"/>
+              </a:lnSpc>
+            </a:pPr>
+            <a:endParaRPr lang="en-US" sz="2000" b="1" dirty="0"/>
+          </a:p>
+          <a:p>
+            <a:pPr>
+              <a:lnSpc>
+                <a:spcPct val="80000"/>
+              </a:lnSpc>
+            </a:pPr>
+            <a:r>
+              <a:rPr lang="en-US" sz="2000" b="1" dirty="0"/>
+              <a:t>file '/</a:t>
+            </a:r>
+            <a:r>
+              <a:rPr lang="en-US" sz="2000" b="1" dirty="0" err="1"/>
+              <a:t>srv</a:t>
+            </a:r>
+            <a:r>
+              <a:rPr lang="en-US" sz="2000" b="1" dirty="0"/>
+              <a:t>/apache/admins/html/</a:t>
+            </a:r>
+            <a:r>
+              <a:rPr lang="en-US" sz="2000" b="1" dirty="0" err="1"/>
+              <a:t>index.html</a:t>
+            </a:r>
+            <a:r>
+              <a:rPr lang="en-US" sz="2000" b="1" dirty="0"/>
+              <a:t>' do</a:t>
+            </a:r>
+          </a:p>
+          <a:p>
+            <a:pPr>
+              <a:lnSpc>
+                <a:spcPct val="80000"/>
+              </a:lnSpc>
+            </a:pPr>
+            <a:r>
+              <a:rPr lang="en-US" sz="2000" b="1" dirty="0"/>
+              <a:t>  content '&lt;h1&gt;Welcome admins!&lt;/h1&gt;'</a:t>
+            </a:r>
+          </a:p>
+          <a:p>
+            <a:pPr>
+              <a:lnSpc>
+                <a:spcPct val="80000"/>
+              </a:lnSpc>
+            </a:pPr>
+            <a:r>
+              <a:rPr lang="en-US" sz="2000" b="1" dirty="0"/>
+              <a:t>end</a:t>
+            </a:r>
+          </a:p>
+          <a:p>
+            <a:endParaRPr lang="en-US" sz="2000" b="1" dirty="0"/>
+          </a:p>
+        </p:txBody>
+      </p:sp>
+      <p:sp>
+        <p:nvSpPr>
+          <p:cNvPr id="7" name="Content Placeholder 2"/>
           <p:cNvSpPr>
             <a:spLocks noGrp="1"/>
           </p:cNvSpPr>
@@ -11161,30 +13944,169 @@
         <p:spPr>
           <a:xfrm>
             <a:off x="8233863" y="1348277"/>
-            <a:ext cx="7310937" cy="6678417"/>
+            <a:ext cx="7310937" cy="5509724"/>
           </a:xfrm>
         </p:spPr>
         <p:txBody>
-          <a:bodyPr/>
+          <a:bodyPr>
+            <a:normAutofit/>
+          </a:bodyPr>
           <a:lstStyle/>
           <a:p>
-            <a:endParaRPr lang="en-US"/>
+            <a:r>
+              <a:rPr lang="en-US" sz="2000" b="1" dirty="0" err="1">
+                <a:latin typeface="Courier New" charset="0"/>
+                <a:ea typeface="Courier New" charset="0"/>
+                <a:cs typeface="Courier New" charset="0"/>
+              </a:rPr>
+              <a:t>apache_vhost</a:t>
+            </a:r>
+            <a:r>
+              <a:rPr lang="en-US" sz="2000" b="1" dirty="0">
+                <a:latin typeface="Courier New" charset="0"/>
+                <a:ea typeface="Courier New" charset="0"/>
+                <a:cs typeface="Courier New" charset="0"/>
+              </a:rPr>
+              <a:t> 'admins' do</a:t>
+            </a:r>
+          </a:p>
+          <a:p>
+            <a:r>
+              <a:rPr lang="en-US" sz="2000" b="1" dirty="0">
+                <a:latin typeface="Courier New" charset="0"/>
+                <a:ea typeface="Courier New" charset="0"/>
+                <a:cs typeface="Courier New" charset="0"/>
+              </a:rPr>
+              <a:t>  </a:t>
+            </a:r>
+            <a:r>
+              <a:rPr lang="en-US" sz="2000" b="1" dirty="0" err="1">
+                <a:latin typeface="Courier New" charset="0"/>
+                <a:ea typeface="Courier New" charset="0"/>
+                <a:cs typeface="Courier New" charset="0"/>
+              </a:rPr>
+              <a:t>site_port</a:t>
+            </a:r>
+            <a:r>
+              <a:rPr lang="en-US" sz="2000" b="1" dirty="0">
+                <a:latin typeface="Courier New" charset="0"/>
+                <a:ea typeface="Courier New" charset="0"/>
+                <a:cs typeface="Courier New" charset="0"/>
+              </a:rPr>
+              <a:t> 8080</a:t>
+            </a:r>
+          </a:p>
+          <a:p>
+            <a:r>
+              <a:rPr lang="en-US" sz="2000" b="1" dirty="0" smtClean="0">
+                <a:latin typeface="Courier New" charset="0"/>
+                <a:ea typeface="Courier New" charset="0"/>
+                <a:cs typeface="Courier New" charset="0"/>
+              </a:rPr>
+              <a:t>end</a:t>
+            </a:r>
+            <a:endParaRPr lang="en-US" sz="2000" b="1" dirty="0">
+              <a:latin typeface="Courier New" charset="0"/>
+              <a:ea typeface="Courier New" charset="0"/>
+              <a:cs typeface="Courier New" charset="0"/>
+            </a:endParaRPr>
+          </a:p>
+        </p:txBody>
+      </p:sp>
+      <p:sp>
+        <p:nvSpPr>
+          <p:cNvPr id="4" name="TextBox 3"/>
+          <p:cNvSpPr txBox="1"/>
+          <p:nvPr/>
+        </p:nvSpPr>
+        <p:spPr bwMode="white">
+          <a:xfrm>
+            <a:off x="603250" y="6969126"/>
+            <a:ext cx="14970125" cy="603250"/>
+          </a:xfrm>
+          <a:prstGeom prst="rect">
+            <a:avLst/>
+          </a:prstGeom>
+        </p:spPr>
+        <p:txBody>
+          <a:bodyPr vert="horz" wrap="square" lIns="91440" tIns="91440" rIns="91440" bIns="91440" rtlCol="0" anchor="ctr">
+            <a:normAutofit/>
+          </a:bodyPr>
+          <a:lstStyle/>
+          <a:p>
+            <a:r>
+              <a:rPr lang="en-US" dirty="0" smtClean="0"/>
+              <a:t>Functionality | Reliability | </a:t>
+            </a:r>
+            <a:r>
+              <a:rPr lang="en-US" b="1" dirty="0" smtClean="0"/>
+              <a:t>Usability</a:t>
+            </a:r>
+            <a:r>
+              <a:rPr lang="en-US" dirty="0" smtClean="0"/>
+              <a:t> | Efficiency | Maintainability | Portability </a:t>
+            </a:r>
+            <a:endParaRPr lang="en-US" dirty="0" smtClean="0"/>
+          </a:p>
+        </p:txBody>
+      </p:sp>
+      <p:sp>
+        <p:nvSpPr>
+          <p:cNvPr id="6" name="TextBox 5"/>
+          <p:cNvSpPr txBox="1"/>
+          <p:nvPr/>
+        </p:nvSpPr>
+        <p:spPr bwMode="white">
+          <a:xfrm>
+            <a:off x="603250" y="7581901"/>
+            <a:ext cx="14963775" cy="603250"/>
+          </a:xfrm>
+          <a:prstGeom prst="rect">
+            <a:avLst/>
+          </a:prstGeom>
+        </p:spPr>
+        <p:txBody>
+          <a:bodyPr vert="horz" wrap="square" lIns="91440" tIns="91440" rIns="91440" bIns="91440" rtlCol="0" anchor="ctr">
+            <a:normAutofit/>
+          </a:bodyPr>
+          <a:lstStyle/>
+          <a:p>
+            <a:r>
+              <a:rPr lang="en-US" b="1" dirty="0"/>
+              <a:t>Is the code easy to understand</a:t>
+            </a:r>
+            <a:r>
+              <a:rPr lang="en-US" b="1" dirty="0" smtClean="0"/>
+              <a:t>? Is </a:t>
+            </a:r>
+            <a:r>
+              <a:rPr lang="en-US" b="1" dirty="0"/>
+              <a:t>it easy to learn?</a:t>
+            </a:r>
+            <a:endParaRPr lang="en-US" b="1" dirty="0"/>
           </a:p>
         </p:txBody>
       </p:sp>
     </p:spTree>
     <p:extLst>
       <p:ext uri="{BB962C8B-B14F-4D97-AF65-F5344CB8AC3E}">
-        <p14:creationId xmlns:p14="http://schemas.microsoft.com/office/powerpoint/2010/main" val="1666953164"/>
+        <p14:creationId xmlns:p14="http://schemas.microsoft.com/office/powerpoint/2010/main" val="929416421"/>
       </p:ext>
     </p:extLst>
   </p:cSld>
   <p:clrMapOvr>
     <a:masterClrMapping/>
   </p:clrMapOvr>
-  <p:transition spd="med">
+  <p:transition xmlns:p14="http://schemas.microsoft.com/office/powerpoint/2010/main" spd="med">
     <p:fade/>
   </p:transition>
+  <p:timing>
+    <p:tnLst>
+      <p:par>
+        <p:cTn xmlns:p14="http://schemas.microsoft.com/office/powerpoint/2010/main" id="1" dur="indefinite" restart="never" nodeType="tmRoot"/>
+      </p:par>
+    </p:tnLst>
+  </p:timing>
 </p:sld>
 </file>
 
@@ -11212,7 +14134,7 @@
             <a:spLocks noGrp="1"/>
           </p:cNvSpPr>
           <p:nvPr>
-            <p:ph type="ctrTitle"/>
+            <p:ph type="title"/>
           </p:nvPr>
         </p:nvSpPr>
         <p:spPr/>
@@ -11224,7 +14146,7 @@
           <a:p>
             <a:r>
               <a:rPr lang="en-US" dirty="0" smtClean="0"/>
-              <a:t>Evaluation Complete</a:t>
+              <a:t>Resource Implementation v Custom Resource</a:t>
             </a:r>
             <a:endParaRPr lang="en-US" dirty="0"/>
           </a:p>
@@ -11237,78 +14159,456 @@
             <a:spLocks noGrp="1"/>
           </p:cNvSpPr>
           <p:nvPr>
-            <p:ph sz="quarter" idx="11"/>
-          </p:nvPr>
-        </p:nvSpPr>
-        <p:spPr/>
-        <p:txBody>
-          <a:bodyPr/>
+            <p:ph sz="quarter" idx="10"/>
+          </p:nvPr>
+        </p:nvSpPr>
+        <p:spPr>
+          <a:xfrm>
+            <a:off x="609914" y="1348277"/>
+            <a:ext cx="7310937" cy="5509723"/>
+          </a:xfrm>
+        </p:spPr>
+        <p:txBody>
+          <a:bodyPr>
+            <a:normAutofit lnSpcReduction="10000"/>
+          </a:bodyPr>
           <a:lstStyle/>
           <a:p>
-            <a:endParaRPr lang="en-US" dirty="0"/>
-          </a:p>
-        </p:txBody>
-      </p:sp>
-      <p:sp>
-        <p:nvSpPr>
-          <p:cNvPr id="4" name="Text Placeholder 3"/>
+            <a:pPr>
+              <a:lnSpc>
+                <a:spcPct val="80000"/>
+              </a:lnSpc>
+            </a:pPr>
+            <a:r>
+              <a:rPr lang="en-US" sz="2000" b="1" dirty="0"/>
+              <a:t>directory '/</a:t>
+            </a:r>
+            <a:r>
+              <a:rPr lang="en-US" sz="2000" b="1" dirty="0" err="1"/>
+              <a:t>srv</a:t>
+            </a:r>
+            <a:r>
+              <a:rPr lang="en-US" sz="2000" b="1" dirty="0"/>
+              <a:t>/apache/admins/html' do</a:t>
+            </a:r>
+          </a:p>
+          <a:p>
+            <a:pPr>
+              <a:lnSpc>
+                <a:spcPct val="80000"/>
+              </a:lnSpc>
+            </a:pPr>
+            <a:r>
+              <a:rPr lang="en-US" sz="2000" b="1" dirty="0"/>
+              <a:t>  recursive true</a:t>
+            </a:r>
+          </a:p>
+          <a:p>
+            <a:pPr>
+              <a:lnSpc>
+                <a:spcPct val="80000"/>
+              </a:lnSpc>
+            </a:pPr>
+            <a:r>
+              <a:rPr lang="en-US" sz="2000" b="1" dirty="0"/>
+              <a:t>  mode '0755'</a:t>
+            </a:r>
+          </a:p>
+          <a:p>
+            <a:pPr>
+              <a:lnSpc>
+                <a:spcPct val="80000"/>
+              </a:lnSpc>
+            </a:pPr>
+            <a:r>
+              <a:rPr lang="en-US" sz="2000" b="1" dirty="0"/>
+              <a:t>end</a:t>
+            </a:r>
+          </a:p>
+          <a:p>
+            <a:pPr>
+              <a:lnSpc>
+                <a:spcPct val="80000"/>
+              </a:lnSpc>
+            </a:pPr>
+            <a:endParaRPr lang="en-US" sz="2000" b="1" dirty="0"/>
+          </a:p>
+          <a:p>
+            <a:pPr>
+              <a:lnSpc>
+                <a:spcPct val="80000"/>
+              </a:lnSpc>
+            </a:pPr>
+            <a:r>
+              <a:rPr lang="en-US" sz="2000" b="1" dirty="0"/>
+              <a:t>template '/</a:t>
+            </a:r>
+            <a:r>
+              <a:rPr lang="en-US" sz="2000" b="1" dirty="0" err="1"/>
+              <a:t>etc</a:t>
+            </a:r>
+            <a:r>
+              <a:rPr lang="en-US" sz="2000" b="1" dirty="0"/>
+              <a:t>/</a:t>
+            </a:r>
+            <a:r>
+              <a:rPr lang="en-US" sz="2000" b="1" dirty="0" err="1"/>
+              <a:t>httpd</a:t>
+            </a:r>
+            <a:r>
+              <a:rPr lang="en-US" sz="2000" b="1" dirty="0"/>
+              <a:t>/</a:t>
+            </a:r>
+            <a:r>
+              <a:rPr lang="en-US" sz="2000" b="1" dirty="0" err="1"/>
+              <a:t>conf.d</a:t>
+            </a:r>
+            <a:r>
+              <a:rPr lang="en-US" sz="2000" b="1" dirty="0"/>
+              <a:t>/</a:t>
+            </a:r>
+            <a:r>
+              <a:rPr lang="en-US" sz="2000" b="1" dirty="0" err="1"/>
+              <a:t>admins.conf</a:t>
+            </a:r>
+            <a:r>
+              <a:rPr lang="en-US" sz="2000" b="1" dirty="0"/>
+              <a:t>' do</a:t>
+            </a:r>
+          </a:p>
+          <a:p>
+            <a:pPr>
+              <a:lnSpc>
+                <a:spcPct val="80000"/>
+              </a:lnSpc>
+            </a:pPr>
+            <a:r>
+              <a:rPr lang="en-US" sz="2000" b="1" dirty="0"/>
+              <a:t>  source '</a:t>
+            </a:r>
+            <a:r>
+              <a:rPr lang="en-US" sz="2000" b="1" dirty="0" err="1"/>
+              <a:t>conf.erb</a:t>
+            </a:r>
+            <a:r>
+              <a:rPr lang="en-US" sz="2000" b="1" dirty="0"/>
+              <a:t>'</a:t>
+            </a:r>
+          </a:p>
+          <a:p>
+            <a:pPr>
+              <a:lnSpc>
+                <a:spcPct val="80000"/>
+              </a:lnSpc>
+            </a:pPr>
+            <a:r>
+              <a:rPr lang="en-US" sz="2000" b="1" dirty="0"/>
+              <a:t>  mode '0644'</a:t>
+            </a:r>
+          </a:p>
+          <a:p>
+            <a:pPr>
+              <a:lnSpc>
+                <a:spcPct val="80000"/>
+              </a:lnSpc>
+            </a:pPr>
+            <a:r>
+              <a:rPr lang="en-US" sz="2000" b="1" dirty="0"/>
+              <a:t>  variables(</a:t>
+            </a:r>
+            <a:r>
+              <a:rPr lang="en-US" sz="2000" b="1" dirty="0" err="1"/>
+              <a:t>document_root</a:t>
+            </a:r>
+            <a:r>
+              <a:rPr lang="en-US" sz="2000" b="1" dirty="0"/>
+              <a:t>:'/</a:t>
+            </a:r>
+            <a:r>
+              <a:rPr lang="en-US" sz="2000" b="1" dirty="0" err="1"/>
+              <a:t>srv</a:t>
+            </a:r>
+            <a:r>
+              <a:rPr lang="en-US" sz="2000" b="1" dirty="0"/>
+              <a:t>/apache/admins/html', </a:t>
+            </a:r>
+            <a:endParaRPr lang="en-US" sz="2000" b="1" dirty="0" smtClean="0"/>
+          </a:p>
+          <a:p>
+            <a:pPr>
+              <a:lnSpc>
+                <a:spcPct val="80000"/>
+              </a:lnSpc>
+            </a:pPr>
+            <a:r>
+              <a:rPr lang="en-US" sz="2000" b="1" dirty="0" smtClean="0"/>
+              <a:t>port</a:t>
+            </a:r>
+            <a:r>
+              <a:rPr lang="en-US" sz="2000" b="1" dirty="0"/>
+              <a:t>: 8080)</a:t>
+            </a:r>
+          </a:p>
+          <a:p>
+            <a:pPr>
+              <a:lnSpc>
+                <a:spcPct val="80000"/>
+              </a:lnSpc>
+            </a:pPr>
+            <a:r>
+              <a:rPr lang="en-US" sz="2000" b="1" dirty="0"/>
+              <a:t>  notifies :restart, 'service[</a:t>
+            </a:r>
+            <a:r>
+              <a:rPr lang="en-US" sz="2000" b="1" dirty="0" err="1"/>
+              <a:t>httpd</a:t>
+            </a:r>
+            <a:r>
+              <a:rPr lang="en-US" sz="2000" b="1" dirty="0"/>
+              <a:t>]'</a:t>
+            </a:r>
+          </a:p>
+          <a:p>
+            <a:pPr>
+              <a:lnSpc>
+                <a:spcPct val="80000"/>
+              </a:lnSpc>
+            </a:pPr>
+            <a:r>
+              <a:rPr lang="en-US" sz="2000" b="1" dirty="0"/>
+              <a:t>end</a:t>
+            </a:r>
+          </a:p>
+          <a:p>
+            <a:pPr>
+              <a:lnSpc>
+                <a:spcPct val="80000"/>
+              </a:lnSpc>
+            </a:pPr>
+            <a:endParaRPr lang="en-US" sz="2000" b="1" dirty="0"/>
+          </a:p>
+          <a:p>
+            <a:pPr>
+              <a:lnSpc>
+                <a:spcPct val="80000"/>
+              </a:lnSpc>
+            </a:pPr>
+            <a:r>
+              <a:rPr lang="en-US" sz="2000" b="1" dirty="0"/>
+              <a:t>file '/</a:t>
+            </a:r>
+            <a:r>
+              <a:rPr lang="en-US" sz="2000" b="1" dirty="0" err="1"/>
+              <a:t>srv</a:t>
+            </a:r>
+            <a:r>
+              <a:rPr lang="en-US" sz="2000" b="1" dirty="0"/>
+              <a:t>/apache/admins/html/</a:t>
+            </a:r>
+            <a:r>
+              <a:rPr lang="en-US" sz="2000" b="1" dirty="0" err="1"/>
+              <a:t>index.html</a:t>
+            </a:r>
+            <a:r>
+              <a:rPr lang="en-US" sz="2000" b="1" dirty="0"/>
+              <a:t>' do</a:t>
+            </a:r>
+          </a:p>
+          <a:p>
+            <a:pPr>
+              <a:lnSpc>
+                <a:spcPct val="80000"/>
+              </a:lnSpc>
+            </a:pPr>
+            <a:r>
+              <a:rPr lang="en-US" sz="2000" b="1" dirty="0"/>
+              <a:t>  content '&lt;h1&gt;Welcome admins!&lt;/h1&gt;'</a:t>
+            </a:r>
+          </a:p>
+          <a:p>
+            <a:pPr>
+              <a:lnSpc>
+                <a:spcPct val="80000"/>
+              </a:lnSpc>
+            </a:pPr>
+            <a:r>
+              <a:rPr lang="en-US" sz="2000" b="1" dirty="0"/>
+              <a:t>end</a:t>
+            </a:r>
+          </a:p>
+          <a:p>
+            <a:endParaRPr lang="en-US" sz="2000" b="1" dirty="0"/>
+          </a:p>
+        </p:txBody>
+      </p:sp>
+      <p:sp>
+        <p:nvSpPr>
+          <p:cNvPr id="7" name="Content Placeholder 2"/>
           <p:cNvSpPr>
             <a:spLocks noGrp="1"/>
           </p:cNvSpPr>
           <p:nvPr>
-            <p:ph type="body" sz="quarter" idx="10"/>
-          </p:nvPr>
-        </p:nvSpPr>
-        <p:spPr/>
-        <p:txBody>
-          <a:bodyPr/>
+            <p:ph sz="quarter" idx="10"/>
+          </p:nvPr>
+        </p:nvSpPr>
+        <p:spPr>
+          <a:xfrm>
+            <a:off x="8233863" y="1348277"/>
+            <a:ext cx="7310937" cy="5509724"/>
+          </a:xfrm>
+        </p:spPr>
+        <p:txBody>
+          <a:bodyPr>
+            <a:normAutofit/>
+          </a:bodyPr>
           <a:lstStyle/>
           <a:p>
-            <a:pPr marL="342900" indent="-342900">
-              <a:buFont typeface="Wingdings" charset="2"/>
-              <a:buChar char="ü"/>
-            </a:pPr>
+            <a:r>
+              <a:rPr lang="en-US" sz="2000" b="1" dirty="0" err="1">
+                <a:latin typeface="Courier New" charset="0"/>
+                <a:ea typeface="Courier New" charset="0"/>
+                <a:cs typeface="Courier New" charset="0"/>
+              </a:rPr>
+              <a:t>apache_vhost</a:t>
+            </a:r>
+            <a:r>
+              <a:rPr lang="en-US" sz="2000" b="1" dirty="0">
+                <a:latin typeface="Courier New" charset="0"/>
+                <a:ea typeface="Courier New" charset="0"/>
+                <a:cs typeface="Courier New" charset="0"/>
+              </a:rPr>
+              <a:t> 'admins' do</a:t>
+            </a:r>
+          </a:p>
+          <a:p>
+            <a:r>
+              <a:rPr lang="en-US" sz="2000" b="1" dirty="0">
+                <a:latin typeface="Courier New" charset="0"/>
+                <a:ea typeface="Courier New" charset="0"/>
+                <a:cs typeface="Courier New" charset="0"/>
+              </a:rPr>
+              <a:t>  </a:t>
+            </a:r>
+            <a:r>
+              <a:rPr lang="en-US" sz="2000" b="1" dirty="0" err="1">
+                <a:latin typeface="Courier New" charset="0"/>
+                <a:ea typeface="Courier New" charset="0"/>
+                <a:cs typeface="Courier New" charset="0"/>
+              </a:rPr>
+              <a:t>site_port</a:t>
+            </a:r>
+            <a:r>
+              <a:rPr lang="en-US" sz="2000" b="1" dirty="0">
+                <a:latin typeface="Courier New" charset="0"/>
+                <a:ea typeface="Courier New" charset="0"/>
+                <a:cs typeface="Courier New" charset="0"/>
+              </a:rPr>
+              <a:t> 8080</a:t>
+            </a:r>
+          </a:p>
+          <a:p>
+            <a:r>
+              <a:rPr lang="en-US" sz="2000" b="1" dirty="0" smtClean="0">
+                <a:latin typeface="Courier New" charset="0"/>
+                <a:ea typeface="Courier New" charset="0"/>
+                <a:cs typeface="Courier New" charset="0"/>
+              </a:rPr>
+              <a:t>end</a:t>
+            </a:r>
+            <a:endParaRPr lang="en-US" sz="2000" b="1" dirty="0">
+              <a:latin typeface="Courier New" charset="0"/>
+              <a:ea typeface="Courier New" charset="0"/>
+              <a:cs typeface="Courier New" charset="0"/>
+            </a:endParaRPr>
+          </a:p>
+        </p:txBody>
+      </p:sp>
+      <p:sp>
+        <p:nvSpPr>
+          <p:cNvPr id="4" name="TextBox 3"/>
+          <p:cNvSpPr txBox="1"/>
+          <p:nvPr/>
+        </p:nvSpPr>
+        <p:spPr bwMode="white">
+          <a:xfrm>
+            <a:off x="603250" y="6969126"/>
+            <a:ext cx="14970125" cy="603250"/>
+          </a:xfrm>
+          <a:prstGeom prst="rect">
+            <a:avLst/>
+          </a:prstGeom>
+        </p:spPr>
+        <p:txBody>
+          <a:bodyPr vert="horz" wrap="square" lIns="91440" tIns="91440" rIns="91440" bIns="91440" rtlCol="0" anchor="ctr">
+            <a:normAutofit/>
+          </a:bodyPr>
+          <a:lstStyle/>
+          <a:p>
             <a:r>
               <a:rPr lang="en-US" dirty="0" smtClean="0"/>
-              <a:t>Define the judgment criteria</a:t>
-            </a:r>
-          </a:p>
-          <a:p>
-            <a:pPr marL="342900" indent="-342900">
-              <a:buFont typeface="Wingdings" charset="2"/>
-              <a:buChar char="ü"/>
-            </a:pPr>
+              <a:t>Functionality | Reliability | Usability | </a:t>
+            </a:r>
+            <a:r>
+              <a:rPr lang="en-US" b="1" dirty="0" smtClean="0"/>
+              <a:t>Efficiency</a:t>
+            </a:r>
             <a:r>
               <a:rPr lang="en-US" dirty="0" smtClean="0"/>
-              <a:t>Evaluate first code sample</a:t>
-            </a:r>
-          </a:p>
-          <a:p>
-            <a:pPr marL="342900" indent="-342900">
-              <a:buFont typeface="Wingdings" charset="2"/>
-              <a:buChar char="ü"/>
-            </a:pPr>
-            <a:r>
-              <a:rPr lang="en-US" dirty="0" smtClean="0"/>
-              <a:t>Evaluate second code sample</a:t>
-            </a:r>
-            <a:endParaRPr lang="en-US" dirty="0"/>
+              <a:t> | Maintainability | Portability </a:t>
+            </a:r>
+            <a:endParaRPr lang="en-US" dirty="0" smtClean="0"/>
+          </a:p>
+        </p:txBody>
+      </p:sp>
+      <p:sp>
+        <p:nvSpPr>
+          <p:cNvPr id="6" name="TextBox 5"/>
+          <p:cNvSpPr txBox="1"/>
+          <p:nvPr/>
+        </p:nvSpPr>
+        <p:spPr bwMode="white">
+          <a:xfrm>
+            <a:off x="603250" y="7581901"/>
+            <a:ext cx="14963775" cy="603250"/>
+          </a:xfrm>
+          <a:prstGeom prst="rect">
+            <a:avLst/>
+          </a:prstGeom>
+        </p:spPr>
+        <p:txBody>
+          <a:bodyPr vert="horz" wrap="square" lIns="91440" tIns="91440" rIns="91440" bIns="91440" rtlCol="0" anchor="ctr">
+            <a:normAutofit/>
+          </a:bodyPr>
+          <a:lstStyle/>
+          <a:p>
+            <a:r>
+              <a:rPr lang="en-US" b="1" dirty="0"/>
+              <a:t>Does the code consume too many physical resources when it executes (e.g. CPU, memory)?</a:t>
+            </a:r>
+            <a:endParaRPr lang="en-US" b="1" dirty="0"/>
           </a:p>
         </p:txBody>
       </p:sp>
     </p:spTree>
     <p:extLst>
       <p:ext uri="{BB962C8B-B14F-4D97-AF65-F5344CB8AC3E}">
-        <p14:creationId xmlns:p14="http://schemas.microsoft.com/office/powerpoint/2010/main" val="287032665"/>
+        <p14:creationId xmlns:p14="http://schemas.microsoft.com/office/powerpoint/2010/main" val="2945593417"/>
       </p:ext>
     </p:extLst>
   </p:cSld>
   <p:clrMapOvr>
     <a:masterClrMapping/>
   </p:clrMapOvr>
-  <p:transition spd="med">
+  <p:transition xmlns:p14="http://schemas.microsoft.com/office/powerpoint/2010/main" spd="med">
     <p:fade/>
   </p:transition>
+  <p:timing>
+    <p:tnLst>
+      <p:par>
+        <p:cTn xmlns:p14="http://schemas.microsoft.com/office/powerpoint/2010/main" id="1" dur="indefinite" restart="never" nodeType="tmRoot"/>
+      </p:par>
+    </p:tnLst>
+  </p:timing>
 </p:sld>
 </file>
 
@@ -11336,7 +14636,7 @@
             <a:spLocks noGrp="1"/>
           </p:cNvSpPr>
           <p:nvPr>
-            <p:ph type="ctrTitle"/>
+            <p:ph type="title"/>
           </p:nvPr>
         </p:nvSpPr>
         <p:spPr/>
@@ -11346,42 +14646,471 @@
           </a:bodyPr>
           <a:lstStyle/>
           <a:p>
-            <a:endParaRPr lang="en-US"/>
-          </a:p>
-        </p:txBody>
-      </p:sp>
-      <p:sp>
-        <p:nvSpPr>
-          <p:cNvPr id="3" name="Subtitle 2"/>
+            <a:r>
+              <a:rPr lang="en-US" dirty="0" smtClean="0"/>
+              <a:t>Resource Implementation v Custom Resource</a:t>
+            </a:r>
+            <a:endParaRPr lang="en-US" dirty="0"/>
+          </a:p>
+        </p:txBody>
+      </p:sp>
+      <p:sp>
+        <p:nvSpPr>
+          <p:cNvPr id="3" name="Content Placeholder 2"/>
           <p:cNvSpPr>
             <a:spLocks noGrp="1"/>
           </p:cNvSpPr>
           <p:nvPr>
-            <p:ph type="subTitle" idx="1"/>
-          </p:nvPr>
-        </p:nvSpPr>
-        <p:spPr/>
-        <p:txBody>
-          <a:bodyPr/>
+            <p:ph sz="quarter" idx="10"/>
+          </p:nvPr>
+        </p:nvSpPr>
+        <p:spPr>
+          <a:xfrm>
+            <a:off x="609914" y="1348277"/>
+            <a:ext cx="7310937" cy="5509723"/>
+          </a:xfrm>
+        </p:spPr>
+        <p:txBody>
+          <a:bodyPr>
+            <a:normAutofit lnSpcReduction="10000"/>
+          </a:bodyPr>
           <a:lstStyle/>
           <a:p>
-            <a:endParaRPr lang="en-US" dirty="0"/>
+            <a:pPr>
+              <a:lnSpc>
+                <a:spcPct val="80000"/>
+              </a:lnSpc>
+            </a:pPr>
+            <a:r>
+              <a:rPr lang="en-US" sz="2000" b="1" dirty="0"/>
+              <a:t>directory '/</a:t>
+            </a:r>
+            <a:r>
+              <a:rPr lang="en-US" sz="2000" b="1" dirty="0" err="1"/>
+              <a:t>srv</a:t>
+            </a:r>
+            <a:r>
+              <a:rPr lang="en-US" sz="2000" b="1" dirty="0"/>
+              <a:t>/apache/admins/html' do</a:t>
+            </a:r>
+          </a:p>
+          <a:p>
+            <a:pPr>
+              <a:lnSpc>
+                <a:spcPct val="80000"/>
+              </a:lnSpc>
+            </a:pPr>
+            <a:r>
+              <a:rPr lang="en-US" sz="2000" b="1" dirty="0"/>
+              <a:t>  recursive true</a:t>
+            </a:r>
+          </a:p>
+          <a:p>
+            <a:pPr>
+              <a:lnSpc>
+                <a:spcPct val="80000"/>
+              </a:lnSpc>
+            </a:pPr>
+            <a:r>
+              <a:rPr lang="en-US" sz="2000" b="1" dirty="0"/>
+              <a:t>  mode '0755'</a:t>
+            </a:r>
+          </a:p>
+          <a:p>
+            <a:pPr>
+              <a:lnSpc>
+                <a:spcPct val="80000"/>
+              </a:lnSpc>
+            </a:pPr>
+            <a:r>
+              <a:rPr lang="en-US" sz="2000" b="1" dirty="0"/>
+              <a:t>end</a:t>
+            </a:r>
+          </a:p>
+          <a:p>
+            <a:pPr>
+              <a:lnSpc>
+                <a:spcPct val="80000"/>
+              </a:lnSpc>
+            </a:pPr>
+            <a:endParaRPr lang="en-US" sz="2000" b="1" dirty="0"/>
+          </a:p>
+          <a:p>
+            <a:pPr>
+              <a:lnSpc>
+                <a:spcPct val="80000"/>
+              </a:lnSpc>
+            </a:pPr>
+            <a:r>
+              <a:rPr lang="en-US" sz="2000" b="1" dirty="0"/>
+              <a:t>template '/</a:t>
+            </a:r>
+            <a:r>
+              <a:rPr lang="en-US" sz="2000" b="1" dirty="0" err="1"/>
+              <a:t>etc</a:t>
+            </a:r>
+            <a:r>
+              <a:rPr lang="en-US" sz="2000" b="1" dirty="0"/>
+              <a:t>/</a:t>
+            </a:r>
+            <a:r>
+              <a:rPr lang="en-US" sz="2000" b="1" dirty="0" err="1"/>
+              <a:t>httpd</a:t>
+            </a:r>
+            <a:r>
+              <a:rPr lang="en-US" sz="2000" b="1" dirty="0"/>
+              <a:t>/</a:t>
+            </a:r>
+            <a:r>
+              <a:rPr lang="en-US" sz="2000" b="1" dirty="0" err="1"/>
+              <a:t>conf.d</a:t>
+            </a:r>
+            <a:r>
+              <a:rPr lang="en-US" sz="2000" b="1" dirty="0"/>
+              <a:t>/</a:t>
+            </a:r>
+            <a:r>
+              <a:rPr lang="en-US" sz="2000" b="1" dirty="0" err="1"/>
+              <a:t>admins.conf</a:t>
+            </a:r>
+            <a:r>
+              <a:rPr lang="en-US" sz="2000" b="1" dirty="0"/>
+              <a:t>' do</a:t>
+            </a:r>
+          </a:p>
+          <a:p>
+            <a:pPr>
+              <a:lnSpc>
+                <a:spcPct val="80000"/>
+              </a:lnSpc>
+            </a:pPr>
+            <a:r>
+              <a:rPr lang="en-US" sz="2000" b="1" dirty="0"/>
+              <a:t>  source '</a:t>
+            </a:r>
+            <a:r>
+              <a:rPr lang="en-US" sz="2000" b="1" dirty="0" err="1"/>
+              <a:t>conf.erb</a:t>
+            </a:r>
+            <a:r>
+              <a:rPr lang="en-US" sz="2000" b="1" dirty="0"/>
+              <a:t>'</a:t>
+            </a:r>
+          </a:p>
+          <a:p>
+            <a:pPr>
+              <a:lnSpc>
+                <a:spcPct val="80000"/>
+              </a:lnSpc>
+            </a:pPr>
+            <a:r>
+              <a:rPr lang="en-US" sz="2000" b="1" dirty="0"/>
+              <a:t>  mode '0644'</a:t>
+            </a:r>
+          </a:p>
+          <a:p>
+            <a:pPr>
+              <a:lnSpc>
+                <a:spcPct val="80000"/>
+              </a:lnSpc>
+            </a:pPr>
+            <a:r>
+              <a:rPr lang="en-US" sz="2000" b="1" dirty="0"/>
+              <a:t>  variables(</a:t>
+            </a:r>
+            <a:r>
+              <a:rPr lang="en-US" sz="2000" b="1" dirty="0" err="1"/>
+              <a:t>document_root</a:t>
+            </a:r>
+            <a:r>
+              <a:rPr lang="en-US" sz="2000" b="1" dirty="0"/>
+              <a:t>:'/</a:t>
+            </a:r>
+            <a:r>
+              <a:rPr lang="en-US" sz="2000" b="1" dirty="0" err="1"/>
+              <a:t>srv</a:t>
+            </a:r>
+            <a:r>
+              <a:rPr lang="en-US" sz="2000" b="1" dirty="0"/>
+              <a:t>/apache/admins/html', </a:t>
+            </a:r>
+            <a:endParaRPr lang="en-US" sz="2000" b="1" dirty="0" smtClean="0"/>
+          </a:p>
+          <a:p>
+            <a:pPr>
+              <a:lnSpc>
+                <a:spcPct val="80000"/>
+              </a:lnSpc>
+            </a:pPr>
+            <a:r>
+              <a:rPr lang="en-US" sz="2000" b="1" dirty="0" smtClean="0"/>
+              <a:t>port</a:t>
+            </a:r>
+            <a:r>
+              <a:rPr lang="en-US" sz="2000" b="1" dirty="0"/>
+              <a:t>: 8080)</a:t>
+            </a:r>
+          </a:p>
+          <a:p>
+            <a:pPr>
+              <a:lnSpc>
+                <a:spcPct val="80000"/>
+              </a:lnSpc>
+            </a:pPr>
+            <a:r>
+              <a:rPr lang="en-US" sz="2000" b="1" dirty="0"/>
+              <a:t>  notifies :restart, 'service[</a:t>
+            </a:r>
+            <a:r>
+              <a:rPr lang="en-US" sz="2000" b="1" dirty="0" err="1"/>
+              <a:t>httpd</a:t>
+            </a:r>
+            <a:r>
+              <a:rPr lang="en-US" sz="2000" b="1" dirty="0"/>
+              <a:t>]'</a:t>
+            </a:r>
+          </a:p>
+          <a:p>
+            <a:pPr>
+              <a:lnSpc>
+                <a:spcPct val="80000"/>
+              </a:lnSpc>
+            </a:pPr>
+            <a:r>
+              <a:rPr lang="en-US" sz="2000" b="1" dirty="0"/>
+              <a:t>end</a:t>
+            </a:r>
+          </a:p>
+          <a:p>
+            <a:pPr>
+              <a:lnSpc>
+                <a:spcPct val="80000"/>
+              </a:lnSpc>
+            </a:pPr>
+            <a:endParaRPr lang="en-US" sz="2000" b="1" dirty="0"/>
+          </a:p>
+          <a:p>
+            <a:pPr>
+              <a:lnSpc>
+                <a:spcPct val="80000"/>
+              </a:lnSpc>
+            </a:pPr>
+            <a:r>
+              <a:rPr lang="en-US" sz="2000" b="1" dirty="0"/>
+              <a:t>file '/</a:t>
+            </a:r>
+            <a:r>
+              <a:rPr lang="en-US" sz="2000" b="1" dirty="0" err="1"/>
+              <a:t>srv</a:t>
+            </a:r>
+            <a:r>
+              <a:rPr lang="en-US" sz="2000" b="1" dirty="0"/>
+              <a:t>/apache/admins/html/</a:t>
+            </a:r>
+            <a:r>
+              <a:rPr lang="en-US" sz="2000" b="1" dirty="0" err="1"/>
+              <a:t>index.html</a:t>
+            </a:r>
+            <a:r>
+              <a:rPr lang="en-US" sz="2000" b="1" dirty="0"/>
+              <a:t>' do</a:t>
+            </a:r>
+          </a:p>
+          <a:p>
+            <a:pPr>
+              <a:lnSpc>
+                <a:spcPct val="80000"/>
+              </a:lnSpc>
+            </a:pPr>
+            <a:r>
+              <a:rPr lang="en-US" sz="2000" b="1" dirty="0"/>
+              <a:t>  content '&lt;h1&gt;Welcome admins!&lt;/h1&gt;'</a:t>
+            </a:r>
+          </a:p>
+          <a:p>
+            <a:pPr>
+              <a:lnSpc>
+                <a:spcPct val="80000"/>
+              </a:lnSpc>
+            </a:pPr>
+            <a:r>
+              <a:rPr lang="en-US" sz="2000" b="1" dirty="0"/>
+              <a:t>end</a:t>
+            </a:r>
+          </a:p>
+          <a:p>
+            <a:endParaRPr lang="en-US" sz="2000" b="1" dirty="0"/>
+          </a:p>
+        </p:txBody>
+      </p:sp>
+      <p:sp>
+        <p:nvSpPr>
+          <p:cNvPr id="7" name="Content Placeholder 2"/>
+          <p:cNvSpPr>
+            <a:spLocks noGrp="1"/>
+          </p:cNvSpPr>
+          <p:nvPr>
+            <p:ph sz="quarter" idx="10"/>
+          </p:nvPr>
+        </p:nvSpPr>
+        <p:spPr>
+          <a:xfrm>
+            <a:off x="8233863" y="1348277"/>
+            <a:ext cx="7310937" cy="5509724"/>
+          </a:xfrm>
+        </p:spPr>
+        <p:txBody>
+          <a:bodyPr>
+            <a:normAutofit/>
+          </a:bodyPr>
+          <a:lstStyle/>
+          <a:p>
+            <a:r>
+              <a:rPr lang="en-US" sz="2000" b="1" dirty="0" err="1">
+                <a:latin typeface="Courier New" charset="0"/>
+                <a:ea typeface="Courier New" charset="0"/>
+                <a:cs typeface="Courier New" charset="0"/>
+              </a:rPr>
+              <a:t>apache_vhost</a:t>
+            </a:r>
+            <a:r>
+              <a:rPr lang="en-US" sz="2000" b="1" dirty="0">
+                <a:latin typeface="Courier New" charset="0"/>
+                <a:ea typeface="Courier New" charset="0"/>
+                <a:cs typeface="Courier New" charset="0"/>
+              </a:rPr>
+              <a:t> 'admins' do</a:t>
+            </a:r>
+          </a:p>
+          <a:p>
+            <a:r>
+              <a:rPr lang="en-US" sz="2000" b="1" dirty="0">
+                <a:latin typeface="Courier New" charset="0"/>
+                <a:ea typeface="Courier New" charset="0"/>
+                <a:cs typeface="Courier New" charset="0"/>
+              </a:rPr>
+              <a:t>  </a:t>
+            </a:r>
+            <a:r>
+              <a:rPr lang="en-US" sz="2000" b="1" dirty="0" err="1">
+                <a:latin typeface="Courier New" charset="0"/>
+                <a:ea typeface="Courier New" charset="0"/>
+                <a:cs typeface="Courier New" charset="0"/>
+              </a:rPr>
+              <a:t>site_port</a:t>
+            </a:r>
+            <a:r>
+              <a:rPr lang="en-US" sz="2000" b="1" dirty="0">
+                <a:latin typeface="Courier New" charset="0"/>
+                <a:ea typeface="Courier New" charset="0"/>
+                <a:cs typeface="Courier New" charset="0"/>
+              </a:rPr>
+              <a:t> 8080</a:t>
+            </a:r>
+          </a:p>
+          <a:p>
+            <a:r>
+              <a:rPr lang="en-US" sz="2000" b="1" dirty="0" smtClean="0">
+                <a:latin typeface="Courier New" charset="0"/>
+                <a:ea typeface="Courier New" charset="0"/>
+                <a:cs typeface="Courier New" charset="0"/>
+              </a:rPr>
+              <a:t>end</a:t>
+            </a:r>
+            <a:endParaRPr lang="en-US" sz="2000" b="1" dirty="0">
+              <a:latin typeface="Courier New" charset="0"/>
+              <a:ea typeface="Courier New" charset="0"/>
+              <a:cs typeface="Courier New" charset="0"/>
+            </a:endParaRPr>
+          </a:p>
+        </p:txBody>
+      </p:sp>
+      <p:sp>
+        <p:nvSpPr>
+          <p:cNvPr id="4" name="TextBox 3"/>
+          <p:cNvSpPr txBox="1"/>
+          <p:nvPr/>
+        </p:nvSpPr>
+        <p:spPr bwMode="white">
+          <a:xfrm>
+            <a:off x="603250" y="6969126"/>
+            <a:ext cx="14970125" cy="603250"/>
+          </a:xfrm>
+          <a:prstGeom prst="rect">
+            <a:avLst/>
+          </a:prstGeom>
+        </p:spPr>
+        <p:txBody>
+          <a:bodyPr vert="horz" wrap="square" lIns="91440" tIns="91440" rIns="91440" bIns="91440" rtlCol="0" anchor="ctr">
+            <a:normAutofit/>
+          </a:bodyPr>
+          <a:lstStyle/>
+          <a:p>
+            <a:r>
+              <a:rPr lang="en-US" dirty="0" smtClean="0"/>
+              <a:t>Functionality | Reliability | Usability | Efficiency | </a:t>
+            </a:r>
+            <a:r>
+              <a:rPr lang="en-US" b="1" dirty="0" smtClean="0"/>
+              <a:t>Maintainability</a:t>
+            </a:r>
+            <a:r>
+              <a:rPr lang="en-US" dirty="0" smtClean="0"/>
+              <a:t> | Portability </a:t>
+            </a:r>
+            <a:endParaRPr lang="en-US" dirty="0" smtClean="0"/>
+          </a:p>
+        </p:txBody>
+      </p:sp>
+      <p:sp>
+        <p:nvSpPr>
+          <p:cNvPr id="6" name="TextBox 5"/>
+          <p:cNvSpPr txBox="1"/>
+          <p:nvPr/>
+        </p:nvSpPr>
+        <p:spPr bwMode="white">
+          <a:xfrm>
+            <a:off x="603250" y="7581901"/>
+            <a:ext cx="14963775" cy="603250"/>
+          </a:xfrm>
+          <a:prstGeom prst="rect">
+            <a:avLst/>
+          </a:prstGeom>
+        </p:spPr>
+        <p:txBody>
+          <a:bodyPr vert="horz" wrap="square" lIns="91440" tIns="91440" rIns="91440" bIns="91440" rtlCol="0" anchor="ctr">
+            <a:normAutofit/>
+          </a:bodyPr>
+          <a:lstStyle/>
+          <a:p>
+            <a:r>
+              <a:rPr lang="en-US" b="1" dirty="0"/>
+              <a:t>Are you able to easily adapt the solution? Is it testable?</a:t>
+            </a:r>
+            <a:endParaRPr lang="en-US" b="1" dirty="0"/>
           </a:p>
         </p:txBody>
       </p:sp>
     </p:spTree>
     <p:extLst>
       <p:ext uri="{BB962C8B-B14F-4D97-AF65-F5344CB8AC3E}">
-        <p14:creationId xmlns:p14="http://schemas.microsoft.com/office/powerpoint/2010/main" val="877397842"/>
+        <p14:creationId xmlns:p14="http://schemas.microsoft.com/office/powerpoint/2010/main" val="1451967698"/>
       </p:ext>
     </p:extLst>
   </p:cSld>
   <p:clrMapOvr>
     <a:masterClrMapping/>
   </p:clrMapOvr>
-  <p:transition spd="med">
+  <p:transition xmlns:p14="http://schemas.microsoft.com/office/powerpoint/2010/main" spd="med">
     <p:fade/>
   </p:transition>
+  <p:timing>
+    <p:tnLst>
+      <p:par>
+        <p:cTn xmlns:p14="http://schemas.microsoft.com/office/powerpoint/2010/main" id="1" dur="indefinite" restart="never" nodeType="tmRoot"/>
+      </p:par>
+    </p:tnLst>
+  </p:timing>
 </p:sld>
 </file>
 
@@ -11409,6 +15138,830 @@
             <a:spLocks noGrp="1"/>
           </p:cNvSpPr>
           <p:nvPr>
+            <p:ph type="title"/>
+          </p:nvPr>
+        </p:nvSpPr>
+        <p:spPr/>
+        <p:txBody>
+          <a:bodyPr>
+            <a:normAutofit fontScale="90000"/>
+          </a:bodyPr>
+          <a:lstStyle/>
+          <a:p>
+            <a:r>
+              <a:rPr lang="en-US" dirty="0" smtClean="0"/>
+              <a:t>Resource Implementation v Custom Resource</a:t>
+            </a:r>
+            <a:endParaRPr lang="en-US" dirty="0"/>
+          </a:p>
+        </p:txBody>
+      </p:sp>
+      <p:sp>
+        <p:nvSpPr>
+          <p:cNvPr id="3" name="Content Placeholder 2"/>
+          <p:cNvSpPr>
+            <a:spLocks noGrp="1"/>
+          </p:cNvSpPr>
+          <p:nvPr>
+            <p:ph sz="quarter" idx="10"/>
+          </p:nvPr>
+        </p:nvSpPr>
+        <p:spPr>
+          <a:xfrm>
+            <a:off x="609914" y="1348277"/>
+            <a:ext cx="7310937" cy="5509723"/>
+          </a:xfrm>
+        </p:spPr>
+        <p:txBody>
+          <a:bodyPr>
+            <a:normAutofit lnSpcReduction="10000"/>
+          </a:bodyPr>
+          <a:lstStyle/>
+          <a:p>
+            <a:pPr>
+              <a:lnSpc>
+                <a:spcPct val="80000"/>
+              </a:lnSpc>
+            </a:pPr>
+            <a:r>
+              <a:rPr lang="en-US" sz="2000" b="1" dirty="0"/>
+              <a:t>directory '/</a:t>
+            </a:r>
+            <a:r>
+              <a:rPr lang="en-US" sz="2000" b="1" dirty="0" err="1"/>
+              <a:t>srv</a:t>
+            </a:r>
+            <a:r>
+              <a:rPr lang="en-US" sz="2000" b="1" dirty="0"/>
+              <a:t>/apache/admins/html' do</a:t>
+            </a:r>
+          </a:p>
+          <a:p>
+            <a:pPr>
+              <a:lnSpc>
+                <a:spcPct val="80000"/>
+              </a:lnSpc>
+            </a:pPr>
+            <a:r>
+              <a:rPr lang="en-US" sz="2000" b="1" dirty="0"/>
+              <a:t>  recursive true</a:t>
+            </a:r>
+          </a:p>
+          <a:p>
+            <a:pPr>
+              <a:lnSpc>
+                <a:spcPct val="80000"/>
+              </a:lnSpc>
+            </a:pPr>
+            <a:r>
+              <a:rPr lang="en-US" sz="2000" b="1" dirty="0"/>
+              <a:t>  mode '0755'</a:t>
+            </a:r>
+          </a:p>
+          <a:p>
+            <a:pPr>
+              <a:lnSpc>
+                <a:spcPct val="80000"/>
+              </a:lnSpc>
+            </a:pPr>
+            <a:r>
+              <a:rPr lang="en-US" sz="2000" b="1" dirty="0"/>
+              <a:t>end</a:t>
+            </a:r>
+          </a:p>
+          <a:p>
+            <a:pPr>
+              <a:lnSpc>
+                <a:spcPct val="80000"/>
+              </a:lnSpc>
+            </a:pPr>
+            <a:endParaRPr lang="en-US" sz="2000" b="1" dirty="0"/>
+          </a:p>
+          <a:p>
+            <a:pPr>
+              <a:lnSpc>
+                <a:spcPct val="80000"/>
+              </a:lnSpc>
+            </a:pPr>
+            <a:r>
+              <a:rPr lang="en-US" sz="2000" b="1" dirty="0"/>
+              <a:t>template '/</a:t>
+            </a:r>
+            <a:r>
+              <a:rPr lang="en-US" sz="2000" b="1" dirty="0" err="1"/>
+              <a:t>etc</a:t>
+            </a:r>
+            <a:r>
+              <a:rPr lang="en-US" sz="2000" b="1" dirty="0"/>
+              <a:t>/</a:t>
+            </a:r>
+            <a:r>
+              <a:rPr lang="en-US" sz="2000" b="1" dirty="0" err="1"/>
+              <a:t>httpd</a:t>
+            </a:r>
+            <a:r>
+              <a:rPr lang="en-US" sz="2000" b="1" dirty="0"/>
+              <a:t>/</a:t>
+            </a:r>
+            <a:r>
+              <a:rPr lang="en-US" sz="2000" b="1" dirty="0" err="1"/>
+              <a:t>conf.d</a:t>
+            </a:r>
+            <a:r>
+              <a:rPr lang="en-US" sz="2000" b="1" dirty="0"/>
+              <a:t>/</a:t>
+            </a:r>
+            <a:r>
+              <a:rPr lang="en-US" sz="2000" b="1" dirty="0" err="1"/>
+              <a:t>admins.conf</a:t>
+            </a:r>
+            <a:r>
+              <a:rPr lang="en-US" sz="2000" b="1" dirty="0"/>
+              <a:t>' do</a:t>
+            </a:r>
+          </a:p>
+          <a:p>
+            <a:pPr>
+              <a:lnSpc>
+                <a:spcPct val="80000"/>
+              </a:lnSpc>
+            </a:pPr>
+            <a:r>
+              <a:rPr lang="en-US" sz="2000" b="1" dirty="0"/>
+              <a:t>  source '</a:t>
+            </a:r>
+            <a:r>
+              <a:rPr lang="en-US" sz="2000" b="1" dirty="0" err="1"/>
+              <a:t>conf.erb</a:t>
+            </a:r>
+            <a:r>
+              <a:rPr lang="en-US" sz="2000" b="1" dirty="0"/>
+              <a:t>'</a:t>
+            </a:r>
+          </a:p>
+          <a:p>
+            <a:pPr>
+              <a:lnSpc>
+                <a:spcPct val="80000"/>
+              </a:lnSpc>
+            </a:pPr>
+            <a:r>
+              <a:rPr lang="en-US" sz="2000" b="1" dirty="0"/>
+              <a:t>  mode '0644'</a:t>
+            </a:r>
+          </a:p>
+          <a:p>
+            <a:pPr>
+              <a:lnSpc>
+                <a:spcPct val="80000"/>
+              </a:lnSpc>
+            </a:pPr>
+            <a:r>
+              <a:rPr lang="en-US" sz="2000" b="1" dirty="0"/>
+              <a:t>  variables(</a:t>
+            </a:r>
+            <a:r>
+              <a:rPr lang="en-US" sz="2000" b="1" dirty="0" err="1"/>
+              <a:t>document_root</a:t>
+            </a:r>
+            <a:r>
+              <a:rPr lang="en-US" sz="2000" b="1" dirty="0"/>
+              <a:t>:'/</a:t>
+            </a:r>
+            <a:r>
+              <a:rPr lang="en-US" sz="2000" b="1" dirty="0" err="1"/>
+              <a:t>srv</a:t>
+            </a:r>
+            <a:r>
+              <a:rPr lang="en-US" sz="2000" b="1" dirty="0"/>
+              <a:t>/apache/admins/html', </a:t>
+            </a:r>
+            <a:endParaRPr lang="en-US" sz="2000" b="1" dirty="0" smtClean="0"/>
+          </a:p>
+          <a:p>
+            <a:pPr>
+              <a:lnSpc>
+                <a:spcPct val="80000"/>
+              </a:lnSpc>
+            </a:pPr>
+            <a:r>
+              <a:rPr lang="en-US" sz="2000" b="1" dirty="0" smtClean="0"/>
+              <a:t>port</a:t>
+            </a:r>
+            <a:r>
+              <a:rPr lang="en-US" sz="2000" b="1" dirty="0"/>
+              <a:t>: 8080)</a:t>
+            </a:r>
+          </a:p>
+          <a:p>
+            <a:pPr>
+              <a:lnSpc>
+                <a:spcPct val="80000"/>
+              </a:lnSpc>
+            </a:pPr>
+            <a:r>
+              <a:rPr lang="en-US" sz="2000" b="1" dirty="0"/>
+              <a:t>  notifies :restart, 'service[</a:t>
+            </a:r>
+            <a:r>
+              <a:rPr lang="en-US" sz="2000" b="1" dirty="0" err="1"/>
+              <a:t>httpd</a:t>
+            </a:r>
+            <a:r>
+              <a:rPr lang="en-US" sz="2000" b="1" dirty="0"/>
+              <a:t>]'</a:t>
+            </a:r>
+          </a:p>
+          <a:p>
+            <a:pPr>
+              <a:lnSpc>
+                <a:spcPct val="80000"/>
+              </a:lnSpc>
+            </a:pPr>
+            <a:r>
+              <a:rPr lang="en-US" sz="2000" b="1" dirty="0"/>
+              <a:t>end</a:t>
+            </a:r>
+          </a:p>
+          <a:p>
+            <a:pPr>
+              <a:lnSpc>
+                <a:spcPct val="80000"/>
+              </a:lnSpc>
+            </a:pPr>
+            <a:endParaRPr lang="en-US" sz="2000" b="1" dirty="0"/>
+          </a:p>
+          <a:p>
+            <a:pPr>
+              <a:lnSpc>
+                <a:spcPct val="80000"/>
+              </a:lnSpc>
+            </a:pPr>
+            <a:r>
+              <a:rPr lang="en-US" sz="2000" b="1" dirty="0"/>
+              <a:t>file '/</a:t>
+            </a:r>
+            <a:r>
+              <a:rPr lang="en-US" sz="2000" b="1" dirty="0" err="1"/>
+              <a:t>srv</a:t>
+            </a:r>
+            <a:r>
+              <a:rPr lang="en-US" sz="2000" b="1" dirty="0"/>
+              <a:t>/apache/admins/html/</a:t>
+            </a:r>
+            <a:r>
+              <a:rPr lang="en-US" sz="2000" b="1" dirty="0" err="1"/>
+              <a:t>index.html</a:t>
+            </a:r>
+            <a:r>
+              <a:rPr lang="en-US" sz="2000" b="1" dirty="0"/>
+              <a:t>' do</a:t>
+            </a:r>
+          </a:p>
+          <a:p>
+            <a:pPr>
+              <a:lnSpc>
+                <a:spcPct val="80000"/>
+              </a:lnSpc>
+            </a:pPr>
+            <a:r>
+              <a:rPr lang="en-US" sz="2000" b="1" dirty="0"/>
+              <a:t>  content '&lt;h1&gt;Welcome admins!&lt;/h1&gt;'</a:t>
+            </a:r>
+          </a:p>
+          <a:p>
+            <a:pPr>
+              <a:lnSpc>
+                <a:spcPct val="80000"/>
+              </a:lnSpc>
+            </a:pPr>
+            <a:r>
+              <a:rPr lang="en-US" sz="2000" b="1" dirty="0"/>
+              <a:t>end</a:t>
+            </a:r>
+          </a:p>
+          <a:p>
+            <a:endParaRPr lang="en-US" sz="2000" b="1" dirty="0"/>
+          </a:p>
+        </p:txBody>
+      </p:sp>
+      <p:sp>
+        <p:nvSpPr>
+          <p:cNvPr id="7" name="Content Placeholder 2"/>
+          <p:cNvSpPr>
+            <a:spLocks noGrp="1"/>
+          </p:cNvSpPr>
+          <p:nvPr>
+            <p:ph sz="quarter" idx="10"/>
+          </p:nvPr>
+        </p:nvSpPr>
+        <p:spPr>
+          <a:xfrm>
+            <a:off x="8233863" y="1348277"/>
+            <a:ext cx="7310937" cy="5509724"/>
+          </a:xfrm>
+        </p:spPr>
+        <p:txBody>
+          <a:bodyPr>
+            <a:normAutofit/>
+          </a:bodyPr>
+          <a:lstStyle/>
+          <a:p>
+            <a:r>
+              <a:rPr lang="en-US" sz="2000" b="1" dirty="0" err="1">
+                <a:latin typeface="Courier New" charset="0"/>
+                <a:ea typeface="Courier New" charset="0"/>
+                <a:cs typeface="Courier New" charset="0"/>
+              </a:rPr>
+              <a:t>apache_vhost</a:t>
+            </a:r>
+            <a:r>
+              <a:rPr lang="en-US" sz="2000" b="1" dirty="0">
+                <a:latin typeface="Courier New" charset="0"/>
+                <a:ea typeface="Courier New" charset="0"/>
+                <a:cs typeface="Courier New" charset="0"/>
+              </a:rPr>
+              <a:t> 'admins' do</a:t>
+            </a:r>
+          </a:p>
+          <a:p>
+            <a:r>
+              <a:rPr lang="en-US" sz="2000" b="1" dirty="0">
+                <a:latin typeface="Courier New" charset="0"/>
+                <a:ea typeface="Courier New" charset="0"/>
+                <a:cs typeface="Courier New" charset="0"/>
+              </a:rPr>
+              <a:t>  </a:t>
+            </a:r>
+            <a:r>
+              <a:rPr lang="en-US" sz="2000" b="1" dirty="0" err="1">
+                <a:latin typeface="Courier New" charset="0"/>
+                <a:ea typeface="Courier New" charset="0"/>
+                <a:cs typeface="Courier New" charset="0"/>
+              </a:rPr>
+              <a:t>site_port</a:t>
+            </a:r>
+            <a:r>
+              <a:rPr lang="en-US" sz="2000" b="1" dirty="0">
+                <a:latin typeface="Courier New" charset="0"/>
+                <a:ea typeface="Courier New" charset="0"/>
+                <a:cs typeface="Courier New" charset="0"/>
+              </a:rPr>
+              <a:t> 8080</a:t>
+            </a:r>
+          </a:p>
+          <a:p>
+            <a:r>
+              <a:rPr lang="en-US" sz="2000" b="1" dirty="0" smtClean="0">
+                <a:latin typeface="Courier New" charset="0"/>
+                <a:ea typeface="Courier New" charset="0"/>
+                <a:cs typeface="Courier New" charset="0"/>
+              </a:rPr>
+              <a:t>end</a:t>
+            </a:r>
+            <a:endParaRPr lang="en-US" sz="2000" b="1" dirty="0">
+              <a:latin typeface="Courier New" charset="0"/>
+              <a:ea typeface="Courier New" charset="0"/>
+              <a:cs typeface="Courier New" charset="0"/>
+            </a:endParaRPr>
+          </a:p>
+        </p:txBody>
+      </p:sp>
+      <p:sp>
+        <p:nvSpPr>
+          <p:cNvPr id="4" name="TextBox 3"/>
+          <p:cNvSpPr txBox="1"/>
+          <p:nvPr/>
+        </p:nvSpPr>
+        <p:spPr bwMode="white">
+          <a:xfrm>
+            <a:off x="603250" y="6969126"/>
+            <a:ext cx="14970125" cy="603250"/>
+          </a:xfrm>
+          <a:prstGeom prst="rect">
+            <a:avLst/>
+          </a:prstGeom>
+        </p:spPr>
+        <p:txBody>
+          <a:bodyPr vert="horz" wrap="square" lIns="91440" tIns="91440" rIns="91440" bIns="91440" rtlCol="0" anchor="ctr">
+            <a:normAutofit/>
+          </a:bodyPr>
+          <a:lstStyle/>
+          <a:p>
+            <a:r>
+              <a:rPr lang="en-US" dirty="0" smtClean="0"/>
+              <a:t>Functionality | Reliability | Usability | Efficiency | Maintainability | </a:t>
+            </a:r>
+            <a:r>
+              <a:rPr lang="en-US" b="1" dirty="0" smtClean="0"/>
+              <a:t>Portability </a:t>
+            </a:r>
+            <a:endParaRPr lang="en-US" b="1" dirty="0" smtClean="0"/>
+          </a:p>
+        </p:txBody>
+      </p:sp>
+      <p:sp>
+        <p:nvSpPr>
+          <p:cNvPr id="6" name="TextBox 5"/>
+          <p:cNvSpPr txBox="1"/>
+          <p:nvPr/>
+        </p:nvSpPr>
+        <p:spPr bwMode="white">
+          <a:xfrm>
+            <a:off x="603250" y="7581901"/>
+            <a:ext cx="14963775" cy="603250"/>
+          </a:xfrm>
+          <a:prstGeom prst="rect">
+            <a:avLst/>
+          </a:prstGeom>
+        </p:spPr>
+        <p:txBody>
+          <a:bodyPr vert="horz" wrap="square" lIns="91440" tIns="91440" rIns="91440" bIns="91440" rtlCol="0" anchor="ctr">
+            <a:normAutofit/>
+          </a:bodyPr>
+          <a:lstStyle/>
+          <a:p>
+            <a:r>
+              <a:rPr lang="en-US" b="1" dirty="0"/>
+              <a:t>Can the software adapt to changes in its environment? Or changes to its requirements?</a:t>
+            </a:r>
+            <a:endParaRPr lang="en-US" b="1" dirty="0"/>
+          </a:p>
+        </p:txBody>
+      </p:sp>
+    </p:spTree>
+    <p:extLst>
+      <p:ext uri="{BB962C8B-B14F-4D97-AF65-F5344CB8AC3E}">
+        <p14:creationId xmlns:p14="http://schemas.microsoft.com/office/powerpoint/2010/main" val="1559126480"/>
+      </p:ext>
+    </p:extLst>
+  </p:cSld>
+  <p:clrMapOvr>
+    <a:masterClrMapping/>
+  </p:clrMapOvr>
+  <p:transition xmlns:p14="http://schemas.microsoft.com/office/powerpoint/2010/main" spd="med">
+    <p:fade/>
+  </p:transition>
+  <p:timing>
+    <p:tnLst>
+      <p:par>
+        <p:cTn xmlns:p14="http://schemas.microsoft.com/office/powerpoint/2010/main" id="1" dur="indefinite" restart="never" nodeType="tmRoot"/>
+      </p:par>
+    </p:tnLst>
+  </p:timing>
+</p:sld>
+</file>
+
+<file path=ppt/slides/slide19.xml><?xml version="1.0" encoding="utf-8"?>
+<p:sld xmlns:a="http://schemas.openxmlformats.org/drawingml/2006/main" xmlns:r="http://schemas.openxmlformats.org/officeDocument/2006/relationships" xmlns:p="http://schemas.openxmlformats.org/presentationml/2006/main">
+  <p:cSld>
+    <p:spTree>
+      <p:nvGrpSpPr>
+        <p:cNvPr id="1" name=""/>
+        <p:cNvGrpSpPr/>
+        <p:nvPr/>
+      </p:nvGrpSpPr>
+      <p:grpSpPr>
+        <a:xfrm>
+          <a:off x="0" y="0"/>
+          <a:ext cx="0" cy="0"/>
+          <a:chOff x="0" y="0"/>
+          <a:chExt cx="0" cy="0"/>
+        </a:xfrm>
+      </p:grpSpPr>
+      <p:sp>
+        <p:nvSpPr>
+          <p:cNvPr id="2" name="Title 1"/>
+          <p:cNvSpPr>
+            <a:spLocks noGrp="1"/>
+          </p:cNvSpPr>
+          <p:nvPr>
+            <p:ph type="ctrTitle"/>
+          </p:nvPr>
+        </p:nvSpPr>
+        <p:spPr/>
+        <p:txBody>
+          <a:bodyPr>
+            <a:normAutofit fontScale="90000"/>
+          </a:bodyPr>
+          <a:lstStyle/>
+          <a:p>
+            <a:r>
+              <a:rPr lang="en-US" dirty="0"/>
+              <a:t>Evaluation Before Pursuit</a:t>
+            </a:r>
+            <a:endParaRPr lang="en-US" dirty="0"/>
+          </a:p>
+        </p:txBody>
+      </p:sp>
+      <p:sp>
+        <p:nvSpPr>
+          <p:cNvPr id="3" name="Content Placeholder 2"/>
+          <p:cNvSpPr>
+            <a:spLocks noGrp="1"/>
+          </p:cNvSpPr>
+          <p:nvPr>
+            <p:ph sz="quarter" idx="11"/>
+          </p:nvPr>
+        </p:nvSpPr>
+        <p:spPr/>
+        <p:txBody>
+          <a:bodyPr/>
+          <a:lstStyle/>
+          <a:p>
+            <a:r>
+              <a:rPr lang="en-US" dirty="0" smtClean="0"/>
+              <a:t>There are many ways to critically evaluate code ... if these do not suit your or your team find the ones that do; talk about them and share them.</a:t>
+            </a:r>
+            <a:endParaRPr lang="en-US" dirty="0"/>
+          </a:p>
+        </p:txBody>
+      </p:sp>
+      <p:sp>
+        <p:nvSpPr>
+          <p:cNvPr id="4" name="Text Placeholder 3"/>
+          <p:cNvSpPr>
+            <a:spLocks noGrp="1"/>
+          </p:cNvSpPr>
+          <p:nvPr>
+            <p:ph type="body" sz="quarter" idx="10"/>
+          </p:nvPr>
+        </p:nvSpPr>
+        <p:spPr/>
+        <p:txBody>
+          <a:bodyPr/>
+          <a:lstStyle/>
+          <a:p>
+            <a:pPr marL="342900" indent="-342900">
+              <a:buFont typeface="Wingdings" charset="2"/>
+              <a:buChar char="ü"/>
+            </a:pPr>
+            <a:r>
+              <a:rPr lang="en-US" dirty="0" smtClean="0"/>
+              <a:t>Define the judgment criteria</a:t>
+            </a:r>
+          </a:p>
+          <a:p>
+            <a:pPr marL="342900" indent="-342900">
+              <a:buFont typeface="Wingdings" charset="2"/>
+              <a:buChar char="ü"/>
+            </a:pPr>
+            <a:r>
+              <a:rPr lang="en-US" dirty="0" smtClean="0"/>
+              <a:t>Evaluate </a:t>
+            </a:r>
+            <a:r>
+              <a:rPr lang="en-US" dirty="0" smtClean="0"/>
+              <a:t>a code sample</a:t>
+            </a:r>
+            <a:endParaRPr lang="en-US" dirty="0" smtClean="0"/>
+          </a:p>
+        </p:txBody>
+      </p:sp>
+    </p:spTree>
+    <p:extLst>
+      <p:ext uri="{BB962C8B-B14F-4D97-AF65-F5344CB8AC3E}">
+        <p14:creationId xmlns:p14="http://schemas.microsoft.com/office/powerpoint/2010/main" val="2023282648"/>
+      </p:ext>
+    </p:extLst>
+  </p:cSld>
+  <p:clrMapOvr>
+    <a:masterClrMapping/>
+  </p:clrMapOvr>
+  <p:transition xmlns:p14="http://schemas.microsoft.com/office/powerpoint/2010/main" spd="med">
+    <p:fade/>
+  </p:transition>
+  <p:timing>
+    <p:tnLst>
+      <p:par>
+        <p:cTn xmlns:p14="http://schemas.microsoft.com/office/powerpoint/2010/main" id="1" dur="indefinite" restart="never" nodeType="tmRoot"/>
+      </p:par>
+    </p:tnLst>
+  </p:timing>
+</p:sld>
+</file>
+
+<file path=ppt/slides/slide2.xml><?xml version="1.0" encoding="utf-8"?>
+<p:sld xmlns:a="http://schemas.openxmlformats.org/drawingml/2006/main" xmlns:r="http://schemas.openxmlformats.org/officeDocument/2006/relationships" xmlns:p="http://schemas.openxmlformats.org/presentationml/2006/main">
+  <p:cSld>
+    <p:spTree>
+      <p:nvGrpSpPr>
+        <p:cNvPr id="1" name=""/>
+        <p:cNvGrpSpPr/>
+        <p:nvPr/>
+      </p:nvGrpSpPr>
+      <p:grpSpPr>
+        <a:xfrm>
+          <a:off x="0" y="0"/>
+          <a:ext cx="0" cy="0"/>
+          <a:chOff x="0" y="0"/>
+          <a:chExt cx="0" cy="0"/>
+        </a:xfrm>
+      </p:grpSpPr>
+      <p:sp>
+        <p:nvSpPr>
+          <p:cNvPr id="2" name="Title 1"/>
+          <p:cNvSpPr>
+            <a:spLocks noGrp="1"/>
+          </p:cNvSpPr>
+          <p:nvPr>
+            <p:ph type="title"/>
+          </p:nvPr>
+        </p:nvSpPr>
+        <p:spPr/>
+        <p:txBody>
+          <a:bodyPr/>
+          <a:lstStyle/>
+          <a:p>
+            <a:r>
+              <a:rPr lang="en-US" dirty="0" smtClean="0"/>
+              <a:t>Objectives</a:t>
+            </a:r>
+            <a:endParaRPr lang="en-US" dirty="0"/>
+          </a:p>
+        </p:txBody>
+      </p:sp>
+      <p:sp>
+        <p:nvSpPr>
+          <p:cNvPr id="3" name="Text Placeholder 2"/>
+          <p:cNvSpPr>
+            <a:spLocks noGrp="1"/>
+          </p:cNvSpPr>
+          <p:nvPr>
+            <p:ph type="body" sz="quarter" idx="12"/>
+          </p:nvPr>
+        </p:nvSpPr>
+        <p:spPr/>
+        <p:txBody>
+          <a:bodyPr/>
+          <a:lstStyle/>
+          <a:p>
+            <a:r>
+              <a:rPr lang="en-US" dirty="0" smtClean="0"/>
+              <a:t>After completing this module, you should be able to:</a:t>
+            </a:r>
+          </a:p>
+          <a:p>
+            <a:endParaRPr lang="en-US" dirty="0"/>
+          </a:p>
+          <a:p>
+            <a:pPr marL="457200" indent="-457200">
+              <a:buFont typeface="Wingdings" charset="2"/>
+              <a:buChar char="Ø"/>
+            </a:pPr>
+            <a:r>
+              <a:rPr lang="en-US" dirty="0" smtClean="0"/>
+              <a:t>Determine when a Custom </a:t>
+            </a:r>
+            <a:r>
+              <a:rPr lang="en-US" dirty="0"/>
+              <a:t>R</a:t>
+            </a:r>
+            <a:r>
+              <a:rPr lang="en-US" dirty="0" smtClean="0"/>
+              <a:t>esource would be beneficial for clarity and reusability</a:t>
+            </a:r>
+            <a:endParaRPr lang="en-US" dirty="0"/>
+          </a:p>
+        </p:txBody>
+      </p:sp>
+    </p:spTree>
+    <p:extLst>
+      <p:ext uri="{BB962C8B-B14F-4D97-AF65-F5344CB8AC3E}">
+        <p14:creationId xmlns:p14="http://schemas.microsoft.com/office/powerpoint/2010/main" val="3816834146"/>
+      </p:ext>
+    </p:extLst>
+  </p:cSld>
+  <p:clrMapOvr>
+    <a:masterClrMapping/>
+  </p:clrMapOvr>
+  <p:transition xmlns:p14="http://schemas.microsoft.com/office/powerpoint/2010/main" spd="med">
+    <p:fade/>
+  </p:transition>
+  <p:timing>
+    <p:tnLst>
+      <p:par>
+        <p:cTn xmlns:p14="http://schemas.microsoft.com/office/powerpoint/2010/main" id="1" dur="indefinite" restart="never" nodeType="tmRoot"/>
+      </p:par>
+    </p:tnLst>
+  </p:timing>
+</p:sld>
+</file>
+
+<file path=ppt/slides/slide20.xml><?xml version="1.0" encoding="utf-8"?>
+<p:sld xmlns:a="http://schemas.openxmlformats.org/drawingml/2006/main" xmlns:r="http://schemas.openxmlformats.org/officeDocument/2006/relationships" xmlns:p="http://schemas.openxmlformats.org/presentationml/2006/main">
+  <p:cSld>
+    <p:spTree>
+      <p:nvGrpSpPr>
+        <p:cNvPr id="1" name=""/>
+        <p:cNvGrpSpPr/>
+        <p:nvPr/>
+      </p:nvGrpSpPr>
+      <p:grpSpPr>
+        <a:xfrm>
+          <a:off x="0" y="0"/>
+          <a:ext cx="0" cy="0"/>
+          <a:chOff x="0" y="0"/>
+          <a:chExt cx="0" cy="0"/>
+        </a:xfrm>
+      </p:grpSpPr>
+      <p:sp>
+        <p:nvSpPr>
+          <p:cNvPr id="2" name="Title 1"/>
+          <p:cNvSpPr>
+            <a:spLocks noGrp="1"/>
+          </p:cNvSpPr>
+          <p:nvPr>
+            <p:ph type="ctrTitle"/>
+          </p:nvPr>
+        </p:nvSpPr>
+        <p:spPr/>
+        <p:txBody>
+          <a:bodyPr>
+            <a:normAutofit fontScale="90000"/>
+          </a:bodyPr>
+          <a:lstStyle/>
+          <a:p>
+            <a:r>
+              <a:rPr lang="en-US" dirty="0" smtClean="0"/>
+              <a:t>Discussion</a:t>
+            </a:r>
+            <a:endParaRPr lang="en-US" dirty="0"/>
+          </a:p>
+        </p:txBody>
+      </p:sp>
+      <p:sp>
+        <p:nvSpPr>
+          <p:cNvPr id="3" name="Subtitle 2"/>
+          <p:cNvSpPr>
+            <a:spLocks noGrp="1"/>
+          </p:cNvSpPr>
+          <p:nvPr>
+            <p:ph type="subTitle" idx="1"/>
+          </p:nvPr>
+        </p:nvSpPr>
+        <p:spPr/>
+        <p:txBody>
+          <a:bodyPr/>
+          <a:lstStyle/>
+          <a:p>
+            <a:r>
+              <a:rPr lang="en-US" dirty="0" smtClean="0"/>
+              <a:t>What value does reviewing code for functionality, reliability, usability, efficiency, maintainability, portability bring?</a:t>
+            </a:r>
+          </a:p>
+          <a:p>
+            <a:r>
+              <a:rPr lang="en-US" b="1" dirty="0" smtClean="0"/>
+              <a:t> </a:t>
+            </a:r>
+            <a:endParaRPr lang="en-US" b="1" dirty="0"/>
+          </a:p>
+          <a:p>
+            <a:endParaRPr lang="en-US" dirty="0"/>
+          </a:p>
+        </p:txBody>
+      </p:sp>
+    </p:spTree>
+    <p:extLst>
+      <p:ext uri="{BB962C8B-B14F-4D97-AF65-F5344CB8AC3E}">
+        <p14:creationId xmlns:p14="http://schemas.microsoft.com/office/powerpoint/2010/main" val="877397842"/>
+      </p:ext>
+    </p:extLst>
+  </p:cSld>
+  <p:clrMapOvr>
+    <a:masterClrMapping/>
+  </p:clrMapOvr>
+  <p:transition xmlns:p14="http://schemas.microsoft.com/office/powerpoint/2010/main" spd="med">
+    <p:fade/>
+  </p:transition>
+</p:sld>
+</file>
+
+<file path=ppt/slides/slide21.xml><?xml version="1.0" encoding="utf-8"?>
+<p:sld xmlns:a="http://schemas.openxmlformats.org/drawingml/2006/main" xmlns:r="http://schemas.openxmlformats.org/officeDocument/2006/relationships" xmlns:p="http://schemas.openxmlformats.org/presentationml/2006/main">
+  <p:cSld>
+    <p:spTree>
+      <p:nvGrpSpPr>
+        <p:cNvPr id="1" name=""/>
+        <p:cNvGrpSpPr/>
+        <p:nvPr/>
+      </p:nvGrpSpPr>
+      <p:grpSpPr>
+        <a:xfrm>
+          <a:off x="0" y="0"/>
+          <a:ext cx="0" cy="0"/>
+          <a:chOff x="0" y="0"/>
+          <a:chExt cx="0" cy="0"/>
+        </a:xfrm>
+      </p:grpSpPr>
+      <p:sp>
+        <p:nvSpPr>
+          <p:cNvPr id="2" name="Title 1"/>
+          <p:cNvSpPr>
+            <a:spLocks noGrp="1"/>
+          </p:cNvSpPr>
+          <p:nvPr>
             <p:ph type="ctrTitle"/>
           </p:nvPr>
         </p:nvSpPr>
@@ -11460,20 +16013,20 @@
   <p:clrMapOvr>
     <a:masterClrMapping/>
   </p:clrMapOvr>
-  <p:transition spd="med">
+  <p:transition xmlns:p14="http://schemas.microsoft.com/office/powerpoint/2010/main" spd="med">
     <p:fade/>
   </p:transition>
   <p:timing>
     <p:tnLst>
       <p:par>
-        <p:cTn id="1" dur="indefinite" restart="never" nodeType="tmRoot"/>
+        <p:cTn xmlns:p14="http://schemas.microsoft.com/office/powerpoint/2010/main" id="1" dur="indefinite" restart="never" nodeType="tmRoot"/>
       </p:par>
     </p:tnLst>
   </p:timing>
 </p:sld>
 </file>
 
-<file path=ppt/slides/slide19.xml><?xml version="1.0" encoding="utf-8"?>
+<file path=ppt/slides/slide22.xml><?xml version="1.0" encoding="utf-8"?>
 <p:sld xmlns:a="http://schemas.openxmlformats.org/drawingml/2006/main" xmlns:r="http://schemas.openxmlformats.org/officeDocument/2006/relationships" xmlns:p="http://schemas.openxmlformats.org/presentationml/2006/main">
   <p:cSld>
     <p:spTree>
@@ -11500,116 +16053,9 @@
   <p:clrMapOvr>
     <a:masterClrMapping/>
   </p:clrMapOvr>
-  <p:transition spd="med">
+  <p:transition xmlns:p14="http://schemas.microsoft.com/office/powerpoint/2010/main" spd="med">
     <p:fade/>
   </p:transition>
-</p:sld>
-</file>
-
-<file path=ppt/slides/slide2.xml><?xml version="1.0" encoding="utf-8"?>
-<p:sld xmlns:a="http://schemas.openxmlformats.org/drawingml/2006/main" xmlns:r="http://schemas.openxmlformats.org/officeDocument/2006/relationships" xmlns:p="http://schemas.openxmlformats.org/presentationml/2006/main">
-  <p:cSld>
-    <p:spTree>
-      <p:nvGrpSpPr>
-        <p:cNvPr id="1" name=""/>
-        <p:cNvGrpSpPr/>
-        <p:nvPr/>
-      </p:nvGrpSpPr>
-      <p:grpSpPr>
-        <a:xfrm>
-          <a:off x="0" y="0"/>
-          <a:ext cx="0" cy="0"/>
-          <a:chOff x="0" y="0"/>
-          <a:chExt cx="0" cy="0"/>
-        </a:xfrm>
-      </p:grpSpPr>
-      <p:sp>
-        <p:nvSpPr>
-          <p:cNvPr id="2" name="Title 1"/>
-          <p:cNvSpPr>
-            <a:spLocks noGrp="1"/>
-          </p:cNvSpPr>
-          <p:nvPr>
-            <p:ph type="title"/>
-          </p:nvPr>
-        </p:nvSpPr>
-        <p:spPr/>
-        <p:txBody>
-          <a:bodyPr/>
-          <a:lstStyle/>
-          <a:p>
-            <a:r>
-              <a:rPr lang="en-US" dirty="0" smtClean="0"/>
-              <a:t>Objectives</a:t>
-            </a:r>
-            <a:endParaRPr lang="en-US" dirty="0"/>
-          </a:p>
-        </p:txBody>
-      </p:sp>
-      <p:sp>
-        <p:nvSpPr>
-          <p:cNvPr id="3" name="Text Placeholder 2"/>
-          <p:cNvSpPr>
-            <a:spLocks noGrp="1"/>
-          </p:cNvSpPr>
-          <p:nvPr>
-            <p:ph type="body" sz="quarter" idx="12"/>
-          </p:nvPr>
-        </p:nvSpPr>
-        <p:spPr/>
-        <p:txBody>
-          <a:bodyPr/>
-          <a:lstStyle/>
-          <a:p>
-            <a:r>
-              <a:rPr lang="en-US" dirty="0" smtClean="0"/>
-              <a:t>After completing this module, you should be able to:</a:t>
-            </a:r>
-          </a:p>
-          <a:p>
-            <a:endParaRPr lang="en-US" dirty="0"/>
-          </a:p>
-          <a:p>
-            <a:pPr marL="457200" indent="-457200">
-              <a:buFont typeface="Wingdings" charset="2"/>
-              <a:buChar char="Ø"/>
-            </a:pPr>
-            <a:r>
-              <a:rPr lang="en-US" dirty="0" smtClean="0"/>
-              <a:t>Determine when a Custom </a:t>
-            </a:r>
-            <a:r>
-              <a:rPr lang="en-US" dirty="0"/>
-              <a:t>R</a:t>
-            </a:r>
-            <a:r>
-              <a:rPr lang="en-US" dirty="0" smtClean="0"/>
-              <a:t>esource would be beneficial for clarity and reusability</a:t>
-            </a:r>
-            <a:endParaRPr lang="en-US" dirty="0"/>
-          </a:p>
-        </p:txBody>
-      </p:sp>
-    </p:spTree>
-    <p:extLst>
-      <p:ext uri="{BB962C8B-B14F-4D97-AF65-F5344CB8AC3E}">
-        <p14:creationId xmlns:p14="http://schemas.microsoft.com/office/powerpoint/2010/main" val="3816834146"/>
-      </p:ext>
-    </p:extLst>
-  </p:cSld>
-  <p:clrMapOvr>
-    <a:masterClrMapping/>
-  </p:clrMapOvr>
-  <p:transition spd="med">
-    <p:fade/>
-  </p:transition>
-  <p:timing>
-    <p:tnLst>
-      <p:par>
-        <p:cTn id="1" dur="indefinite" restart="never" nodeType="tmRoot"/>
-      </p:par>
-    </p:tnLst>
-  </p:timing>
 </p:sld>
 </file>
 
@@ -11647,6 +16093,10 @@
           </a:bodyPr>
           <a:lstStyle/>
           <a:p>
+            <a:r>
+              <a:rPr lang="en-US" dirty="0" smtClean="0"/>
+              <a:t>Evaluation Before Pursuit</a:t>
+            </a:r>
             <a:endParaRPr lang="en-US" dirty="0"/>
           </a:p>
         </p:txBody>
@@ -11666,6 +16116,10 @@
           <a:bodyPr/>
           <a:lstStyle/>
           <a:p>
+            <a:r>
+              <a:rPr lang="en-US" dirty="0" smtClean="0"/>
+              <a:t>Just because I can does not mean I should. It is important to implement solutions that are arguably better software design.</a:t>
+            </a:r>
             <a:endParaRPr lang="en-US" dirty="0"/>
           </a:p>
         </p:txBody>
@@ -11701,19 +16155,13 @@
             </a:pPr>
             <a:r>
               <a:rPr lang="en-US" dirty="0" smtClean="0"/>
-              <a:t>Evaluate first code sample</a:t>
-            </a:r>
-          </a:p>
-          <a:p>
-            <a:pPr marL="342900" indent="-342900">
-              <a:buFont typeface="Wingdings" charset="2"/>
-              <a:buChar char="q"/>
-            </a:pPr>
+              <a:t>Evaluate </a:t>
+            </a:r>
             <a:r>
               <a:rPr lang="en-US" dirty="0" smtClean="0"/>
-              <a:t>Evaluate second code sample</a:t>
-            </a:r>
-            <a:endParaRPr lang="en-US" dirty="0"/>
+              <a:t>a code sample</a:t>
+            </a:r>
+            <a:endParaRPr lang="en-US" dirty="0" smtClean="0"/>
           </a:p>
         </p:txBody>
       </p:sp>
@@ -11727,7 +16175,7 @@
   <p:clrMapOvr>
     <a:masterClrMapping/>
   </p:clrMapOvr>
-  <p:transition spd="med">
+  <p:transition xmlns:p14="http://schemas.microsoft.com/office/powerpoint/2010/main" spd="med">
     <p:fade/>
   </p:transition>
 </p:sld>
@@ -11807,9 +16255,16 @@
   <p:clrMapOvr>
     <a:masterClrMapping/>
   </p:clrMapOvr>
-  <p:transition spd="med">
+  <p:transition xmlns:p14="http://schemas.microsoft.com/office/powerpoint/2010/main" spd="med">
     <p:fade/>
   </p:transition>
+  <p:timing>
+    <p:tnLst>
+      <p:par>
+        <p:cTn xmlns:p14="http://schemas.microsoft.com/office/powerpoint/2010/main" id="1" dur="indefinite" restart="never" nodeType="tmRoot"/>
+      </p:par>
+    </p:tnLst>
+  </p:timing>
 </p:sld>
 </file>
 
@@ -11865,69 +16320,297 @@
             <p:ph type="subTitle" idx="1"/>
           </p:nvPr>
         </p:nvSpPr>
-        <p:spPr/>
-        <p:txBody>
-          <a:bodyPr/>
+        <p:spPr>
+          <a:xfrm>
+            <a:off x="1671638" y="3271838"/>
+            <a:ext cx="4075112" cy="4681537"/>
+          </a:xfrm>
+          <a:noFill/>
+        </p:spPr>
+        <p:txBody>
+          <a:bodyPr anchor="t"/>
           <a:lstStyle/>
           <a:p>
-            <a:pPr marL="457200" indent="-457200">
+            <a:pPr marL="571500" indent="-571500">
+              <a:lnSpc>
+                <a:spcPct val="120000"/>
+              </a:lnSpc>
+              <a:buFont typeface="Wingdings" charset="2"/>
+              <a:buChar char="Ø"/>
+            </a:pPr>
+            <a:r>
+              <a:rPr lang="en-US" sz="4000" dirty="0" smtClean="0"/>
+              <a:t>Functionality</a:t>
+            </a:r>
+          </a:p>
+          <a:p>
+            <a:pPr marL="571500" indent="-571500">
+              <a:lnSpc>
+                <a:spcPct val="120000"/>
+              </a:lnSpc>
+              <a:buFont typeface="Wingdings" charset="2"/>
+              <a:buChar char="Ø"/>
+            </a:pPr>
+            <a:r>
+              <a:rPr lang="en-US" sz="4000" dirty="0" smtClean="0"/>
+              <a:t>Reliability</a:t>
+            </a:r>
+          </a:p>
+          <a:p>
+            <a:pPr marL="571500" indent="-571500">
+              <a:lnSpc>
+                <a:spcPct val="120000"/>
+              </a:lnSpc>
+              <a:buFont typeface="Wingdings" charset="2"/>
+              <a:buChar char="Ø"/>
+            </a:pPr>
+            <a:r>
+              <a:rPr lang="en-US" sz="4000" dirty="0" smtClean="0"/>
+              <a:t>Usability</a:t>
+            </a:r>
+          </a:p>
+          <a:p>
+            <a:pPr marL="571500" indent="-571500">
+              <a:lnSpc>
+                <a:spcPct val="120000"/>
+              </a:lnSpc>
+              <a:buFont typeface="Wingdings" charset="2"/>
+              <a:buChar char="Ø"/>
+            </a:pPr>
+            <a:r>
+              <a:rPr lang="en-US" sz="4000" dirty="0"/>
+              <a:t>Efficiency</a:t>
+            </a:r>
+          </a:p>
+          <a:p>
+            <a:pPr marL="571500" indent="-571500">
+              <a:lnSpc>
+                <a:spcPct val="120000"/>
+              </a:lnSpc>
+              <a:buFont typeface="Wingdings" charset="2"/>
+              <a:buChar char="Ø"/>
+            </a:pPr>
+            <a:r>
+              <a:rPr lang="en-US" sz="4000" dirty="0"/>
+              <a:t>Maintainability</a:t>
+            </a:r>
+          </a:p>
+          <a:p>
+            <a:pPr marL="571500" indent="-571500">
+              <a:lnSpc>
+                <a:spcPct val="120000"/>
+              </a:lnSpc>
+              <a:buFont typeface="Wingdings" charset="2"/>
+              <a:buChar char="Ø"/>
+            </a:pPr>
+            <a:r>
+              <a:rPr lang="en-US" sz="4000" dirty="0" smtClean="0"/>
+              <a:t>Portability</a:t>
+            </a:r>
+            <a:endParaRPr lang="en-US" sz="4000" dirty="0"/>
+          </a:p>
+        </p:txBody>
+      </p:sp>
+      <p:sp>
+        <p:nvSpPr>
+          <p:cNvPr id="6" name="Subtitle 2"/>
+          <p:cNvSpPr txBox="1">
+            <a:spLocks/>
+          </p:cNvSpPr>
+          <p:nvPr/>
+        </p:nvSpPr>
+        <p:spPr bwMode="white">
+          <a:xfrm>
+            <a:off x="6090444" y="3257550"/>
+            <a:ext cx="7530306" cy="4522787"/>
+          </a:xfrm>
+          <a:prstGeom prst="rect">
+            <a:avLst/>
+          </a:prstGeom>
+        </p:spPr>
+        <p:txBody>
+          <a:bodyPr lIns="91440" tIns="91440" rIns="91440" bIns="91440">
+            <a:noAutofit/>
+          </a:bodyPr>
+          <a:lstStyle>
+            <a:lvl1pPr marL="0" indent="0" algn="l" defTabSz="1217613" rtl="0" eaLnBrk="1" fontAlgn="base" hangingPunct="1">
+              <a:lnSpc>
+                <a:spcPct val="100000"/>
+              </a:lnSpc>
+              <a:spcBef>
+                <a:spcPts val="0"/>
+              </a:spcBef>
+              <a:spcAft>
+                <a:spcPct val="0"/>
+              </a:spcAft>
+              <a:buSzPct val="90000"/>
               <a:buFont typeface="Arial" charset="0"/>
-              <a:buChar char="•"/>
-            </a:pPr>
-            <a:r>
-              <a:rPr lang="en-US" sz="3200" dirty="0" smtClean="0"/>
-              <a:t>Functionality</a:t>
-            </a:r>
-          </a:p>
-          <a:p>
-            <a:pPr marL="457200" indent="-457200">
+              <a:buNone/>
+              <a:defRPr sz="2800" kern="1200" baseline="0">
+                <a:solidFill>
+                  <a:schemeClr val="accent3">
+                    <a:lumMod val="50000"/>
+                  </a:schemeClr>
+                </a:solidFill>
+                <a:latin typeface="+mn-lt"/>
+                <a:ea typeface="ＭＳ Ｐゴシック" charset="0"/>
+                <a:cs typeface="ＭＳ Ｐゴシック" charset="0"/>
+              </a:defRPr>
+            </a:lvl1pPr>
+            <a:lvl2pPr marL="609561" indent="0" algn="ctr" defTabSz="1217613" rtl="0" eaLnBrk="1" fontAlgn="base" hangingPunct="1">
+              <a:spcBef>
+                <a:spcPts val="800"/>
+              </a:spcBef>
+              <a:spcAft>
+                <a:spcPct val="0"/>
+              </a:spcAft>
+              <a:buSzPct val="90000"/>
               <a:buFont typeface="Arial" charset="0"/>
-              <a:buChar char="•"/>
-            </a:pPr>
-            <a:r>
-              <a:rPr lang="en-US" sz="3200" dirty="0" smtClean="0"/>
-              <a:t>Reliability</a:t>
-            </a:r>
-          </a:p>
-          <a:p>
-            <a:pPr marL="457200" indent="-457200">
+              <a:buNone/>
+              <a:defRPr sz="2800" kern="1200">
+                <a:solidFill>
+                  <a:schemeClr val="tx1">
+                    <a:tint val="75000"/>
+                  </a:schemeClr>
+                </a:solidFill>
+                <a:latin typeface="+mn-lt"/>
+                <a:ea typeface="ＭＳ Ｐゴシック" charset="0"/>
+                <a:cs typeface="+mn-cs"/>
+              </a:defRPr>
+            </a:lvl2pPr>
+            <a:lvl3pPr marL="1219120" indent="0" algn="ctr" defTabSz="1217613" rtl="0" eaLnBrk="1" fontAlgn="base" hangingPunct="1">
+              <a:spcBef>
+                <a:spcPts val="800"/>
+              </a:spcBef>
+              <a:spcAft>
+                <a:spcPct val="0"/>
+              </a:spcAft>
+              <a:buSzPct val="90000"/>
               <a:buFont typeface="Arial" charset="0"/>
-              <a:buChar char="•"/>
-            </a:pPr>
-            <a:r>
-              <a:rPr lang="en-US" sz="3200" dirty="0" smtClean="0"/>
-              <a:t>Usability</a:t>
-            </a:r>
-          </a:p>
-          <a:p>
-            <a:pPr marL="457200" indent="-457200">
+              <a:buNone/>
+              <a:defRPr sz="2400" kern="1200">
+                <a:solidFill>
+                  <a:schemeClr val="tx1">
+                    <a:tint val="75000"/>
+                  </a:schemeClr>
+                </a:solidFill>
+                <a:latin typeface="+mn-lt"/>
+                <a:ea typeface="ＭＳ Ｐゴシック" charset="0"/>
+                <a:cs typeface="+mn-cs"/>
+              </a:defRPr>
+            </a:lvl3pPr>
+            <a:lvl4pPr marL="1828681" indent="0" algn="ctr" defTabSz="1217613" rtl="0" eaLnBrk="1" fontAlgn="base" hangingPunct="1">
+              <a:spcBef>
+                <a:spcPts val="800"/>
+              </a:spcBef>
+              <a:spcAft>
+                <a:spcPct val="0"/>
+              </a:spcAft>
+              <a:buSzPct val="90000"/>
               <a:buFont typeface="Arial" charset="0"/>
-              <a:buChar char="•"/>
-            </a:pPr>
-            <a:r>
-              <a:rPr lang="en-US" sz="3200" dirty="0" smtClean="0"/>
-              <a:t>Efficiency</a:t>
-            </a:r>
-          </a:p>
-          <a:p>
-            <a:pPr marL="457200" indent="-457200">
+              <a:buNone/>
+              <a:defRPr sz="2400" kern="1200">
+                <a:solidFill>
+                  <a:schemeClr val="tx1">
+                    <a:tint val="75000"/>
+                  </a:schemeClr>
+                </a:solidFill>
+                <a:latin typeface="+mn-lt"/>
+                <a:ea typeface="ＭＳ Ｐゴシック" charset="0"/>
+                <a:cs typeface="+mn-cs"/>
+              </a:defRPr>
+            </a:lvl4pPr>
+            <a:lvl5pPr marL="2438242" indent="0" algn="ctr" defTabSz="1217613" rtl="0" eaLnBrk="1" fontAlgn="base" hangingPunct="1">
+              <a:spcBef>
+                <a:spcPts val="800"/>
+              </a:spcBef>
+              <a:spcAft>
+                <a:spcPct val="0"/>
+              </a:spcAft>
+              <a:buSzPct val="90000"/>
               <a:buFont typeface="Arial" charset="0"/>
-              <a:buChar char="•"/>
-            </a:pPr>
-            <a:r>
-              <a:rPr lang="en-US" sz="3200" dirty="0" smtClean="0"/>
-              <a:t>Maintainability</a:t>
-            </a:r>
-          </a:p>
-          <a:p>
-            <a:pPr marL="457200" indent="-457200">
-              <a:buFont typeface="Arial" charset="0"/>
-              <a:buChar char="•"/>
-            </a:pPr>
-            <a:r>
-              <a:rPr lang="en-US" sz="3200" dirty="0" smtClean="0"/>
-              <a:t>Portability</a:t>
-            </a:r>
+              <a:buNone/>
+              <a:defRPr sz="2000" kern="1200">
+                <a:solidFill>
+                  <a:schemeClr val="tx1">
+                    <a:tint val="75000"/>
+                  </a:schemeClr>
+                </a:solidFill>
+                <a:latin typeface="+mn-lt"/>
+                <a:ea typeface="ＭＳ Ｐゴシック" charset="0"/>
+                <a:cs typeface="+mn-cs"/>
+              </a:defRPr>
+            </a:lvl5pPr>
+            <a:lvl6pPr marL="3047802" indent="0" algn="ctr" defTabSz="1219120" rtl="0" eaLnBrk="1" latinLnBrk="0" hangingPunct="1">
+              <a:spcBef>
+                <a:spcPct val="20000"/>
+              </a:spcBef>
+              <a:buFont typeface="Arial" pitchFamily="34" charset="0"/>
+              <a:buNone/>
+              <a:defRPr sz="2667" kern="1200">
+                <a:solidFill>
+                  <a:schemeClr val="tx1">
+                    <a:tint val="75000"/>
+                  </a:schemeClr>
+                </a:solidFill>
+                <a:latin typeface="+mn-lt"/>
+                <a:ea typeface="+mn-ea"/>
+                <a:cs typeface="+mn-cs"/>
+              </a:defRPr>
+            </a:lvl6pPr>
+            <a:lvl7pPr marL="3657362" indent="0" algn="ctr" defTabSz="1219120" rtl="0" eaLnBrk="1" latinLnBrk="0" hangingPunct="1">
+              <a:spcBef>
+                <a:spcPct val="20000"/>
+              </a:spcBef>
+              <a:buFont typeface="Arial" pitchFamily="34" charset="0"/>
+              <a:buNone/>
+              <a:defRPr sz="2667" kern="1200">
+                <a:solidFill>
+                  <a:schemeClr val="tx1">
+                    <a:tint val="75000"/>
+                  </a:schemeClr>
+                </a:solidFill>
+                <a:latin typeface="+mn-lt"/>
+                <a:ea typeface="+mn-ea"/>
+                <a:cs typeface="+mn-cs"/>
+              </a:defRPr>
+            </a:lvl7pPr>
+            <a:lvl8pPr marL="4266923" indent="0" algn="ctr" defTabSz="1219120" rtl="0" eaLnBrk="1" latinLnBrk="0" hangingPunct="1">
+              <a:spcBef>
+                <a:spcPct val="20000"/>
+              </a:spcBef>
+              <a:buFont typeface="Arial" pitchFamily="34" charset="0"/>
+              <a:buNone/>
+              <a:defRPr sz="2667" kern="1200">
+                <a:solidFill>
+                  <a:schemeClr val="tx1">
+                    <a:tint val="75000"/>
+                  </a:schemeClr>
+                </a:solidFill>
+                <a:latin typeface="+mn-lt"/>
+                <a:ea typeface="+mn-ea"/>
+                <a:cs typeface="+mn-cs"/>
+              </a:defRPr>
+            </a:lvl8pPr>
+            <a:lvl9pPr marL="4876483" indent="0" algn="ctr" defTabSz="1219120" rtl="0" eaLnBrk="1" latinLnBrk="0" hangingPunct="1">
+              <a:spcBef>
+                <a:spcPct val="20000"/>
+              </a:spcBef>
+              <a:buFont typeface="Arial" pitchFamily="34" charset="0"/>
+              <a:buNone/>
+              <a:defRPr sz="2667" kern="1200">
+                <a:solidFill>
+                  <a:schemeClr val="tx1">
+                    <a:tint val="75000"/>
+                  </a:schemeClr>
+                </a:solidFill>
+                <a:latin typeface="+mn-lt"/>
+                <a:ea typeface="+mn-ea"/>
+                <a:cs typeface="+mn-cs"/>
+              </a:defRPr>
+            </a:lvl9pPr>
+          </a:lstStyle>
+          <a:p>
             <a:endParaRPr lang="en-US" sz="3200" dirty="0"/>
           </a:p>
         </p:txBody>
@@ -11942,9 +16625,16 @@
   <p:clrMapOvr>
     <a:masterClrMapping/>
   </p:clrMapOvr>
-  <p:transition spd="med">
+  <p:transition xmlns:p14="http://schemas.microsoft.com/office/powerpoint/2010/main" spd="med">
     <p:fade/>
   </p:transition>
+  <p:timing>
+    <p:tnLst>
+      <p:par>
+        <p:cTn xmlns:p14="http://schemas.microsoft.com/office/powerpoint/2010/main" id="1" dur="indefinite" restart="never" nodeType="tmRoot"/>
+      </p:par>
+    </p:tnLst>
+  </p:timing>
 </p:sld>
 </file>
 
@@ -11984,34 +16674,356 @@
           <a:p>
             <a:r>
               <a:rPr lang="en-US" dirty="0" smtClean="0"/>
+              <a:t>Software Quality Standards</a:t>
+            </a:r>
+            <a:endParaRPr lang="en-US" dirty="0"/>
+          </a:p>
+        </p:txBody>
+      </p:sp>
+      <p:sp>
+        <p:nvSpPr>
+          <p:cNvPr id="7" name="Subtitle 2"/>
+          <p:cNvSpPr txBox="1">
+            <a:spLocks/>
+          </p:cNvSpPr>
+          <p:nvPr/>
+        </p:nvSpPr>
+        <p:spPr bwMode="white">
+          <a:xfrm>
+            <a:off x="6778624" y="3270249"/>
+            <a:ext cx="6842125" cy="4651376"/>
+          </a:xfrm>
+          <a:prstGeom prst="rect">
+            <a:avLst/>
+          </a:prstGeom>
+        </p:spPr>
+        <p:txBody>
+          <a:bodyPr lIns="91440" tIns="91440" rIns="91440" bIns="91440" anchor="ctr">
+            <a:noAutofit/>
+          </a:bodyPr>
+          <a:lstStyle>
+            <a:lvl1pPr marL="0" indent="0" algn="l" defTabSz="1217613" rtl="0" eaLnBrk="1" fontAlgn="base" hangingPunct="1">
+              <a:lnSpc>
+                <a:spcPct val="100000"/>
+              </a:lnSpc>
+              <a:spcBef>
+                <a:spcPts val="0"/>
+              </a:spcBef>
+              <a:spcAft>
+                <a:spcPct val="0"/>
+              </a:spcAft>
+              <a:buSzPct val="90000"/>
+              <a:buFont typeface="Arial" charset="0"/>
+              <a:buNone/>
+              <a:defRPr sz="2800" kern="1200" baseline="0">
+                <a:solidFill>
+                  <a:schemeClr val="accent3">
+                    <a:lumMod val="50000"/>
+                  </a:schemeClr>
+                </a:solidFill>
+                <a:latin typeface="+mn-lt"/>
+                <a:ea typeface="ＭＳ Ｐゴシック" charset="0"/>
+                <a:cs typeface="ＭＳ Ｐゴシック" charset="0"/>
+              </a:defRPr>
+            </a:lvl1pPr>
+            <a:lvl2pPr marL="609561" indent="0" algn="ctr" defTabSz="1217613" rtl="0" eaLnBrk="1" fontAlgn="base" hangingPunct="1">
+              <a:spcBef>
+                <a:spcPts val="800"/>
+              </a:spcBef>
+              <a:spcAft>
+                <a:spcPct val="0"/>
+              </a:spcAft>
+              <a:buSzPct val="90000"/>
+              <a:buFont typeface="Arial" charset="0"/>
+              <a:buNone/>
+              <a:defRPr sz="2800" kern="1200">
+                <a:solidFill>
+                  <a:schemeClr val="tx1">
+                    <a:tint val="75000"/>
+                  </a:schemeClr>
+                </a:solidFill>
+                <a:latin typeface="+mn-lt"/>
+                <a:ea typeface="ＭＳ Ｐゴシック" charset="0"/>
+                <a:cs typeface="+mn-cs"/>
+              </a:defRPr>
+            </a:lvl2pPr>
+            <a:lvl3pPr marL="1219120" indent="0" algn="ctr" defTabSz="1217613" rtl="0" eaLnBrk="1" fontAlgn="base" hangingPunct="1">
+              <a:spcBef>
+                <a:spcPts val="800"/>
+              </a:spcBef>
+              <a:spcAft>
+                <a:spcPct val="0"/>
+              </a:spcAft>
+              <a:buSzPct val="90000"/>
+              <a:buFont typeface="Arial" charset="0"/>
+              <a:buNone/>
+              <a:defRPr sz="2400" kern="1200">
+                <a:solidFill>
+                  <a:schemeClr val="tx1">
+                    <a:tint val="75000"/>
+                  </a:schemeClr>
+                </a:solidFill>
+                <a:latin typeface="+mn-lt"/>
+                <a:ea typeface="ＭＳ Ｐゴシック" charset="0"/>
+                <a:cs typeface="+mn-cs"/>
+              </a:defRPr>
+            </a:lvl3pPr>
+            <a:lvl4pPr marL="1828681" indent="0" algn="ctr" defTabSz="1217613" rtl="0" eaLnBrk="1" fontAlgn="base" hangingPunct="1">
+              <a:spcBef>
+                <a:spcPts val="800"/>
+              </a:spcBef>
+              <a:spcAft>
+                <a:spcPct val="0"/>
+              </a:spcAft>
+              <a:buSzPct val="90000"/>
+              <a:buFont typeface="Arial" charset="0"/>
+              <a:buNone/>
+              <a:defRPr sz="2400" kern="1200">
+                <a:solidFill>
+                  <a:schemeClr val="tx1">
+                    <a:tint val="75000"/>
+                  </a:schemeClr>
+                </a:solidFill>
+                <a:latin typeface="+mn-lt"/>
+                <a:ea typeface="ＭＳ Ｐゴシック" charset="0"/>
+                <a:cs typeface="+mn-cs"/>
+              </a:defRPr>
+            </a:lvl4pPr>
+            <a:lvl5pPr marL="2438242" indent="0" algn="ctr" defTabSz="1217613" rtl="0" eaLnBrk="1" fontAlgn="base" hangingPunct="1">
+              <a:spcBef>
+                <a:spcPts val="800"/>
+              </a:spcBef>
+              <a:spcAft>
+                <a:spcPct val="0"/>
+              </a:spcAft>
+              <a:buSzPct val="90000"/>
+              <a:buFont typeface="Arial" charset="0"/>
+              <a:buNone/>
+              <a:defRPr sz="2000" kern="1200">
+                <a:solidFill>
+                  <a:schemeClr val="tx1">
+                    <a:tint val="75000"/>
+                  </a:schemeClr>
+                </a:solidFill>
+                <a:latin typeface="+mn-lt"/>
+                <a:ea typeface="ＭＳ Ｐゴシック" charset="0"/>
+                <a:cs typeface="+mn-cs"/>
+              </a:defRPr>
+            </a:lvl5pPr>
+            <a:lvl6pPr marL="3047802" indent="0" algn="ctr" defTabSz="1219120" rtl="0" eaLnBrk="1" latinLnBrk="0" hangingPunct="1">
+              <a:spcBef>
+                <a:spcPct val="20000"/>
+              </a:spcBef>
+              <a:buFont typeface="Arial" pitchFamily="34" charset="0"/>
+              <a:buNone/>
+              <a:defRPr sz="2667" kern="1200">
+                <a:solidFill>
+                  <a:schemeClr val="tx1">
+                    <a:tint val="75000"/>
+                  </a:schemeClr>
+                </a:solidFill>
+                <a:latin typeface="+mn-lt"/>
+                <a:ea typeface="+mn-ea"/>
+                <a:cs typeface="+mn-cs"/>
+              </a:defRPr>
+            </a:lvl6pPr>
+            <a:lvl7pPr marL="3657362" indent="0" algn="ctr" defTabSz="1219120" rtl="0" eaLnBrk="1" latinLnBrk="0" hangingPunct="1">
+              <a:spcBef>
+                <a:spcPct val="20000"/>
+              </a:spcBef>
+              <a:buFont typeface="Arial" pitchFamily="34" charset="0"/>
+              <a:buNone/>
+              <a:defRPr sz="2667" kern="1200">
+                <a:solidFill>
+                  <a:schemeClr val="tx1">
+                    <a:tint val="75000"/>
+                  </a:schemeClr>
+                </a:solidFill>
+                <a:latin typeface="+mn-lt"/>
+                <a:ea typeface="+mn-ea"/>
+                <a:cs typeface="+mn-cs"/>
+              </a:defRPr>
+            </a:lvl7pPr>
+            <a:lvl8pPr marL="4266923" indent="0" algn="ctr" defTabSz="1219120" rtl="0" eaLnBrk="1" latinLnBrk="0" hangingPunct="1">
+              <a:spcBef>
+                <a:spcPct val="20000"/>
+              </a:spcBef>
+              <a:buFont typeface="Arial" pitchFamily="34" charset="0"/>
+              <a:buNone/>
+              <a:defRPr sz="2667" kern="1200">
+                <a:solidFill>
+                  <a:schemeClr val="tx1">
+                    <a:tint val="75000"/>
+                  </a:schemeClr>
+                </a:solidFill>
+                <a:latin typeface="+mn-lt"/>
+                <a:ea typeface="+mn-ea"/>
+                <a:cs typeface="+mn-cs"/>
+              </a:defRPr>
+            </a:lvl8pPr>
+            <a:lvl9pPr marL="4876483" indent="0" algn="ctr" defTabSz="1219120" rtl="0" eaLnBrk="1" latinLnBrk="0" hangingPunct="1">
+              <a:spcBef>
+                <a:spcPct val="20000"/>
+              </a:spcBef>
+              <a:buFont typeface="Arial" pitchFamily="34" charset="0"/>
+              <a:buNone/>
+              <a:defRPr sz="2667" kern="1200">
+                <a:solidFill>
+                  <a:schemeClr val="tx1">
+                    <a:tint val="75000"/>
+                  </a:schemeClr>
+                </a:solidFill>
+                <a:latin typeface="+mn-lt"/>
+                <a:ea typeface="+mn-ea"/>
+                <a:cs typeface="+mn-cs"/>
+              </a:defRPr>
+            </a:lvl9pPr>
+          </a:lstStyle>
+          <a:p>
+            <a:r>
+              <a:rPr lang="en-US" sz="3200" dirty="0"/>
+              <a:t>Does the code accomplish what it is designed to accomplish?</a:t>
+            </a:r>
+            <a:endParaRPr lang="en-US" sz="3200" dirty="0"/>
+          </a:p>
+        </p:txBody>
+      </p:sp>
+      <p:sp>
+        <p:nvSpPr>
+          <p:cNvPr id="8" name="Subtitle 2"/>
+          <p:cNvSpPr>
+            <a:spLocks noGrp="1"/>
+          </p:cNvSpPr>
+          <p:nvPr>
+            <p:ph type="subTitle" idx="1"/>
+          </p:nvPr>
+        </p:nvSpPr>
+        <p:spPr>
+          <a:xfrm>
+            <a:off x="1671638" y="3271838"/>
+            <a:ext cx="4075112" cy="4681537"/>
+          </a:xfrm>
+          <a:noFill/>
+        </p:spPr>
+        <p:txBody>
+          <a:bodyPr anchor="t"/>
+          <a:lstStyle/>
+          <a:p>
+            <a:pPr marL="571500" indent="-571500">
+              <a:lnSpc>
+                <a:spcPct val="120000"/>
+              </a:lnSpc>
+              <a:buFont typeface="Wingdings" charset="2"/>
+              <a:buChar char="Ø"/>
+            </a:pPr>
+            <a:r>
+              <a:rPr lang="en-US" sz="4000" b="1" dirty="0" smtClean="0"/>
               <a:t>Functionality</a:t>
             </a:r>
-            <a:endParaRPr lang="en-US" dirty="0"/>
-          </a:p>
-        </p:txBody>
-      </p:sp>
-      <p:sp>
-        <p:nvSpPr>
-          <p:cNvPr id="3" name="Subtitle 2"/>
-          <p:cNvSpPr>
-            <a:spLocks noGrp="1"/>
-          </p:cNvSpPr>
-          <p:nvPr>
-            <p:ph type="subTitle" idx="1"/>
-          </p:nvPr>
-        </p:nvSpPr>
-        <p:spPr/>
-        <p:txBody>
-          <a:bodyPr/>
-          <a:lstStyle/>
-          <a:p>
-            <a:r>
-              <a:rPr lang="en-US" dirty="0"/>
-              <a:t>Does the code accomplish what it is designed to accomplish?</a:t>
-            </a:r>
-          </a:p>
-        </p:txBody>
-      </p:sp>
+          </a:p>
+          <a:p>
+            <a:pPr marL="571500" indent="-571500">
+              <a:lnSpc>
+                <a:spcPct val="120000"/>
+              </a:lnSpc>
+              <a:buFont typeface="Wingdings" charset="2"/>
+              <a:buChar char="Ø"/>
+            </a:pPr>
+            <a:r>
+              <a:rPr lang="en-US" sz="4000" dirty="0" smtClean="0"/>
+              <a:t>Reliability</a:t>
+            </a:r>
+          </a:p>
+          <a:p>
+            <a:pPr marL="571500" indent="-571500">
+              <a:lnSpc>
+                <a:spcPct val="120000"/>
+              </a:lnSpc>
+              <a:buFont typeface="Wingdings" charset="2"/>
+              <a:buChar char="Ø"/>
+            </a:pPr>
+            <a:r>
+              <a:rPr lang="en-US" sz="4000" dirty="0" smtClean="0"/>
+              <a:t>Usability</a:t>
+            </a:r>
+          </a:p>
+          <a:p>
+            <a:pPr marL="571500" indent="-571500">
+              <a:lnSpc>
+                <a:spcPct val="120000"/>
+              </a:lnSpc>
+              <a:buFont typeface="Wingdings" charset="2"/>
+              <a:buChar char="Ø"/>
+            </a:pPr>
+            <a:r>
+              <a:rPr lang="en-US" sz="4000" dirty="0"/>
+              <a:t>Efficiency</a:t>
+            </a:r>
+          </a:p>
+          <a:p>
+            <a:pPr marL="571500" indent="-571500">
+              <a:lnSpc>
+                <a:spcPct val="120000"/>
+              </a:lnSpc>
+              <a:buFont typeface="Wingdings" charset="2"/>
+              <a:buChar char="Ø"/>
+            </a:pPr>
+            <a:r>
+              <a:rPr lang="en-US" sz="4000" dirty="0"/>
+              <a:t>Maintainability</a:t>
+            </a:r>
+          </a:p>
+          <a:p>
+            <a:pPr marL="571500" indent="-571500">
+              <a:lnSpc>
+                <a:spcPct val="120000"/>
+              </a:lnSpc>
+              <a:buFont typeface="Wingdings" charset="2"/>
+              <a:buChar char="Ø"/>
+            </a:pPr>
+            <a:r>
+              <a:rPr lang="en-US" sz="4000" dirty="0" smtClean="0"/>
+              <a:t>Portability</a:t>
+            </a:r>
+            <a:endParaRPr lang="en-US" sz="4000" dirty="0"/>
+          </a:p>
+        </p:txBody>
+      </p:sp>
+      <p:cxnSp>
+        <p:nvCxnSpPr>
+          <p:cNvPr id="11" name="Straight Connector 10"/>
+          <p:cNvCxnSpPr/>
+          <p:nvPr/>
+        </p:nvCxnSpPr>
+        <p:spPr>
+          <a:xfrm>
+            <a:off x="6016625" y="3365500"/>
+            <a:ext cx="0" cy="4524375"/>
+          </a:xfrm>
+          <a:prstGeom prst="line">
+            <a:avLst/>
+          </a:prstGeom>
+          <a:ln>
+            <a:solidFill>
+              <a:srgbClr val="F18B21"/>
+            </a:solidFill>
+          </a:ln>
+        </p:spPr>
+        <p:style>
+          <a:lnRef idx="3">
+            <a:schemeClr val="accent1"/>
+          </a:lnRef>
+          <a:fillRef idx="0">
+            <a:schemeClr val="accent1"/>
+          </a:fillRef>
+          <a:effectRef idx="2">
+            <a:schemeClr val="accent1"/>
+          </a:effectRef>
+          <a:fontRef idx="minor">
+            <a:schemeClr val="tx1"/>
+          </a:fontRef>
+        </p:style>
+      </p:cxnSp>
     </p:spTree>
     <p:extLst>
       <p:ext uri="{BB962C8B-B14F-4D97-AF65-F5344CB8AC3E}">
@@ -12022,9 +17034,16 @@
   <p:clrMapOvr>
     <a:masterClrMapping/>
   </p:clrMapOvr>
-  <p:transition spd="med">
+  <p:transition xmlns:p14="http://schemas.microsoft.com/office/powerpoint/2010/main" spd="med">
     <p:fade/>
   </p:transition>
+  <p:timing>
+    <p:tnLst>
+      <p:par>
+        <p:cTn xmlns:p14="http://schemas.microsoft.com/office/powerpoint/2010/main" id="1" dur="indefinite" restart="never" nodeType="tmRoot"/>
+      </p:par>
+    </p:tnLst>
+  </p:timing>
 </p:sld>
 </file>
 
@@ -12063,32 +17082,357 @@
           <a:lstStyle/>
           <a:p>
             <a:r>
-              <a:rPr lang="en-US" dirty="0" smtClean="0"/>
+              <a:rPr lang="en-US" dirty="0"/>
+              <a:t>Software Quality Standards</a:t>
+            </a:r>
+            <a:endParaRPr lang="en-US" dirty="0"/>
+          </a:p>
+        </p:txBody>
+      </p:sp>
+      <p:sp>
+        <p:nvSpPr>
+          <p:cNvPr id="7" name="Subtitle 2"/>
+          <p:cNvSpPr txBox="1">
+            <a:spLocks/>
+          </p:cNvSpPr>
+          <p:nvPr/>
+        </p:nvSpPr>
+        <p:spPr bwMode="white">
+          <a:xfrm>
+            <a:off x="6778624" y="3270249"/>
+            <a:ext cx="6842125" cy="4651376"/>
+          </a:xfrm>
+          <a:prstGeom prst="rect">
+            <a:avLst/>
+          </a:prstGeom>
+        </p:spPr>
+        <p:txBody>
+          <a:bodyPr lIns="91440" tIns="91440" rIns="91440" bIns="91440" anchor="ctr">
+            <a:noAutofit/>
+          </a:bodyPr>
+          <a:lstStyle>
+            <a:lvl1pPr marL="0" indent="0" algn="l" defTabSz="1217613" rtl="0" eaLnBrk="1" fontAlgn="base" hangingPunct="1">
+              <a:lnSpc>
+                <a:spcPct val="100000"/>
+              </a:lnSpc>
+              <a:spcBef>
+                <a:spcPts val="0"/>
+              </a:spcBef>
+              <a:spcAft>
+                <a:spcPct val="0"/>
+              </a:spcAft>
+              <a:buSzPct val="90000"/>
+              <a:buFont typeface="Arial" charset="0"/>
+              <a:buNone/>
+              <a:defRPr sz="2800" kern="1200" baseline="0">
+                <a:solidFill>
+                  <a:schemeClr val="accent3">
+                    <a:lumMod val="50000"/>
+                  </a:schemeClr>
+                </a:solidFill>
+                <a:latin typeface="+mn-lt"/>
+                <a:ea typeface="ＭＳ Ｐゴシック" charset="0"/>
+                <a:cs typeface="ＭＳ Ｐゴシック" charset="0"/>
+              </a:defRPr>
+            </a:lvl1pPr>
+            <a:lvl2pPr marL="609561" indent="0" algn="ctr" defTabSz="1217613" rtl="0" eaLnBrk="1" fontAlgn="base" hangingPunct="1">
+              <a:spcBef>
+                <a:spcPts val="800"/>
+              </a:spcBef>
+              <a:spcAft>
+                <a:spcPct val="0"/>
+              </a:spcAft>
+              <a:buSzPct val="90000"/>
+              <a:buFont typeface="Arial" charset="0"/>
+              <a:buNone/>
+              <a:defRPr sz="2800" kern="1200">
+                <a:solidFill>
+                  <a:schemeClr val="tx1">
+                    <a:tint val="75000"/>
+                  </a:schemeClr>
+                </a:solidFill>
+                <a:latin typeface="+mn-lt"/>
+                <a:ea typeface="ＭＳ Ｐゴシック" charset="0"/>
+                <a:cs typeface="+mn-cs"/>
+              </a:defRPr>
+            </a:lvl2pPr>
+            <a:lvl3pPr marL="1219120" indent="0" algn="ctr" defTabSz="1217613" rtl="0" eaLnBrk="1" fontAlgn="base" hangingPunct="1">
+              <a:spcBef>
+                <a:spcPts val="800"/>
+              </a:spcBef>
+              <a:spcAft>
+                <a:spcPct val="0"/>
+              </a:spcAft>
+              <a:buSzPct val="90000"/>
+              <a:buFont typeface="Arial" charset="0"/>
+              <a:buNone/>
+              <a:defRPr sz="2400" kern="1200">
+                <a:solidFill>
+                  <a:schemeClr val="tx1">
+                    <a:tint val="75000"/>
+                  </a:schemeClr>
+                </a:solidFill>
+                <a:latin typeface="+mn-lt"/>
+                <a:ea typeface="ＭＳ Ｐゴシック" charset="0"/>
+                <a:cs typeface="+mn-cs"/>
+              </a:defRPr>
+            </a:lvl3pPr>
+            <a:lvl4pPr marL="1828681" indent="0" algn="ctr" defTabSz="1217613" rtl="0" eaLnBrk="1" fontAlgn="base" hangingPunct="1">
+              <a:spcBef>
+                <a:spcPts val="800"/>
+              </a:spcBef>
+              <a:spcAft>
+                <a:spcPct val="0"/>
+              </a:spcAft>
+              <a:buSzPct val="90000"/>
+              <a:buFont typeface="Arial" charset="0"/>
+              <a:buNone/>
+              <a:defRPr sz="2400" kern="1200">
+                <a:solidFill>
+                  <a:schemeClr val="tx1">
+                    <a:tint val="75000"/>
+                  </a:schemeClr>
+                </a:solidFill>
+                <a:latin typeface="+mn-lt"/>
+                <a:ea typeface="ＭＳ Ｐゴシック" charset="0"/>
+                <a:cs typeface="+mn-cs"/>
+              </a:defRPr>
+            </a:lvl4pPr>
+            <a:lvl5pPr marL="2438242" indent="0" algn="ctr" defTabSz="1217613" rtl="0" eaLnBrk="1" fontAlgn="base" hangingPunct="1">
+              <a:spcBef>
+                <a:spcPts val="800"/>
+              </a:spcBef>
+              <a:spcAft>
+                <a:spcPct val="0"/>
+              </a:spcAft>
+              <a:buSzPct val="90000"/>
+              <a:buFont typeface="Arial" charset="0"/>
+              <a:buNone/>
+              <a:defRPr sz="2000" kern="1200">
+                <a:solidFill>
+                  <a:schemeClr val="tx1">
+                    <a:tint val="75000"/>
+                  </a:schemeClr>
+                </a:solidFill>
+                <a:latin typeface="+mn-lt"/>
+                <a:ea typeface="ＭＳ Ｐゴシック" charset="0"/>
+                <a:cs typeface="+mn-cs"/>
+              </a:defRPr>
+            </a:lvl5pPr>
+            <a:lvl6pPr marL="3047802" indent="0" algn="ctr" defTabSz="1219120" rtl="0" eaLnBrk="1" latinLnBrk="0" hangingPunct="1">
+              <a:spcBef>
+                <a:spcPct val="20000"/>
+              </a:spcBef>
+              <a:buFont typeface="Arial" pitchFamily="34" charset="0"/>
+              <a:buNone/>
+              <a:defRPr sz="2667" kern="1200">
+                <a:solidFill>
+                  <a:schemeClr val="tx1">
+                    <a:tint val="75000"/>
+                  </a:schemeClr>
+                </a:solidFill>
+                <a:latin typeface="+mn-lt"/>
+                <a:ea typeface="+mn-ea"/>
+                <a:cs typeface="+mn-cs"/>
+              </a:defRPr>
+            </a:lvl6pPr>
+            <a:lvl7pPr marL="3657362" indent="0" algn="ctr" defTabSz="1219120" rtl="0" eaLnBrk="1" latinLnBrk="0" hangingPunct="1">
+              <a:spcBef>
+                <a:spcPct val="20000"/>
+              </a:spcBef>
+              <a:buFont typeface="Arial" pitchFamily="34" charset="0"/>
+              <a:buNone/>
+              <a:defRPr sz="2667" kern="1200">
+                <a:solidFill>
+                  <a:schemeClr val="tx1">
+                    <a:tint val="75000"/>
+                  </a:schemeClr>
+                </a:solidFill>
+                <a:latin typeface="+mn-lt"/>
+                <a:ea typeface="+mn-ea"/>
+                <a:cs typeface="+mn-cs"/>
+              </a:defRPr>
+            </a:lvl7pPr>
+            <a:lvl8pPr marL="4266923" indent="0" algn="ctr" defTabSz="1219120" rtl="0" eaLnBrk="1" latinLnBrk="0" hangingPunct="1">
+              <a:spcBef>
+                <a:spcPct val="20000"/>
+              </a:spcBef>
+              <a:buFont typeface="Arial" pitchFamily="34" charset="0"/>
+              <a:buNone/>
+              <a:defRPr sz="2667" kern="1200">
+                <a:solidFill>
+                  <a:schemeClr val="tx1">
+                    <a:tint val="75000"/>
+                  </a:schemeClr>
+                </a:solidFill>
+                <a:latin typeface="+mn-lt"/>
+                <a:ea typeface="+mn-ea"/>
+                <a:cs typeface="+mn-cs"/>
+              </a:defRPr>
+            </a:lvl8pPr>
+            <a:lvl9pPr marL="4876483" indent="0" algn="ctr" defTabSz="1219120" rtl="0" eaLnBrk="1" latinLnBrk="0" hangingPunct="1">
+              <a:spcBef>
+                <a:spcPct val="20000"/>
+              </a:spcBef>
+              <a:buFont typeface="Arial" pitchFamily="34" charset="0"/>
+              <a:buNone/>
+              <a:defRPr sz="2667" kern="1200">
+                <a:solidFill>
+                  <a:schemeClr val="tx1">
+                    <a:tint val="75000"/>
+                  </a:schemeClr>
+                </a:solidFill>
+                <a:latin typeface="+mn-lt"/>
+                <a:ea typeface="+mn-ea"/>
+                <a:cs typeface="+mn-cs"/>
+              </a:defRPr>
+            </a:lvl9pPr>
+          </a:lstStyle>
+          <a:p>
+            <a:r>
+              <a:rPr lang="en-US" sz="3200" dirty="0" smtClean="0"/>
+              <a:t>Is the solution able to withstand fault and recover from a failure?</a:t>
+            </a:r>
+            <a:endParaRPr lang="en-US" sz="3200" dirty="0"/>
+          </a:p>
+        </p:txBody>
+      </p:sp>
+      <p:sp>
+        <p:nvSpPr>
+          <p:cNvPr id="8" name="Subtitle 2"/>
+          <p:cNvSpPr>
+            <a:spLocks noGrp="1"/>
+          </p:cNvSpPr>
+          <p:nvPr>
+            <p:ph type="subTitle" idx="1"/>
+          </p:nvPr>
+        </p:nvSpPr>
+        <p:spPr>
+          <a:xfrm>
+            <a:off x="1671638" y="3271838"/>
+            <a:ext cx="4075112" cy="4681537"/>
+          </a:xfrm>
+          <a:noFill/>
+        </p:spPr>
+        <p:txBody>
+          <a:bodyPr anchor="t"/>
+          <a:lstStyle/>
+          <a:p>
+            <a:pPr marL="571500" indent="-571500">
+              <a:lnSpc>
+                <a:spcPct val="120000"/>
+              </a:lnSpc>
+              <a:buFont typeface="Wingdings" charset="2"/>
+              <a:buChar char="Ø"/>
+            </a:pPr>
+            <a:r>
+              <a:rPr lang="en-US" sz="4000" dirty="0" smtClean="0"/>
+              <a:t>Functionality</a:t>
+            </a:r>
+          </a:p>
+          <a:p>
+            <a:pPr marL="571500" indent="-571500">
+              <a:lnSpc>
+                <a:spcPct val="120000"/>
+              </a:lnSpc>
+              <a:buFont typeface="Wingdings" charset="2"/>
+              <a:buChar char="Ø"/>
+            </a:pPr>
+            <a:r>
+              <a:rPr lang="en-US" sz="4000" b="1" dirty="0" smtClean="0"/>
               <a:t>Reliability</a:t>
             </a:r>
-            <a:endParaRPr lang="en-US" dirty="0"/>
-          </a:p>
-        </p:txBody>
-      </p:sp>
-      <p:sp>
-        <p:nvSpPr>
-          <p:cNvPr id="3" name="Subtitle 2"/>
-          <p:cNvSpPr>
-            <a:spLocks noGrp="1"/>
-          </p:cNvSpPr>
-          <p:nvPr>
-            <p:ph type="subTitle" idx="1"/>
-          </p:nvPr>
-        </p:nvSpPr>
-        <p:spPr/>
-        <p:txBody>
-          <a:bodyPr/>
-          <a:lstStyle/>
-          <a:p>
-            <a:endParaRPr lang="en-US" dirty="0"/>
-          </a:p>
-        </p:txBody>
-      </p:sp>
+          </a:p>
+          <a:p>
+            <a:pPr marL="571500" indent="-571500">
+              <a:lnSpc>
+                <a:spcPct val="120000"/>
+              </a:lnSpc>
+              <a:buFont typeface="Wingdings" charset="2"/>
+              <a:buChar char="Ø"/>
+            </a:pPr>
+            <a:r>
+              <a:rPr lang="en-US" sz="4000" dirty="0" smtClean="0"/>
+              <a:t>Usability</a:t>
+            </a:r>
+          </a:p>
+          <a:p>
+            <a:pPr marL="571500" indent="-571500">
+              <a:lnSpc>
+                <a:spcPct val="120000"/>
+              </a:lnSpc>
+              <a:buFont typeface="Wingdings" charset="2"/>
+              <a:buChar char="Ø"/>
+            </a:pPr>
+            <a:r>
+              <a:rPr lang="en-US" sz="4000" dirty="0"/>
+              <a:t>Efficiency</a:t>
+            </a:r>
+          </a:p>
+          <a:p>
+            <a:pPr marL="571500" indent="-571500">
+              <a:lnSpc>
+                <a:spcPct val="120000"/>
+              </a:lnSpc>
+              <a:buFont typeface="Wingdings" charset="2"/>
+              <a:buChar char="Ø"/>
+            </a:pPr>
+            <a:r>
+              <a:rPr lang="en-US" sz="4000" dirty="0"/>
+              <a:t>Maintainability</a:t>
+            </a:r>
+          </a:p>
+          <a:p>
+            <a:pPr marL="571500" indent="-571500">
+              <a:lnSpc>
+                <a:spcPct val="120000"/>
+              </a:lnSpc>
+              <a:buFont typeface="Wingdings" charset="2"/>
+              <a:buChar char="Ø"/>
+            </a:pPr>
+            <a:r>
+              <a:rPr lang="en-US" sz="4000" dirty="0" smtClean="0"/>
+              <a:t>Portability</a:t>
+            </a:r>
+            <a:endParaRPr lang="en-US" sz="4000" dirty="0"/>
+          </a:p>
+        </p:txBody>
+      </p:sp>
+      <p:cxnSp>
+        <p:nvCxnSpPr>
+          <p:cNvPr id="10" name="Straight Connector 9"/>
+          <p:cNvCxnSpPr/>
+          <p:nvPr/>
+        </p:nvCxnSpPr>
+        <p:spPr>
+          <a:xfrm>
+            <a:off x="6016625" y="3365500"/>
+            <a:ext cx="0" cy="4524375"/>
+          </a:xfrm>
+          <a:prstGeom prst="line">
+            <a:avLst/>
+          </a:prstGeom>
+          <a:ln>
+            <a:solidFill>
+              <a:srgbClr val="F18B21"/>
+            </a:solidFill>
+          </a:ln>
+        </p:spPr>
+        <p:style>
+          <a:lnRef idx="3">
+            <a:schemeClr val="accent1"/>
+          </a:lnRef>
+          <a:fillRef idx="0">
+            <a:schemeClr val="accent1"/>
+          </a:fillRef>
+          <a:effectRef idx="2">
+            <a:schemeClr val="accent1"/>
+          </a:effectRef>
+          <a:fontRef idx="minor">
+            <a:schemeClr val="tx1"/>
+          </a:fontRef>
+        </p:style>
+      </p:cxnSp>
     </p:spTree>
     <p:extLst>
       <p:ext uri="{BB962C8B-B14F-4D97-AF65-F5344CB8AC3E}">
@@ -12099,9 +17443,16 @@
   <p:clrMapOvr>
     <a:masterClrMapping/>
   </p:clrMapOvr>
-  <p:transition spd="med">
+  <p:transition xmlns:p14="http://schemas.microsoft.com/office/powerpoint/2010/main" spd="med">
     <p:fade/>
   </p:transition>
+  <p:timing>
+    <p:tnLst>
+      <p:par>
+        <p:cTn xmlns:p14="http://schemas.microsoft.com/office/powerpoint/2010/main" id="1" dur="indefinite" restart="never" nodeType="tmRoot"/>
+      </p:par>
+    </p:tnLst>
+  </p:timing>
 </p:sld>
 </file>
 
@@ -12140,40 +17491,363 @@
           <a:lstStyle/>
           <a:p>
             <a:r>
-              <a:rPr lang="en-US" dirty="0" smtClean="0"/>
+              <a:rPr lang="en-US" dirty="0"/>
+              <a:t>Software Quality Standards</a:t>
+            </a:r>
+            <a:endParaRPr lang="en-US" dirty="0"/>
+          </a:p>
+        </p:txBody>
+      </p:sp>
+      <p:sp>
+        <p:nvSpPr>
+          <p:cNvPr id="5" name="Subtitle 2"/>
+          <p:cNvSpPr txBox="1">
+            <a:spLocks/>
+          </p:cNvSpPr>
+          <p:nvPr/>
+        </p:nvSpPr>
+        <p:spPr bwMode="white">
+          <a:xfrm>
+            <a:off x="6778624" y="3270249"/>
+            <a:ext cx="6842125" cy="4651376"/>
+          </a:xfrm>
+          <a:prstGeom prst="rect">
+            <a:avLst/>
+          </a:prstGeom>
+        </p:spPr>
+        <p:txBody>
+          <a:bodyPr lIns="91440" tIns="91440" rIns="91440" bIns="91440" anchor="ctr">
+            <a:noAutofit/>
+          </a:bodyPr>
+          <a:lstStyle>
+            <a:lvl1pPr marL="0" indent="0" algn="l" defTabSz="1217613" rtl="0" eaLnBrk="1" fontAlgn="base" hangingPunct="1">
+              <a:lnSpc>
+                <a:spcPct val="100000"/>
+              </a:lnSpc>
+              <a:spcBef>
+                <a:spcPts val="0"/>
+              </a:spcBef>
+              <a:spcAft>
+                <a:spcPct val="0"/>
+              </a:spcAft>
+              <a:buSzPct val="90000"/>
+              <a:buFont typeface="Arial" charset="0"/>
+              <a:buNone/>
+              <a:defRPr sz="2800" kern="1200" baseline="0">
+                <a:solidFill>
+                  <a:schemeClr val="accent3">
+                    <a:lumMod val="50000"/>
+                  </a:schemeClr>
+                </a:solidFill>
+                <a:latin typeface="+mn-lt"/>
+                <a:ea typeface="ＭＳ Ｐゴシック" charset="0"/>
+                <a:cs typeface="ＭＳ Ｐゴシック" charset="0"/>
+              </a:defRPr>
+            </a:lvl1pPr>
+            <a:lvl2pPr marL="609561" indent="0" algn="ctr" defTabSz="1217613" rtl="0" eaLnBrk="1" fontAlgn="base" hangingPunct="1">
+              <a:spcBef>
+                <a:spcPts val="800"/>
+              </a:spcBef>
+              <a:spcAft>
+                <a:spcPct val="0"/>
+              </a:spcAft>
+              <a:buSzPct val="90000"/>
+              <a:buFont typeface="Arial" charset="0"/>
+              <a:buNone/>
+              <a:defRPr sz="2800" kern="1200">
+                <a:solidFill>
+                  <a:schemeClr val="tx1">
+                    <a:tint val="75000"/>
+                  </a:schemeClr>
+                </a:solidFill>
+                <a:latin typeface="+mn-lt"/>
+                <a:ea typeface="ＭＳ Ｐゴシック" charset="0"/>
+                <a:cs typeface="+mn-cs"/>
+              </a:defRPr>
+            </a:lvl2pPr>
+            <a:lvl3pPr marL="1219120" indent="0" algn="ctr" defTabSz="1217613" rtl="0" eaLnBrk="1" fontAlgn="base" hangingPunct="1">
+              <a:spcBef>
+                <a:spcPts val="800"/>
+              </a:spcBef>
+              <a:spcAft>
+                <a:spcPct val="0"/>
+              </a:spcAft>
+              <a:buSzPct val="90000"/>
+              <a:buFont typeface="Arial" charset="0"/>
+              <a:buNone/>
+              <a:defRPr sz="2400" kern="1200">
+                <a:solidFill>
+                  <a:schemeClr val="tx1">
+                    <a:tint val="75000"/>
+                  </a:schemeClr>
+                </a:solidFill>
+                <a:latin typeface="+mn-lt"/>
+                <a:ea typeface="ＭＳ Ｐゴシック" charset="0"/>
+                <a:cs typeface="+mn-cs"/>
+              </a:defRPr>
+            </a:lvl3pPr>
+            <a:lvl4pPr marL="1828681" indent="0" algn="ctr" defTabSz="1217613" rtl="0" eaLnBrk="1" fontAlgn="base" hangingPunct="1">
+              <a:spcBef>
+                <a:spcPts val="800"/>
+              </a:spcBef>
+              <a:spcAft>
+                <a:spcPct val="0"/>
+              </a:spcAft>
+              <a:buSzPct val="90000"/>
+              <a:buFont typeface="Arial" charset="0"/>
+              <a:buNone/>
+              <a:defRPr sz="2400" kern="1200">
+                <a:solidFill>
+                  <a:schemeClr val="tx1">
+                    <a:tint val="75000"/>
+                  </a:schemeClr>
+                </a:solidFill>
+                <a:latin typeface="+mn-lt"/>
+                <a:ea typeface="ＭＳ Ｐゴシック" charset="0"/>
+                <a:cs typeface="+mn-cs"/>
+              </a:defRPr>
+            </a:lvl4pPr>
+            <a:lvl5pPr marL="2438242" indent="0" algn="ctr" defTabSz="1217613" rtl="0" eaLnBrk="1" fontAlgn="base" hangingPunct="1">
+              <a:spcBef>
+                <a:spcPts val="800"/>
+              </a:spcBef>
+              <a:spcAft>
+                <a:spcPct val="0"/>
+              </a:spcAft>
+              <a:buSzPct val="90000"/>
+              <a:buFont typeface="Arial" charset="0"/>
+              <a:buNone/>
+              <a:defRPr sz="2000" kern="1200">
+                <a:solidFill>
+                  <a:schemeClr val="tx1">
+                    <a:tint val="75000"/>
+                  </a:schemeClr>
+                </a:solidFill>
+                <a:latin typeface="+mn-lt"/>
+                <a:ea typeface="ＭＳ Ｐゴシック" charset="0"/>
+                <a:cs typeface="+mn-cs"/>
+              </a:defRPr>
+            </a:lvl5pPr>
+            <a:lvl6pPr marL="3047802" indent="0" algn="ctr" defTabSz="1219120" rtl="0" eaLnBrk="1" latinLnBrk="0" hangingPunct="1">
+              <a:spcBef>
+                <a:spcPct val="20000"/>
+              </a:spcBef>
+              <a:buFont typeface="Arial" pitchFamily="34" charset="0"/>
+              <a:buNone/>
+              <a:defRPr sz="2667" kern="1200">
+                <a:solidFill>
+                  <a:schemeClr val="tx1">
+                    <a:tint val="75000"/>
+                  </a:schemeClr>
+                </a:solidFill>
+                <a:latin typeface="+mn-lt"/>
+                <a:ea typeface="+mn-ea"/>
+                <a:cs typeface="+mn-cs"/>
+              </a:defRPr>
+            </a:lvl6pPr>
+            <a:lvl7pPr marL="3657362" indent="0" algn="ctr" defTabSz="1219120" rtl="0" eaLnBrk="1" latinLnBrk="0" hangingPunct="1">
+              <a:spcBef>
+                <a:spcPct val="20000"/>
+              </a:spcBef>
+              <a:buFont typeface="Arial" pitchFamily="34" charset="0"/>
+              <a:buNone/>
+              <a:defRPr sz="2667" kern="1200">
+                <a:solidFill>
+                  <a:schemeClr val="tx1">
+                    <a:tint val="75000"/>
+                  </a:schemeClr>
+                </a:solidFill>
+                <a:latin typeface="+mn-lt"/>
+                <a:ea typeface="+mn-ea"/>
+                <a:cs typeface="+mn-cs"/>
+              </a:defRPr>
+            </a:lvl7pPr>
+            <a:lvl8pPr marL="4266923" indent="0" algn="ctr" defTabSz="1219120" rtl="0" eaLnBrk="1" latinLnBrk="0" hangingPunct="1">
+              <a:spcBef>
+                <a:spcPct val="20000"/>
+              </a:spcBef>
+              <a:buFont typeface="Arial" pitchFamily="34" charset="0"/>
+              <a:buNone/>
+              <a:defRPr sz="2667" kern="1200">
+                <a:solidFill>
+                  <a:schemeClr val="tx1">
+                    <a:tint val="75000"/>
+                  </a:schemeClr>
+                </a:solidFill>
+                <a:latin typeface="+mn-lt"/>
+                <a:ea typeface="+mn-ea"/>
+                <a:cs typeface="+mn-cs"/>
+              </a:defRPr>
+            </a:lvl8pPr>
+            <a:lvl9pPr marL="4876483" indent="0" algn="ctr" defTabSz="1219120" rtl="0" eaLnBrk="1" latinLnBrk="0" hangingPunct="1">
+              <a:spcBef>
+                <a:spcPct val="20000"/>
+              </a:spcBef>
+              <a:buFont typeface="Arial" pitchFamily="34" charset="0"/>
+              <a:buNone/>
+              <a:defRPr sz="2667" kern="1200">
+                <a:solidFill>
+                  <a:schemeClr val="tx1">
+                    <a:tint val="75000"/>
+                  </a:schemeClr>
+                </a:solidFill>
+                <a:latin typeface="+mn-lt"/>
+                <a:ea typeface="+mn-ea"/>
+                <a:cs typeface="+mn-cs"/>
+              </a:defRPr>
+            </a:lvl9pPr>
+          </a:lstStyle>
+          <a:p>
+            <a:r>
+              <a:rPr lang="en-US" sz="3200" dirty="0" smtClean="0"/>
+              <a:t>Is the code easy to understand?</a:t>
+            </a:r>
+          </a:p>
+          <a:p>
+            <a:r>
+              <a:rPr lang="en-US" sz="3200" dirty="0" smtClean="0"/>
+              <a:t>Is it easy to learn?</a:t>
+            </a:r>
+            <a:endParaRPr lang="en-US" sz="3200" dirty="0"/>
+          </a:p>
+        </p:txBody>
+      </p:sp>
+      <p:sp>
+        <p:nvSpPr>
+          <p:cNvPr id="6" name="Subtitle 2"/>
+          <p:cNvSpPr>
+            <a:spLocks noGrp="1"/>
+          </p:cNvSpPr>
+          <p:nvPr>
+            <p:ph type="subTitle" idx="1"/>
+          </p:nvPr>
+        </p:nvSpPr>
+        <p:spPr>
+          <a:xfrm>
+            <a:off x="1671638" y="3271838"/>
+            <a:ext cx="4075112" cy="4681537"/>
+          </a:xfrm>
+          <a:noFill/>
+        </p:spPr>
+        <p:txBody>
+          <a:bodyPr anchor="t"/>
+          <a:lstStyle/>
+          <a:p>
+            <a:pPr marL="571500" indent="-571500">
+              <a:lnSpc>
+                <a:spcPct val="120000"/>
+              </a:lnSpc>
+              <a:buFont typeface="Wingdings" charset="2"/>
+              <a:buChar char="Ø"/>
+            </a:pPr>
+            <a:r>
+              <a:rPr lang="en-US" sz="4000" dirty="0" smtClean="0"/>
+              <a:t>Functionality</a:t>
+            </a:r>
+          </a:p>
+          <a:p>
+            <a:pPr marL="571500" indent="-571500">
+              <a:lnSpc>
+                <a:spcPct val="120000"/>
+              </a:lnSpc>
+              <a:buFont typeface="Wingdings" charset="2"/>
+              <a:buChar char="Ø"/>
+            </a:pPr>
+            <a:r>
+              <a:rPr lang="en-US" sz="4000" dirty="0" smtClean="0"/>
+              <a:t>Reliability</a:t>
+            </a:r>
+          </a:p>
+          <a:p>
+            <a:pPr marL="571500" indent="-571500">
+              <a:lnSpc>
+                <a:spcPct val="120000"/>
+              </a:lnSpc>
+              <a:buFont typeface="Wingdings" charset="2"/>
+              <a:buChar char="Ø"/>
+            </a:pPr>
+            <a:r>
+              <a:rPr lang="en-US" sz="4000" b="1" dirty="0" smtClean="0"/>
               <a:t>Usability</a:t>
             </a:r>
-            <a:endParaRPr lang="en-US" dirty="0"/>
-          </a:p>
-        </p:txBody>
-      </p:sp>
-      <p:sp>
-        <p:nvSpPr>
-          <p:cNvPr id="3" name="Subtitle 2"/>
-          <p:cNvSpPr>
-            <a:spLocks noGrp="1"/>
-          </p:cNvSpPr>
-          <p:nvPr>
-            <p:ph type="subTitle" idx="1"/>
-          </p:nvPr>
-        </p:nvSpPr>
-        <p:spPr/>
-        <p:txBody>
-          <a:bodyPr/>
-          <a:lstStyle/>
-          <a:p>
-            <a:r>
-              <a:rPr lang="en-US" dirty="0"/>
-              <a:t>Is the code easy to understand? Is it easy to learn</a:t>
-            </a:r>
-            <a:r>
-              <a:rPr lang="en-US" dirty="0" smtClean="0"/>
-              <a:t>?</a:t>
-            </a:r>
-            <a:endParaRPr lang="en-US" dirty="0"/>
-          </a:p>
-        </p:txBody>
-      </p:sp>
+          </a:p>
+          <a:p>
+            <a:pPr marL="571500" indent="-571500">
+              <a:lnSpc>
+                <a:spcPct val="120000"/>
+              </a:lnSpc>
+              <a:buFont typeface="Wingdings" charset="2"/>
+              <a:buChar char="Ø"/>
+            </a:pPr>
+            <a:r>
+              <a:rPr lang="en-US" sz="4000" dirty="0"/>
+              <a:t>Efficiency</a:t>
+            </a:r>
+          </a:p>
+          <a:p>
+            <a:pPr marL="571500" indent="-571500">
+              <a:lnSpc>
+                <a:spcPct val="120000"/>
+              </a:lnSpc>
+              <a:buFont typeface="Wingdings" charset="2"/>
+              <a:buChar char="Ø"/>
+            </a:pPr>
+            <a:r>
+              <a:rPr lang="en-US" sz="4000" dirty="0"/>
+              <a:t>Maintainability</a:t>
+            </a:r>
+          </a:p>
+          <a:p>
+            <a:pPr marL="571500" indent="-571500">
+              <a:lnSpc>
+                <a:spcPct val="120000"/>
+              </a:lnSpc>
+              <a:buFont typeface="Wingdings" charset="2"/>
+              <a:buChar char="Ø"/>
+            </a:pPr>
+            <a:r>
+              <a:rPr lang="en-US" sz="4000" dirty="0" smtClean="0"/>
+              <a:t>Portability</a:t>
+            </a:r>
+            <a:endParaRPr lang="en-US" sz="4000" dirty="0"/>
+          </a:p>
+        </p:txBody>
+      </p:sp>
+      <p:cxnSp>
+        <p:nvCxnSpPr>
+          <p:cNvPr id="8" name="Straight Connector 7"/>
+          <p:cNvCxnSpPr/>
+          <p:nvPr/>
+        </p:nvCxnSpPr>
+        <p:spPr>
+          <a:xfrm>
+            <a:off x="6016625" y="3365500"/>
+            <a:ext cx="0" cy="4524375"/>
+          </a:xfrm>
+          <a:prstGeom prst="line">
+            <a:avLst/>
+          </a:prstGeom>
+          <a:ln>
+            <a:solidFill>
+              <a:srgbClr val="F18B21"/>
+            </a:solidFill>
+          </a:ln>
+        </p:spPr>
+        <p:style>
+          <a:lnRef idx="3">
+            <a:schemeClr val="accent1"/>
+          </a:lnRef>
+          <a:fillRef idx="0">
+            <a:schemeClr val="accent1"/>
+          </a:fillRef>
+          <a:effectRef idx="2">
+            <a:schemeClr val="accent1"/>
+          </a:effectRef>
+          <a:fontRef idx="minor">
+            <a:schemeClr val="tx1"/>
+          </a:fontRef>
+        </p:style>
+      </p:cxnSp>
     </p:spTree>
     <p:extLst>
       <p:ext uri="{BB962C8B-B14F-4D97-AF65-F5344CB8AC3E}">
@@ -12184,9 +17858,16 @@
   <p:clrMapOvr>
     <a:masterClrMapping/>
   </p:clrMapOvr>
-  <p:transition spd="med">
+  <p:transition xmlns:p14="http://schemas.microsoft.com/office/powerpoint/2010/main" spd="med">
     <p:fade/>
   </p:transition>
+  <p:timing>
+    <p:tnLst>
+      <p:par>
+        <p:cTn xmlns:p14="http://schemas.microsoft.com/office/powerpoint/2010/main" id="1" dur="indefinite" restart="never" nodeType="tmRoot"/>
+      </p:par>
+    </p:tnLst>
+  </p:timing>
 </p:sld>
 </file>
 
@@ -12225,32 +17906,357 @@
           <a:lstStyle/>
           <a:p>
             <a:r>
-              <a:rPr lang="en-US" dirty="0" smtClean="0"/>
+              <a:rPr lang="en-US" dirty="0"/>
+              <a:t>Software Quality Standards</a:t>
+            </a:r>
+            <a:endParaRPr lang="en-US" dirty="0"/>
+          </a:p>
+        </p:txBody>
+      </p:sp>
+      <p:sp>
+        <p:nvSpPr>
+          <p:cNvPr id="4" name="Subtitle 2"/>
+          <p:cNvSpPr txBox="1">
+            <a:spLocks/>
+          </p:cNvSpPr>
+          <p:nvPr/>
+        </p:nvSpPr>
+        <p:spPr bwMode="white">
+          <a:xfrm>
+            <a:off x="6778624" y="3270249"/>
+            <a:ext cx="6842125" cy="4651376"/>
+          </a:xfrm>
+          <a:prstGeom prst="rect">
+            <a:avLst/>
+          </a:prstGeom>
+        </p:spPr>
+        <p:txBody>
+          <a:bodyPr lIns="91440" tIns="91440" rIns="91440" bIns="91440" anchor="ctr">
+            <a:noAutofit/>
+          </a:bodyPr>
+          <a:lstStyle>
+            <a:lvl1pPr marL="0" indent="0" algn="l" defTabSz="1217613" rtl="0" eaLnBrk="1" fontAlgn="base" hangingPunct="1">
+              <a:lnSpc>
+                <a:spcPct val="100000"/>
+              </a:lnSpc>
+              <a:spcBef>
+                <a:spcPts val="0"/>
+              </a:spcBef>
+              <a:spcAft>
+                <a:spcPct val="0"/>
+              </a:spcAft>
+              <a:buSzPct val="90000"/>
+              <a:buFont typeface="Arial" charset="0"/>
+              <a:buNone/>
+              <a:defRPr sz="2800" kern="1200" baseline="0">
+                <a:solidFill>
+                  <a:schemeClr val="accent3">
+                    <a:lumMod val="50000"/>
+                  </a:schemeClr>
+                </a:solidFill>
+                <a:latin typeface="+mn-lt"/>
+                <a:ea typeface="ＭＳ Ｐゴシック" charset="0"/>
+                <a:cs typeface="ＭＳ Ｐゴシック" charset="0"/>
+              </a:defRPr>
+            </a:lvl1pPr>
+            <a:lvl2pPr marL="609561" indent="0" algn="ctr" defTabSz="1217613" rtl="0" eaLnBrk="1" fontAlgn="base" hangingPunct="1">
+              <a:spcBef>
+                <a:spcPts val="800"/>
+              </a:spcBef>
+              <a:spcAft>
+                <a:spcPct val="0"/>
+              </a:spcAft>
+              <a:buSzPct val="90000"/>
+              <a:buFont typeface="Arial" charset="0"/>
+              <a:buNone/>
+              <a:defRPr sz="2800" kern="1200">
+                <a:solidFill>
+                  <a:schemeClr val="tx1">
+                    <a:tint val="75000"/>
+                  </a:schemeClr>
+                </a:solidFill>
+                <a:latin typeface="+mn-lt"/>
+                <a:ea typeface="ＭＳ Ｐゴシック" charset="0"/>
+                <a:cs typeface="+mn-cs"/>
+              </a:defRPr>
+            </a:lvl2pPr>
+            <a:lvl3pPr marL="1219120" indent="0" algn="ctr" defTabSz="1217613" rtl="0" eaLnBrk="1" fontAlgn="base" hangingPunct="1">
+              <a:spcBef>
+                <a:spcPts val="800"/>
+              </a:spcBef>
+              <a:spcAft>
+                <a:spcPct val="0"/>
+              </a:spcAft>
+              <a:buSzPct val="90000"/>
+              <a:buFont typeface="Arial" charset="0"/>
+              <a:buNone/>
+              <a:defRPr sz="2400" kern="1200">
+                <a:solidFill>
+                  <a:schemeClr val="tx1">
+                    <a:tint val="75000"/>
+                  </a:schemeClr>
+                </a:solidFill>
+                <a:latin typeface="+mn-lt"/>
+                <a:ea typeface="ＭＳ Ｐゴシック" charset="0"/>
+                <a:cs typeface="+mn-cs"/>
+              </a:defRPr>
+            </a:lvl3pPr>
+            <a:lvl4pPr marL="1828681" indent="0" algn="ctr" defTabSz="1217613" rtl="0" eaLnBrk="1" fontAlgn="base" hangingPunct="1">
+              <a:spcBef>
+                <a:spcPts val="800"/>
+              </a:spcBef>
+              <a:spcAft>
+                <a:spcPct val="0"/>
+              </a:spcAft>
+              <a:buSzPct val="90000"/>
+              <a:buFont typeface="Arial" charset="0"/>
+              <a:buNone/>
+              <a:defRPr sz="2400" kern="1200">
+                <a:solidFill>
+                  <a:schemeClr val="tx1">
+                    <a:tint val="75000"/>
+                  </a:schemeClr>
+                </a:solidFill>
+                <a:latin typeface="+mn-lt"/>
+                <a:ea typeface="ＭＳ Ｐゴシック" charset="0"/>
+                <a:cs typeface="+mn-cs"/>
+              </a:defRPr>
+            </a:lvl4pPr>
+            <a:lvl5pPr marL="2438242" indent="0" algn="ctr" defTabSz="1217613" rtl="0" eaLnBrk="1" fontAlgn="base" hangingPunct="1">
+              <a:spcBef>
+                <a:spcPts val="800"/>
+              </a:spcBef>
+              <a:spcAft>
+                <a:spcPct val="0"/>
+              </a:spcAft>
+              <a:buSzPct val="90000"/>
+              <a:buFont typeface="Arial" charset="0"/>
+              <a:buNone/>
+              <a:defRPr sz="2000" kern="1200">
+                <a:solidFill>
+                  <a:schemeClr val="tx1">
+                    <a:tint val="75000"/>
+                  </a:schemeClr>
+                </a:solidFill>
+                <a:latin typeface="+mn-lt"/>
+                <a:ea typeface="ＭＳ Ｐゴシック" charset="0"/>
+                <a:cs typeface="+mn-cs"/>
+              </a:defRPr>
+            </a:lvl5pPr>
+            <a:lvl6pPr marL="3047802" indent="0" algn="ctr" defTabSz="1219120" rtl="0" eaLnBrk="1" latinLnBrk="0" hangingPunct="1">
+              <a:spcBef>
+                <a:spcPct val="20000"/>
+              </a:spcBef>
+              <a:buFont typeface="Arial" pitchFamily="34" charset="0"/>
+              <a:buNone/>
+              <a:defRPr sz="2667" kern="1200">
+                <a:solidFill>
+                  <a:schemeClr val="tx1">
+                    <a:tint val="75000"/>
+                  </a:schemeClr>
+                </a:solidFill>
+                <a:latin typeface="+mn-lt"/>
+                <a:ea typeface="+mn-ea"/>
+                <a:cs typeface="+mn-cs"/>
+              </a:defRPr>
+            </a:lvl6pPr>
+            <a:lvl7pPr marL="3657362" indent="0" algn="ctr" defTabSz="1219120" rtl="0" eaLnBrk="1" latinLnBrk="0" hangingPunct="1">
+              <a:spcBef>
+                <a:spcPct val="20000"/>
+              </a:spcBef>
+              <a:buFont typeface="Arial" pitchFamily="34" charset="0"/>
+              <a:buNone/>
+              <a:defRPr sz="2667" kern="1200">
+                <a:solidFill>
+                  <a:schemeClr val="tx1">
+                    <a:tint val="75000"/>
+                  </a:schemeClr>
+                </a:solidFill>
+                <a:latin typeface="+mn-lt"/>
+                <a:ea typeface="+mn-ea"/>
+                <a:cs typeface="+mn-cs"/>
+              </a:defRPr>
+            </a:lvl7pPr>
+            <a:lvl8pPr marL="4266923" indent="0" algn="ctr" defTabSz="1219120" rtl="0" eaLnBrk="1" latinLnBrk="0" hangingPunct="1">
+              <a:spcBef>
+                <a:spcPct val="20000"/>
+              </a:spcBef>
+              <a:buFont typeface="Arial" pitchFamily="34" charset="0"/>
+              <a:buNone/>
+              <a:defRPr sz="2667" kern="1200">
+                <a:solidFill>
+                  <a:schemeClr val="tx1">
+                    <a:tint val="75000"/>
+                  </a:schemeClr>
+                </a:solidFill>
+                <a:latin typeface="+mn-lt"/>
+                <a:ea typeface="+mn-ea"/>
+                <a:cs typeface="+mn-cs"/>
+              </a:defRPr>
+            </a:lvl8pPr>
+            <a:lvl9pPr marL="4876483" indent="0" algn="ctr" defTabSz="1219120" rtl="0" eaLnBrk="1" latinLnBrk="0" hangingPunct="1">
+              <a:spcBef>
+                <a:spcPct val="20000"/>
+              </a:spcBef>
+              <a:buFont typeface="Arial" pitchFamily="34" charset="0"/>
+              <a:buNone/>
+              <a:defRPr sz="2667" kern="1200">
+                <a:solidFill>
+                  <a:schemeClr val="tx1">
+                    <a:tint val="75000"/>
+                  </a:schemeClr>
+                </a:solidFill>
+                <a:latin typeface="+mn-lt"/>
+                <a:ea typeface="+mn-ea"/>
+                <a:cs typeface="+mn-cs"/>
+              </a:defRPr>
+            </a:lvl9pPr>
+          </a:lstStyle>
+          <a:p>
+            <a:r>
+              <a:rPr lang="en-US" sz="3200" dirty="0" smtClean="0"/>
+              <a:t>Does the code consume too many physical resources when it executes (e.g. CPU, memory)?</a:t>
+            </a:r>
+            <a:endParaRPr lang="en-US" sz="3200" dirty="0"/>
+          </a:p>
+        </p:txBody>
+      </p:sp>
+      <p:sp>
+        <p:nvSpPr>
+          <p:cNvPr id="5" name="Subtitle 2"/>
+          <p:cNvSpPr>
+            <a:spLocks noGrp="1"/>
+          </p:cNvSpPr>
+          <p:nvPr>
+            <p:ph type="subTitle" idx="1"/>
+          </p:nvPr>
+        </p:nvSpPr>
+        <p:spPr>
+          <a:xfrm>
+            <a:off x="1671638" y="3271838"/>
+            <a:ext cx="4075112" cy="4681537"/>
+          </a:xfrm>
+          <a:noFill/>
+        </p:spPr>
+        <p:txBody>
+          <a:bodyPr anchor="t"/>
+          <a:lstStyle/>
+          <a:p>
+            <a:pPr marL="571500" indent="-571500">
+              <a:lnSpc>
+                <a:spcPct val="120000"/>
+              </a:lnSpc>
+              <a:buFont typeface="Wingdings" charset="2"/>
+              <a:buChar char="Ø"/>
+            </a:pPr>
+            <a:r>
+              <a:rPr lang="en-US" sz="4000" dirty="0" smtClean="0"/>
+              <a:t>Functionality</a:t>
+            </a:r>
+          </a:p>
+          <a:p>
+            <a:pPr marL="571500" indent="-571500">
+              <a:lnSpc>
+                <a:spcPct val="120000"/>
+              </a:lnSpc>
+              <a:buFont typeface="Wingdings" charset="2"/>
+              <a:buChar char="Ø"/>
+            </a:pPr>
+            <a:r>
+              <a:rPr lang="en-US" sz="4000" dirty="0" smtClean="0"/>
+              <a:t>Reliability</a:t>
+            </a:r>
+          </a:p>
+          <a:p>
+            <a:pPr marL="571500" indent="-571500">
+              <a:lnSpc>
+                <a:spcPct val="120000"/>
+              </a:lnSpc>
+              <a:buFont typeface="Wingdings" charset="2"/>
+              <a:buChar char="Ø"/>
+            </a:pPr>
+            <a:r>
+              <a:rPr lang="en-US" sz="4000" dirty="0" smtClean="0"/>
+              <a:t>Usability</a:t>
+            </a:r>
+          </a:p>
+          <a:p>
+            <a:pPr marL="571500" indent="-571500">
+              <a:lnSpc>
+                <a:spcPct val="120000"/>
+              </a:lnSpc>
+              <a:buFont typeface="Wingdings" charset="2"/>
+              <a:buChar char="Ø"/>
+            </a:pPr>
+            <a:r>
+              <a:rPr lang="en-US" sz="4000" b="1" dirty="0"/>
               <a:t>Efficiency</a:t>
             </a:r>
-            <a:endParaRPr lang="en-US" dirty="0"/>
-          </a:p>
-        </p:txBody>
-      </p:sp>
-      <p:sp>
-        <p:nvSpPr>
-          <p:cNvPr id="3" name="Subtitle 2"/>
-          <p:cNvSpPr>
-            <a:spLocks noGrp="1"/>
-          </p:cNvSpPr>
-          <p:nvPr>
-            <p:ph type="subTitle" idx="1"/>
-          </p:nvPr>
-        </p:nvSpPr>
-        <p:spPr/>
-        <p:txBody>
-          <a:bodyPr/>
-          <a:lstStyle/>
-          <a:p>
-            <a:endParaRPr lang="en-US"/>
-          </a:p>
-        </p:txBody>
-      </p:sp>
+          </a:p>
+          <a:p>
+            <a:pPr marL="571500" indent="-571500">
+              <a:lnSpc>
+                <a:spcPct val="120000"/>
+              </a:lnSpc>
+              <a:buFont typeface="Wingdings" charset="2"/>
+              <a:buChar char="Ø"/>
+            </a:pPr>
+            <a:r>
+              <a:rPr lang="en-US" sz="4000" dirty="0"/>
+              <a:t>Maintainability</a:t>
+            </a:r>
+          </a:p>
+          <a:p>
+            <a:pPr marL="571500" indent="-571500">
+              <a:lnSpc>
+                <a:spcPct val="120000"/>
+              </a:lnSpc>
+              <a:buFont typeface="Wingdings" charset="2"/>
+              <a:buChar char="Ø"/>
+            </a:pPr>
+            <a:r>
+              <a:rPr lang="en-US" sz="4000" dirty="0" smtClean="0"/>
+              <a:t>Portability</a:t>
+            </a:r>
+            <a:endParaRPr lang="en-US" sz="4000" dirty="0"/>
+          </a:p>
+        </p:txBody>
+      </p:sp>
+      <p:cxnSp>
+        <p:nvCxnSpPr>
+          <p:cNvPr id="7" name="Straight Connector 6"/>
+          <p:cNvCxnSpPr/>
+          <p:nvPr/>
+        </p:nvCxnSpPr>
+        <p:spPr>
+          <a:xfrm>
+            <a:off x="6016625" y="3349625"/>
+            <a:ext cx="0" cy="4524375"/>
+          </a:xfrm>
+          <a:prstGeom prst="line">
+            <a:avLst/>
+          </a:prstGeom>
+          <a:ln>
+            <a:solidFill>
+              <a:srgbClr val="F18B21"/>
+            </a:solidFill>
+          </a:ln>
+        </p:spPr>
+        <p:style>
+          <a:lnRef idx="3">
+            <a:schemeClr val="accent1"/>
+          </a:lnRef>
+          <a:fillRef idx="0">
+            <a:schemeClr val="accent1"/>
+          </a:fillRef>
+          <a:effectRef idx="2">
+            <a:schemeClr val="accent1"/>
+          </a:effectRef>
+          <a:fontRef idx="minor">
+            <a:schemeClr val="tx1"/>
+          </a:fontRef>
+        </p:style>
+      </p:cxnSp>
     </p:spTree>
     <p:extLst>
       <p:ext uri="{BB962C8B-B14F-4D97-AF65-F5344CB8AC3E}">
@@ -12261,9 +18267,16 @@
   <p:clrMapOvr>
     <a:masterClrMapping/>
   </p:clrMapOvr>
-  <p:transition spd="med">
+  <p:transition xmlns:p14="http://schemas.microsoft.com/office/powerpoint/2010/main" spd="med">
     <p:fade/>
   </p:transition>
+  <p:timing>
+    <p:tnLst>
+      <p:par>
+        <p:cTn xmlns:p14="http://schemas.microsoft.com/office/powerpoint/2010/main" id="1" dur="indefinite" restart="never" nodeType="tmRoot"/>
+      </p:par>
+    </p:tnLst>
+  </p:timing>
 </p:sld>
 </file>
 
@@ -12643,7 +18656,7 @@
   <a:extraClrSchemeLst/>
   <a:extLst>
     <a:ext uri="{05A4C25C-085E-4340-85A3-A5531E510DB2}">
-      <thm15:themeFamily xmlns:thm15="http://schemas.microsoft.com/office/thememl/2012/main" name="Chef-TemplateComps_v09-16x9-Light.potx" id="{078CEFDB-FA7A-4E36-9964-13EF367585CB}" vid="{8B87B0F3-7308-43D5-8388-E1B49EA02652}"/>
+      <thm15:themeFamily xmlns:thm15="http://schemas.microsoft.com/office/thememl/2012/main" xmlns="" name="Chef-TemplateComps_v09-16x9-Light.potx" id="{078CEFDB-FA7A-4E36-9964-13EF367585CB}" vid="{8B87B0F3-7308-43D5-8388-E1B49EA02652}"/>
     </a:ext>
   </a:extLst>
 </a:theme>
@@ -13025,7 +19038,7 @@
   <a:extraClrSchemeLst/>
   <a:extLst>
     <a:ext uri="{05A4C25C-085E-4340-85A3-A5531E510DB2}">
-      <thm15:themeFamily xmlns:thm15="http://schemas.microsoft.com/office/thememl/2012/main" name="Chef-TemplateComps_v09-16x9-Light.potx" id="{078CEFDB-FA7A-4E36-9964-13EF367585CB}" vid="{8B87B0F3-7308-43D5-8388-E1B49EA02652}"/>
+      <thm15:themeFamily xmlns:thm15="http://schemas.microsoft.com/office/thememl/2012/main" xmlns="" name="Chef-TemplateComps_v09-16x9-Light.potx" id="{078CEFDB-FA7A-4E36-9964-13EF367585CB}" vid="{8B87B0F3-7308-43D5-8388-E1B49EA02652}"/>
     </a:ext>
   </a:extLst>
 </a:theme>

--- a/03-why_use_custom_resources.pptx
+++ b/03-why_use_custom_resources.pptx
@@ -164,7 +164,7 @@
   </p:defaultTextStyle>
   <p:extLst>
     <p:ext uri="{EFAFB233-063F-42B5-8137-9DF3F51BA10A}">
-      <p15:sldGuideLst xmlns:p15="http://schemas.microsoft.com/office/powerpoint/2012/main" xmlns="">
+      <p15:sldGuideLst xmlns:p15="http://schemas.microsoft.com/office/powerpoint/2012/main">
         <p15:guide id="1" orient="horz" pos="1392" userDrawn="1">
           <p15:clr>
             <a:srgbClr val="A4A3A4"/>
@@ -175,10 +175,15 @@
             <a:srgbClr val="A4A3A4"/>
           </p15:clr>
         </p15:guide>
+        <p15:guide id="3" orient="horz" pos="2052">
+          <p15:clr>
+            <a:srgbClr val="A4A3A4"/>
+          </p15:clr>
+        </p15:guide>
       </p15:sldGuideLst>
     </p:ext>
     <p:ext uri="{2D200454-40CA-4A62-9FC3-DE9A4176ACB9}">
-      <p15:notesGuideLst xmlns:p15="http://schemas.microsoft.com/office/powerpoint/2012/main" xmlns=""/>
+      <p15:notesGuideLst xmlns:p15="http://schemas.microsoft.com/office/powerpoint/2012/main"/>
     </p:ext>
   </p:extLst>
 </p:presentation>
@@ -295,7 +300,7 @@
               <a:pPr>
                 <a:defRPr/>
               </a:pPr>
-              <a:t>10/11/16</a:t>
+              <a:t>2016-10-23</a:t>
             </a:fld>
             <a:endParaRPr lang="en-US" dirty="0"/>
           </a:p>
@@ -478,7 +483,7 @@
               <a:pPr>
                 <a:defRPr/>
               </a:pPr>
-              <a:t>10/11/16</a:t>
+              <a:t>2016-10-23</a:t>
             </a:fld>
             <a:endParaRPr lang="en-US" dirty="0"/>
           </a:p>
@@ -3691,7 +3696,7 @@
   <p:clrMapOvr>
     <a:masterClrMapping/>
   </p:clrMapOvr>
-  <p:transition xmlns:p14="http://schemas.microsoft.com/office/powerpoint/2010/main" spd="med">
+  <p:transition spd="med">
     <p:fade/>
   </p:transition>
 </p:sldLayout>
@@ -3986,7 +3991,7 @@
   <p:clrMapOvr>
     <a:overrideClrMapping bg1="lt1" tx1="dk1" bg2="lt2" tx2="dk2" accent1="accent1" accent2="accent2" accent3="accent3" accent4="accent4" accent5="accent5" accent6="accent6" hlink="hlink" folHlink="folHlink"/>
   </p:clrMapOvr>
-  <p:transition xmlns:p14="http://schemas.microsoft.com/office/powerpoint/2010/main" spd="med">
+  <p:transition spd="med">
     <p:fade/>
   </p:transition>
 </p:sldLayout>
@@ -4119,14 +4124,14 @@
           </a:ln>
           <a:extLst>
             <a:ext uri="{909E8E84-426E-40dd-AFC4-6F175D3DCCD1}">
-              <a14:hiddenFill xmlns:a14="http://schemas.microsoft.com/office/drawing/2010/main">
+              <a14:hiddenFill xmlns:a14="http://schemas.microsoft.com/office/drawing/2010/main" xmlns="">
                 <a:solidFill>
                   <a:srgbClr val="FFFFFF"/>
                 </a:solidFill>
               </a14:hiddenFill>
             </a:ext>
             <a:ext uri="{91240B29-F687-4f45-9708-019B960494DF}">
-              <a14:hiddenLine xmlns:a14="http://schemas.microsoft.com/office/drawing/2010/main" w="9525">
+              <a14:hiddenLine xmlns:a14="http://schemas.microsoft.com/office/drawing/2010/main" xmlns="" w="9525">
                 <a:solidFill>
                   <a:srgbClr val="000000"/>
                 </a:solidFill>
@@ -4274,14 +4279,14 @@
           </a:ln>
           <a:extLst>
             <a:ext uri="{909E8E84-426E-40dd-AFC4-6F175D3DCCD1}">
-              <a14:hiddenFill xmlns:a14="http://schemas.microsoft.com/office/drawing/2010/main">
+              <a14:hiddenFill xmlns:a14="http://schemas.microsoft.com/office/drawing/2010/main" xmlns="">
                 <a:solidFill>
                   <a:srgbClr val="FFFFFF"/>
                 </a:solidFill>
               </a14:hiddenFill>
             </a:ext>
             <a:ext uri="{91240B29-F687-4f45-9708-019B960494DF}">
-              <a14:hiddenLine xmlns:a14="http://schemas.microsoft.com/office/drawing/2010/main" w="9525">
+              <a14:hiddenLine xmlns:a14="http://schemas.microsoft.com/office/drawing/2010/main" xmlns="" w="9525">
                 <a:solidFill>
                   <a:srgbClr val="000000"/>
                 </a:solidFill>
@@ -4679,7 +4684,7 @@
   <p:clrMapOvr>
     <a:overrideClrMapping bg1="lt1" tx1="dk1" bg2="lt2" tx2="dk2" accent1="accent1" accent2="accent2" accent3="accent3" accent4="accent4" accent5="accent5" accent6="accent6" hlink="hlink" folHlink="folHlink"/>
   </p:clrMapOvr>
-  <p:transition xmlns:p14="http://schemas.microsoft.com/office/powerpoint/2010/main" spd="med">
+  <p:transition spd="med">
     <p:fade/>
   </p:transition>
 </p:sldLayout>
@@ -4772,14 +4777,14 @@
           </a:ln>
           <a:extLst>
             <a:ext uri="{909E8E84-426E-40dd-AFC4-6F175D3DCCD1}">
-              <a14:hiddenFill xmlns:a14="http://schemas.microsoft.com/office/drawing/2010/main">
+              <a14:hiddenFill xmlns:a14="http://schemas.microsoft.com/office/drawing/2010/main" xmlns="">
                 <a:solidFill>
                   <a:srgbClr val="FFFFFF"/>
                 </a:solidFill>
               </a14:hiddenFill>
             </a:ext>
             <a:ext uri="{91240B29-F687-4f45-9708-019B960494DF}">
-              <a14:hiddenLine xmlns:a14="http://schemas.microsoft.com/office/drawing/2010/main" w="9525">
+              <a14:hiddenLine xmlns:a14="http://schemas.microsoft.com/office/drawing/2010/main" xmlns="" w="9525">
                 <a:solidFill>
                   <a:srgbClr val="000000"/>
                 </a:solidFill>
@@ -4801,7 +4806,7 @@
   <p:clrMapOvr>
     <a:masterClrMapping/>
   </p:clrMapOvr>
-  <p:transition xmlns:p14="http://schemas.microsoft.com/office/powerpoint/2010/main" spd="med">
+  <p:transition spd="med">
     <p:fade/>
   </p:transition>
 </p:sldLayout>
@@ -5088,7 +5093,7 @@
   <p:clrMapOvr>
     <a:masterClrMapping/>
   </p:clrMapOvr>
-  <p:transition xmlns:p14="http://schemas.microsoft.com/office/powerpoint/2010/main" spd="med">
+  <p:transition spd="med">
     <p:fade/>
   </p:transition>
 </p:sldLayout>
@@ -5375,7 +5380,7 @@
   <p:clrMapOvr>
     <a:masterClrMapping/>
   </p:clrMapOvr>
-  <p:transition xmlns:p14="http://schemas.microsoft.com/office/powerpoint/2010/main" spd="med">
+  <p:transition spd="med">
     <p:fade/>
   </p:transition>
 </p:sldLayout>
@@ -5724,7 +5729,7 @@
   <p:clrMapOvr>
     <a:masterClrMapping/>
   </p:clrMapOvr>
-  <p:transition xmlns:p14="http://schemas.microsoft.com/office/powerpoint/2010/main" spd="med">
+  <p:transition spd="med">
     <p:fade/>
   </p:transition>
 </p:sldLayout>
@@ -6011,7 +6016,7 @@
   <p:clrMapOvr>
     <a:masterClrMapping/>
   </p:clrMapOvr>
-  <p:transition xmlns:p14="http://schemas.microsoft.com/office/powerpoint/2010/main" spd="med">
+  <p:transition spd="med">
     <p:fade/>
   </p:transition>
 </p:sldLayout>
@@ -6228,14 +6233,14 @@
           </a:ln>
           <a:extLst>
             <a:ext uri="{909E8E84-426E-40dd-AFC4-6F175D3DCCD1}">
-              <a14:hiddenFill xmlns:a14="http://schemas.microsoft.com/office/drawing/2010/main">
+              <a14:hiddenFill xmlns:a14="http://schemas.microsoft.com/office/drawing/2010/main" xmlns="">
                 <a:solidFill>
                   <a:srgbClr val="FFFFFF"/>
                 </a:solidFill>
               </a14:hiddenFill>
             </a:ext>
             <a:ext uri="{91240B29-F687-4f45-9708-019B960494DF}">
-              <a14:hiddenLine xmlns:a14="http://schemas.microsoft.com/office/drawing/2010/main" w="9525">
+              <a14:hiddenLine xmlns:a14="http://schemas.microsoft.com/office/drawing/2010/main" xmlns="" w="9525">
                 <a:solidFill>
                   <a:srgbClr val="000000"/>
                 </a:solidFill>
@@ -6432,7 +6437,7 @@
   <p:clrMapOvr>
     <a:masterClrMapping/>
   </p:clrMapOvr>
-  <p:transition xmlns:p14="http://schemas.microsoft.com/office/powerpoint/2010/main" spd="med">
+  <p:transition spd="med">
     <p:fade/>
   </p:transition>
 </p:sldLayout>
@@ -6720,7 +6725,7 @@
   <p:clrMapOvr>
     <a:masterClrMapping/>
   </p:clrMapOvr>
-  <p:transition xmlns:p14="http://schemas.microsoft.com/office/powerpoint/2010/main" spd="med">
+  <p:transition spd="med">
     <p:fade/>
   </p:transition>
 </p:sldLayout>
@@ -7032,7 +7037,7 @@
   <p:clrMapOvr>
     <a:masterClrMapping/>
   </p:clrMapOvr>
-  <p:transition xmlns:p14="http://schemas.microsoft.com/office/powerpoint/2010/main" spd="med">
+  <p:transition spd="med">
     <p:fade/>
   </p:transition>
 </p:sldLayout>
@@ -7209,7 +7214,7 @@
   <p:clrMapOvr>
     <a:masterClrMapping/>
   </p:clrMapOvr>
-  <p:transition xmlns:p14="http://schemas.microsoft.com/office/powerpoint/2010/main" spd="med">
+  <p:transition spd="med">
     <p:fade/>
   </p:transition>
 </p:sldLayout>
@@ -7513,7 +7518,7 @@
   <p:clrMapOvr>
     <a:masterClrMapping/>
   </p:clrMapOvr>
-  <p:transition xmlns:p14="http://schemas.microsoft.com/office/powerpoint/2010/main" spd="med">
+  <p:transition spd="med">
     <p:fade/>
   </p:transition>
 </p:sldLayout>
@@ -7589,14 +7594,14 @@
           </a:ln>
           <a:extLst>
             <a:ext uri="{909E8E84-426E-40dd-AFC4-6F175D3DCCD1}">
-              <a14:hiddenFill xmlns:a14="http://schemas.microsoft.com/office/drawing/2010/main">
+              <a14:hiddenFill xmlns:a14="http://schemas.microsoft.com/office/drawing/2010/main" xmlns="">
                 <a:solidFill>
                   <a:srgbClr val="FFFFFF"/>
                 </a:solidFill>
               </a14:hiddenFill>
             </a:ext>
             <a:ext uri="{91240B29-F687-4f45-9708-019B960494DF}">
-              <a14:hiddenLine xmlns:a14="http://schemas.microsoft.com/office/drawing/2010/main" w="9525">
+              <a14:hiddenLine xmlns:a14="http://schemas.microsoft.com/office/drawing/2010/main" xmlns="" w="9525">
                 <a:solidFill>
                   <a:srgbClr val="000000"/>
                 </a:solidFill>
@@ -7872,7 +7877,7 @@
   <p:clrMapOvr>
     <a:overrideClrMapping bg1="lt1" tx1="dk1" bg2="lt2" tx2="dk2" accent1="accent1" accent2="accent2" accent3="accent3" accent4="accent4" accent5="accent5" accent6="accent6" hlink="hlink" folHlink="folHlink"/>
   </p:clrMapOvr>
-  <p:transition xmlns:p14="http://schemas.microsoft.com/office/powerpoint/2010/main" spd="med">
+  <p:transition spd="med">
     <p:fade/>
   </p:transition>
 </p:sldLayout>
@@ -8078,7 +8083,7 @@
   <p:clrMapOvr>
     <a:overrideClrMapping bg1="lt1" tx1="dk1" bg2="lt2" tx2="dk2" accent1="accent1" accent2="accent2" accent3="accent3" accent4="accent4" accent5="accent5" accent6="accent6" hlink="hlink" folHlink="folHlink"/>
   </p:clrMapOvr>
-  <p:transition xmlns:p14="http://schemas.microsoft.com/office/powerpoint/2010/main" spd="med">
+  <p:transition spd="med">
     <p:fade/>
   </p:transition>
 </p:sldLayout>
@@ -8154,14 +8159,14 @@
           </a:ln>
           <a:extLst>
             <a:ext uri="{909E8E84-426E-40dd-AFC4-6F175D3DCCD1}">
-              <a14:hiddenFill xmlns:a14="http://schemas.microsoft.com/office/drawing/2010/main">
+              <a14:hiddenFill xmlns:a14="http://schemas.microsoft.com/office/drawing/2010/main" xmlns="">
                 <a:solidFill>
                   <a:srgbClr val="FFFFFF"/>
                 </a:solidFill>
               </a14:hiddenFill>
             </a:ext>
             <a:ext uri="{91240B29-F687-4f45-9708-019B960494DF}">
-              <a14:hiddenLine xmlns:a14="http://schemas.microsoft.com/office/drawing/2010/main" w="9525">
+              <a14:hiddenLine xmlns:a14="http://schemas.microsoft.com/office/drawing/2010/main" xmlns="" w="9525">
                 <a:solidFill>
                   <a:srgbClr val="000000"/>
                 </a:solidFill>
@@ -8444,7 +8449,7 @@
   <p:clrMapOvr>
     <a:overrideClrMapping bg1="lt1" tx1="dk1" bg2="lt2" tx2="dk2" accent1="accent1" accent2="accent2" accent3="accent3" accent4="accent4" accent5="accent5" accent6="accent6" hlink="hlink" folHlink="folHlink"/>
   </p:clrMapOvr>
-  <p:transition xmlns:p14="http://schemas.microsoft.com/office/powerpoint/2010/main" spd="med">
+  <p:transition spd="med">
     <p:fade/>
   </p:transition>
 </p:sldLayout>
@@ -8652,7 +8657,7 @@
   <p:clrMapOvr>
     <a:overrideClrMapping bg1="lt1" tx1="dk1" bg2="lt2" tx2="dk2" accent1="accent1" accent2="accent2" accent3="accent3" accent4="accent4" accent5="accent5" accent6="accent6" hlink="hlink" folHlink="folHlink"/>
   </p:clrMapOvr>
-  <p:transition xmlns:p14="http://schemas.microsoft.com/office/powerpoint/2010/main" spd="med">
+  <p:transition spd="med">
     <p:fade/>
   </p:transition>
 </p:sldLayout>
@@ -8728,14 +8733,14 @@
           </a:ln>
           <a:extLst>
             <a:ext uri="{909E8E84-426E-40dd-AFC4-6F175D3DCCD1}">
-              <a14:hiddenFill xmlns:a14="http://schemas.microsoft.com/office/drawing/2010/main">
+              <a14:hiddenFill xmlns:a14="http://schemas.microsoft.com/office/drawing/2010/main" xmlns="">
                 <a:solidFill>
                   <a:srgbClr val="FFFFFF"/>
                 </a:solidFill>
               </a14:hiddenFill>
             </a:ext>
             <a:ext uri="{91240B29-F687-4f45-9708-019B960494DF}">
-              <a14:hiddenLine xmlns:a14="http://schemas.microsoft.com/office/drawing/2010/main" w="9525">
+              <a14:hiddenLine xmlns:a14="http://schemas.microsoft.com/office/drawing/2010/main" xmlns="" w="9525">
                 <a:solidFill>
                   <a:srgbClr val="000000"/>
                 </a:solidFill>
@@ -9003,7 +9008,7 @@
   <p:clrMapOvr>
     <a:overrideClrMapping bg1="lt1" tx1="dk1" bg2="lt2" tx2="dk2" accent1="accent1" accent2="accent2" accent3="accent3" accent4="accent4" accent5="accent5" accent6="accent6" hlink="hlink" folHlink="folHlink"/>
   </p:clrMapOvr>
-  <p:transition xmlns:p14="http://schemas.microsoft.com/office/powerpoint/2010/main" spd="med">
+  <p:transition spd="med">
     <p:fade/>
   </p:transition>
 </p:sldLayout>
@@ -9231,7 +9236,7 @@
   <p:clrMapOvr>
     <a:overrideClrMapping bg1="lt1" tx1="dk1" bg2="lt2" tx2="dk2" accent1="accent1" accent2="accent2" accent3="accent3" accent4="accent4" accent5="accent5" accent6="accent6" hlink="hlink" folHlink="folHlink"/>
   </p:clrMapOvr>
-  <p:transition xmlns:p14="http://schemas.microsoft.com/office/powerpoint/2010/main" spd="med">
+  <p:transition spd="med">
     <p:fade/>
   </p:transition>
 </p:sldLayout>
@@ -9519,7 +9524,7 @@
   <p:clrMapOvr>
     <a:overrideClrMapping bg1="lt1" tx1="dk1" bg2="lt2" tx2="dk2" accent1="accent1" accent2="accent2" accent3="accent3" accent4="accent4" accent5="accent5" accent6="accent6" hlink="hlink" folHlink="folHlink"/>
   </p:clrMapOvr>
-  <p:transition xmlns:p14="http://schemas.microsoft.com/office/powerpoint/2010/main" spd="med">
+  <p:transition spd="med">
     <p:fade/>
   </p:transition>
 </p:sldLayout>
@@ -9675,14 +9680,14 @@
           </a:ln>
           <a:extLst>
             <a:ext uri="{909E8E84-426E-40dd-AFC4-6F175D3DCCD1}">
-              <a14:hiddenFill xmlns:a14="http://schemas.microsoft.com/office/drawing/2010/main">
+              <a14:hiddenFill xmlns:a14="http://schemas.microsoft.com/office/drawing/2010/main" xmlns="">
                 <a:solidFill>
                   <a:srgbClr val="FFFFFF"/>
                 </a:solidFill>
               </a14:hiddenFill>
             </a:ext>
             <a:ext uri="{91240B29-F687-4f45-9708-019B960494DF}">
-              <a14:hiddenLine xmlns:a14="http://schemas.microsoft.com/office/drawing/2010/main" w="9525">
+              <a14:hiddenLine xmlns:a14="http://schemas.microsoft.com/office/drawing/2010/main" xmlns="" w="9525">
                 <a:solidFill>
                   <a:srgbClr val="000000"/>
                 </a:solidFill>
@@ -9921,13 +9926,13 @@
     <p:sldLayoutId id="2147483841" r:id="rId11"/>
     <p:sldLayoutId id="2147483843" r:id="rId12"/>
   </p:sldLayoutIdLst>
-  <p:transition xmlns:p14="http://schemas.microsoft.com/office/powerpoint/2010/main" spd="med">
+  <p:transition spd="med">
     <p:fade/>
   </p:transition>
   <p:timing>
     <p:tnLst>
       <p:par>
-        <p:cTn xmlns:p14="http://schemas.microsoft.com/office/powerpoint/2010/main" id="1" dur="indefinite" restart="never" nodeType="tmRoot"/>
+        <p:cTn id="1" dur="indefinite" restart="never" nodeType="tmRoot"/>
       </p:par>
     </p:tnLst>
   </p:timing>
@@ -10455,14 +10460,14 @@
           </a:ln>
           <a:extLst>
             <a:ext uri="{909E8E84-426E-40dd-AFC4-6F175D3DCCD1}">
-              <a14:hiddenFill xmlns:a14="http://schemas.microsoft.com/office/drawing/2010/main">
+              <a14:hiddenFill xmlns:a14="http://schemas.microsoft.com/office/drawing/2010/main" xmlns="">
                 <a:solidFill>
                   <a:srgbClr val="FFFFFF"/>
                 </a:solidFill>
               </a14:hiddenFill>
             </a:ext>
             <a:ext uri="{91240B29-F687-4f45-9708-019B960494DF}">
-              <a14:hiddenLine xmlns:a14="http://schemas.microsoft.com/office/drawing/2010/main" w="9525">
+              <a14:hiddenLine xmlns:a14="http://schemas.microsoft.com/office/drawing/2010/main" xmlns="" w="9525">
                 <a:solidFill>
                   <a:srgbClr val="000000"/>
                 </a:solidFill>
@@ -10772,13 +10777,13 @@
     <p:sldLayoutId id="2147483856" r:id="rId7"/>
     <p:sldLayoutId id="2147483866" r:id="rId8"/>
   </p:sldLayoutIdLst>
-  <p:transition xmlns:p14="http://schemas.microsoft.com/office/powerpoint/2010/main" spd="med">
+  <p:transition spd="med">
     <p:fade/>
   </p:transition>
   <p:timing>
     <p:tnLst>
       <p:par>
-        <p:cTn xmlns:p14="http://schemas.microsoft.com/office/powerpoint/2010/main" id="1" dur="indefinite" restart="never" nodeType="tmRoot"/>
+        <p:cTn id="1" dur="indefinite" restart="never" nodeType="tmRoot"/>
       </p:par>
     </p:tnLst>
   </p:timing>
@@ -11272,13 +11277,13 @@
   <p:clrMapOvr>
     <a:masterClrMapping/>
   </p:clrMapOvr>
-  <p:transition xmlns:p14="http://schemas.microsoft.com/office/powerpoint/2010/main" spd="med">
+  <p:transition spd="med">
     <p:fade/>
   </p:transition>
   <p:timing>
     <p:tnLst>
       <p:par>
-        <p:cTn xmlns:p14="http://schemas.microsoft.com/office/powerpoint/2010/main" id="1" dur="indefinite" restart="never" nodeType="tmRoot"/>
+        <p:cTn id="1" dur="indefinite" restart="never" nodeType="tmRoot"/>
       </p:par>
     </p:tnLst>
   </p:timing>
@@ -11323,7 +11328,6 @@
               <a:rPr lang="en-US" dirty="0"/>
               <a:t>Software Quality Standards</a:t>
             </a:r>
-            <a:endParaRPr lang="en-US" dirty="0"/>
           </a:p>
         </p:txBody>
       </p:sp>
@@ -11539,7 +11543,6 @@
               <a:rPr lang="en-US" sz="3200" dirty="0"/>
               <a:t>it testable?</a:t>
             </a:r>
-            <a:endParaRPr lang="en-US" sz="3200" dirty="0"/>
           </a:p>
         </p:txBody>
       </p:sp>
@@ -11553,8 +11556,8 @@
         </p:nvSpPr>
         <p:spPr bwMode="white">
           <a:xfrm>
-            <a:off x="1671638" y="3271838"/>
-            <a:ext cx="4281488" cy="4681537"/>
+            <a:off x="1671637" y="3271838"/>
+            <a:ext cx="4344987" cy="4681537"/>
           </a:xfrm>
           <a:prstGeom prst="rect">
             <a:avLst/>
@@ -11869,13 +11872,13 @@
   <p:clrMapOvr>
     <a:masterClrMapping/>
   </p:clrMapOvr>
-  <p:transition xmlns:p14="http://schemas.microsoft.com/office/powerpoint/2010/main" spd="med">
+  <p:transition spd="med">
     <p:fade/>
   </p:transition>
   <p:timing>
     <p:tnLst>
       <p:par>
-        <p:cTn xmlns:p14="http://schemas.microsoft.com/office/powerpoint/2010/main" id="1" dur="indefinite" restart="never" nodeType="tmRoot"/>
+        <p:cTn id="1" dur="indefinite" restart="never" nodeType="tmRoot"/>
       </p:par>
     </p:tnLst>
   </p:timing>
@@ -11920,7 +11923,6 @@
               <a:rPr lang="en-US" dirty="0"/>
               <a:t>Software Quality Standards</a:t>
             </a:r>
-            <a:endParaRPr lang="en-US" dirty="0"/>
           </a:p>
         </p:txBody>
       </p:sp>
@@ -12458,13 +12460,13 @@
   <p:clrMapOvr>
     <a:masterClrMapping/>
   </p:clrMapOvr>
-  <p:transition xmlns:p14="http://schemas.microsoft.com/office/powerpoint/2010/main" spd="med">
+  <p:transition spd="med">
     <p:fade/>
   </p:transition>
   <p:timing>
     <p:tnLst>
       <p:par>
-        <p:cTn xmlns:p14="http://schemas.microsoft.com/office/powerpoint/2010/main" id="1" dur="indefinite" restart="never" nodeType="tmRoot"/>
+        <p:cTn id="1" dur="indefinite" restart="never" nodeType="tmRoot"/>
       </p:par>
     </p:tnLst>
   </p:timing>
@@ -12567,13 +12569,8 @@
             </a:pPr>
             <a:r>
               <a:rPr lang="en-US" dirty="0" smtClean="0"/>
-              <a:t>Evaluate </a:t>
-            </a:r>
-            <a:r>
-              <a:rPr lang="en-US" dirty="0" smtClean="0"/>
-              <a:t>a code sample</a:t>
-            </a:r>
-            <a:endParaRPr lang="en-US" dirty="0" smtClean="0"/>
+              <a:t>Evaluate a code sample</a:t>
+            </a:r>
           </a:p>
         </p:txBody>
       </p:sp>
@@ -12587,13 +12584,13 @@
   <p:clrMapOvr>
     <a:masterClrMapping/>
   </p:clrMapOvr>
-  <p:transition xmlns:p14="http://schemas.microsoft.com/office/powerpoint/2010/main" spd="med">
+  <p:transition spd="med">
     <p:fade/>
   </p:transition>
   <p:timing>
     <p:tnLst>
       <p:par>
-        <p:cTn xmlns:p14="http://schemas.microsoft.com/office/powerpoint/2010/main" id="1" dur="indefinite" restart="never" nodeType="tmRoot"/>
+        <p:cTn id="1" dur="indefinite" restart="never" nodeType="tmRoot"/>
       </p:par>
     </p:tnLst>
   </p:timing>
@@ -13027,6 +13024,11 @@
           <a:prstGeom prst="rect">
             <a:avLst/>
           </a:prstGeom>
+          <a:solidFill>
+            <a:schemeClr val="bg1">
+              <a:lumMod val="85000"/>
+            </a:schemeClr>
+          </a:solidFill>
         </p:spPr>
         <p:txBody>
           <a:bodyPr vert="horz" wrap="square" lIns="91440" tIns="91440" rIns="91440" bIns="91440" rtlCol="0" anchor="ctr">
@@ -13036,13 +13038,22 @@
           <a:p>
             <a:r>
               <a:rPr lang="en-US" b="1" dirty="0" smtClean="0"/>
-              <a:t>Functionality</a:t>
+              <a:t>Functionality </a:t>
             </a:r>
             <a:r>
               <a:rPr lang="en-US" dirty="0" smtClean="0"/>
-              <a:t> | Reliability | Usability | Efficiency | Maintainability | Portability </a:t>
-            </a:r>
-            <a:endParaRPr lang="en-US" dirty="0" smtClean="0"/>
+              <a:t>|</a:t>
+            </a:r>
+            <a:r>
+              <a:rPr lang="en-US" dirty="0" smtClean="0">
+                <a:solidFill>
+                  <a:schemeClr val="bg1">
+                    <a:lumMod val="50000"/>
+                  </a:schemeClr>
+                </a:solidFill>
+              </a:rPr>
+              <a:t> Reliability | Usability | Efficiency | Maintainability | Portability </a:t>
+            </a:r>
           </a:p>
         </p:txBody>
       </p:sp>
@@ -13071,7 +13082,6 @@
               <a:rPr lang="en-US" b="1" dirty="0"/>
               <a:t>Does the code accomplish what it is designed to accomplish?</a:t>
             </a:r>
-            <a:endParaRPr lang="en-US" b="1" dirty="0"/>
           </a:p>
         </p:txBody>
       </p:sp>
@@ -13085,13 +13095,13 @@
   <p:clrMapOvr>
     <a:masterClrMapping/>
   </p:clrMapOvr>
-  <p:transition xmlns:p14="http://schemas.microsoft.com/office/powerpoint/2010/main" spd="med">
+  <p:transition spd="med">
     <p:fade/>
   </p:transition>
   <p:timing>
     <p:tnLst>
       <p:par>
-        <p:cTn xmlns:p14="http://schemas.microsoft.com/office/powerpoint/2010/main" id="1" dur="indefinite" restart="never" nodeType="tmRoot"/>
+        <p:cTn id="1" dur="indefinite" restart="never" nodeType="tmRoot"/>
       </p:par>
     </p:tnLst>
   </p:timing>
@@ -13525,6 +13535,11 @@
           <a:prstGeom prst="rect">
             <a:avLst/>
           </a:prstGeom>
+          <a:solidFill>
+            <a:schemeClr val="bg1">
+              <a:lumMod val="85000"/>
+            </a:schemeClr>
+          </a:solidFill>
         </p:spPr>
         <p:txBody>
           <a:bodyPr vert="horz" wrap="square" lIns="91440" tIns="91440" rIns="91440" bIns="91440" rtlCol="0" anchor="ctr">
@@ -13533,8 +13548,18 @@
           <a:lstStyle/>
           <a:p>
             <a:r>
+              <a:rPr lang="en-US" dirty="0" smtClean="0">
+                <a:solidFill>
+                  <a:schemeClr val="bg1">
+                    <a:lumMod val="50000"/>
+                  </a:schemeClr>
+                </a:solidFill>
+              </a:rPr>
+              <a:t>Functionality</a:t>
+            </a:r>
+            <a:r>
               <a:rPr lang="en-US" dirty="0" smtClean="0"/>
-              <a:t>Functionality | </a:t>
+              <a:t> | </a:t>
             </a:r>
             <a:r>
               <a:rPr lang="en-US" b="1" dirty="0" smtClean="0"/>
@@ -13542,9 +13567,18 @@
             </a:r>
             <a:r>
               <a:rPr lang="en-US" dirty="0" smtClean="0"/>
-              <a:t> | Usability | Efficiency | Maintainability | Portability </a:t>
-            </a:r>
-            <a:endParaRPr lang="en-US" dirty="0" smtClean="0"/>
+              <a:t> | </a:t>
+            </a:r>
+            <a:r>
+              <a:rPr lang="en-US" dirty="0" smtClean="0">
+                <a:solidFill>
+                  <a:schemeClr val="bg1">
+                    <a:lumMod val="50000"/>
+                  </a:schemeClr>
+                </a:solidFill>
+              </a:rPr>
+              <a:t>Usability | Efficiency | Maintainability | Portability </a:t>
+            </a:r>
           </a:p>
         </p:txBody>
       </p:sp>
@@ -13573,7 +13607,6 @@
               <a:rPr lang="en-US" b="1" dirty="0"/>
               <a:t>Is the solution able to withstand fault and recover from a failure?</a:t>
             </a:r>
-            <a:endParaRPr lang="en-US" b="1" dirty="0"/>
           </a:p>
         </p:txBody>
       </p:sp>
@@ -13587,13 +13620,13 @@
   <p:clrMapOvr>
     <a:masterClrMapping/>
   </p:clrMapOvr>
-  <p:transition xmlns:p14="http://schemas.microsoft.com/office/powerpoint/2010/main" spd="med">
+  <p:transition spd="med">
     <p:fade/>
   </p:transition>
   <p:timing>
     <p:tnLst>
       <p:par>
-        <p:cTn xmlns:p14="http://schemas.microsoft.com/office/powerpoint/2010/main" id="1" dur="indefinite" restart="never" nodeType="tmRoot"/>
+        <p:cTn id="1" dur="indefinite" restart="never" nodeType="tmRoot"/>
       </p:par>
     </p:tnLst>
   </p:timing>
@@ -14027,6 +14060,11 @@
           <a:prstGeom prst="rect">
             <a:avLst/>
           </a:prstGeom>
+          <a:solidFill>
+            <a:schemeClr val="bg1">
+              <a:lumMod val="85000"/>
+            </a:schemeClr>
+          </a:solidFill>
         </p:spPr>
         <p:txBody>
           <a:bodyPr vert="horz" wrap="square" lIns="91440" tIns="91440" rIns="91440" bIns="91440" rtlCol="0" anchor="ctr">
@@ -14035,8 +14073,18 @@
           <a:lstStyle/>
           <a:p>
             <a:r>
+              <a:rPr lang="en-US" dirty="0" smtClean="0">
+                <a:solidFill>
+                  <a:schemeClr val="bg1">
+                    <a:lumMod val="50000"/>
+                  </a:schemeClr>
+                </a:solidFill>
+              </a:rPr>
+              <a:t>Functionality | Reliability </a:t>
+            </a:r>
+            <a:r>
               <a:rPr lang="en-US" dirty="0" smtClean="0"/>
-              <a:t>Functionality | Reliability | </a:t>
+              <a:t>| </a:t>
             </a:r>
             <a:r>
               <a:rPr lang="en-US" b="1" dirty="0" smtClean="0"/>
@@ -14044,9 +14092,18 @@
             </a:r>
             <a:r>
               <a:rPr lang="en-US" dirty="0" smtClean="0"/>
-              <a:t> | Efficiency | Maintainability | Portability </a:t>
-            </a:r>
-            <a:endParaRPr lang="en-US" dirty="0" smtClean="0"/>
+              <a:t> | </a:t>
+            </a:r>
+            <a:r>
+              <a:rPr lang="en-US" dirty="0" smtClean="0">
+                <a:solidFill>
+                  <a:schemeClr val="bg1">
+                    <a:lumMod val="50000"/>
+                  </a:schemeClr>
+                </a:solidFill>
+              </a:rPr>
+              <a:t>Efficiency | Maintainability | Portability </a:t>
+            </a:r>
           </a:p>
         </p:txBody>
       </p:sp>
@@ -14083,7 +14140,6 @@
               <a:rPr lang="en-US" b="1" dirty="0"/>
               <a:t>it easy to learn?</a:t>
             </a:r>
-            <a:endParaRPr lang="en-US" b="1" dirty="0"/>
           </a:p>
         </p:txBody>
       </p:sp>
@@ -14097,13 +14153,13 @@
   <p:clrMapOvr>
     <a:masterClrMapping/>
   </p:clrMapOvr>
-  <p:transition xmlns:p14="http://schemas.microsoft.com/office/powerpoint/2010/main" spd="med">
+  <p:transition spd="med">
     <p:fade/>
   </p:transition>
   <p:timing>
     <p:tnLst>
       <p:par>
-        <p:cTn xmlns:p14="http://schemas.microsoft.com/office/powerpoint/2010/main" id="1" dur="indefinite" restart="never" nodeType="tmRoot"/>
+        <p:cTn id="1" dur="indefinite" restart="never" nodeType="tmRoot"/>
       </p:par>
     </p:tnLst>
   </p:timing>
@@ -14537,6 +14593,11 @@
           <a:prstGeom prst="rect">
             <a:avLst/>
           </a:prstGeom>
+          <a:solidFill>
+            <a:schemeClr val="bg1">
+              <a:lumMod val="85000"/>
+            </a:schemeClr>
+          </a:solidFill>
         </p:spPr>
         <p:txBody>
           <a:bodyPr vert="horz" wrap="square" lIns="91440" tIns="91440" rIns="91440" bIns="91440" rtlCol="0" anchor="ctr">
@@ -14545,8 +14606,18 @@
           <a:lstStyle/>
           <a:p>
             <a:r>
+              <a:rPr lang="en-US" dirty="0" smtClean="0">
+                <a:solidFill>
+                  <a:schemeClr val="bg1">
+                    <a:lumMod val="50000"/>
+                  </a:schemeClr>
+                </a:solidFill>
+              </a:rPr>
+              <a:t>Functionality | Reliability | Usability </a:t>
+            </a:r>
+            <a:r>
               <a:rPr lang="en-US" dirty="0" smtClean="0"/>
-              <a:t>Functionality | Reliability | Usability | </a:t>
+              <a:t>| </a:t>
             </a:r>
             <a:r>
               <a:rPr lang="en-US" b="1" dirty="0" smtClean="0"/>
@@ -14554,9 +14625,18 @@
             </a:r>
             <a:r>
               <a:rPr lang="en-US" dirty="0" smtClean="0"/>
-              <a:t> | Maintainability | Portability </a:t>
-            </a:r>
-            <a:endParaRPr lang="en-US" dirty="0" smtClean="0"/>
+              <a:t> | </a:t>
+            </a:r>
+            <a:r>
+              <a:rPr lang="en-US" dirty="0" smtClean="0">
+                <a:solidFill>
+                  <a:schemeClr val="bg1">
+                    <a:lumMod val="50000"/>
+                  </a:schemeClr>
+                </a:solidFill>
+              </a:rPr>
+              <a:t>Maintainability | Portability </a:t>
+            </a:r>
           </a:p>
         </p:txBody>
       </p:sp>
@@ -14585,7 +14665,6 @@
               <a:rPr lang="en-US" b="1" dirty="0"/>
               <a:t>Does the code consume too many physical resources when it executes (e.g. CPU, memory)?</a:t>
             </a:r>
-            <a:endParaRPr lang="en-US" b="1" dirty="0"/>
           </a:p>
         </p:txBody>
       </p:sp>
@@ -14599,13 +14678,13 @@
   <p:clrMapOvr>
     <a:masterClrMapping/>
   </p:clrMapOvr>
-  <p:transition xmlns:p14="http://schemas.microsoft.com/office/powerpoint/2010/main" spd="med">
+  <p:transition spd="med">
     <p:fade/>
   </p:transition>
   <p:timing>
     <p:tnLst>
       <p:par>
-        <p:cTn xmlns:p14="http://schemas.microsoft.com/office/powerpoint/2010/main" id="1" dur="indefinite" restart="never" nodeType="tmRoot"/>
+        <p:cTn id="1" dur="indefinite" restart="never" nodeType="tmRoot"/>
       </p:par>
     </p:tnLst>
   </p:timing>
@@ -15039,6 +15118,11 @@
           <a:prstGeom prst="rect">
             <a:avLst/>
           </a:prstGeom>
+          <a:solidFill>
+            <a:schemeClr val="bg1">
+              <a:lumMod val="85000"/>
+            </a:schemeClr>
+          </a:solidFill>
         </p:spPr>
         <p:txBody>
           <a:bodyPr vert="horz" wrap="square" lIns="91440" tIns="91440" rIns="91440" bIns="91440" rtlCol="0" anchor="ctr">
@@ -15047,8 +15131,18 @@
           <a:lstStyle/>
           <a:p>
             <a:r>
+              <a:rPr lang="en-US" dirty="0" smtClean="0">
+                <a:solidFill>
+                  <a:schemeClr val="bg1">
+                    <a:lumMod val="50000"/>
+                  </a:schemeClr>
+                </a:solidFill>
+              </a:rPr>
+              <a:t>Functionality | Reliability | Usability | Efficiency </a:t>
+            </a:r>
+            <a:r>
               <a:rPr lang="en-US" dirty="0" smtClean="0"/>
-              <a:t>Functionality | Reliability | Usability | Efficiency | </a:t>
+              <a:t>| </a:t>
             </a:r>
             <a:r>
               <a:rPr lang="en-US" b="1" dirty="0" smtClean="0"/>
@@ -15056,9 +15150,18 @@
             </a:r>
             <a:r>
               <a:rPr lang="en-US" dirty="0" smtClean="0"/>
-              <a:t> | Portability </a:t>
-            </a:r>
-            <a:endParaRPr lang="en-US" dirty="0" smtClean="0"/>
+              <a:t> | </a:t>
+            </a:r>
+            <a:r>
+              <a:rPr lang="en-US" dirty="0" smtClean="0">
+                <a:solidFill>
+                  <a:schemeClr val="bg1">
+                    <a:lumMod val="50000"/>
+                  </a:schemeClr>
+                </a:solidFill>
+              </a:rPr>
+              <a:t>Portability </a:t>
+            </a:r>
           </a:p>
         </p:txBody>
       </p:sp>
@@ -15087,7 +15190,6 @@
               <a:rPr lang="en-US" b="1" dirty="0"/>
               <a:t>Are you able to easily adapt the solution? Is it testable?</a:t>
             </a:r>
-            <a:endParaRPr lang="en-US" b="1" dirty="0"/>
           </a:p>
         </p:txBody>
       </p:sp>
@@ -15101,13 +15203,13 @@
   <p:clrMapOvr>
     <a:masterClrMapping/>
   </p:clrMapOvr>
-  <p:transition xmlns:p14="http://schemas.microsoft.com/office/powerpoint/2010/main" spd="med">
+  <p:transition spd="med">
     <p:fade/>
   </p:transition>
   <p:timing>
     <p:tnLst>
       <p:par>
-        <p:cTn xmlns:p14="http://schemas.microsoft.com/office/powerpoint/2010/main" id="1" dur="indefinite" restart="never" nodeType="tmRoot"/>
+        <p:cTn id="1" dur="indefinite" restart="never" nodeType="tmRoot"/>
       </p:par>
     </p:tnLst>
   </p:timing>
@@ -15541,6 +15643,11 @@
           <a:prstGeom prst="rect">
             <a:avLst/>
           </a:prstGeom>
+          <a:solidFill>
+            <a:schemeClr val="bg1">
+              <a:lumMod val="85000"/>
+            </a:schemeClr>
+          </a:solidFill>
         </p:spPr>
         <p:txBody>
           <a:bodyPr vert="horz" wrap="square" lIns="91440" tIns="91440" rIns="91440" bIns="91440" rtlCol="0" anchor="ctr">
@@ -15549,14 +15656,23 @@
           <a:lstStyle/>
           <a:p>
             <a:r>
+              <a:rPr lang="en-US" dirty="0" smtClean="0">
+                <a:solidFill>
+                  <a:schemeClr val="bg1">
+                    <a:lumMod val="50000"/>
+                  </a:schemeClr>
+                </a:solidFill>
+              </a:rPr>
+              <a:t>Functionality | Reliability | Usability | Efficiency | Maintainability </a:t>
+            </a:r>
+            <a:r>
               <a:rPr lang="en-US" dirty="0" smtClean="0"/>
-              <a:t>Functionality | Reliability | Usability | Efficiency | Maintainability | </a:t>
+              <a:t>| </a:t>
             </a:r>
             <a:r>
               <a:rPr lang="en-US" b="1" dirty="0" smtClean="0"/>
               <a:t>Portability </a:t>
             </a:r>
-            <a:endParaRPr lang="en-US" b="1" dirty="0" smtClean="0"/>
           </a:p>
         </p:txBody>
       </p:sp>
@@ -15585,7 +15701,6 @@
               <a:rPr lang="en-US" b="1" dirty="0"/>
               <a:t>Can the software adapt to changes in its environment? Or changes to its requirements?</a:t>
             </a:r>
-            <a:endParaRPr lang="en-US" b="1" dirty="0"/>
           </a:p>
         </p:txBody>
       </p:sp>
@@ -15599,13 +15714,13 @@
   <p:clrMapOvr>
     <a:masterClrMapping/>
   </p:clrMapOvr>
-  <p:transition xmlns:p14="http://schemas.microsoft.com/office/powerpoint/2010/main" spd="med">
+  <p:transition spd="med">
     <p:fade/>
   </p:transition>
   <p:timing>
     <p:tnLst>
       <p:par>
-        <p:cTn xmlns:p14="http://schemas.microsoft.com/office/powerpoint/2010/main" id="1" dur="indefinite" restart="never" nodeType="tmRoot"/>
+        <p:cTn id="1" dur="indefinite" restart="never" nodeType="tmRoot"/>
       </p:par>
     </p:tnLst>
   </p:timing>
@@ -15650,7 +15765,6 @@
               <a:rPr lang="en-US" dirty="0"/>
               <a:t>Evaluation Before Pursuit</a:t>
             </a:r>
-            <a:endParaRPr lang="en-US" dirty="0"/>
           </a:p>
         </p:txBody>
       </p:sp>
@@ -15708,13 +15822,8 @@
             </a:pPr>
             <a:r>
               <a:rPr lang="en-US" dirty="0" smtClean="0"/>
-              <a:t>Evaluate </a:t>
-            </a:r>
-            <a:r>
-              <a:rPr lang="en-US" dirty="0" smtClean="0"/>
-              <a:t>a code sample</a:t>
-            </a:r>
-            <a:endParaRPr lang="en-US" dirty="0" smtClean="0"/>
+              <a:t>Evaluate a code sample</a:t>
+            </a:r>
           </a:p>
         </p:txBody>
       </p:sp>
@@ -15728,13 +15837,13 @@
   <p:clrMapOvr>
     <a:masterClrMapping/>
   </p:clrMapOvr>
-  <p:transition xmlns:p14="http://schemas.microsoft.com/office/powerpoint/2010/main" spd="med">
+  <p:transition spd="med">
     <p:fade/>
   </p:transition>
   <p:timing>
     <p:tnLst>
       <p:par>
-        <p:cTn xmlns:p14="http://schemas.microsoft.com/office/powerpoint/2010/main" id="1" dur="indefinite" restart="never" nodeType="tmRoot"/>
+        <p:cTn id="1" dur="indefinite" restart="never" nodeType="tmRoot"/>
       </p:par>
     </p:tnLst>
   </p:timing>
@@ -15835,13 +15944,13 @@
   <p:clrMapOvr>
     <a:masterClrMapping/>
   </p:clrMapOvr>
-  <p:transition xmlns:p14="http://schemas.microsoft.com/office/powerpoint/2010/main" spd="med">
+  <p:transition spd="med">
     <p:fade/>
   </p:transition>
   <p:timing>
     <p:tnLst>
       <p:par>
-        <p:cTn xmlns:p14="http://schemas.microsoft.com/office/powerpoint/2010/main" id="1" dur="indefinite" restart="never" nodeType="tmRoot"/>
+        <p:cTn id="1" dur="indefinite" restart="never" nodeType="tmRoot"/>
       </p:par>
     </p:tnLst>
   </p:timing>
@@ -15932,7 +16041,7 @@
   <p:clrMapOvr>
     <a:masterClrMapping/>
   </p:clrMapOvr>
-  <p:transition xmlns:p14="http://schemas.microsoft.com/office/powerpoint/2010/main" spd="med">
+  <p:transition spd="med">
     <p:fade/>
   </p:transition>
 </p:sld>
@@ -16013,13 +16122,13 @@
   <p:clrMapOvr>
     <a:masterClrMapping/>
   </p:clrMapOvr>
-  <p:transition xmlns:p14="http://schemas.microsoft.com/office/powerpoint/2010/main" spd="med">
+  <p:transition spd="med">
     <p:fade/>
   </p:transition>
   <p:timing>
     <p:tnLst>
       <p:par>
-        <p:cTn xmlns:p14="http://schemas.microsoft.com/office/powerpoint/2010/main" id="1" dur="indefinite" restart="never" nodeType="tmRoot"/>
+        <p:cTn id="1" dur="indefinite" restart="never" nodeType="tmRoot"/>
       </p:par>
     </p:tnLst>
   </p:timing>
@@ -16053,7 +16162,7 @@
   <p:clrMapOvr>
     <a:masterClrMapping/>
   </p:clrMapOvr>
-  <p:transition xmlns:p14="http://schemas.microsoft.com/office/powerpoint/2010/main" spd="med">
+  <p:transition spd="med">
     <p:fade/>
   </p:transition>
 </p:sld>
@@ -16155,13 +16264,8 @@
             </a:pPr>
             <a:r>
               <a:rPr lang="en-US" dirty="0" smtClean="0"/>
-              <a:t>Evaluate </a:t>
-            </a:r>
-            <a:r>
-              <a:rPr lang="en-US" dirty="0" smtClean="0"/>
-              <a:t>a code sample</a:t>
-            </a:r>
-            <a:endParaRPr lang="en-US" dirty="0" smtClean="0"/>
+              <a:t>Evaluate a code sample</a:t>
+            </a:r>
           </a:p>
         </p:txBody>
       </p:sp>
@@ -16175,7 +16279,7 @@
   <p:clrMapOvr>
     <a:masterClrMapping/>
   </p:clrMapOvr>
-  <p:transition xmlns:p14="http://schemas.microsoft.com/office/powerpoint/2010/main" spd="med">
+  <p:transition spd="med">
     <p:fade/>
   </p:transition>
 </p:sld>
@@ -16255,13 +16359,13 @@
   <p:clrMapOvr>
     <a:masterClrMapping/>
   </p:clrMapOvr>
-  <p:transition xmlns:p14="http://schemas.microsoft.com/office/powerpoint/2010/main" spd="med">
+  <p:transition spd="med">
     <p:fade/>
   </p:transition>
   <p:timing>
     <p:tnLst>
       <p:par>
-        <p:cTn xmlns:p14="http://schemas.microsoft.com/office/powerpoint/2010/main" id="1" dur="indefinite" restart="never" nodeType="tmRoot"/>
+        <p:cTn id="1" dur="indefinite" restart="never" nodeType="tmRoot"/>
       </p:par>
     </p:tnLst>
   </p:timing>
@@ -16625,13 +16729,13 @@
   <p:clrMapOvr>
     <a:masterClrMapping/>
   </p:clrMapOvr>
-  <p:transition xmlns:p14="http://schemas.microsoft.com/office/powerpoint/2010/main" spd="med">
+  <p:transition spd="med">
     <p:fade/>
   </p:transition>
   <p:timing>
     <p:tnLst>
       <p:par>
-        <p:cTn xmlns:p14="http://schemas.microsoft.com/office/powerpoint/2010/main" id="1" dur="indefinite" restart="never" nodeType="tmRoot"/>
+        <p:cTn id="1" dur="indefinite" restart="never" nodeType="tmRoot"/>
       </p:par>
     </p:tnLst>
   </p:timing>
@@ -16884,7 +16988,6 @@
               <a:rPr lang="en-US" sz="3200" dirty="0"/>
               <a:t>Does the code accomplish what it is designed to accomplish?</a:t>
             </a:r>
-            <a:endParaRPr lang="en-US" sz="3200" dirty="0"/>
           </a:p>
         </p:txBody>
       </p:sp>
@@ -17034,13 +17137,13 @@
   <p:clrMapOvr>
     <a:masterClrMapping/>
   </p:clrMapOvr>
-  <p:transition xmlns:p14="http://schemas.microsoft.com/office/powerpoint/2010/main" spd="med">
+  <p:transition spd="med">
     <p:fade/>
   </p:transition>
   <p:timing>
     <p:tnLst>
       <p:par>
-        <p:cTn xmlns:p14="http://schemas.microsoft.com/office/powerpoint/2010/main" id="1" dur="indefinite" restart="never" nodeType="tmRoot"/>
+        <p:cTn id="1" dur="indefinite" restart="never" nodeType="tmRoot"/>
       </p:par>
     </p:tnLst>
   </p:timing>
@@ -17085,7 +17188,6 @@
               <a:rPr lang="en-US" dirty="0"/>
               <a:t>Software Quality Standards</a:t>
             </a:r>
-            <a:endParaRPr lang="en-US" dirty="0"/>
           </a:p>
         </p:txBody>
       </p:sp>
@@ -17443,13 +17545,13 @@
   <p:clrMapOvr>
     <a:masterClrMapping/>
   </p:clrMapOvr>
-  <p:transition xmlns:p14="http://schemas.microsoft.com/office/powerpoint/2010/main" spd="med">
+  <p:transition spd="med">
     <p:fade/>
   </p:transition>
   <p:timing>
     <p:tnLst>
       <p:par>
-        <p:cTn xmlns:p14="http://schemas.microsoft.com/office/powerpoint/2010/main" id="1" dur="indefinite" restart="never" nodeType="tmRoot"/>
+        <p:cTn id="1" dur="indefinite" restart="never" nodeType="tmRoot"/>
       </p:par>
     </p:tnLst>
   </p:timing>
@@ -17494,7 +17596,6 @@
               <a:rPr lang="en-US" dirty="0"/>
               <a:t>Software Quality Standards</a:t>
             </a:r>
-            <a:endParaRPr lang="en-US" dirty="0"/>
           </a:p>
         </p:txBody>
       </p:sp>
@@ -17858,13 +17959,13 @@
   <p:clrMapOvr>
     <a:masterClrMapping/>
   </p:clrMapOvr>
-  <p:transition xmlns:p14="http://schemas.microsoft.com/office/powerpoint/2010/main" spd="med">
+  <p:transition spd="med">
     <p:fade/>
   </p:transition>
   <p:timing>
     <p:tnLst>
       <p:par>
-        <p:cTn xmlns:p14="http://schemas.microsoft.com/office/powerpoint/2010/main" id="1" dur="indefinite" restart="never" nodeType="tmRoot"/>
+        <p:cTn id="1" dur="indefinite" restart="never" nodeType="tmRoot"/>
       </p:par>
     </p:tnLst>
   </p:timing>
@@ -17909,7 +18010,6 @@
               <a:rPr lang="en-US" dirty="0"/>
               <a:t>Software Quality Standards</a:t>
             </a:r>
-            <a:endParaRPr lang="en-US" dirty="0"/>
           </a:p>
         </p:txBody>
       </p:sp>
@@ -18267,13 +18367,13 @@
   <p:clrMapOvr>
     <a:masterClrMapping/>
   </p:clrMapOvr>
-  <p:transition xmlns:p14="http://schemas.microsoft.com/office/powerpoint/2010/main" spd="med">
+  <p:transition spd="med">
     <p:fade/>
   </p:transition>
   <p:timing>
     <p:tnLst>
       <p:par>
-        <p:cTn xmlns:p14="http://schemas.microsoft.com/office/powerpoint/2010/main" id="1" dur="indefinite" restart="never" nodeType="tmRoot"/>
+        <p:cTn id="1" dur="indefinite" restart="never" nodeType="tmRoot"/>
       </p:par>
     </p:tnLst>
   </p:timing>
@@ -18656,7 +18756,7 @@
   <a:extraClrSchemeLst/>
   <a:extLst>
     <a:ext uri="{05A4C25C-085E-4340-85A3-A5531E510DB2}">
-      <thm15:themeFamily xmlns:thm15="http://schemas.microsoft.com/office/thememl/2012/main" xmlns="" name="Chef-TemplateComps_v09-16x9-Light.potx" id="{078CEFDB-FA7A-4E36-9964-13EF367585CB}" vid="{8B87B0F3-7308-43D5-8388-E1B49EA02652}"/>
+      <thm15:themeFamily xmlns:thm15="http://schemas.microsoft.com/office/thememl/2012/main" name="Chef-TemplateComps_v09-16x9-Light.potx" id="{078CEFDB-FA7A-4E36-9964-13EF367585CB}" vid="{8B87B0F3-7308-43D5-8388-E1B49EA02652}"/>
     </a:ext>
   </a:extLst>
 </a:theme>
@@ -19038,7 +19138,7 @@
   <a:extraClrSchemeLst/>
   <a:extLst>
     <a:ext uri="{05A4C25C-085E-4340-85A3-A5531E510DB2}">
-      <thm15:themeFamily xmlns:thm15="http://schemas.microsoft.com/office/thememl/2012/main" xmlns="" name="Chef-TemplateComps_v09-16x9-Light.potx" id="{078CEFDB-FA7A-4E36-9964-13EF367585CB}" vid="{8B87B0F3-7308-43D5-8388-E1B49EA02652}"/>
+      <thm15:themeFamily xmlns:thm15="http://schemas.microsoft.com/office/thememl/2012/main" name="Chef-TemplateComps_v09-16x9-Light.potx" id="{078CEFDB-FA7A-4E36-9964-13EF367585CB}" vid="{8B87B0F3-7308-43D5-8388-E1B49EA02652}"/>
     </a:ext>
   </a:extLst>
 </a:theme>

--- a/03-why_use_custom_resources.pptx
+++ b/03-why_use_custom_resources.pptx
@@ -251,6 +251,10 @@
             <a:pPr>
               <a:defRPr/>
             </a:pPr>
+            <a:r>
+              <a:rPr lang="en-US" smtClean="0"/>
+              <a:t>Extending Cookbooks</a:t>
+            </a:r>
             <a:endParaRPr lang="en-US"/>
           </a:p>
         </p:txBody>
@@ -295,13 +299,10 @@
             <a:pPr>
               <a:defRPr/>
             </a:pPr>
-            <a:fld id="{04CB1577-BF96-2D40-B4CA-2BF6DA80CBA7}" type="datetime1">
-              <a:rPr lang="en-CA"/>
-              <a:pPr>
-                <a:defRPr/>
-              </a:pPr>
-              <a:t>2016-10-23</a:t>
-            </a:fld>
+            <a:r>
+              <a:rPr lang="en-US" smtClean="0"/>
+              <a:t>Chef Software, Inc.</a:t>
+            </a:r>
             <a:endParaRPr lang="en-US" dirty="0"/>
           </a:p>
         </p:txBody>
@@ -412,7 +413,7 @@
     </p:extLst>
   </p:cSld>
   <p:clrMap bg1="lt1" tx1="dk1" bg2="lt2" tx2="dk2" accent1="accent1" accent2="accent2" accent3="accent3" accent4="accent4" accent5="accent5" accent6="accent6" hlink="hlink" folHlink="folHlink"/>
-  <p:hf dt="0"/>
+  <p:hf sldNum="0" ftr="0"/>
 </p:handoutMaster>
 </file>
 
@@ -450,7 +451,7 @@
         </p:nvSpPr>
         <p:spPr>
           <a:xfrm>
-            <a:off x="3884613" y="0"/>
+            <a:off x="3884613" y="96250"/>
             <a:ext cx="2971800" cy="457200"/>
           </a:xfrm>
           <a:prstGeom prst="rect">
@@ -478,13 +479,10 @@
             <a:pPr>
               <a:defRPr/>
             </a:pPr>
-            <a:fld id="{72FDBE47-C34F-CF4A-9709-1411AD5B3286}" type="datetime1">
-              <a:rPr lang="en-CA"/>
-              <a:pPr>
-                <a:defRPr/>
-              </a:pPr>
-              <a:t>2016-10-23</a:t>
-            </a:fld>
+            <a:r>
+              <a:rPr lang="en-US" smtClean="0"/>
+              <a:t>Chef Software, Inc.</a:t>
+            </a:r>
             <a:endParaRPr lang="en-US" dirty="0"/>
           </a:p>
         </p:txBody>
@@ -535,8 +533,8 @@
         </p:nvSpPr>
         <p:spPr>
           <a:xfrm>
-            <a:off x="685800" y="4343400"/>
-            <a:ext cx="5486400" cy="4114800"/>
+            <a:off x="381000" y="4343400"/>
+            <a:ext cx="6096000" cy="4588844"/>
           </a:xfrm>
           <a:prstGeom prst="rect">
             <a:avLst/>
@@ -587,57 +585,6 @@
       </p:sp>
       <p:sp>
         <p:nvSpPr>
-          <p:cNvPr id="7" name="Slide Number Placeholder 6"/>
-          <p:cNvSpPr>
-            <a:spLocks noGrp="1"/>
-          </p:cNvSpPr>
-          <p:nvPr>
-            <p:ph type="sldNum" sz="quarter" idx="5"/>
-          </p:nvPr>
-        </p:nvSpPr>
-        <p:spPr>
-          <a:xfrm>
-            <a:off x="6172200" y="8685213"/>
-            <a:ext cx="684213" cy="457200"/>
-          </a:xfrm>
-          <a:prstGeom prst="rect">
-            <a:avLst/>
-          </a:prstGeom>
-        </p:spPr>
-        <p:txBody>
-          <a:bodyPr vert="horz" lIns="91440" tIns="45720" rIns="91440" bIns="45720" rtlCol="0" anchor="b"/>
-          <a:lstStyle>
-            <a:lvl1pPr algn="r" defTabSz="1219120" fontAlgn="auto">
-              <a:spcBef>
-                <a:spcPts val="0"/>
-              </a:spcBef>
-              <a:spcAft>
-                <a:spcPts val="0"/>
-              </a:spcAft>
-              <a:defRPr sz="1200" smtClean="0">
-                <a:latin typeface="Arial" panose="020B0604020202020204" pitchFamily="34" charset="0"/>
-                <a:ea typeface="+mn-ea"/>
-                <a:cs typeface="Arial" panose="020B0604020202020204" pitchFamily="34" charset="0"/>
-              </a:defRPr>
-            </a:lvl1pPr>
-          </a:lstStyle>
-          <a:p>
-            <a:pPr>
-              <a:defRPr/>
-            </a:pPr>
-            <a:fld id="{DC3734AA-3150-D947-AC52-2F5DF48BFCD5}" type="slidenum">
-              <a:rPr lang="en-US"/>
-              <a:pPr>
-                <a:defRPr/>
-              </a:pPr>
-              <a:t>‹#›</a:t>
-            </a:fld>
-            <a:endParaRPr lang="en-US" dirty="0"/>
-          </a:p>
-        </p:txBody>
-      </p:sp>
-      <p:sp>
-        <p:nvSpPr>
           <p:cNvPr id="8" name="Header Placeholder 1"/>
           <p:cNvSpPr>
             <a:spLocks noGrp="1"/>
@@ -648,7 +595,7 @@
         </p:nvSpPr>
         <p:spPr>
           <a:xfrm>
-            <a:off x="0" y="0"/>
+            <a:off x="0" y="96250"/>
             <a:ext cx="2971800" cy="457200"/>
           </a:xfrm>
           <a:prstGeom prst="rect">
@@ -676,54 +623,11 @@
             <a:pPr>
               <a:defRPr/>
             </a:pPr>
-            <a:endParaRPr lang="en-US"/>
-          </a:p>
-        </p:txBody>
-      </p:sp>
-      <p:sp>
-        <p:nvSpPr>
-          <p:cNvPr id="9" name="Footer Placeholder 3"/>
-          <p:cNvSpPr>
-            <a:spLocks noGrp="1"/>
-          </p:cNvSpPr>
-          <p:nvPr>
-            <p:ph type="ftr" sz="quarter" idx="4"/>
-          </p:nvPr>
-        </p:nvSpPr>
-        <p:spPr>
-          <a:xfrm>
-            <a:off x="0" y="8685213"/>
-            <a:ext cx="6248400" cy="457200"/>
-          </a:xfrm>
-          <a:prstGeom prst="rect">
-            <a:avLst/>
-          </a:prstGeom>
-        </p:spPr>
-        <p:txBody>
-          <a:bodyPr vert="horz" lIns="91440" tIns="45720" rIns="91440" bIns="45720" rtlCol="0" anchor="b"/>
-          <a:lstStyle>
-            <a:lvl1pPr algn="l" defTabSz="1219120" fontAlgn="auto">
-              <a:spcBef>
-                <a:spcPts val="0"/>
-              </a:spcBef>
-              <a:spcAft>
-                <a:spcPts val="0"/>
-              </a:spcAft>
-              <a:defRPr sz="900" dirty="0" smtClean="0">
-                <a:solidFill>
-                  <a:srgbClr val="000000"/>
-                </a:solidFill>
-                <a:latin typeface="Arial" panose="020B0604020202020204" pitchFamily="34" charset="0"/>
-                <a:ea typeface="+mn-ea"/>
-                <a:cs typeface="Arial" panose="020B0604020202020204" pitchFamily="34" charset="0"/>
-              </a:defRPr>
-            </a:lvl1pPr>
-          </a:lstStyle>
-          <a:p>
-            <a:pPr>
-              <a:defRPr/>
-            </a:pPr>
-            <a:endParaRPr lang="en-US"/>
+            <a:r>
+              <a:rPr lang="en-US" smtClean="0"/>
+              <a:t>Extending Cookbooks</a:t>
+            </a:r>
+            <a:endParaRPr lang="en-US" dirty="0"/>
           </a:p>
         </p:txBody>
       </p:sp>
@@ -735,7 +639,7 @@
     </p:extLst>
   </p:cSld>
   <p:clrMap bg1="lt1" tx1="dk1" bg2="lt2" tx2="dk2" accent1="accent1" accent2="accent2" accent3="accent3" accent4="accent4" accent5="accent5" accent6="accent6" hlink="hlink" folHlink="folHlink"/>
-  <p:hf dt="0"/>
+  <p:hf sldNum="0" ftr="0"/>
   <p:notesStyle>
     <a:lvl1pPr algn="l" defTabSz="1217613" rtl="0" fontAlgn="base">
       <a:lnSpc>
@@ -938,35 +842,6 @@
       </p:sp>
       <p:sp>
         <p:nvSpPr>
-          <p:cNvPr id="4" name="Slide Number Placeholder 3"/>
-          <p:cNvSpPr>
-            <a:spLocks noGrp="1"/>
-          </p:cNvSpPr>
-          <p:nvPr>
-            <p:ph type="sldNum" sz="quarter" idx="10"/>
-          </p:nvPr>
-        </p:nvSpPr>
-        <p:spPr/>
-        <p:txBody>
-          <a:bodyPr/>
-          <a:lstStyle/>
-          <a:p>
-            <a:pPr>
-              <a:defRPr/>
-            </a:pPr>
-            <a:fld id="{DC3734AA-3150-D947-AC52-2F5DF48BFCD5}" type="slidenum">
-              <a:rPr lang="en-US" smtClean="0"/>
-              <a:pPr>
-                <a:defRPr/>
-              </a:pPr>
-              <a:t>1</a:t>
-            </a:fld>
-            <a:endParaRPr lang="en-US" dirty="0"/>
-          </a:p>
-        </p:txBody>
-      </p:sp>
-      <p:sp>
-        <p:nvSpPr>
           <p:cNvPr id="5" name="Header Placeholder 4"/>
           <p:cNvSpPr>
             <a:spLocks noGrp="1"/>
@@ -983,18 +858,22 @@
             <a:pPr>
               <a:defRPr/>
             </a:pPr>
+            <a:r>
+              <a:rPr lang="en-US" smtClean="0"/>
+              <a:t>Extending Cookbooks</a:t>
+            </a:r>
             <a:endParaRPr lang="en-US"/>
           </a:p>
         </p:txBody>
       </p:sp>
       <p:sp>
         <p:nvSpPr>
-          <p:cNvPr id="6" name="Footer Placeholder 5"/>
+          <p:cNvPr id="7" name="Date Placeholder 6"/>
           <p:cNvSpPr>
             <a:spLocks noGrp="1"/>
           </p:cNvSpPr>
           <p:nvPr>
-            <p:ph type="ftr" sz="quarter" idx="12"/>
+            <p:ph type="dt" idx="13"/>
           </p:nvPr>
         </p:nvSpPr>
         <p:spPr/>
@@ -1005,7 +884,11 @@
             <a:pPr>
               <a:defRPr/>
             </a:pPr>
-            <a:endParaRPr lang="en-US"/>
+            <a:r>
+              <a:rPr lang="en-US" smtClean="0"/>
+              <a:t>Chef Software, Inc.</a:t>
+            </a:r>
+            <a:endParaRPr lang="en-US" dirty="0"/>
           </a:p>
         </p:txBody>
       </p:sp>
@@ -1076,35 +959,6 @@
       </p:sp>
       <p:sp>
         <p:nvSpPr>
-          <p:cNvPr id="4" name="Slide Number Placeholder 3"/>
-          <p:cNvSpPr>
-            <a:spLocks noGrp="1"/>
-          </p:cNvSpPr>
-          <p:nvPr>
-            <p:ph type="sldNum" sz="quarter" idx="10"/>
-          </p:nvPr>
-        </p:nvSpPr>
-        <p:spPr/>
-        <p:txBody>
-          <a:bodyPr/>
-          <a:lstStyle/>
-          <a:p>
-            <a:pPr>
-              <a:defRPr/>
-            </a:pPr>
-            <a:fld id="{DC3734AA-3150-D947-AC52-2F5DF48BFCD5}" type="slidenum">
-              <a:rPr lang="en-US" smtClean="0"/>
-              <a:pPr>
-                <a:defRPr/>
-              </a:pPr>
-              <a:t>10</a:t>
-            </a:fld>
-            <a:endParaRPr lang="en-US" dirty="0"/>
-          </a:p>
-        </p:txBody>
-      </p:sp>
-      <p:sp>
-        <p:nvSpPr>
           <p:cNvPr id="5" name="Header Placeholder 4"/>
           <p:cNvSpPr>
             <a:spLocks noGrp="1"/>
@@ -1121,18 +975,22 @@
             <a:pPr>
               <a:defRPr/>
             </a:pPr>
+            <a:r>
+              <a:rPr lang="en-US" smtClean="0"/>
+              <a:t>Extending Cookbooks</a:t>
+            </a:r>
             <a:endParaRPr lang="en-US"/>
           </a:p>
         </p:txBody>
       </p:sp>
       <p:sp>
         <p:nvSpPr>
-          <p:cNvPr id="6" name="Footer Placeholder 5"/>
+          <p:cNvPr id="7" name="Date Placeholder 6"/>
           <p:cNvSpPr>
             <a:spLocks noGrp="1"/>
           </p:cNvSpPr>
           <p:nvPr>
-            <p:ph type="ftr" sz="quarter" idx="12"/>
+            <p:ph type="dt" idx="13"/>
           </p:nvPr>
         </p:nvSpPr>
         <p:spPr/>
@@ -1143,7 +1001,11 @@
             <a:pPr>
               <a:defRPr/>
             </a:pPr>
-            <a:endParaRPr lang="en-US"/>
+            <a:r>
+              <a:rPr lang="en-US" smtClean="0"/>
+              <a:t>Chef Software, Inc.</a:t>
+            </a:r>
+            <a:endParaRPr lang="en-US" dirty="0"/>
           </a:p>
         </p:txBody>
       </p:sp>
@@ -1214,35 +1076,6 @@
       </p:sp>
       <p:sp>
         <p:nvSpPr>
-          <p:cNvPr id="4" name="Slide Number Placeholder 3"/>
-          <p:cNvSpPr>
-            <a:spLocks noGrp="1"/>
-          </p:cNvSpPr>
-          <p:nvPr>
-            <p:ph type="sldNum" sz="quarter" idx="10"/>
-          </p:nvPr>
-        </p:nvSpPr>
-        <p:spPr/>
-        <p:txBody>
-          <a:bodyPr/>
-          <a:lstStyle/>
-          <a:p>
-            <a:pPr>
-              <a:defRPr/>
-            </a:pPr>
-            <a:fld id="{DC3734AA-3150-D947-AC52-2F5DF48BFCD5}" type="slidenum">
-              <a:rPr lang="en-US" smtClean="0"/>
-              <a:pPr>
-                <a:defRPr/>
-              </a:pPr>
-              <a:t>11</a:t>
-            </a:fld>
-            <a:endParaRPr lang="en-US" dirty="0"/>
-          </a:p>
-        </p:txBody>
-      </p:sp>
-      <p:sp>
-        <p:nvSpPr>
           <p:cNvPr id="5" name="Header Placeholder 4"/>
           <p:cNvSpPr>
             <a:spLocks noGrp="1"/>
@@ -1259,18 +1092,22 @@
             <a:pPr>
               <a:defRPr/>
             </a:pPr>
+            <a:r>
+              <a:rPr lang="en-US" smtClean="0"/>
+              <a:t>Extending Cookbooks</a:t>
+            </a:r>
             <a:endParaRPr lang="en-US"/>
           </a:p>
         </p:txBody>
       </p:sp>
       <p:sp>
         <p:nvSpPr>
-          <p:cNvPr id="6" name="Footer Placeholder 5"/>
+          <p:cNvPr id="7" name="Date Placeholder 6"/>
           <p:cNvSpPr>
             <a:spLocks noGrp="1"/>
           </p:cNvSpPr>
           <p:nvPr>
-            <p:ph type="ftr" sz="quarter" idx="12"/>
+            <p:ph type="dt" idx="13"/>
           </p:nvPr>
         </p:nvSpPr>
         <p:spPr/>
@@ -1281,7 +1118,11 @@
             <a:pPr>
               <a:defRPr/>
             </a:pPr>
-            <a:endParaRPr lang="en-US"/>
+            <a:r>
+              <a:rPr lang="en-US" smtClean="0"/>
+              <a:t>Chef Software, Inc.</a:t>
+            </a:r>
+            <a:endParaRPr lang="en-US" dirty="0"/>
           </a:p>
         </p:txBody>
       </p:sp>
@@ -1368,35 +1209,6 @@
       </p:sp>
       <p:sp>
         <p:nvSpPr>
-          <p:cNvPr id="4" name="Slide Number Placeholder 3"/>
-          <p:cNvSpPr>
-            <a:spLocks noGrp="1"/>
-          </p:cNvSpPr>
-          <p:nvPr>
-            <p:ph type="sldNum" sz="quarter" idx="10"/>
-          </p:nvPr>
-        </p:nvSpPr>
-        <p:spPr/>
-        <p:txBody>
-          <a:bodyPr/>
-          <a:lstStyle/>
-          <a:p>
-            <a:pPr>
-              <a:defRPr/>
-            </a:pPr>
-            <a:fld id="{DC3734AA-3150-D947-AC52-2F5DF48BFCD5}" type="slidenum">
-              <a:rPr lang="en-US" smtClean="0"/>
-              <a:pPr>
-                <a:defRPr/>
-              </a:pPr>
-              <a:t>12</a:t>
-            </a:fld>
-            <a:endParaRPr lang="en-US" dirty="0"/>
-          </a:p>
-        </p:txBody>
-      </p:sp>
-      <p:sp>
-        <p:nvSpPr>
           <p:cNvPr id="5" name="Header Placeholder 4"/>
           <p:cNvSpPr>
             <a:spLocks noGrp="1"/>
@@ -1413,18 +1225,22 @@
             <a:pPr>
               <a:defRPr/>
             </a:pPr>
+            <a:r>
+              <a:rPr lang="en-US" smtClean="0"/>
+              <a:t>Extending Cookbooks</a:t>
+            </a:r>
             <a:endParaRPr lang="en-US"/>
           </a:p>
         </p:txBody>
       </p:sp>
       <p:sp>
         <p:nvSpPr>
-          <p:cNvPr id="6" name="Footer Placeholder 5"/>
+          <p:cNvPr id="7" name="Date Placeholder 6"/>
           <p:cNvSpPr>
             <a:spLocks noGrp="1"/>
           </p:cNvSpPr>
           <p:nvPr>
-            <p:ph type="ftr" sz="quarter" idx="12"/>
+            <p:ph type="dt" idx="13"/>
           </p:nvPr>
         </p:nvSpPr>
         <p:spPr/>
@@ -1435,7 +1251,11 @@
             <a:pPr>
               <a:defRPr/>
             </a:pPr>
-            <a:endParaRPr lang="en-US"/>
+            <a:r>
+              <a:rPr lang="en-US" smtClean="0"/>
+              <a:t>Chef Software, Inc.</a:t>
+            </a:r>
+            <a:endParaRPr lang="en-US" dirty="0"/>
           </a:p>
         </p:txBody>
       </p:sp>
@@ -1502,35 +1322,6 @@
       </p:sp>
       <p:sp>
         <p:nvSpPr>
-          <p:cNvPr id="4" name="Slide Number Placeholder 3"/>
-          <p:cNvSpPr>
-            <a:spLocks noGrp="1"/>
-          </p:cNvSpPr>
-          <p:nvPr>
-            <p:ph type="sldNum" sz="quarter" idx="10"/>
-          </p:nvPr>
-        </p:nvSpPr>
-        <p:spPr/>
-        <p:txBody>
-          <a:bodyPr/>
-          <a:lstStyle/>
-          <a:p>
-            <a:pPr>
-              <a:defRPr/>
-            </a:pPr>
-            <a:fld id="{DC3734AA-3150-D947-AC52-2F5DF48BFCD5}" type="slidenum">
-              <a:rPr lang="en-US" smtClean="0"/>
-              <a:pPr>
-                <a:defRPr/>
-              </a:pPr>
-              <a:t>13</a:t>
-            </a:fld>
-            <a:endParaRPr lang="en-US" dirty="0"/>
-          </a:p>
-        </p:txBody>
-      </p:sp>
-      <p:sp>
-        <p:nvSpPr>
           <p:cNvPr id="5" name="Header Placeholder 4"/>
           <p:cNvSpPr>
             <a:spLocks noGrp="1"/>
@@ -1547,18 +1338,22 @@
             <a:pPr>
               <a:defRPr/>
             </a:pPr>
+            <a:r>
+              <a:rPr lang="en-US" smtClean="0"/>
+              <a:t>Extending Cookbooks</a:t>
+            </a:r>
             <a:endParaRPr lang="en-US"/>
           </a:p>
         </p:txBody>
       </p:sp>
       <p:sp>
         <p:nvSpPr>
-          <p:cNvPr id="6" name="Footer Placeholder 5"/>
+          <p:cNvPr id="7" name="Date Placeholder 6"/>
           <p:cNvSpPr>
             <a:spLocks noGrp="1"/>
           </p:cNvSpPr>
           <p:nvPr>
-            <p:ph type="ftr" sz="quarter" idx="12"/>
+            <p:ph type="dt" idx="13"/>
           </p:nvPr>
         </p:nvSpPr>
         <p:spPr/>
@@ -1569,7 +1364,11 @@
             <a:pPr>
               <a:defRPr/>
             </a:pPr>
-            <a:endParaRPr lang="en-US"/>
+            <a:r>
+              <a:rPr lang="en-US" smtClean="0"/>
+              <a:t>Chef Software, Inc.</a:t>
+            </a:r>
+            <a:endParaRPr lang="en-US" dirty="0"/>
           </a:p>
         </p:txBody>
       </p:sp>
@@ -1636,35 +1435,6 @@
       </p:sp>
       <p:sp>
         <p:nvSpPr>
-          <p:cNvPr id="4" name="Slide Number Placeholder 3"/>
-          <p:cNvSpPr>
-            <a:spLocks noGrp="1"/>
-          </p:cNvSpPr>
-          <p:nvPr>
-            <p:ph type="sldNum" sz="quarter" idx="10"/>
-          </p:nvPr>
-        </p:nvSpPr>
-        <p:spPr/>
-        <p:txBody>
-          <a:bodyPr/>
-          <a:lstStyle/>
-          <a:p>
-            <a:pPr>
-              <a:defRPr/>
-            </a:pPr>
-            <a:fld id="{DC3734AA-3150-D947-AC52-2F5DF48BFCD5}" type="slidenum">
-              <a:rPr lang="en-US" smtClean="0"/>
-              <a:pPr>
-                <a:defRPr/>
-              </a:pPr>
-              <a:t>14</a:t>
-            </a:fld>
-            <a:endParaRPr lang="en-US" dirty="0"/>
-          </a:p>
-        </p:txBody>
-      </p:sp>
-      <p:sp>
-        <p:nvSpPr>
           <p:cNvPr id="5" name="Header Placeholder 4"/>
           <p:cNvSpPr>
             <a:spLocks noGrp="1"/>
@@ -1681,18 +1451,22 @@
             <a:pPr>
               <a:defRPr/>
             </a:pPr>
+            <a:r>
+              <a:rPr lang="en-US" smtClean="0"/>
+              <a:t>Extending Cookbooks</a:t>
+            </a:r>
             <a:endParaRPr lang="en-US"/>
           </a:p>
         </p:txBody>
       </p:sp>
       <p:sp>
         <p:nvSpPr>
-          <p:cNvPr id="6" name="Footer Placeholder 5"/>
+          <p:cNvPr id="7" name="Date Placeholder 6"/>
           <p:cNvSpPr>
             <a:spLocks noGrp="1"/>
           </p:cNvSpPr>
           <p:nvPr>
-            <p:ph type="ftr" sz="quarter" idx="12"/>
+            <p:ph type="dt" idx="13"/>
           </p:nvPr>
         </p:nvSpPr>
         <p:spPr/>
@@ -1703,7 +1477,11 @@
             <a:pPr>
               <a:defRPr/>
             </a:pPr>
-            <a:endParaRPr lang="en-US"/>
+            <a:r>
+              <a:rPr lang="en-US" smtClean="0"/>
+              <a:t>Chef Software, Inc.</a:t>
+            </a:r>
+            <a:endParaRPr lang="en-US" dirty="0"/>
           </a:p>
         </p:txBody>
       </p:sp>
@@ -1770,35 +1548,6 @@
       </p:sp>
       <p:sp>
         <p:nvSpPr>
-          <p:cNvPr id="4" name="Slide Number Placeholder 3"/>
-          <p:cNvSpPr>
-            <a:spLocks noGrp="1"/>
-          </p:cNvSpPr>
-          <p:nvPr>
-            <p:ph type="sldNum" sz="quarter" idx="10"/>
-          </p:nvPr>
-        </p:nvSpPr>
-        <p:spPr/>
-        <p:txBody>
-          <a:bodyPr/>
-          <a:lstStyle/>
-          <a:p>
-            <a:pPr>
-              <a:defRPr/>
-            </a:pPr>
-            <a:fld id="{DC3734AA-3150-D947-AC52-2F5DF48BFCD5}" type="slidenum">
-              <a:rPr lang="en-US" smtClean="0"/>
-              <a:pPr>
-                <a:defRPr/>
-              </a:pPr>
-              <a:t>15</a:t>
-            </a:fld>
-            <a:endParaRPr lang="en-US" dirty="0"/>
-          </a:p>
-        </p:txBody>
-      </p:sp>
-      <p:sp>
-        <p:nvSpPr>
           <p:cNvPr id="5" name="Header Placeholder 4"/>
           <p:cNvSpPr>
             <a:spLocks noGrp="1"/>
@@ -1815,18 +1564,22 @@
             <a:pPr>
               <a:defRPr/>
             </a:pPr>
+            <a:r>
+              <a:rPr lang="en-US" smtClean="0"/>
+              <a:t>Extending Cookbooks</a:t>
+            </a:r>
             <a:endParaRPr lang="en-US"/>
           </a:p>
         </p:txBody>
       </p:sp>
       <p:sp>
         <p:nvSpPr>
-          <p:cNvPr id="6" name="Footer Placeholder 5"/>
+          <p:cNvPr id="7" name="Date Placeholder 6"/>
           <p:cNvSpPr>
             <a:spLocks noGrp="1"/>
           </p:cNvSpPr>
           <p:nvPr>
-            <p:ph type="ftr" sz="quarter" idx="12"/>
+            <p:ph type="dt" idx="13"/>
           </p:nvPr>
         </p:nvSpPr>
         <p:spPr/>
@@ -1837,7 +1590,11 @@
             <a:pPr>
               <a:defRPr/>
             </a:pPr>
-            <a:endParaRPr lang="en-US"/>
+            <a:r>
+              <a:rPr lang="en-US" smtClean="0"/>
+              <a:t>Chef Software, Inc.</a:t>
+            </a:r>
+            <a:endParaRPr lang="en-US" dirty="0"/>
           </a:p>
         </p:txBody>
       </p:sp>
@@ -1904,35 +1661,6 @@
       </p:sp>
       <p:sp>
         <p:nvSpPr>
-          <p:cNvPr id="4" name="Slide Number Placeholder 3"/>
-          <p:cNvSpPr>
-            <a:spLocks noGrp="1"/>
-          </p:cNvSpPr>
-          <p:nvPr>
-            <p:ph type="sldNum" sz="quarter" idx="10"/>
-          </p:nvPr>
-        </p:nvSpPr>
-        <p:spPr/>
-        <p:txBody>
-          <a:bodyPr/>
-          <a:lstStyle/>
-          <a:p>
-            <a:pPr>
-              <a:defRPr/>
-            </a:pPr>
-            <a:fld id="{DC3734AA-3150-D947-AC52-2F5DF48BFCD5}" type="slidenum">
-              <a:rPr lang="en-US" smtClean="0"/>
-              <a:pPr>
-                <a:defRPr/>
-              </a:pPr>
-              <a:t>16</a:t>
-            </a:fld>
-            <a:endParaRPr lang="en-US" dirty="0"/>
-          </a:p>
-        </p:txBody>
-      </p:sp>
-      <p:sp>
-        <p:nvSpPr>
           <p:cNvPr id="5" name="Header Placeholder 4"/>
           <p:cNvSpPr>
             <a:spLocks noGrp="1"/>
@@ -1949,18 +1677,22 @@
             <a:pPr>
               <a:defRPr/>
             </a:pPr>
+            <a:r>
+              <a:rPr lang="en-US" smtClean="0"/>
+              <a:t>Extending Cookbooks</a:t>
+            </a:r>
             <a:endParaRPr lang="en-US"/>
           </a:p>
         </p:txBody>
       </p:sp>
       <p:sp>
         <p:nvSpPr>
-          <p:cNvPr id="6" name="Footer Placeholder 5"/>
+          <p:cNvPr id="7" name="Date Placeholder 6"/>
           <p:cNvSpPr>
             <a:spLocks noGrp="1"/>
           </p:cNvSpPr>
           <p:nvPr>
-            <p:ph type="ftr" sz="quarter" idx="12"/>
+            <p:ph type="dt" idx="13"/>
           </p:nvPr>
         </p:nvSpPr>
         <p:spPr/>
@@ -1971,7 +1703,11 @@
             <a:pPr>
               <a:defRPr/>
             </a:pPr>
-            <a:endParaRPr lang="en-US"/>
+            <a:r>
+              <a:rPr lang="en-US" smtClean="0"/>
+              <a:t>Chef Software, Inc.</a:t>
+            </a:r>
+            <a:endParaRPr lang="en-US" dirty="0"/>
           </a:p>
         </p:txBody>
       </p:sp>
@@ -2038,35 +1774,6 @@
       </p:sp>
       <p:sp>
         <p:nvSpPr>
-          <p:cNvPr id="4" name="Slide Number Placeholder 3"/>
-          <p:cNvSpPr>
-            <a:spLocks noGrp="1"/>
-          </p:cNvSpPr>
-          <p:nvPr>
-            <p:ph type="sldNum" sz="quarter" idx="10"/>
-          </p:nvPr>
-        </p:nvSpPr>
-        <p:spPr/>
-        <p:txBody>
-          <a:bodyPr/>
-          <a:lstStyle/>
-          <a:p>
-            <a:pPr>
-              <a:defRPr/>
-            </a:pPr>
-            <a:fld id="{DC3734AA-3150-D947-AC52-2F5DF48BFCD5}" type="slidenum">
-              <a:rPr lang="en-US" smtClean="0"/>
-              <a:pPr>
-                <a:defRPr/>
-              </a:pPr>
-              <a:t>17</a:t>
-            </a:fld>
-            <a:endParaRPr lang="en-US" dirty="0"/>
-          </a:p>
-        </p:txBody>
-      </p:sp>
-      <p:sp>
-        <p:nvSpPr>
           <p:cNvPr id="5" name="Header Placeholder 4"/>
           <p:cNvSpPr>
             <a:spLocks noGrp="1"/>
@@ -2083,18 +1790,22 @@
             <a:pPr>
               <a:defRPr/>
             </a:pPr>
+            <a:r>
+              <a:rPr lang="en-US" smtClean="0"/>
+              <a:t>Extending Cookbooks</a:t>
+            </a:r>
             <a:endParaRPr lang="en-US"/>
           </a:p>
         </p:txBody>
       </p:sp>
       <p:sp>
         <p:nvSpPr>
-          <p:cNvPr id="6" name="Footer Placeholder 5"/>
+          <p:cNvPr id="7" name="Date Placeholder 6"/>
           <p:cNvSpPr>
             <a:spLocks noGrp="1"/>
           </p:cNvSpPr>
           <p:nvPr>
-            <p:ph type="ftr" sz="quarter" idx="12"/>
+            <p:ph type="dt" idx="13"/>
           </p:nvPr>
         </p:nvSpPr>
         <p:spPr/>
@@ -2105,7 +1816,11 @@
             <a:pPr>
               <a:defRPr/>
             </a:pPr>
-            <a:endParaRPr lang="en-US"/>
+            <a:r>
+              <a:rPr lang="en-US" smtClean="0"/>
+              <a:t>Chef Software, Inc.</a:t>
+            </a:r>
+            <a:endParaRPr lang="en-US" dirty="0"/>
           </a:p>
         </p:txBody>
       </p:sp>
@@ -2172,35 +1887,6 @@
       </p:sp>
       <p:sp>
         <p:nvSpPr>
-          <p:cNvPr id="4" name="Slide Number Placeholder 3"/>
-          <p:cNvSpPr>
-            <a:spLocks noGrp="1"/>
-          </p:cNvSpPr>
-          <p:nvPr>
-            <p:ph type="sldNum" sz="quarter" idx="10"/>
-          </p:nvPr>
-        </p:nvSpPr>
-        <p:spPr/>
-        <p:txBody>
-          <a:bodyPr/>
-          <a:lstStyle/>
-          <a:p>
-            <a:pPr>
-              <a:defRPr/>
-            </a:pPr>
-            <a:fld id="{DC3734AA-3150-D947-AC52-2F5DF48BFCD5}" type="slidenum">
-              <a:rPr lang="en-US" smtClean="0"/>
-              <a:pPr>
-                <a:defRPr/>
-              </a:pPr>
-              <a:t>18</a:t>
-            </a:fld>
-            <a:endParaRPr lang="en-US" dirty="0"/>
-          </a:p>
-        </p:txBody>
-      </p:sp>
-      <p:sp>
-        <p:nvSpPr>
           <p:cNvPr id="5" name="Header Placeholder 4"/>
           <p:cNvSpPr>
             <a:spLocks noGrp="1"/>
@@ -2217,18 +1903,22 @@
             <a:pPr>
               <a:defRPr/>
             </a:pPr>
+            <a:r>
+              <a:rPr lang="en-US" smtClean="0"/>
+              <a:t>Extending Cookbooks</a:t>
+            </a:r>
             <a:endParaRPr lang="en-US"/>
           </a:p>
         </p:txBody>
       </p:sp>
       <p:sp>
         <p:nvSpPr>
-          <p:cNvPr id="6" name="Footer Placeholder 5"/>
+          <p:cNvPr id="7" name="Date Placeholder 6"/>
           <p:cNvSpPr>
             <a:spLocks noGrp="1"/>
           </p:cNvSpPr>
           <p:nvPr>
-            <p:ph type="ftr" sz="quarter" idx="12"/>
+            <p:ph type="dt" idx="13"/>
           </p:nvPr>
         </p:nvSpPr>
         <p:spPr/>
@@ -2239,7 +1929,11 @@
             <a:pPr>
               <a:defRPr/>
             </a:pPr>
-            <a:endParaRPr lang="en-US"/>
+            <a:r>
+              <a:rPr lang="en-US" smtClean="0"/>
+              <a:t>Chef Software, Inc.</a:t>
+            </a:r>
+            <a:endParaRPr lang="en-US" dirty="0"/>
           </a:p>
         </p:txBody>
       </p:sp>
@@ -2331,35 +2025,6 @@
       </p:sp>
       <p:sp>
         <p:nvSpPr>
-          <p:cNvPr id="4" name="Slide Number Placeholder 3"/>
-          <p:cNvSpPr>
-            <a:spLocks noGrp="1"/>
-          </p:cNvSpPr>
-          <p:nvPr>
-            <p:ph type="sldNum" sz="quarter" idx="10"/>
-          </p:nvPr>
-        </p:nvSpPr>
-        <p:spPr/>
-        <p:txBody>
-          <a:bodyPr/>
-          <a:lstStyle/>
-          <a:p>
-            <a:pPr>
-              <a:defRPr/>
-            </a:pPr>
-            <a:fld id="{DC3734AA-3150-D947-AC52-2F5DF48BFCD5}" type="slidenum">
-              <a:rPr lang="en-US" smtClean="0"/>
-              <a:pPr>
-                <a:defRPr/>
-              </a:pPr>
-              <a:t>19</a:t>
-            </a:fld>
-            <a:endParaRPr lang="en-US" dirty="0"/>
-          </a:p>
-        </p:txBody>
-      </p:sp>
-      <p:sp>
-        <p:nvSpPr>
           <p:cNvPr id="5" name="Header Placeholder 4"/>
           <p:cNvSpPr>
             <a:spLocks noGrp="1"/>
@@ -2376,18 +2041,22 @@
             <a:pPr>
               <a:defRPr/>
             </a:pPr>
+            <a:r>
+              <a:rPr lang="en-US" smtClean="0"/>
+              <a:t>Extending Cookbooks</a:t>
+            </a:r>
             <a:endParaRPr lang="en-US"/>
           </a:p>
         </p:txBody>
       </p:sp>
       <p:sp>
         <p:nvSpPr>
-          <p:cNvPr id="6" name="Footer Placeholder 5"/>
+          <p:cNvPr id="7" name="Date Placeholder 6"/>
           <p:cNvSpPr>
             <a:spLocks noGrp="1"/>
           </p:cNvSpPr>
           <p:nvPr>
-            <p:ph type="ftr" sz="quarter" idx="12"/>
+            <p:ph type="dt" idx="13"/>
           </p:nvPr>
         </p:nvSpPr>
         <p:spPr/>
@@ -2398,7 +2067,11 @@
             <a:pPr>
               <a:defRPr/>
             </a:pPr>
-            <a:endParaRPr lang="en-US"/>
+            <a:r>
+              <a:rPr lang="en-US" smtClean="0"/>
+              <a:t>Chef Software, Inc.</a:t>
+            </a:r>
+            <a:endParaRPr lang="en-US" dirty="0"/>
           </a:p>
         </p:txBody>
       </p:sp>
@@ -2485,35 +2158,6 @@
       </p:sp>
       <p:sp>
         <p:nvSpPr>
-          <p:cNvPr id="4" name="Slide Number Placeholder 3"/>
-          <p:cNvSpPr>
-            <a:spLocks noGrp="1"/>
-          </p:cNvSpPr>
-          <p:nvPr>
-            <p:ph type="sldNum" sz="quarter" idx="10"/>
-          </p:nvPr>
-        </p:nvSpPr>
-        <p:spPr/>
-        <p:txBody>
-          <a:bodyPr/>
-          <a:lstStyle/>
-          <a:p>
-            <a:pPr>
-              <a:defRPr/>
-            </a:pPr>
-            <a:fld id="{DC3734AA-3150-D947-AC52-2F5DF48BFCD5}" type="slidenum">
-              <a:rPr lang="en-US" smtClean="0"/>
-              <a:pPr>
-                <a:defRPr/>
-              </a:pPr>
-              <a:t>2</a:t>
-            </a:fld>
-            <a:endParaRPr lang="en-US" dirty="0"/>
-          </a:p>
-        </p:txBody>
-      </p:sp>
-      <p:sp>
-        <p:nvSpPr>
           <p:cNvPr id="5" name="Header Placeholder 4"/>
           <p:cNvSpPr>
             <a:spLocks noGrp="1"/>
@@ -2530,18 +2174,22 @@
             <a:pPr>
               <a:defRPr/>
             </a:pPr>
+            <a:r>
+              <a:rPr lang="en-US" smtClean="0"/>
+              <a:t>Extending Cookbooks</a:t>
+            </a:r>
             <a:endParaRPr lang="en-US"/>
           </a:p>
         </p:txBody>
       </p:sp>
       <p:sp>
         <p:nvSpPr>
-          <p:cNvPr id="6" name="Footer Placeholder 5"/>
+          <p:cNvPr id="7" name="Date Placeholder 6"/>
           <p:cNvSpPr>
             <a:spLocks noGrp="1"/>
           </p:cNvSpPr>
           <p:nvPr>
-            <p:ph type="ftr" sz="quarter" idx="12"/>
+            <p:ph type="dt" idx="13"/>
           </p:nvPr>
         </p:nvSpPr>
         <p:spPr/>
@@ -2552,7 +2200,11 @@
             <a:pPr>
               <a:defRPr/>
             </a:pPr>
-            <a:endParaRPr lang="en-US"/>
+            <a:r>
+              <a:rPr lang="en-US" smtClean="0"/>
+              <a:t>Chef Software, Inc.</a:t>
+            </a:r>
+            <a:endParaRPr lang="en-US" dirty="0"/>
           </a:p>
         </p:txBody>
       </p:sp>
@@ -2639,35 +2291,6 @@
       </p:sp>
       <p:sp>
         <p:nvSpPr>
-          <p:cNvPr id="4" name="Slide Number Placeholder 3"/>
-          <p:cNvSpPr>
-            <a:spLocks noGrp="1"/>
-          </p:cNvSpPr>
-          <p:nvPr>
-            <p:ph type="sldNum" sz="quarter" idx="10"/>
-          </p:nvPr>
-        </p:nvSpPr>
-        <p:spPr/>
-        <p:txBody>
-          <a:bodyPr/>
-          <a:lstStyle/>
-          <a:p>
-            <a:pPr>
-              <a:defRPr/>
-            </a:pPr>
-            <a:fld id="{DC3734AA-3150-D947-AC52-2F5DF48BFCD5}" type="slidenum">
-              <a:rPr lang="en-US" smtClean="0"/>
-              <a:pPr>
-                <a:defRPr/>
-              </a:pPr>
-              <a:t>3</a:t>
-            </a:fld>
-            <a:endParaRPr lang="en-US" dirty="0"/>
-          </a:p>
-        </p:txBody>
-      </p:sp>
-      <p:sp>
-        <p:nvSpPr>
           <p:cNvPr id="5" name="Header Placeholder 4"/>
           <p:cNvSpPr>
             <a:spLocks noGrp="1"/>
@@ -2684,18 +2307,22 @@
             <a:pPr>
               <a:defRPr/>
             </a:pPr>
+            <a:r>
+              <a:rPr lang="en-US" smtClean="0"/>
+              <a:t>Extending Cookbooks</a:t>
+            </a:r>
             <a:endParaRPr lang="en-US"/>
           </a:p>
         </p:txBody>
       </p:sp>
       <p:sp>
         <p:nvSpPr>
-          <p:cNvPr id="6" name="Footer Placeholder 5"/>
+          <p:cNvPr id="7" name="Date Placeholder 6"/>
           <p:cNvSpPr>
             <a:spLocks noGrp="1"/>
           </p:cNvSpPr>
           <p:nvPr>
-            <p:ph type="ftr" sz="quarter" idx="12"/>
+            <p:ph type="dt" idx="13"/>
           </p:nvPr>
         </p:nvSpPr>
         <p:spPr/>
@@ -2706,7 +2333,11 @@
             <a:pPr>
               <a:defRPr/>
             </a:pPr>
-            <a:endParaRPr lang="en-US"/>
+            <a:r>
+              <a:rPr lang="en-US" smtClean="0"/>
+              <a:t>Chef Software, Inc.</a:t>
+            </a:r>
+            <a:endParaRPr lang="en-US" dirty="0"/>
           </a:p>
         </p:txBody>
       </p:sp>
@@ -2777,35 +2408,6 @@
       </p:sp>
       <p:sp>
         <p:nvSpPr>
-          <p:cNvPr id="4" name="Slide Number Placeholder 3"/>
-          <p:cNvSpPr>
-            <a:spLocks noGrp="1"/>
-          </p:cNvSpPr>
-          <p:nvPr>
-            <p:ph type="sldNum" sz="quarter" idx="10"/>
-          </p:nvPr>
-        </p:nvSpPr>
-        <p:spPr/>
-        <p:txBody>
-          <a:bodyPr/>
-          <a:lstStyle/>
-          <a:p>
-            <a:pPr>
-              <a:defRPr/>
-            </a:pPr>
-            <a:fld id="{DC3734AA-3150-D947-AC52-2F5DF48BFCD5}" type="slidenum">
-              <a:rPr lang="en-US" smtClean="0"/>
-              <a:pPr>
-                <a:defRPr/>
-              </a:pPr>
-              <a:t>4</a:t>
-            </a:fld>
-            <a:endParaRPr lang="en-US" dirty="0"/>
-          </a:p>
-        </p:txBody>
-      </p:sp>
-      <p:sp>
-        <p:nvSpPr>
           <p:cNvPr id="5" name="Header Placeholder 4"/>
           <p:cNvSpPr>
             <a:spLocks noGrp="1"/>
@@ -2822,18 +2424,22 @@
             <a:pPr>
               <a:defRPr/>
             </a:pPr>
+            <a:r>
+              <a:rPr lang="en-US" smtClean="0"/>
+              <a:t>Extending Cookbooks</a:t>
+            </a:r>
             <a:endParaRPr lang="en-US"/>
           </a:p>
         </p:txBody>
       </p:sp>
       <p:sp>
         <p:nvSpPr>
-          <p:cNvPr id="6" name="Footer Placeholder 5"/>
+          <p:cNvPr id="7" name="Date Placeholder 6"/>
           <p:cNvSpPr>
             <a:spLocks noGrp="1"/>
           </p:cNvSpPr>
           <p:nvPr>
-            <p:ph type="ftr" sz="quarter" idx="12"/>
+            <p:ph type="dt" idx="13"/>
           </p:nvPr>
         </p:nvSpPr>
         <p:spPr/>
@@ -2844,7 +2450,11 @@
             <a:pPr>
               <a:defRPr/>
             </a:pPr>
-            <a:endParaRPr lang="en-US"/>
+            <a:r>
+              <a:rPr lang="en-US" smtClean="0"/>
+              <a:t>Chef Software, Inc.</a:t>
+            </a:r>
+            <a:endParaRPr lang="en-US" dirty="0"/>
           </a:p>
         </p:txBody>
       </p:sp>
@@ -2923,35 +2533,6 @@
       </p:sp>
       <p:sp>
         <p:nvSpPr>
-          <p:cNvPr id="4" name="Slide Number Placeholder 3"/>
-          <p:cNvSpPr>
-            <a:spLocks noGrp="1"/>
-          </p:cNvSpPr>
-          <p:nvPr>
-            <p:ph type="sldNum" sz="quarter" idx="10"/>
-          </p:nvPr>
-        </p:nvSpPr>
-        <p:spPr/>
-        <p:txBody>
-          <a:bodyPr/>
-          <a:lstStyle/>
-          <a:p>
-            <a:pPr>
-              <a:defRPr/>
-            </a:pPr>
-            <a:fld id="{DC3734AA-3150-D947-AC52-2F5DF48BFCD5}" type="slidenum">
-              <a:rPr lang="en-US" smtClean="0"/>
-              <a:pPr>
-                <a:defRPr/>
-              </a:pPr>
-              <a:t>5</a:t>
-            </a:fld>
-            <a:endParaRPr lang="en-US" dirty="0"/>
-          </a:p>
-        </p:txBody>
-      </p:sp>
-      <p:sp>
-        <p:nvSpPr>
           <p:cNvPr id="5" name="Header Placeholder 4"/>
           <p:cNvSpPr>
             <a:spLocks noGrp="1"/>
@@ -2968,18 +2549,22 @@
             <a:pPr>
               <a:defRPr/>
             </a:pPr>
+            <a:r>
+              <a:rPr lang="en-US" smtClean="0"/>
+              <a:t>Extending Cookbooks</a:t>
+            </a:r>
             <a:endParaRPr lang="en-US"/>
           </a:p>
         </p:txBody>
       </p:sp>
       <p:sp>
         <p:nvSpPr>
-          <p:cNvPr id="6" name="Footer Placeholder 5"/>
+          <p:cNvPr id="7" name="Date Placeholder 6"/>
           <p:cNvSpPr>
             <a:spLocks noGrp="1"/>
           </p:cNvSpPr>
           <p:nvPr>
-            <p:ph type="ftr" sz="quarter" idx="12"/>
+            <p:ph type="dt" idx="13"/>
           </p:nvPr>
         </p:nvSpPr>
         <p:spPr/>
@@ -2990,7 +2575,11 @@
             <a:pPr>
               <a:defRPr/>
             </a:pPr>
-            <a:endParaRPr lang="en-US"/>
+            <a:r>
+              <a:rPr lang="en-US" smtClean="0"/>
+              <a:t>Chef Software, Inc.</a:t>
+            </a:r>
+            <a:endParaRPr lang="en-US" dirty="0"/>
           </a:p>
         </p:txBody>
       </p:sp>
@@ -3061,35 +2650,6 @@
       </p:sp>
       <p:sp>
         <p:nvSpPr>
-          <p:cNvPr id="4" name="Slide Number Placeholder 3"/>
-          <p:cNvSpPr>
-            <a:spLocks noGrp="1"/>
-          </p:cNvSpPr>
-          <p:nvPr>
-            <p:ph type="sldNum" sz="quarter" idx="10"/>
-          </p:nvPr>
-        </p:nvSpPr>
-        <p:spPr/>
-        <p:txBody>
-          <a:bodyPr/>
-          <a:lstStyle/>
-          <a:p>
-            <a:pPr>
-              <a:defRPr/>
-            </a:pPr>
-            <a:fld id="{DC3734AA-3150-D947-AC52-2F5DF48BFCD5}" type="slidenum">
-              <a:rPr lang="en-US" smtClean="0"/>
-              <a:pPr>
-                <a:defRPr/>
-              </a:pPr>
-              <a:t>6</a:t>
-            </a:fld>
-            <a:endParaRPr lang="en-US" dirty="0"/>
-          </a:p>
-        </p:txBody>
-      </p:sp>
-      <p:sp>
-        <p:nvSpPr>
           <p:cNvPr id="5" name="Header Placeholder 4"/>
           <p:cNvSpPr>
             <a:spLocks noGrp="1"/>
@@ -3106,18 +2666,22 @@
             <a:pPr>
               <a:defRPr/>
             </a:pPr>
+            <a:r>
+              <a:rPr lang="en-US" smtClean="0"/>
+              <a:t>Extending Cookbooks</a:t>
+            </a:r>
             <a:endParaRPr lang="en-US"/>
           </a:p>
         </p:txBody>
       </p:sp>
       <p:sp>
         <p:nvSpPr>
-          <p:cNvPr id="6" name="Footer Placeholder 5"/>
+          <p:cNvPr id="7" name="Date Placeholder 6"/>
           <p:cNvSpPr>
             <a:spLocks noGrp="1"/>
           </p:cNvSpPr>
           <p:nvPr>
-            <p:ph type="ftr" sz="quarter" idx="12"/>
+            <p:ph type="dt" idx="13"/>
           </p:nvPr>
         </p:nvSpPr>
         <p:spPr/>
@@ -3128,7 +2692,11 @@
             <a:pPr>
               <a:defRPr/>
             </a:pPr>
-            <a:endParaRPr lang="en-US"/>
+            <a:r>
+              <a:rPr lang="en-US" smtClean="0"/>
+              <a:t>Chef Software, Inc.</a:t>
+            </a:r>
+            <a:endParaRPr lang="en-US" dirty="0"/>
           </a:p>
         </p:txBody>
       </p:sp>
@@ -3199,35 +2767,6 @@
       </p:sp>
       <p:sp>
         <p:nvSpPr>
-          <p:cNvPr id="4" name="Slide Number Placeholder 3"/>
-          <p:cNvSpPr>
-            <a:spLocks noGrp="1"/>
-          </p:cNvSpPr>
-          <p:nvPr>
-            <p:ph type="sldNum" sz="quarter" idx="10"/>
-          </p:nvPr>
-        </p:nvSpPr>
-        <p:spPr/>
-        <p:txBody>
-          <a:bodyPr/>
-          <a:lstStyle/>
-          <a:p>
-            <a:pPr>
-              <a:defRPr/>
-            </a:pPr>
-            <a:fld id="{DC3734AA-3150-D947-AC52-2F5DF48BFCD5}" type="slidenum">
-              <a:rPr lang="en-US" smtClean="0"/>
-              <a:pPr>
-                <a:defRPr/>
-              </a:pPr>
-              <a:t>7</a:t>
-            </a:fld>
-            <a:endParaRPr lang="en-US" dirty="0"/>
-          </a:p>
-        </p:txBody>
-      </p:sp>
-      <p:sp>
-        <p:nvSpPr>
           <p:cNvPr id="5" name="Header Placeholder 4"/>
           <p:cNvSpPr>
             <a:spLocks noGrp="1"/>
@@ -3244,18 +2783,22 @@
             <a:pPr>
               <a:defRPr/>
             </a:pPr>
+            <a:r>
+              <a:rPr lang="en-US" smtClean="0"/>
+              <a:t>Extending Cookbooks</a:t>
+            </a:r>
             <a:endParaRPr lang="en-US"/>
           </a:p>
         </p:txBody>
       </p:sp>
       <p:sp>
         <p:nvSpPr>
-          <p:cNvPr id="6" name="Footer Placeholder 5"/>
+          <p:cNvPr id="7" name="Date Placeholder 6"/>
           <p:cNvSpPr>
             <a:spLocks noGrp="1"/>
           </p:cNvSpPr>
           <p:nvPr>
-            <p:ph type="ftr" sz="quarter" idx="12"/>
+            <p:ph type="dt" idx="13"/>
           </p:nvPr>
         </p:nvSpPr>
         <p:spPr/>
@@ -3266,7 +2809,11 @@
             <a:pPr>
               <a:defRPr/>
             </a:pPr>
-            <a:endParaRPr lang="en-US"/>
+            <a:r>
+              <a:rPr lang="en-US" smtClean="0"/>
+              <a:t>Chef Software, Inc.</a:t>
+            </a:r>
+            <a:endParaRPr lang="en-US" dirty="0"/>
           </a:p>
         </p:txBody>
       </p:sp>
@@ -3337,35 +2884,6 @@
       </p:sp>
       <p:sp>
         <p:nvSpPr>
-          <p:cNvPr id="4" name="Slide Number Placeholder 3"/>
-          <p:cNvSpPr>
-            <a:spLocks noGrp="1"/>
-          </p:cNvSpPr>
-          <p:nvPr>
-            <p:ph type="sldNum" sz="quarter" idx="10"/>
-          </p:nvPr>
-        </p:nvSpPr>
-        <p:spPr/>
-        <p:txBody>
-          <a:bodyPr/>
-          <a:lstStyle/>
-          <a:p>
-            <a:pPr>
-              <a:defRPr/>
-            </a:pPr>
-            <a:fld id="{DC3734AA-3150-D947-AC52-2F5DF48BFCD5}" type="slidenum">
-              <a:rPr lang="en-US" smtClean="0"/>
-              <a:pPr>
-                <a:defRPr/>
-              </a:pPr>
-              <a:t>8</a:t>
-            </a:fld>
-            <a:endParaRPr lang="en-US" dirty="0"/>
-          </a:p>
-        </p:txBody>
-      </p:sp>
-      <p:sp>
-        <p:nvSpPr>
           <p:cNvPr id="5" name="Header Placeholder 4"/>
           <p:cNvSpPr>
             <a:spLocks noGrp="1"/>
@@ -3382,18 +2900,22 @@
             <a:pPr>
               <a:defRPr/>
             </a:pPr>
+            <a:r>
+              <a:rPr lang="en-US" smtClean="0"/>
+              <a:t>Extending Cookbooks</a:t>
+            </a:r>
             <a:endParaRPr lang="en-US"/>
           </a:p>
         </p:txBody>
       </p:sp>
       <p:sp>
         <p:nvSpPr>
-          <p:cNvPr id="6" name="Footer Placeholder 5"/>
+          <p:cNvPr id="7" name="Date Placeholder 6"/>
           <p:cNvSpPr>
             <a:spLocks noGrp="1"/>
           </p:cNvSpPr>
           <p:nvPr>
-            <p:ph type="ftr" sz="quarter" idx="12"/>
+            <p:ph type="dt" idx="13"/>
           </p:nvPr>
         </p:nvSpPr>
         <p:spPr/>
@@ -3404,7 +2926,11 @@
             <a:pPr>
               <a:defRPr/>
             </a:pPr>
-            <a:endParaRPr lang="en-US"/>
+            <a:r>
+              <a:rPr lang="en-US" smtClean="0"/>
+              <a:t>Chef Software, Inc.</a:t>
+            </a:r>
+            <a:endParaRPr lang="en-US" dirty="0"/>
           </a:p>
         </p:txBody>
       </p:sp>
@@ -3475,35 +3001,6 @@
       </p:sp>
       <p:sp>
         <p:nvSpPr>
-          <p:cNvPr id="4" name="Slide Number Placeholder 3"/>
-          <p:cNvSpPr>
-            <a:spLocks noGrp="1"/>
-          </p:cNvSpPr>
-          <p:nvPr>
-            <p:ph type="sldNum" sz="quarter" idx="10"/>
-          </p:nvPr>
-        </p:nvSpPr>
-        <p:spPr/>
-        <p:txBody>
-          <a:bodyPr/>
-          <a:lstStyle/>
-          <a:p>
-            <a:pPr>
-              <a:defRPr/>
-            </a:pPr>
-            <a:fld id="{DC3734AA-3150-D947-AC52-2F5DF48BFCD5}" type="slidenum">
-              <a:rPr lang="en-US" smtClean="0"/>
-              <a:pPr>
-                <a:defRPr/>
-              </a:pPr>
-              <a:t>9</a:t>
-            </a:fld>
-            <a:endParaRPr lang="en-US" dirty="0"/>
-          </a:p>
-        </p:txBody>
-      </p:sp>
-      <p:sp>
-        <p:nvSpPr>
           <p:cNvPr id="5" name="Header Placeholder 4"/>
           <p:cNvSpPr>
             <a:spLocks noGrp="1"/>
@@ -3520,18 +3017,22 @@
             <a:pPr>
               <a:defRPr/>
             </a:pPr>
+            <a:r>
+              <a:rPr lang="en-US" smtClean="0"/>
+              <a:t>Extending Cookbooks</a:t>
+            </a:r>
             <a:endParaRPr lang="en-US"/>
           </a:p>
         </p:txBody>
       </p:sp>
       <p:sp>
         <p:nvSpPr>
-          <p:cNvPr id="6" name="Footer Placeholder 5"/>
+          <p:cNvPr id="7" name="Date Placeholder 6"/>
           <p:cNvSpPr>
             <a:spLocks noGrp="1"/>
           </p:cNvSpPr>
           <p:nvPr>
-            <p:ph type="ftr" sz="quarter" idx="12"/>
+            <p:ph type="dt" idx="13"/>
           </p:nvPr>
         </p:nvSpPr>
         <p:spPr/>
@@ -3542,7 +3043,11 @@
             <a:pPr>
               <a:defRPr/>
             </a:pPr>
-            <a:endParaRPr lang="en-US"/>
+            <a:r>
+              <a:rPr lang="en-US" smtClean="0"/>
+              <a:t>Chef Software, Inc.</a:t>
+            </a:r>
+            <a:endParaRPr lang="en-US" dirty="0"/>
           </a:p>
         </p:txBody>
       </p:sp>
@@ -4124,14 +3629,14 @@
           </a:ln>
           <a:extLst>
             <a:ext uri="{909E8E84-426E-40dd-AFC4-6F175D3DCCD1}">
-              <a14:hiddenFill xmlns:a14="http://schemas.microsoft.com/office/drawing/2010/main" xmlns="">
+              <a14:hiddenFill xmlns="" xmlns:a14="http://schemas.microsoft.com/office/drawing/2010/main">
                 <a:solidFill>
                   <a:srgbClr val="FFFFFF"/>
                 </a:solidFill>
               </a14:hiddenFill>
             </a:ext>
             <a:ext uri="{91240B29-F687-4f45-9708-019B960494DF}">
-              <a14:hiddenLine xmlns:a14="http://schemas.microsoft.com/office/drawing/2010/main" xmlns="" w="9525">
+              <a14:hiddenLine xmlns="" xmlns:a14="http://schemas.microsoft.com/office/drawing/2010/main" w="9525">
                 <a:solidFill>
                   <a:srgbClr val="000000"/>
                 </a:solidFill>
@@ -4279,14 +3784,14 @@
           </a:ln>
           <a:extLst>
             <a:ext uri="{909E8E84-426E-40dd-AFC4-6F175D3DCCD1}">
-              <a14:hiddenFill xmlns:a14="http://schemas.microsoft.com/office/drawing/2010/main" xmlns="">
+              <a14:hiddenFill xmlns="" xmlns:a14="http://schemas.microsoft.com/office/drawing/2010/main">
                 <a:solidFill>
                   <a:srgbClr val="FFFFFF"/>
                 </a:solidFill>
               </a14:hiddenFill>
             </a:ext>
             <a:ext uri="{91240B29-F687-4f45-9708-019B960494DF}">
-              <a14:hiddenLine xmlns:a14="http://schemas.microsoft.com/office/drawing/2010/main" xmlns="" w="9525">
+              <a14:hiddenLine xmlns="" xmlns:a14="http://schemas.microsoft.com/office/drawing/2010/main" w="9525">
                 <a:solidFill>
                   <a:srgbClr val="000000"/>
                 </a:solidFill>
@@ -4777,14 +4282,14 @@
           </a:ln>
           <a:extLst>
             <a:ext uri="{909E8E84-426E-40dd-AFC4-6F175D3DCCD1}">
-              <a14:hiddenFill xmlns:a14="http://schemas.microsoft.com/office/drawing/2010/main" xmlns="">
+              <a14:hiddenFill xmlns="" xmlns:a14="http://schemas.microsoft.com/office/drawing/2010/main">
                 <a:solidFill>
                   <a:srgbClr val="FFFFFF"/>
                 </a:solidFill>
               </a14:hiddenFill>
             </a:ext>
             <a:ext uri="{91240B29-F687-4f45-9708-019B960494DF}">
-              <a14:hiddenLine xmlns:a14="http://schemas.microsoft.com/office/drawing/2010/main" xmlns="" w="9525">
+              <a14:hiddenLine xmlns="" xmlns:a14="http://schemas.microsoft.com/office/drawing/2010/main" w="9525">
                 <a:solidFill>
                   <a:srgbClr val="000000"/>
                 </a:solidFill>
@@ -6233,14 +5738,14 @@
           </a:ln>
           <a:extLst>
             <a:ext uri="{909E8E84-426E-40dd-AFC4-6F175D3DCCD1}">
-              <a14:hiddenFill xmlns:a14="http://schemas.microsoft.com/office/drawing/2010/main" xmlns="">
+              <a14:hiddenFill xmlns="" xmlns:a14="http://schemas.microsoft.com/office/drawing/2010/main">
                 <a:solidFill>
                   <a:srgbClr val="FFFFFF"/>
                 </a:solidFill>
               </a14:hiddenFill>
             </a:ext>
             <a:ext uri="{91240B29-F687-4f45-9708-019B960494DF}">
-              <a14:hiddenLine xmlns:a14="http://schemas.microsoft.com/office/drawing/2010/main" xmlns="" w="9525">
+              <a14:hiddenLine xmlns="" xmlns:a14="http://schemas.microsoft.com/office/drawing/2010/main" w="9525">
                 <a:solidFill>
                   <a:srgbClr val="000000"/>
                 </a:solidFill>
@@ -7594,14 +7099,14 @@
           </a:ln>
           <a:extLst>
             <a:ext uri="{909E8E84-426E-40dd-AFC4-6F175D3DCCD1}">
-              <a14:hiddenFill xmlns:a14="http://schemas.microsoft.com/office/drawing/2010/main" xmlns="">
+              <a14:hiddenFill xmlns="" xmlns:a14="http://schemas.microsoft.com/office/drawing/2010/main">
                 <a:solidFill>
                   <a:srgbClr val="FFFFFF"/>
                 </a:solidFill>
               </a14:hiddenFill>
             </a:ext>
             <a:ext uri="{91240B29-F687-4f45-9708-019B960494DF}">
-              <a14:hiddenLine xmlns:a14="http://schemas.microsoft.com/office/drawing/2010/main" xmlns="" w="9525">
+              <a14:hiddenLine xmlns="" xmlns:a14="http://schemas.microsoft.com/office/drawing/2010/main" w="9525">
                 <a:solidFill>
                   <a:srgbClr val="000000"/>
                 </a:solidFill>
@@ -8159,14 +7664,14 @@
           </a:ln>
           <a:extLst>
             <a:ext uri="{909E8E84-426E-40dd-AFC4-6F175D3DCCD1}">
-              <a14:hiddenFill xmlns:a14="http://schemas.microsoft.com/office/drawing/2010/main" xmlns="">
+              <a14:hiddenFill xmlns="" xmlns:a14="http://schemas.microsoft.com/office/drawing/2010/main">
                 <a:solidFill>
                   <a:srgbClr val="FFFFFF"/>
                 </a:solidFill>
               </a14:hiddenFill>
             </a:ext>
             <a:ext uri="{91240B29-F687-4f45-9708-019B960494DF}">
-              <a14:hiddenLine xmlns:a14="http://schemas.microsoft.com/office/drawing/2010/main" xmlns="" w="9525">
+              <a14:hiddenLine xmlns="" xmlns:a14="http://schemas.microsoft.com/office/drawing/2010/main" w="9525">
                 <a:solidFill>
                   <a:srgbClr val="000000"/>
                 </a:solidFill>
@@ -8733,14 +8238,14 @@
           </a:ln>
           <a:extLst>
             <a:ext uri="{909E8E84-426E-40dd-AFC4-6F175D3DCCD1}">
-              <a14:hiddenFill xmlns:a14="http://schemas.microsoft.com/office/drawing/2010/main" xmlns="">
+              <a14:hiddenFill xmlns="" xmlns:a14="http://schemas.microsoft.com/office/drawing/2010/main">
                 <a:solidFill>
                   <a:srgbClr val="FFFFFF"/>
                 </a:solidFill>
               </a14:hiddenFill>
             </a:ext>
             <a:ext uri="{91240B29-F687-4f45-9708-019B960494DF}">
-              <a14:hiddenLine xmlns:a14="http://schemas.microsoft.com/office/drawing/2010/main" xmlns="" w="9525">
+              <a14:hiddenLine xmlns="" xmlns:a14="http://schemas.microsoft.com/office/drawing/2010/main" w="9525">
                 <a:solidFill>
                   <a:srgbClr val="000000"/>
                 </a:solidFill>
@@ -9680,14 +9185,14 @@
           </a:ln>
           <a:extLst>
             <a:ext uri="{909E8E84-426E-40dd-AFC4-6F175D3DCCD1}">
-              <a14:hiddenFill xmlns:a14="http://schemas.microsoft.com/office/drawing/2010/main" xmlns="">
+              <a14:hiddenFill xmlns="" xmlns:a14="http://schemas.microsoft.com/office/drawing/2010/main">
                 <a:solidFill>
                   <a:srgbClr val="FFFFFF"/>
                 </a:solidFill>
               </a14:hiddenFill>
             </a:ext>
             <a:ext uri="{91240B29-F687-4f45-9708-019B960494DF}">
-              <a14:hiddenLine xmlns:a14="http://schemas.microsoft.com/office/drawing/2010/main" xmlns="" w="9525">
+              <a14:hiddenLine xmlns="" xmlns:a14="http://schemas.microsoft.com/office/drawing/2010/main" w="9525">
                 <a:solidFill>
                   <a:srgbClr val="000000"/>
                 </a:solidFill>
@@ -9767,7 +9272,7 @@
               <a:defRPr/>
             </a:pPr>
             <a:r>
-              <a:rPr lang="en-US" dirty="0">
+              <a:rPr lang="en-US" dirty="0" smtClean="0">
                 <a:solidFill>
                   <a:srgbClr val="7D868C"/>
                 </a:solidFill>
@@ -9778,7 +9283,7 @@
               <a:t>©</a:t>
             </a:r>
             <a:r>
-              <a:rPr lang="en-US" dirty="0" smtClean="0">
+              <a:rPr lang="is-IS" dirty="0" smtClean="0">
                 <a:solidFill>
                   <a:srgbClr val="7D868C"/>
                 </a:solidFill>
@@ -9786,7 +9291,18 @@
                 <a:ea typeface="+mn-ea"/>
                 <a:cs typeface="+mn-cs"/>
               </a:rPr>
-              <a:t>2016 </a:t>
+              <a:t>2017</a:t>
+            </a:r>
+            <a:r>
+              <a:rPr lang="en-US" dirty="0" smtClean="0">
+                <a:solidFill>
+                  <a:srgbClr val="7D868C"/>
+                </a:solidFill>
+                <a:latin typeface="+mn-lt"/>
+                <a:ea typeface="+mn-ea"/>
+                <a:cs typeface="+mn-cs"/>
+              </a:rPr>
+              <a:t> </a:t>
             </a:r>
             <a:r>
               <a:rPr lang="en-US" dirty="0">
@@ -10460,14 +9976,14 @@
           </a:ln>
           <a:extLst>
             <a:ext uri="{909E8E84-426E-40dd-AFC4-6F175D3DCCD1}">
-              <a14:hiddenFill xmlns:a14="http://schemas.microsoft.com/office/drawing/2010/main" xmlns="">
+              <a14:hiddenFill xmlns="" xmlns:a14="http://schemas.microsoft.com/office/drawing/2010/main">
                 <a:solidFill>
                   <a:srgbClr val="FFFFFF"/>
                 </a:solidFill>
               </a14:hiddenFill>
             </a:ext>
             <a:ext uri="{91240B29-F687-4f45-9708-019B960494DF}">
-              <a14:hiddenLine xmlns:a14="http://schemas.microsoft.com/office/drawing/2010/main" xmlns="" w="9525">
+              <a14:hiddenLine xmlns="" xmlns:a14="http://schemas.microsoft.com/office/drawing/2010/main" w="9525">
                 <a:solidFill>
                   <a:srgbClr val="000000"/>
                 </a:solidFill>
@@ -10547,7 +10063,7 @@
               <a:defRPr/>
             </a:pPr>
             <a:r>
-              <a:rPr lang="en-US" dirty="0">
+              <a:rPr lang="en-US" dirty="0" smtClean="0">
                 <a:solidFill>
                   <a:srgbClr val="7D868C"/>
                 </a:solidFill>
@@ -10558,7 +10074,7 @@
               <a:t>©</a:t>
             </a:r>
             <a:r>
-              <a:rPr lang="en-US" dirty="0" smtClean="0">
+              <a:rPr lang="is-IS" dirty="0" smtClean="0">
                 <a:solidFill>
                   <a:srgbClr val="7D868C"/>
                 </a:solidFill>
@@ -10566,7 +10082,18 @@
                 <a:ea typeface="+mn-ea"/>
                 <a:cs typeface="+mn-cs"/>
               </a:rPr>
-              <a:t>2016 </a:t>
+              <a:t>2017</a:t>
+            </a:r>
+            <a:r>
+              <a:rPr lang="en-US" dirty="0" smtClean="0">
+                <a:solidFill>
+                  <a:srgbClr val="7D868C"/>
+                </a:solidFill>
+                <a:latin typeface="+mn-lt"/>
+                <a:ea typeface="+mn-ea"/>
+                <a:cs typeface="+mn-cs"/>
+              </a:rPr>
+              <a:t> </a:t>
             </a:r>
             <a:r>
               <a:rPr lang="en-US" dirty="0">
